--- a/notes/04-C_Basics.pptx
+++ b/notes/04-C_Basics.pptx
@@ -5,10 +5,10 @@
     <p:sldMasterId id="2147483684" r:id="rId1"/>
   </p:sldMasterIdLst>
   <p:notesMasterIdLst>
-    <p:notesMasterId r:id="rId49"/>
+    <p:notesMasterId r:id="rId51"/>
   </p:notesMasterIdLst>
   <p:handoutMasterIdLst>
-    <p:handoutMasterId r:id="rId50"/>
+    <p:handoutMasterId r:id="rId52"/>
   </p:handoutMasterIdLst>
   <p:sldIdLst>
     <p:sldId id="256" r:id="rId2"/>
@@ -36,28 +36,30 @@
     <p:sldId id="919" r:id="rId24"/>
     <p:sldId id="920" r:id="rId25"/>
     <p:sldId id="921" r:id="rId26"/>
-    <p:sldId id="922" r:id="rId27"/>
-    <p:sldId id="924" r:id="rId28"/>
-    <p:sldId id="976" r:id="rId29"/>
-    <p:sldId id="947" r:id="rId30"/>
-    <p:sldId id="975" r:id="rId31"/>
-    <p:sldId id="980" r:id="rId32"/>
-    <p:sldId id="981" r:id="rId33"/>
-    <p:sldId id="984" r:id="rId34"/>
-    <p:sldId id="939" r:id="rId35"/>
-    <p:sldId id="982" r:id="rId36"/>
-    <p:sldId id="983" r:id="rId37"/>
-    <p:sldId id="977" r:id="rId38"/>
-    <p:sldId id="978" r:id="rId39"/>
-    <p:sldId id="979" r:id="rId40"/>
-    <p:sldId id="951" r:id="rId41"/>
-    <p:sldId id="973" r:id="rId42"/>
-    <p:sldId id="952" r:id="rId43"/>
-    <p:sldId id="953" r:id="rId44"/>
-    <p:sldId id="956" r:id="rId45"/>
-    <p:sldId id="974" r:id="rId46"/>
-    <p:sldId id="958" r:id="rId47"/>
-    <p:sldId id="959" r:id="rId48"/>
+    <p:sldId id="985" r:id="rId27"/>
+    <p:sldId id="922" r:id="rId28"/>
+    <p:sldId id="924" r:id="rId29"/>
+    <p:sldId id="976" r:id="rId30"/>
+    <p:sldId id="947" r:id="rId31"/>
+    <p:sldId id="975" r:id="rId32"/>
+    <p:sldId id="986" r:id="rId33"/>
+    <p:sldId id="980" r:id="rId34"/>
+    <p:sldId id="981" r:id="rId35"/>
+    <p:sldId id="984" r:id="rId36"/>
+    <p:sldId id="939" r:id="rId37"/>
+    <p:sldId id="982" r:id="rId38"/>
+    <p:sldId id="983" r:id="rId39"/>
+    <p:sldId id="977" r:id="rId40"/>
+    <p:sldId id="978" r:id="rId41"/>
+    <p:sldId id="979" r:id="rId42"/>
+    <p:sldId id="951" r:id="rId43"/>
+    <p:sldId id="973" r:id="rId44"/>
+    <p:sldId id="952" r:id="rId45"/>
+    <p:sldId id="953" r:id="rId46"/>
+    <p:sldId id="956" r:id="rId47"/>
+    <p:sldId id="974" r:id="rId48"/>
+    <p:sldId id="958" r:id="rId49"/>
+    <p:sldId id="959" r:id="rId50"/>
   </p:sldIdLst>
   <p:sldSz cx="9144000" cy="6858000" type="screen4x3"/>
   <p:notesSz cx="6858000" cy="9144000"/>
@@ -158,7 +160,7 @@
   </p:defaultTextStyle>
   <p:extLst>
     <p:ext uri="{EFAFB233-063F-42B5-8137-9DF3F51BA10A}">
-      <p15:sldGuideLst xmlns="" xmlns:p15="http://schemas.microsoft.com/office/powerpoint/2012/main">
+      <p15:sldGuideLst xmlns:p15="http://schemas.microsoft.com/office/powerpoint/2012/main" xmlns="">
         <p15:guide id="1" orient="horz" pos="2160">
           <p15:clr>
             <a:srgbClr val="A4A3A4"/>
@@ -257,7 +259,7 @@
           <a:p>
             <a:fld id="{C9615FF3-9FA2-1C4A-AAEA-4750F890D655}" type="datetimeFigureOut">
               <a:rPr lang="en-US" smtClean="0"/>
-              <a:t>9/19/18</a:t>
+              <a:t>2/11/19</a:t>
             </a:fld>
             <a:endParaRPr lang="en-US"/>
           </a:p>
@@ -423,7 +425,7 @@
           <a:p>
             <a:fld id="{52180D89-5C43-EF4A-AA48-38E879565468}" type="datetimeFigureOut">
               <a:rPr lang="en-US" smtClean="0"/>
-              <a:t>9/19/18</a:t>
+              <a:t>2/11/19</a:t>
             </a:fld>
             <a:endParaRPr lang="en-US"/>
           </a:p>
@@ -845,7 +847,7 @@
           <a:p>
             <a:fld id="{8556610F-FCBD-844B-B814-9F48A27EB77F}" type="slidenum">
               <a:rPr lang="en-US" smtClean="0"/>
-              <a:t>44</a:t>
+              <a:t>46</a:t>
             </a:fld>
             <a:endParaRPr lang="en-US"/>
           </a:p>
@@ -933,7 +935,7 @@
           <a:p>
             <a:fld id="{8556610F-FCBD-844B-B814-9F48A27EB77F}" type="slidenum">
               <a:rPr lang="en-US" smtClean="0"/>
-              <a:t>45</a:t>
+              <a:t>47</a:t>
             </a:fld>
             <a:endParaRPr lang="en-US"/>
           </a:p>
@@ -1017,7 +1019,7 @@
           <a:p>
             <a:fld id="{8556610F-FCBD-844B-B814-9F48A27EB77F}" type="slidenum">
               <a:rPr lang="en-US" smtClean="0"/>
-              <a:t>46</a:t>
+              <a:t>48</a:t>
             </a:fld>
             <a:endParaRPr lang="en-US"/>
           </a:p>
@@ -1101,7 +1103,7 @@
           <a:p>
             <a:fld id="{8556610F-FCBD-844B-B814-9F48A27EB77F}" type="slidenum">
               <a:rPr lang="en-US" smtClean="0"/>
-              <a:t>47</a:t>
+              <a:t>49</a:t>
             </a:fld>
             <a:endParaRPr lang="en-US"/>
           </a:p>
@@ -1469,7 +1471,7 @@
           <a:p>
             <a:fld id="{8556610F-FCBD-844B-B814-9F48A27EB77F}" type="slidenum">
               <a:rPr lang="en-US" smtClean="0"/>
-              <a:t>31</a:t>
+              <a:t>33</a:t>
             </a:fld>
             <a:endParaRPr lang="en-US"/>
           </a:p>
@@ -1553,7 +1555,7 @@
           <a:p>
             <a:fld id="{8556610F-FCBD-844B-B814-9F48A27EB77F}" type="slidenum">
               <a:rPr lang="en-US" smtClean="0"/>
-              <a:t>32</a:t>
+              <a:t>34</a:t>
             </a:fld>
             <a:endParaRPr lang="en-US"/>
           </a:p>
@@ -1637,7 +1639,7 @@
           <a:p>
             <a:fld id="{8556610F-FCBD-844B-B814-9F48A27EB77F}" type="slidenum">
               <a:rPr lang="en-US" smtClean="0"/>
-              <a:t>35</a:t>
+              <a:t>37</a:t>
             </a:fld>
             <a:endParaRPr lang="en-US"/>
           </a:p>
@@ -1721,7 +1723,7 @@
           <a:p>
             <a:fld id="{8556610F-FCBD-844B-B814-9F48A27EB77F}" type="slidenum">
               <a:rPr lang="en-US" smtClean="0"/>
-              <a:t>36</a:t>
+              <a:t>38</a:t>
             </a:fld>
             <a:endParaRPr lang="en-US"/>
           </a:p>
@@ -1829,7 +1831,7 @@
           <a:p>
             <a:fld id="{8556610F-FCBD-844B-B814-9F48A27EB77F}" type="slidenum">
               <a:rPr lang="en-US" smtClean="0"/>
-              <a:t>43</a:t>
+              <a:t>45</a:t>
             </a:fld>
             <a:endParaRPr lang="en-US"/>
           </a:p>
@@ -2029,7 +2031,7 @@
           <a:p>
             <a:fld id="{212D147F-079F-4846-994D-0DB4A1A045D4}" type="datetime1">
               <a:rPr lang="zh-CN" altLang="en-US" smtClean="0"/>
-              <a:t>9/19/18</a:t>
+              <a:t>2/11/19</a:t>
             </a:fld>
             <a:endParaRPr lang="en-US"/>
           </a:p>
@@ -2195,7 +2197,7 @@
           <a:p>
             <a:fld id="{17491736-879B-FE48-95EC-EDE8A01D99DB}" type="datetime1">
               <a:rPr lang="zh-CN" altLang="en-US" smtClean="0"/>
-              <a:t>9/19/18</a:t>
+              <a:t>2/11/19</a:t>
             </a:fld>
             <a:endParaRPr lang="en-US"/>
           </a:p>
@@ -2371,7 +2373,7 @@
           <a:p>
             <a:fld id="{B977160F-44E5-DA43-A440-B77513F80BF6}" type="datetime1">
               <a:rPr lang="zh-CN" altLang="en-US" smtClean="0"/>
-              <a:t>9/19/18</a:t>
+              <a:t>2/11/19</a:t>
             </a:fld>
             <a:endParaRPr lang="en-US"/>
           </a:p>
@@ -2537,7 +2539,7 @@
           <a:p>
             <a:fld id="{AE880671-2720-6742-BF3B-130F38BFD6C2}" type="datetime1">
               <a:rPr lang="zh-CN" altLang="en-US" smtClean="0"/>
-              <a:t>9/19/18</a:t>
+              <a:t>2/11/19</a:t>
             </a:fld>
             <a:endParaRPr lang="en-US"/>
           </a:p>
@@ -2779,7 +2781,7 @@
           <a:p>
             <a:fld id="{0C2FF912-C460-F747-A5A7-E580342BDBD8}" type="datetime1">
               <a:rPr lang="zh-CN" altLang="en-US" smtClean="0"/>
-              <a:t>9/19/18</a:t>
+              <a:t>2/11/19</a:t>
             </a:fld>
             <a:endParaRPr lang="en-US"/>
           </a:p>
@@ -3063,7 +3065,7 @@
           <a:p>
             <a:fld id="{1EEB1225-B413-9941-B6FE-722B9F1A3838}" type="datetime1">
               <a:rPr lang="zh-CN" altLang="en-US" smtClean="0"/>
-              <a:t>9/19/18</a:t>
+              <a:t>2/11/19</a:t>
             </a:fld>
             <a:endParaRPr lang="en-US"/>
           </a:p>
@@ -3481,7 +3483,7 @@
           <a:p>
             <a:fld id="{3E24F182-DE75-D141-B72A-8599E29248A5}" type="datetime1">
               <a:rPr lang="zh-CN" altLang="en-US" smtClean="0"/>
-              <a:t>9/19/18</a:t>
+              <a:t>2/11/19</a:t>
             </a:fld>
             <a:endParaRPr lang="en-US"/>
           </a:p>
@@ -3595,7 +3597,7 @@
           <a:p>
             <a:fld id="{8E8C2D7A-8A1B-DA48-9B0B-0DEE102746F0}" type="datetime1">
               <a:rPr lang="zh-CN" altLang="en-US" smtClean="0"/>
-              <a:t>9/19/18</a:t>
+              <a:t>2/11/19</a:t>
             </a:fld>
             <a:endParaRPr lang="en-US"/>
           </a:p>
@@ -3686,7 +3688,7 @@
           <a:p>
             <a:fld id="{4153C787-59C9-0445-8F38-642A8469076F}" type="datetime1">
               <a:rPr lang="zh-CN" altLang="en-US" smtClean="0"/>
-              <a:t>9/19/18</a:t>
+              <a:t>2/11/19</a:t>
             </a:fld>
             <a:endParaRPr lang="en-US"/>
           </a:p>
@@ -3959,7 +3961,7 @@
           <a:p>
             <a:fld id="{44D50209-807A-E542-A52E-D898C2D2B27F}" type="datetime1">
               <a:rPr lang="zh-CN" altLang="en-US" smtClean="0"/>
-              <a:t>9/19/18</a:t>
+              <a:t>2/11/19</a:t>
             </a:fld>
             <a:endParaRPr lang="en-US"/>
           </a:p>
@@ -4212,7 +4214,7 @@
           <a:p>
             <a:fld id="{4EC27158-6770-8C48-8082-76913598A291}" type="datetime1">
               <a:rPr lang="zh-CN" altLang="en-US" smtClean="0"/>
-              <a:t>9/19/18</a:t>
+              <a:t>2/11/19</a:t>
             </a:fld>
             <a:endParaRPr lang="en-US"/>
           </a:p>
@@ -4421,7 +4423,7 @@
           <a:p>
             <a:fld id="{6619FEBD-E571-1443-AA22-BB9E67C15179}" type="datetime1">
               <a:rPr lang="zh-CN" altLang="en-US" smtClean="0"/>
-              <a:t>9/19/18</a:t>
+              <a:t>2/11/19</a:t>
             </a:fld>
             <a:endParaRPr lang="en-US"/>
           </a:p>
@@ -4920,7 +4922,9 @@
           </a:xfrm>
         </p:spPr>
         <p:txBody>
-          <a:bodyPr/>
+          <a:bodyPr>
+            <a:normAutofit fontScale="92500"/>
+          </a:bodyPr>
           <a:lstStyle/>
           <a:p>
             <a:r>
@@ -4934,7 +4938,11 @@
           <a:p>
             <a:r>
               <a:rPr lang="en-US" dirty="0" smtClean="0"/>
-              <a:t>Based on Tiger Wang’s slides</a:t>
+              <a:t>Some are based on </a:t>
+            </a:r>
+            <a:r>
+              <a:rPr lang="en-US" dirty="0" smtClean="0"/>
+              <a:t>Tiger Wang’s slides</a:t>
             </a:r>
             <a:endParaRPr lang="en-US" dirty="0"/>
           </a:p>
@@ -11971,14 +11979,14 @@
           <p:nvPr>
             <p:extLst>
               <p:ext uri="{D42A27DB-BD31-4B8C-83A1-F6EECF244321}">
-                <p14:modId xmlns:p14="http://schemas.microsoft.com/office/powerpoint/2010/main" val="81754470"/>
+                <p14:modId xmlns:p14="http://schemas.microsoft.com/office/powerpoint/2010/main" val="1950313277"/>
               </p:ext>
             </p:extLst>
           </p:nvPr>
         </p:nvGraphicFramePr>
         <p:xfrm>
           <a:off x="396789" y="1761506"/>
-          <a:ext cx="8290011" cy="2966720"/>
+          <a:ext cx="8290011" cy="3235960"/>
         </p:xfrm>
         <a:graphic>
           <a:graphicData uri="http://schemas.openxmlformats.org/drawingml/2006/table">
@@ -12104,9 +12112,47 @@
                           <a:latin typeface="Verdana"/>
                           <a:cs typeface="Verdana"/>
                         </a:rPr>
-                        <a:t>char c = ‘a’ </a:t>
+                        <a:t>char c = </a:t>
+                      </a:r>
+                      <a:r>
+                        <a:rPr lang="en-US" altLang="zh-CN" sz="1800" dirty="0" smtClean="0">
+                          <a:latin typeface="Verdana"/>
+                          <a:cs typeface="Verdana"/>
+                        </a:rPr>
+                        <a:t>12 </a:t>
+                      </a:r>
+                    </a:p>
+                    <a:p>
+                      <a:r>
+                        <a:rPr lang="en-US" altLang="zh-CN" sz="1800" dirty="0" smtClean="0">
+                          <a:solidFill>
+                            <a:schemeClr val="bg1">
+                              <a:lumMod val="50000"/>
+                            </a:schemeClr>
+                          </a:solidFill>
+                          <a:latin typeface="Verdana"/>
+                          <a:cs typeface="Verdana"/>
+                        </a:rPr>
+                        <a:t>char</a:t>
+                      </a:r>
+                      <a:r>
+                        <a:rPr lang="en-US" altLang="zh-CN" sz="1800" baseline="0" dirty="0" smtClean="0">
+                          <a:solidFill>
+                            <a:schemeClr val="bg1">
+                              <a:lumMod val="50000"/>
+                            </a:schemeClr>
+                          </a:solidFill>
+                          <a:latin typeface="Verdana"/>
+                          <a:cs typeface="Verdana"/>
+                        </a:rPr>
+                        <a:t> c = ‘a’</a:t>
                       </a:r>
                       <a:endParaRPr lang="zh-CN" altLang="en-US" sz="1800" dirty="0">
+                        <a:solidFill>
+                          <a:schemeClr val="bg1">
+                            <a:lumMod val="50000"/>
+                          </a:schemeClr>
+                        </a:solidFill>
                         <a:latin typeface="Verdana"/>
                         <a:cs typeface="Verdana"/>
                       </a:endParaRPr>
@@ -12504,12 +12550,18 @@
                     <a:p>
                       <a:r>
                         <a:rPr lang="en-US" altLang="zh-CN" sz="1800" dirty="0" smtClean="0">
+                          <a:solidFill>
+                            <a:srgbClr val="7F7F7F"/>
+                          </a:solidFill>
                           <a:latin typeface="Verdana"/>
                           <a:cs typeface="Verdana"/>
                         </a:rPr>
                         <a:t>int *x = &amp;i</a:t>
                       </a:r>
                       <a:endParaRPr lang="zh-CN" altLang="en-US" sz="1800" dirty="0">
+                        <a:solidFill>
+                          <a:srgbClr val="7F7F7F"/>
+                        </a:solidFill>
                         <a:latin typeface="Verdana"/>
                         <a:cs typeface="Verdana"/>
                       </a:endParaRPr>
@@ -13618,7 +13670,7 @@
         <p:spPr>
           <a:xfrm>
             <a:off x="638013" y="5822306"/>
-            <a:ext cx="6710324" cy="461665"/>
+            <a:ext cx="6333034" cy="461665"/>
           </a:xfrm>
           <a:prstGeom prst="rect">
             <a:avLst/>
@@ -13665,47 +13717,17 @@
                 <a:solidFill>
                   <a:srgbClr val="FF0000"/>
                 </a:solidFill>
-                <a:latin typeface="Arial"/>
-                <a:cs typeface="Arial"/>
-              </a:rPr>
-              <a:t>(</a:t>
-            </a:r>
-            <a:r>
-              <a:rPr kumimoji="1" lang="cs-CZ" altLang="zh-CN" sz="2000" dirty="0">
-                <a:solidFill>
-                  <a:srgbClr val="FF0000"/>
-                </a:solidFill>
-                <a:latin typeface="Arial"/>
-                <a:cs typeface="Arial"/>
-              </a:rPr>
-              <a:t>4294967295</a:t>
-            </a:r>
-            <a:r>
-              <a:rPr kumimoji="1" lang="en-US" altLang="zh-CN" sz="2000" dirty="0" smtClean="0">
-                <a:solidFill>
-                  <a:srgbClr val="FF0000"/>
-                </a:solidFill>
-                <a:latin typeface="Arial"/>
-                <a:cs typeface="Arial"/>
-              </a:rPr>
-              <a:t>)</a:t>
-            </a:r>
-            <a:r>
-              <a:rPr kumimoji="1" lang="en-US" altLang="zh-CN" sz="2000" baseline="-25000" dirty="0" smtClean="0">
-                <a:solidFill>
-                  <a:srgbClr val="FF0000"/>
-                </a:solidFill>
-                <a:latin typeface="Arial"/>
-                <a:cs typeface="Arial"/>
-              </a:rPr>
-              <a:t>10</a:t>
+                <a:latin typeface="Consolas"/>
+                <a:cs typeface="Consolas"/>
+              </a:rPr>
+              <a:t>0xffffffff</a:t>
             </a:r>
             <a:endParaRPr lang="zh-CN" altLang="en-US" sz="2000" baseline="-25000" dirty="0">
               <a:solidFill>
                 <a:srgbClr val="FF0000"/>
               </a:solidFill>
-              <a:latin typeface="Arial"/>
-              <a:cs typeface="Arial"/>
+              <a:latin typeface="Consolas"/>
+              <a:cs typeface="Consolas"/>
             </a:endParaRPr>
           </a:p>
         </p:txBody>
@@ -14846,7 +14868,7 @@
           <a:graphicData uri="http://schemas.openxmlformats.org/presentationml/2006/ole">
             <mc:AlternateContent xmlns:mc="http://schemas.openxmlformats.org/markup-compatibility/2006">
               <mc:Choice xmlns:v="urn:schemas-microsoft-com:vml" Requires="v">
-                <p:oleObj spid="_x0000_s1200" name="文档" r:id="rId3" imgW="6248400" imgH="1384300" progId="Word.Document.8">
+                <p:oleObj spid="_x0000_s1220" name="文档" r:id="rId3" imgW="6248400" imgH="1384300" progId="Word.Document.8">
                   <p:embed/>
                 </p:oleObj>
               </mc:Choice>
@@ -15282,7 +15304,9 @@
           </a:xfrm>
         </p:spPr>
         <p:txBody>
-          <a:bodyPr/>
+          <a:bodyPr>
+            <a:normAutofit/>
+          </a:bodyPr>
           <a:lstStyle/>
           <a:p>
             <a:r>
@@ -15314,18 +15338,57 @@
                 <a:latin typeface="Verdana"/>
                 <a:cs typeface="Verdana"/>
               </a:rPr>
-              <a:t>any bit &amp; 0 = 0</a:t>
-            </a:r>
-          </a:p>
-          <a:p>
-            <a:pPr lvl="1"/>
+              <a:t>Let b be an arbitrary bit,  then b</a:t>
+            </a:r>
             <a:r>
               <a:rPr kumimoji="1" lang="en-US" altLang="zh-CN" dirty="0" smtClean="0">
                 <a:latin typeface="Verdana"/>
                 <a:cs typeface="Verdana"/>
               </a:rPr>
-              <a:t>any bit &amp; 1 = unchanged</a:t>
-            </a:r>
+              <a:t> </a:t>
+            </a:r>
+            <a:r>
+              <a:rPr kumimoji="1" lang="en-US" altLang="zh-CN" dirty="0" smtClean="0">
+                <a:latin typeface="Verdana"/>
+                <a:cs typeface="Verdana"/>
+              </a:rPr>
+              <a:t>&amp; 0 = 0</a:t>
+            </a:r>
+          </a:p>
+          <a:p>
+            <a:pPr lvl="1"/>
+            <a:r>
+              <a:rPr kumimoji="1" lang="en-US" altLang="zh-CN" dirty="0" smtClean="0">
+                <a:latin typeface="Verdana"/>
+                <a:cs typeface="Verdana"/>
+              </a:rPr>
+              <a:t>Let b be an arbitrary bit, </a:t>
+            </a:r>
+            <a:r>
+              <a:rPr kumimoji="1" lang="en-US" altLang="zh-CN" dirty="0" smtClean="0">
+                <a:latin typeface="Verdana"/>
+                <a:cs typeface="Verdana"/>
+              </a:rPr>
+              <a:t> then b &amp; </a:t>
+            </a:r>
+            <a:r>
+              <a:rPr kumimoji="1" lang="en-US" altLang="zh-CN" dirty="0" smtClean="0">
+                <a:latin typeface="Verdana"/>
+                <a:cs typeface="Verdana"/>
+              </a:rPr>
+              <a:t>1 = </a:t>
+            </a:r>
+            <a:r>
+              <a:rPr kumimoji="1" lang="en-US" altLang="zh-CN" dirty="0" smtClean="0">
+                <a:latin typeface="Verdana"/>
+                <a:cs typeface="Verdana"/>
+              </a:rPr>
+              <a:t>b</a:t>
+            </a:r>
+            <a:endParaRPr kumimoji="1" lang="en-US" altLang="zh-CN" dirty="0" smtClean="0">
+              <a:latin typeface="Verdana"/>
+              <a:cs typeface="Verdana"/>
+            </a:endParaRPr>
           </a:p>
         </p:txBody>
       </p:sp>
@@ -15888,7 +15951,7 @@
           <a:graphicData uri="http://schemas.openxmlformats.org/presentationml/2006/ole">
             <mc:AlternateContent xmlns:mc="http://schemas.openxmlformats.org/markup-compatibility/2006">
               <mc:Choice xmlns:v="urn:schemas-microsoft-com:vml" Requires="v">
-                <p:oleObj spid="_x0000_s49325" name="Document" r:id="rId3" imgW="6243320" imgH="1376680" progId="Word.Document.8">
+                <p:oleObj spid="_x0000_s49345" name="Document" r:id="rId3" imgW="6243320" imgH="1376680" progId="Word.Document.8">
                   <p:embed/>
                 </p:oleObj>
               </mc:Choice>
@@ -15990,15 +16053,7 @@
           <a:p>
             <a:r>
               <a:rPr lang="en-US" sz="2800" dirty="0" smtClean="0"/>
-              <a:t>Result of 0x69 </a:t>
-            </a:r>
-            <a:r>
-              <a:rPr lang="en-US" sz="2800" dirty="0" smtClean="0"/>
-              <a:t>| </a:t>
-            </a:r>
-            <a:r>
-              <a:rPr lang="en-US" sz="2800" dirty="0" smtClean="0"/>
-              <a:t>0x55</a:t>
+              <a:t>Result of 0x69 | 0x55</a:t>
             </a:r>
             <a:endParaRPr lang="en-US" sz="2800" dirty="0"/>
           </a:p>
@@ -16081,7 +16136,9 @@
           </a:xfrm>
         </p:spPr>
         <p:txBody>
-          <a:bodyPr/>
+          <a:bodyPr>
+            <a:normAutofit/>
+          </a:bodyPr>
           <a:lstStyle/>
           <a:p>
             <a:r>
@@ -16099,18 +16156,50 @@
                 <a:latin typeface="Verdana"/>
                 <a:cs typeface="Verdana"/>
               </a:rPr>
-              <a:t>any bit | 1 = 1</a:t>
-            </a:r>
-          </a:p>
-          <a:p>
-            <a:pPr lvl="1"/>
+              <a:t>Let b be an arbitrary bit, then b </a:t>
+            </a:r>
             <a:r>
               <a:rPr kumimoji="1" lang="en-US" altLang="zh-CN" dirty="0" smtClean="0">
                 <a:latin typeface="Verdana"/>
                 <a:cs typeface="Verdana"/>
               </a:rPr>
-              <a:t>any bit | 0 = unchanged</a:t>
-            </a:r>
+              <a:t>| </a:t>
+            </a:r>
+            <a:r>
+              <a:rPr kumimoji="1" lang="en-US" altLang="zh-CN" dirty="0" smtClean="0">
+                <a:latin typeface="Verdana"/>
+                <a:cs typeface="Verdana"/>
+              </a:rPr>
+              <a:t>1 = 1</a:t>
+            </a:r>
+          </a:p>
+          <a:p>
+            <a:pPr lvl="1"/>
+            <a:r>
+              <a:rPr kumimoji="1" lang="en-US" altLang="zh-CN" dirty="0" smtClean="0">
+                <a:latin typeface="Verdana"/>
+                <a:cs typeface="Verdana"/>
+              </a:rPr>
+              <a:t>Let b be an arbitrary bit, then b | </a:t>
+            </a:r>
+            <a:r>
+              <a:rPr kumimoji="1" lang="en-US" altLang="zh-CN" dirty="0" smtClean="0">
+                <a:latin typeface="Verdana"/>
+                <a:cs typeface="Verdana"/>
+              </a:rPr>
+              <a:t>0 = </a:t>
+            </a:r>
+            <a:r>
+              <a:rPr kumimoji="1" lang="en-US" altLang="zh-CN" dirty="0" smtClean="0">
+                <a:latin typeface="Verdana"/>
+                <a:cs typeface="Verdana"/>
+              </a:rPr>
+              <a:t>b</a:t>
+            </a:r>
+            <a:endParaRPr kumimoji="1" lang="en-US" altLang="zh-CN" dirty="0" smtClean="0">
+              <a:latin typeface="Verdana"/>
+              <a:cs typeface="Verdana"/>
+            </a:endParaRPr>
           </a:p>
           <a:p>
             <a:pPr lvl="1"/>
@@ -16518,7 +16607,7 @@
           <a:graphicData uri="http://schemas.openxmlformats.org/presentationml/2006/ole">
             <mc:AlternateContent xmlns:mc="http://schemas.openxmlformats.org/markup-compatibility/2006">
               <mc:Choice xmlns:v="urn:schemas-microsoft-com:vml" Requires="v">
-                <p:oleObj spid="_x0000_s46578" name="Document" r:id="rId3" imgW="6243320" imgH="1376680" progId="Word.Document.8">
+                <p:oleObj spid="_x0000_s46598" name="Document" r:id="rId3" imgW="6243320" imgH="1376680" progId="Word.Document.8">
                   <p:embed/>
                 </p:oleObj>
               </mc:Choice>
@@ -16940,7 +17029,7 @@
           <a:graphicData uri="http://schemas.openxmlformats.org/presentationml/2006/ole">
             <mc:AlternateContent xmlns:mc="http://schemas.openxmlformats.org/markup-compatibility/2006">
               <mc:Choice xmlns:v="urn:schemas-microsoft-com:vml" Requires="v">
-                <p:oleObj spid="_x0000_s48616" name="Document" r:id="rId3" imgW="6243320" imgH="1376680" progId="Word.Document.8">
+                <p:oleObj spid="_x0000_s48636" name="Document" r:id="rId3" imgW="6243320" imgH="1376680" progId="Word.Document.8">
                   <p:embed/>
                 </p:oleObj>
               </mc:Choice>
@@ -17266,6 +17355,95 @@
 </file>
 
 <file path=ppt/slides/slide26.xml><?xml version="1.0" encoding="utf-8"?>
+<p:sld xmlns:a="http://schemas.openxmlformats.org/drawingml/2006/main" xmlns:r="http://schemas.openxmlformats.org/officeDocument/2006/relationships" xmlns:p="http://schemas.openxmlformats.org/presentationml/2006/main">
+  <p:cSld>
+    <p:spTree>
+      <p:nvGrpSpPr>
+        <p:cNvPr id="1" name=""/>
+        <p:cNvGrpSpPr/>
+        <p:nvPr/>
+      </p:nvGrpSpPr>
+      <p:grpSpPr>
+        <a:xfrm>
+          <a:off x="0" y="0"/>
+          <a:ext cx="0" cy="0"/>
+          <a:chOff x="0" y="0"/>
+          <a:chExt cx="0" cy="0"/>
+        </a:xfrm>
+      </p:grpSpPr>
+      <p:sp>
+        <p:nvSpPr>
+          <p:cNvPr id="2" name="Title 1"/>
+          <p:cNvSpPr>
+            <a:spLocks noGrp="1"/>
+          </p:cNvSpPr>
+          <p:nvPr>
+            <p:ph type="title"/>
+          </p:nvPr>
+        </p:nvSpPr>
+        <p:spPr/>
+        <p:txBody>
+          <a:bodyPr/>
+          <a:lstStyle/>
+          <a:p>
+            <a:r>
+              <a:rPr lang="en-US" dirty="0" smtClean="0"/>
+              <a:t>Example use of ^ (XOR)</a:t>
+            </a:r>
+            <a:endParaRPr lang="en-US" dirty="0"/>
+          </a:p>
+        </p:txBody>
+      </p:sp>
+      <p:sp>
+        <p:nvSpPr>
+          <p:cNvPr id="3" name="Content Placeholder 2"/>
+          <p:cNvSpPr>
+            <a:spLocks noGrp="1"/>
+          </p:cNvSpPr>
+          <p:nvPr>
+            <p:ph idx="1"/>
+          </p:nvPr>
+        </p:nvSpPr>
+        <p:spPr/>
+        <p:txBody>
+          <a:bodyPr/>
+          <a:lstStyle/>
+          <a:p>
+            <a:r>
+              <a:rPr lang="en-US" dirty="0" smtClean="0"/>
+              <a:t>Often used in encryption/decryption, checksum calculation</a:t>
+            </a:r>
+          </a:p>
+          <a:p>
+            <a:r>
+              <a:rPr lang="en-US" dirty="0" smtClean="0"/>
+              <a:t>Let x be any integer, what is x ^ x?</a:t>
+            </a:r>
+            <a:endParaRPr lang="en-US" dirty="0"/>
+          </a:p>
+        </p:txBody>
+      </p:sp>
+    </p:spTree>
+    <p:extLst>
+      <p:ext uri="{BB962C8B-B14F-4D97-AF65-F5344CB8AC3E}">
+        <p14:creationId xmlns:p14="http://schemas.microsoft.com/office/powerpoint/2010/main" val="1601622637"/>
+      </p:ext>
+    </p:extLst>
+  </p:cSld>
+  <p:clrMapOvr>
+    <a:masterClrMapping/>
+  </p:clrMapOvr>
+  <p:timing>
+    <p:tnLst>
+      <p:par>
+        <p:cTn xmlns:p14="http://schemas.microsoft.com/office/powerpoint/2010/main" id="1" dur="indefinite" restart="never" nodeType="tmRoot"/>
+      </p:par>
+    </p:tnLst>
+  </p:timing>
+</p:sld>
+</file>
+
+<file path=ppt/slides/slide27.xml><?xml version="1.0" encoding="utf-8"?>
 <p:sld xmlns:a="http://schemas.openxmlformats.org/drawingml/2006/main" xmlns:r="http://schemas.openxmlformats.org/officeDocument/2006/relationships" xmlns:p="http://schemas.openxmlformats.org/presentationml/2006/main">
   <p:cSld>
     <p:spTree>
@@ -17602,7 +17780,7 @@
 </p:sld>
 </file>
 
-<file path=ppt/slides/slide27.xml><?xml version="1.0" encoding="utf-8"?>
+<file path=ppt/slides/slide28.xml><?xml version="1.0" encoding="utf-8"?>
 <p:sld xmlns:a="http://schemas.openxmlformats.org/drawingml/2006/main" xmlns:r="http://schemas.openxmlformats.org/officeDocument/2006/relationships" xmlns:p="http://schemas.openxmlformats.org/presentationml/2006/main">
   <p:cSld>
     <p:spTree>
@@ -17987,7 +18165,7 @@
 </p:sld>
 </file>
 
-<file path=ppt/slides/slide28.xml><?xml version="1.0" encoding="utf-8"?>
+<file path=ppt/slides/slide29.xml><?xml version="1.0" encoding="utf-8"?>
 <p:sld xmlns:a="http://schemas.openxmlformats.org/drawingml/2006/main" xmlns:r="http://schemas.openxmlformats.org/officeDocument/2006/relationships" xmlns:p="http://schemas.openxmlformats.org/presentationml/2006/main">
   <p:cSld>
     <p:spTree>
@@ -18416,461 +18594,6 @@
 </p:sld>
 </file>
 
-<file path=ppt/slides/slide29.xml><?xml version="1.0" encoding="utf-8"?>
-<p:sld xmlns:a="http://schemas.openxmlformats.org/drawingml/2006/main" xmlns:r="http://schemas.openxmlformats.org/officeDocument/2006/relationships" xmlns:p="http://schemas.openxmlformats.org/presentationml/2006/main">
-  <p:cSld>
-    <p:spTree>
-      <p:nvGrpSpPr>
-        <p:cNvPr id="1" name=""/>
-        <p:cNvGrpSpPr/>
-        <p:nvPr/>
-      </p:nvGrpSpPr>
-      <p:grpSpPr>
-        <a:xfrm>
-          <a:off x="0" y="0"/>
-          <a:ext cx="0" cy="0"/>
-          <a:chOff x="0" y="0"/>
-          <a:chExt cx="0" cy="0"/>
-        </a:xfrm>
-      </p:grpSpPr>
-      <p:sp>
-        <p:nvSpPr>
-          <p:cNvPr id="2" name="标题 1"/>
-          <p:cNvSpPr>
-            <a:spLocks noGrp="1"/>
-          </p:cNvSpPr>
-          <p:nvPr>
-            <p:ph type="title"/>
-          </p:nvPr>
-        </p:nvSpPr>
-        <p:spPr/>
-        <p:txBody>
-          <a:bodyPr>
-            <a:normAutofit/>
-          </a:bodyPr>
-          <a:lstStyle/>
-          <a:p>
-            <a:r>
-              <a:rPr kumimoji="1" lang="en-US" altLang="zh-CN" dirty="0" smtClean="0"/>
-              <a:t>Which shift is used in C ?</a:t>
-            </a:r>
-            <a:endParaRPr kumimoji="1" lang="zh-CN" altLang="en-US" dirty="0"/>
-          </a:p>
-        </p:txBody>
-      </p:sp>
-      <p:sp>
-        <p:nvSpPr>
-          <p:cNvPr id="3" name="内容占位符 2"/>
-          <p:cNvSpPr>
-            <a:spLocks noGrp="1"/>
-          </p:cNvSpPr>
-          <p:nvPr>
-            <p:ph idx="1"/>
-          </p:nvPr>
-        </p:nvSpPr>
-        <p:spPr/>
-        <p:txBody>
-          <a:bodyPr/>
-          <a:lstStyle/>
-          <a:p>
-            <a:pPr marL="0" indent="0">
-              <a:buNone/>
-            </a:pPr>
-            <a:r>
-              <a:rPr kumimoji="1" lang="en-US" altLang="zh-CN" dirty="0" smtClean="0"/>
-              <a:t>Arithmetic shift for signed numbers</a:t>
-            </a:r>
-          </a:p>
-          <a:p>
-            <a:pPr marL="0" indent="0">
-              <a:buNone/>
-            </a:pPr>
-            <a:r>
-              <a:rPr kumimoji="1" lang="en-US" altLang="zh-CN" dirty="0" smtClean="0"/>
-              <a:t>Logical shifting on unsigned numbers</a:t>
-            </a:r>
-            <a:endParaRPr kumimoji="1" lang="zh-CN" altLang="en-US" dirty="0"/>
-          </a:p>
-        </p:txBody>
-      </p:sp>
-      <p:sp>
-        <p:nvSpPr>
-          <p:cNvPr id="4" name="矩形 3"/>
-          <p:cNvSpPr/>
-          <p:nvPr/>
-        </p:nvSpPr>
-        <p:spPr>
-          <a:xfrm>
-            <a:off x="633925" y="2873684"/>
-            <a:ext cx="8270185" cy="3108544"/>
-          </a:xfrm>
-          <a:prstGeom prst="rect">
-            <a:avLst/>
-          </a:prstGeom>
-        </p:spPr>
-        <p:txBody>
-          <a:bodyPr wrap="square">
-            <a:spAutoFit/>
-          </a:bodyPr>
-          <a:lstStyle/>
-          <a:p>
-            <a:r>
-              <a:rPr lang="en-US" altLang="zh-CN" sz="2800" dirty="0">
-                <a:latin typeface="Consolas"/>
-                <a:cs typeface="Consolas"/>
-              </a:rPr>
-              <a:t>#include &lt;</a:t>
-            </a:r>
-            <a:r>
-              <a:rPr lang="en-US" altLang="zh-CN" sz="2800" dirty="0" err="1">
-                <a:latin typeface="Consolas"/>
-                <a:cs typeface="Consolas"/>
-              </a:rPr>
-              <a:t>stdio.h</a:t>
-            </a:r>
-            <a:r>
-              <a:rPr lang="en-US" altLang="zh-CN" sz="2800" dirty="0">
-                <a:latin typeface="Consolas"/>
-                <a:cs typeface="Consolas"/>
-              </a:rPr>
-              <a:t>&gt;</a:t>
-            </a:r>
-          </a:p>
-          <a:p>
-            <a:r>
-              <a:rPr lang="en-US" altLang="zh-CN" sz="2800" dirty="0">
-                <a:latin typeface="Consolas"/>
-                <a:cs typeface="Consolas"/>
-              </a:rPr>
-              <a:t>int main()</a:t>
-            </a:r>
-          </a:p>
-          <a:p>
-            <a:r>
-              <a:rPr lang="en-US" altLang="zh-CN" sz="2800" dirty="0">
-                <a:latin typeface="Consolas"/>
-                <a:cs typeface="Consolas"/>
-              </a:rPr>
-              <a:t>{</a:t>
-            </a:r>
-          </a:p>
-          <a:p>
-            <a:r>
-              <a:rPr lang="mr-IN" altLang="zh-CN" sz="2800" dirty="0">
-                <a:latin typeface="Consolas"/>
-                <a:cs typeface="Consolas"/>
-              </a:rPr>
-              <a:t>  </a:t>
-            </a:r>
-            <a:r>
-              <a:rPr lang="mr-IN" altLang="zh-CN" sz="2800" dirty="0" smtClean="0">
-                <a:latin typeface="Consolas"/>
-                <a:cs typeface="Consolas"/>
-              </a:rPr>
-              <a:t>int </a:t>
-            </a:r>
-            <a:r>
-              <a:rPr lang="en-US" altLang="zh-CN" sz="2800" dirty="0">
-                <a:latin typeface="Consolas"/>
-                <a:cs typeface="Consolas"/>
-              </a:rPr>
-              <a:t>a</a:t>
-            </a:r>
-            <a:r>
-              <a:rPr lang="mr-IN" altLang="zh-CN" sz="2800" dirty="0" smtClean="0">
-                <a:latin typeface="Consolas"/>
-                <a:cs typeface="Consolas"/>
-              </a:rPr>
-              <a:t> </a:t>
-            </a:r>
-            <a:r>
-              <a:rPr lang="mr-IN" altLang="zh-CN" sz="2800" dirty="0">
-                <a:latin typeface="Consolas"/>
-                <a:cs typeface="Consolas"/>
-              </a:rPr>
-              <a:t>= </a:t>
-            </a:r>
-            <a:r>
-              <a:rPr lang="en-US" altLang="zh-CN" sz="2800" dirty="0" smtClean="0">
-                <a:latin typeface="Consolas"/>
-                <a:cs typeface="Consolas"/>
-              </a:rPr>
-              <a:t>-</a:t>
-            </a:r>
-            <a:r>
-              <a:rPr lang="mr-IN" altLang="zh-CN" sz="2800" dirty="0" smtClean="0">
-                <a:latin typeface="Consolas"/>
-                <a:cs typeface="Consolas"/>
-              </a:rPr>
-              <a:t>1</a:t>
-            </a:r>
-            <a:r>
-              <a:rPr lang="mr-IN" altLang="zh-CN" sz="2800" dirty="0">
-                <a:latin typeface="Consolas"/>
-                <a:cs typeface="Consolas"/>
-              </a:rPr>
-              <a:t>;</a:t>
-            </a:r>
-          </a:p>
-          <a:p>
-            <a:r>
-              <a:rPr lang="en-US" altLang="zh-CN" sz="2800" dirty="0">
-                <a:latin typeface="Consolas"/>
-                <a:cs typeface="Consolas"/>
-              </a:rPr>
-              <a:t>  </a:t>
-            </a:r>
-            <a:r>
-              <a:rPr lang="en-US" altLang="zh-CN" sz="2800" dirty="0" smtClean="0">
-                <a:latin typeface="Consolas"/>
-                <a:cs typeface="Consolas"/>
-              </a:rPr>
-              <a:t>unsigned </a:t>
-            </a:r>
-            <a:r>
-              <a:rPr lang="en-US" altLang="zh-CN" sz="2800" dirty="0" err="1">
-                <a:latin typeface="Consolas"/>
-                <a:cs typeface="Consolas"/>
-              </a:rPr>
-              <a:t>int</a:t>
-            </a:r>
-            <a:r>
-              <a:rPr lang="en-US" altLang="zh-CN" sz="2800" dirty="0">
-                <a:latin typeface="Consolas"/>
-                <a:cs typeface="Consolas"/>
-              </a:rPr>
-              <a:t> </a:t>
-            </a:r>
-            <a:r>
-              <a:rPr lang="en-US" altLang="zh-CN" sz="2800" dirty="0" smtClean="0">
-                <a:latin typeface="Consolas"/>
-                <a:cs typeface="Consolas"/>
-              </a:rPr>
-              <a:t>b </a:t>
-            </a:r>
-            <a:r>
-              <a:rPr lang="en-US" altLang="zh-CN" sz="2800" dirty="0">
-                <a:latin typeface="Consolas"/>
-                <a:cs typeface="Consolas"/>
-              </a:rPr>
-              <a:t>= 1;</a:t>
-            </a:r>
-          </a:p>
-          <a:p>
-            <a:r>
-              <a:rPr lang="mr-IN" altLang="zh-CN" sz="2800" dirty="0">
-                <a:latin typeface="Consolas"/>
-                <a:cs typeface="Consolas"/>
-              </a:rPr>
-              <a:t>  printf("%d  %d\n", </a:t>
-            </a:r>
-            <a:r>
-              <a:rPr lang="en-US" altLang="zh-CN" sz="2800" dirty="0" smtClean="0">
-                <a:latin typeface="Consolas"/>
-                <a:cs typeface="Consolas"/>
-              </a:rPr>
-              <a:t>a</a:t>
-            </a:r>
-            <a:r>
-              <a:rPr lang="mr-IN" altLang="zh-CN" sz="2800" dirty="0" smtClean="0">
-                <a:latin typeface="Consolas"/>
-                <a:cs typeface="Consolas"/>
-              </a:rPr>
-              <a:t>&gt;</a:t>
-            </a:r>
-            <a:r>
-              <a:rPr lang="mr-IN" altLang="zh-CN" sz="2800" dirty="0">
-                <a:latin typeface="Consolas"/>
-                <a:cs typeface="Consolas"/>
-              </a:rPr>
-              <a:t>&gt;10, </a:t>
-            </a:r>
-            <a:r>
-              <a:rPr lang="en-US" altLang="zh-CN" sz="2800" dirty="0" smtClean="0">
-                <a:latin typeface="Consolas"/>
-                <a:cs typeface="Consolas"/>
-              </a:rPr>
-              <a:t>b&gt;</a:t>
-            </a:r>
-            <a:r>
-              <a:rPr lang="mr-IN" altLang="zh-CN" sz="2800" dirty="0" smtClean="0">
-                <a:latin typeface="Consolas"/>
-                <a:cs typeface="Consolas"/>
-              </a:rPr>
-              <a:t>&gt;</a:t>
-            </a:r>
-            <a:r>
-              <a:rPr lang="mr-IN" altLang="zh-CN" sz="2800" dirty="0">
-                <a:latin typeface="Consolas"/>
-                <a:cs typeface="Consolas"/>
-              </a:rPr>
-              <a:t>10);</a:t>
-            </a:r>
-          </a:p>
-          <a:p>
-            <a:r>
-              <a:rPr lang="mr-IN" altLang="zh-CN" sz="2800" dirty="0">
-                <a:latin typeface="Consolas"/>
-                <a:cs typeface="Consolas"/>
-              </a:rPr>
-              <a:t>}</a:t>
-            </a:r>
-          </a:p>
-        </p:txBody>
-      </p:sp>
-      <p:sp>
-        <p:nvSpPr>
-          <p:cNvPr id="5" name="TextBox 4"/>
-          <p:cNvSpPr txBox="1"/>
-          <p:nvPr/>
-        </p:nvSpPr>
-        <p:spPr>
-          <a:xfrm>
-            <a:off x="1519662" y="5982228"/>
-            <a:ext cx="3205865" cy="523220"/>
-          </a:xfrm>
-          <a:prstGeom prst="rect">
-            <a:avLst/>
-          </a:prstGeom>
-          <a:solidFill>
-            <a:schemeClr val="accent1">
-              <a:lumMod val="40000"/>
-              <a:lumOff val="60000"/>
-            </a:schemeClr>
-          </a:solidFill>
-        </p:spPr>
-        <p:txBody>
-          <a:bodyPr wrap="square" rtlCol="0">
-            <a:spAutoFit/>
-          </a:bodyPr>
-          <a:lstStyle/>
-          <a:p>
-            <a:r>
-              <a:rPr lang="en-US" sz="2800" dirty="0" smtClean="0">
-                <a:latin typeface="Consolas"/>
-                <a:cs typeface="Consolas"/>
-              </a:rPr>
-              <a:t>Result: </a:t>
-            </a:r>
-            <a:r>
-              <a:rPr lang="en-US" sz="2800" dirty="0" smtClean="0">
-                <a:latin typeface="Consolas"/>
-                <a:cs typeface="Consolas"/>
-              </a:rPr>
-              <a:t>-1</a:t>
-            </a:r>
-            <a:r>
-              <a:rPr lang="en-US" sz="2800" dirty="0" smtClean="0">
-                <a:latin typeface="Consolas"/>
-                <a:cs typeface="Consolas"/>
-              </a:rPr>
-              <a:t> </a:t>
-            </a:r>
-            <a:r>
-              <a:rPr lang="en-US" sz="2800" dirty="0" smtClean="0">
-                <a:latin typeface="Consolas"/>
-                <a:cs typeface="Consolas"/>
-              </a:rPr>
-              <a:t>0</a:t>
-            </a:r>
-            <a:endParaRPr lang="en-US" sz="2800" dirty="0">
-              <a:latin typeface="Consolas"/>
-              <a:cs typeface="Consolas"/>
-            </a:endParaRPr>
-          </a:p>
-        </p:txBody>
-      </p:sp>
-    </p:spTree>
-    <p:extLst>
-      <p:ext uri="{BB962C8B-B14F-4D97-AF65-F5344CB8AC3E}">
-        <p14:creationId xmlns:p14="http://schemas.microsoft.com/office/powerpoint/2010/main" val="2254513208"/>
-      </p:ext>
-    </p:extLst>
-  </p:cSld>
-  <p:clrMapOvr>
-    <a:masterClrMapping/>
-  </p:clrMapOvr>
-  <p:timing>
-    <p:tnLst>
-      <p:par>
-        <p:cTn xmlns:p14="http://schemas.microsoft.com/office/powerpoint/2010/main" id="1" dur="indefinite" restart="never" nodeType="tmRoot">
-          <p:childTnLst>
-            <p:seq concurrent="1" nextAc="seek">
-              <p:cTn id="2" dur="indefinite" nodeType="mainSeq">
-                <p:childTnLst>
-                  <p:par>
-                    <p:cTn id="3" fill="hold">
-                      <p:stCondLst>
-                        <p:cond delay="indefinite"/>
-                      </p:stCondLst>
-                      <p:childTnLst>
-                        <p:par>
-                          <p:cTn id="4" fill="hold">
-                            <p:stCondLst>
-                              <p:cond delay="0"/>
-                            </p:stCondLst>
-                            <p:childTnLst>
-                              <p:par>
-                                <p:cTn id="5" presetID="1" presetClass="entr" presetSubtype="0" fill="hold" grpId="0" nodeType="clickEffect">
-                                  <p:stCondLst>
-                                    <p:cond delay="0"/>
-                                  </p:stCondLst>
-                                  <p:childTnLst>
-                                    <p:set>
-                                      <p:cBhvr>
-                                        <p:cTn id="6" dur="1" fill="hold">
-                                          <p:stCondLst>
-                                            <p:cond delay="0"/>
-                                          </p:stCondLst>
-                                        </p:cTn>
-                                        <p:tgtEl>
-                                          <p:spTgt spid="5"/>
-                                        </p:tgtEl>
-                                        <p:attrNameLst>
-                                          <p:attrName>style.visibility</p:attrName>
-                                        </p:attrNameLst>
-                                      </p:cBhvr>
-                                      <p:to>
-                                        <p:strVal val="visible"/>
-                                      </p:to>
-                                    </p:set>
-                                  </p:childTnLst>
-                                </p:cTn>
-                              </p:par>
-                            </p:childTnLst>
-                          </p:cTn>
-                        </p:par>
-                      </p:childTnLst>
-                    </p:cTn>
-                  </p:par>
-                </p:childTnLst>
-              </p:cTn>
-              <p:prevCondLst>
-                <p:cond evt="onPrev" delay="0">
-                  <p:tgtEl>
-                    <p:sldTgt/>
-                  </p:tgtEl>
-                </p:cond>
-              </p:prevCondLst>
-              <p:nextCondLst>
-                <p:cond evt="onNext" delay="0">
-                  <p:tgtEl>
-                    <p:sldTgt/>
-                  </p:tgtEl>
-                </p:cond>
-              </p:nextCondLst>
-            </p:seq>
-          </p:childTnLst>
-        </p:cTn>
-      </p:par>
-    </p:tnLst>
-    <p:bldLst>
-      <p:bldP spid="5" grpId="0" animBg="1"/>
-    </p:bldLst>
-  </p:timing>
-</p:sld>
-</file>
-
 <file path=ppt/slides/slide3.xml><?xml version="1.0" encoding="utf-8"?>
 <p:sld xmlns:a="http://schemas.openxmlformats.org/drawingml/2006/main" xmlns:r="http://schemas.openxmlformats.org/officeDocument/2006/relationships" xmlns:p="http://schemas.openxmlformats.org/presentationml/2006/main">
   <p:cSld>
@@ -19009,7 +18732,7 @@
           <a:p>
             <a:r>
               <a:rPr kumimoji="1" lang="en-US" altLang="zh-CN" dirty="0" smtClean="0"/>
-              <a:t>Which shift is used?</a:t>
+              <a:t>Which shift is used in C ?</a:t>
             </a:r>
             <a:endParaRPr kumimoji="1" lang="zh-CN" altLang="en-US" dirty="0"/>
           </a:p>
@@ -19059,7 +18782,7 @@
         <p:spPr>
           <a:xfrm>
             <a:off x="633925" y="2873684"/>
-            <a:ext cx="8270185" cy="3539431"/>
+            <a:ext cx="8270185" cy="3108544"/>
           </a:xfrm>
           <a:prstGeom prst="rect">
             <a:avLst/>
@@ -19226,21 +18949,35 @@
                 <a:latin typeface="Consolas"/>
                 <a:cs typeface="Consolas"/>
               </a:rPr>
-              <a:t>(unsigned </a:t>
-            </a:r>
-            <a:r>
-              <a:rPr lang="en-US" altLang="zh-CN" sz="2800" dirty="0" err="1" smtClean="0">
-                <a:latin typeface="Consolas"/>
-                <a:cs typeface="Consolas"/>
-              </a:rPr>
-              <a:t>int</a:t>
+              <a:t>a</a:t>
+            </a:r>
+            <a:r>
+              <a:rPr lang="mr-IN" altLang="zh-CN" sz="2800" dirty="0" smtClean="0">
+                <a:latin typeface="Consolas"/>
+                <a:cs typeface="Consolas"/>
+              </a:rPr>
+              <a:t>&gt;</a:t>
+            </a:r>
+            <a:r>
+              <a:rPr lang="mr-IN" altLang="zh-CN" sz="2800" dirty="0">
+                <a:latin typeface="Consolas"/>
+                <a:cs typeface="Consolas"/>
+              </a:rPr>
+              <a:t>&gt;</a:t>
+            </a:r>
+            <a:r>
+              <a:rPr lang="mr-IN" altLang="zh-CN" sz="2800" dirty="0" smtClean="0">
+                <a:latin typeface="Consolas"/>
+                <a:cs typeface="Consolas"/>
+              </a:rPr>
+              <a:t>1, </a:t>
             </a:r>
             <a:r>
               <a:rPr lang="en-US" altLang="zh-CN" sz="2800" dirty="0" smtClean="0">
                 <a:latin typeface="Consolas"/>
                 <a:cs typeface="Consolas"/>
               </a:rPr>
-              <a:t>)a</a:t>
+              <a:t>b&gt;</a:t>
             </a:r>
             <a:r>
               <a:rPr lang="mr-IN" altLang="zh-CN" sz="2800" dirty="0" smtClean="0">
@@ -19250,32 +18987,18 @@
               <a:t>&gt;</a:t>
             </a:r>
             <a:r>
+              <a:rPr lang="mr-IN" altLang="zh-CN" sz="2800" dirty="0" smtClean="0">
+                <a:latin typeface="Consolas"/>
+                <a:cs typeface="Consolas"/>
+              </a:rPr>
+              <a:t>1)</a:t>
+            </a:r>
+            <a:r>
               <a:rPr lang="mr-IN" altLang="zh-CN" sz="2800" dirty="0">
                 <a:latin typeface="Consolas"/>
                 <a:cs typeface="Consolas"/>
               </a:rPr>
-              <a:t>&gt;10, </a:t>
-            </a:r>
-            <a:r>
-              <a:rPr lang="en-US" altLang="zh-CN" sz="2800" dirty="0" smtClean="0">
-                <a:latin typeface="Consolas"/>
-                <a:cs typeface="Consolas"/>
-              </a:rPr>
-              <a:t>b&gt;</a:t>
-            </a:r>
-            <a:r>
-              <a:rPr lang="mr-IN" altLang="zh-CN" sz="2800" dirty="0" smtClean="0">
-                <a:latin typeface="Consolas"/>
-                <a:cs typeface="Consolas"/>
-              </a:rPr>
-              <a:t>&gt;</a:t>
-            </a:r>
-            <a:r>
-              <a:rPr lang="mr-IN" altLang="zh-CN" sz="2800" dirty="0">
-                <a:latin typeface="Consolas"/>
-                <a:cs typeface="Consolas"/>
-              </a:rPr>
-              <a:t>10);</a:t>
+              <a:t>;</a:t>
             </a:r>
           </a:p>
           <a:p>
@@ -19297,8 +19020,8 @@
         </p:nvSpPr>
         <p:spPr>
           <a:xfrm>
-            <a:off x="1519663" y="5982228"/>
-            <a:ext cx="3463483" cy="523220"/>
+            <a:off x="1519662" y="5982228"/>
+            <a:ext cx="3205865" cy="523220"/>
           </a:xfrm>
           <a:prstGeom prst="rect">
             <a:avLst/>
@@ -19311,7 +19034,7 @@
           </a:solidFill>
         </p:spPr>
         <p:txBody>
-          <a:bodyPr wrap="none" rtlCol="0">
+          <a:bodyPr wrap="square" rtlCol="0">
             <a:spAutoFit/>
           </a:bodyPr>
           <a:lstStyle/>
@@ -19321,18 +19044,7 @@
                 <a:latin typeface="Consolas"/>
                 <a:cs typeface="Consolas"/>
               </a:rPr>
-              <a:t>Result: </a:t>
-            </a:r>
-            <a:r>
-              <a:rPr lang="en-US" sz="2800" dirty="0" smtClean="0"/>
-              <a:t>4194303   0</a:t>
-            </a:r>
-            <a:r>
-              <a:rPr lang="en-US" sz="2800" dirty="0" smtClean="0">
-                <a:latin typeface="Consolas"/>
-                <a:cs typeface="Consolas"/>
-              </a:rPr>
-              <a:t> </a:t>
+              <a:t>Result: -1 0</a:t>
             </a:r>
             <a:endParaRPr lang="en-US" sz="2800" dirty="0">
               <a:latin typeface="Consolas"/>
@@ -19344,7 +19056,7 @@
     </p:spTree>
     <p:extLst>
       <p:ext uri="{BB962C8B-B14F-4D97-AF65-F5344CB8AC3E}">
-        <p14:creationId xmlns:p14="http://schemas.microsoft.com/office/powerpoint/2010/main" val="2659431085"/>
+        <p14:creationId xmlns:p14="http://schemas.microsoft.com/office/powerpoint/2010/main" val="2254513208"/>
       </p:ext>
     </p:extLst>
   </p:cSld>
@@ -19451,6 +19163,733 @@
       </p:grpSpPr>
       <p:sp>
         <p:nvSpPr>
+          <p:cNvPr id="2" name="标题 1"/>
+          <p:cNvSpPr>
+            <a:spLocks noGrp="1"/>
+          </p:cNvSpPr>
+          <p:nvPr>
+            <p:ph type="title"/>
+          </p:nvPr>
+        </p:nvSpPr>
+        <p:spPr/>
+        <p:txBody>
+          <a:bodyPr>
+            <a:normAutofit/>
+          </a:bodyPr>
+          <a:lstStyle/>
+          <a:p>
+            <a:r>
+              <a:rPr kumimoji="1" lang="en-US" altLang="zh-CN" dirty="0" smtClean="0"/>
+              <a:t>Which shift is used?</a:t>
+            </a:r>
+            <a:endParaRPr kumimoji="1" lang="zh-CN" altLang="en-US" dirty="0"/>
+          </a:p>
+        </p:txBody>
+      </p:sp>
+      <p:sp>
+        <p:nvSpPr>
+          <p:cNvPr id="3" name="内容占位符 2"/>
+          <p:cNvSpPr>
+            <a:spLocks noGrp="1"/>
+          </p:cNvSpPr>
+          <p:nvPr>
+            <p:ph idx="1"/>
+          </p:nvPr>
+        </p:nvSpPr>
+        <p:spPr/>
+        <p:txBody>
+          <a:bodyPr/>
+          <a:lstStyle/>
+          <a:p>
+            <a:pPr marL="0" indent="0">
+              <a:buNone/>
+            </a:pPr>
+            <a:r>
+              <a:rPr kumimoji="1" lang="en-US" altLang="zh-CN" dirty="0" smtClean="0"/>
+              <a:t>Arithmetic shift for signed numbers</a:t>
+            </a:r>
+          </a:p>
+          <a:p>
+            <a:pPr marL="0" indent="0">
+              <a:buNone/>
+            </a:pPr>
+            <a:r>
+              <a:rPr kumimoji="1" lang="en-US" altLang="zh-CN" dirty="0" smtClean="0"/>
+              <a:t>Logical shifting on unsigned numbers</a:t>
+            </a:r>
+            <a:endParaRPr kumimoji="1" lang="zh-CN" altLang="en-US" dirty="0"/>
+          </a:p>
+        </p:txBody>
+      </p:sp>
+      <p:sp>
+        <p:nvSpPr>
+          <p:cNvPr id="4" name="矩形 3"/>
+          <p:cNvSpPr/>
+          <p:nvPr/>
+        </p:nvSpPr>
+        <p:spPr>
+          <a:xfrm>
+            <a:off x="633924" y="2873684"/>
+            <a:ext cx="9001417" cy="3539431"/>
+          </a:xfrm>
+          <a:prstGeom prst="rect">
+            <a:avLst/>
+          </a:prstGeom>
+        </p:spPr>
+        <p:txBody>
+          <a:bodyPr wrap="square">
+            <a:spAutoFit/>
+          </a:bodyPr>
+          <a:lstStyle/>
+          <a:p>
+            <a:r>
+              <a:rPr lang="en-US" altLang="zh-CN" sz="2800" dirty="0">
+                <a:latin typeface="Consolas"/>
+                <a:cs typeface="Consolas"/>
+              </a:rPr>
+              <a:t>#include &lt;</a:t>
+            </a:r>
+            <a:r>
+              <a:rPr lang="en-US" altLang="zh-CN" sz="2800" dirty="0" err="1">
+                <a:latin typeface="Consolas"/>
+                <a:cs typeface="Consolas"/>
+              </a:rPr>
+              <a:t>stdio.h</a:t>
+            </a:r>
+            <a:r>
+              <a:rPr lang="en-US" altLang="zh-CN" sz="2800" dirty="0">
+                <a:latin typeface="Consolas"/>
+                <a:cs typeface="Consolas"/>
+              </a:rPr>
+              <a:t>&gt;</a:t>
+            </a:r>
+          </a:p>
+          <a:p>
+            <a:r>
+              <a:rPr lang="en-US" altLang="zh-CN" sz="2800" dirty="0">
+                <a:latin typeface="Consolas"/>
+                <a:cs typeface="Consolas"/>
+              </a:rPr>
+              <a:t>int main()</a:t>
+            </a:r>
+          </a:p>
+          <a:p>
+            <a:r>
+              <a:rPr lang="en-US" altLang="zh-CN" sz="2800" dirty="0">
+                <a:latin typeface="Consolas"/>
+                <a:cs typeface="Consolas"/>
+              </a:rPr>
+              <a:t>{</a:t>
+            </a:r>
+          </a:p>
+          <a:p>
+            <a:r>
+              <a:rPr lang="mr-IN" altLang="zh-CN" sz="2800" dirty="0">
+                <a:latin typeface="Consolas"/>
+                <a:cs typeface="Consolas"/>
+              </a:rPr>
+              <a:t>  </a:t>
+            </a:r>
+            <a:r>
+              <a:rPr lang="mr-IN" altLang="zh-CN" sz="2800" dirty="0" smtClean="0">
+                <a:latin typeface="Consolas"/>
+                <a:cs typeface="Consolas"/>
+              </a:rPr>
+              <a:t>int </a:t>
+            </a:r>
+            <a:r>
+              <a:rPr lang="en-US" altLang="zh-CN" sz="2800" dirty="0">
+                <a:latin typeface="Consolas"/>
+                <a:cs typeface="Consolas"/>
+              </a:rPr>
+              <a:t>a</a:t>
+            </a:r>
+            <a:r>
+              <a:rPr lang="mr-IN" altLang="zh-CN" sz="2800" dirty="0" smtClean="0">
+                <a:latin typeface="Consolas"/>
+                <a:cs typeface="Consolas"/>
+              </a:rPr>
+              <a:t> </a:t>
+            </a:r>
+            <a:r>
+              <a:rPr lang="mr-IN" altLang="zh-CN" sz="2800" dirty="0">
+                <a:latin typeface="Consolas"/>
+                <a:cs typeface="Consolas"/>
+              </a:rPr>
+              <a:t>= </a:t>
+            </a:r>
+            <a:r>
+              <a:rPr lang="en-US" altLang="zh-CN" sz="2800" dirty="0" smtClean="0">
+                <a:latin typeface="Consolas"/>
+                <a:cs typeface="Consolas"/>
+              </a:rPr>
+              <a:t>-</a:t>
+            </a:r>
+            <a:r>
+              <a:rPr lang="mr-IN" altLang="zh-CN" sz="2800" dirty="0" smtClean="0">
+                <a:latin typeface="Consolas"/>
+                <a:cs typeface="Consolas"/>
+              </a:rPr>
+              <a:t>1</a:t>
+            </a:r>
+            <a:r>
+              <a:rPr lang="mr-IN" altLang="zh-CN" sz="2800" dirty="0">
+                <a:latin typeface="Consolas"/>
+                <a:cs typeface="Consolas"/>
+              </a:rPr>
+              <a:t>;</a:t>
+            </a:r>
+          </a:p>
+          <a:p>
+            <a:r>
+              <a:rPr lang="en-US" altLang="zh-CN" sz="2800" dirty="0">
+                <a:latin typeface="Consolas"/>
+                <a:cs typeface="Consolas"/>
+              </a:rPr>
+              <a:t>  </a:t>
+            </a:r>
+            <a:r>
+              <a:rPr lang="en-US" altLang="zh-CN" sz="2800" dirty="0" smtClean="0">
+                <a:latin typeface="Consolas"/>
+                <a:cs typeface="Consolas"/>
+              </a:rPr>
+              <a:t>unsigned </a:t>
+            </a:r>
+            <a:r>
+              <a:rPr lang="en-US" altLang="zh-CN" sz="2800" dirty="0" err="1">
+                <a:latin typeface="Consolas"/>
+                <a:cs typeface="Consolas"/>
+              </a:rPr>
+              <a:t>int</a:t>
+            </a:r>
+            <a:r>
+              <a:rPr lang="en-US" altLang="zh-CN" sz="2800" dirty="0">
+                <a:latin typeface="Consolas"/>
+                <a:cs typeface="Consolas"/>
+              </a:rPr>
+              <a:t> </a:t>
+            </a:r>
+            <a:r>
+              <a:rPr lang="en-US" altLang="zh-CN" sz="2800" dirty="0" smtClean="0">
+                <a:latin typeface="Consolas"/>
+                <a:cs typeface="Consolas"/>
+              </a:rPr>
+              <a:t>b </a:t>
+            </a:r>
+            <a:r>
+              <a:rPr lang="en-US" altLang="zh-CN" sz="2800" dirty="0">
+                <a:latin typeface="Consolas"/>
+                <a:cs typeface="Consolas"/>
+              </a:rPr>
+              <a:t>= 1;</a:t>
+            </a:r>
+          </a:p>
+          <a:p>
+            <a:r>
+              <a:rPr lang="mr-IN" altLang="zh-CN" sz="2800" dirty="0">
+                <a:latin typeface="Consolas"/>
+                <a:cs typeface="Consolas"/>
+              </a:rPr>
+              <a:t>  printf("%</a:t>
+            </a:r>
+            <a:r>
+              <a:rPr lang="mr-IN" altLang="zh-CN" sz="2800" dirty="0" smtClean="0">
+                <a:latin typeface="Consolas"/>
+                <a:cs typeface="Consolas"/>
+              </a:rPr>
+              <a:t>d</a:t>
+            </a:r>
+            <a:r>
+              <a:rPr lang="en-US" altLang="zh-CN" sz="2800" dirty="0" smtClean="0">
+                <a:latin typeface="Consolas"/>
+                <a:cs typeface="Consolas"/>
+              </a:rPr>
+              <a:t> </a:t>
+            </a:r>
+            <a:r>
+              <a:rPr lang="mr-IN" altLang="zh-CN" sz="2800" dirty="0" smtClean="0">
+                <a:latin typeface="Consolas"/>
+                <a:cs typeface="Consolas"/>
+              </a:rPr>
+              <a:t>%</a:t>
+            </a:r>
+            <a:r>
+              <a:rPr lang="mr-IN" altLang="zh-CN" sz="2800" dirty="0">
+                <a:latin typeface="Consolas"/>
+                <a:cs typeface="Consolas"/>
+              </a:rPr>
+              <a:t>d\</a:t>
+            </a:r>
+            <a:r>
+              <a:rPr lang="mr-IN" altLang="zh-CN" sz="2800" dirty="0" smtClean="0">
+                <a:latin typeface="Consolas"/>
+                <a:cs typeface="Consolas"/>
+              </a:rPr>
+              <a:t>n”,</a:t>
+            </a:r>
+            <a:r>
+              <a:rPr lang="en-US" altLang="zh-CN" sz="2800" dirty="0" smtClean="0">
+                <a:latin typeface="Consolas"/>
+                <a:cs typeface="Consolas"/>
+              </a:rPr>
+              <a:t>(</a:t>
+            </a:r>
+            <a:r>
+              <a:rPr lang="en-US" altLang="zh-CN" sz="2800" dirty="0" smtClean="0">
+                <a:latin typeface="Consolas"/>
+                <a:cs typeface="Consolas"/>
+              </a:rPr>
+              <a:t>unsigned </a:t>
+            </a:r>
+            <a:r>
+              <a:rPr lang="en-US" altLang="zh-CN" sz="2800" dirty="0" err="1" smtClean="0">
+                <a:latin typeface="Consolas"/>
+                <a:cs typeface="Consolas"/>
+              </a:rPr>
+              <a:t>int</a:t>
+            </a:r>
+            <a:r>
+              <a:rPr lang="en-US" altLang="zh-CN" sz="2800" dirty="0" smtClean="0">
+                <a:latin typeface="Consolas"/>
+                <a:cs typeface="Consolas"/>
+              </a:rPr>
+              <a:t>)a</a:t>
+            </a:r>
+            <a:r>
+              <a:rPr lang="mr-IN" altLang="zh-CN" sz="2800" dirty="0" smtClean="0">
+                <a:latin typeface="Consolas"/>
+                <a:cs typeface="Consolas"/>
+              </a:rPr>
+              <a:t>&gt;</a:t>
+            </a:r>
+            <a:r>
+              <a:rPr lang="mr-IN" altLang="zh-CN" sz="2800" dirty="0">
+                <a:latin typeface="Consolas"/>
+                <a:cs typeface="Consolas"/>
+              </a:rPr>
+              <a:t>&gt;</a:t>
+            </a:r>
+            <a:r>
+              <a:rPr lang="mr-IN" altLang="zh-CN" sz="2800" dirty="0" smtClean="0">
+                <a:latin typeface="Consolas"/>
+                <a:cs typeface="Consolas"/>
+              </a:rPr>
+              <a:t>1, </a:t>
+            </a:r>
+            <a:endParaRPr lang="en-US" altLang="zh-CN" sz="2800" dirty="0" smtClean="0">
+              <a:latin typeface="Consolas"/>
+              <a:cs typeface="Consolas"/>
+            </a:endParaRPr>
+          </a:p>
+          <a:p>
+            <a:r>
+              <a:rPr lang="en-US" altLang="zh-CN" sz="2800" dirty="0">
+                <a:latin typeface="Consolas"/>
+                <a:cs typeface="Consolas"/>
+              </a:rPr>
+              <a:t> </a:t>
+            </a:r>
+            <a:r>
+              <a:rPr lang="en-US" altLang="zh-CN" sz="2800" dirty="0" smtClean="0">
+                <a:latin typeface="Consolas"/>
+                <a:cs typeface="Consolas"/>
+              </a:rPr>
+              <a:t>                  </a:t>
+            </a:r>
+            <a:r>
+              <a:rPr lang="en-US" altLang="zh-CN" sz="2800" dirty="0" smtClean="0">
+                <a:latin typeface="Consolas"/>
+                <a:cs typeface="Consolas"/>
+              </a:rPr>
+              <a:t>b</a:t>
+            </a:r>
+            <a:r>
+              <a:rPr lang="en-US" altLang="zh-CN" sz="2800" dirty="0" smtClean="0">
+                <a:latin typeface="Consolas"/>
+                <a:cs typeface="Consolas"/>
+              </a:rPr>
+              <a:t>&gt;</a:t>
+            </a:r>
+            <a:r>
+              <a:rPr lang="mr-IN" altLang="zh-CN" sz="2800" dirty="0" smtClean="0">
+                <a:latin typeface="Consolas"/>
+                <a:cs typeface="Consolas"/>
+              </a:rPr>
+              <a:t>&gt;</a:t>
+            </a:r>
+            <a:r>
+              <a:rPr lang="mr-IN" altLang="zh-CN" sz="2800" dirty="0" smtClean="0">
+                <a:latin typeface="Consolas"/>
+                <a:cs typeface="Consolas"/>
+              </a:rPr>
+              <a:t>1)</a:t>
+            </a:r>
+            <a:r>
+              <a:rPr lang="mr-IN" altLang="zh-CN" sz="2800" dirty="0">
+                <a:latin typeface="Consolas"/>
+                <a:cs typeface="Consolas"/>
+              </a:rPr>
+              <a:t>;</a:t>
+            </a:r>
+          </a:p>
+          <a:p>
+            <a:r>
+              <a:rPr lang="mr-IN" altLang="zh-CN" sz="2800" dirty="0">
+                <a:latin typeface="Consolas"/>
+                <a:cs typeface="Consolas"/>
+              </a:rPr>
+              <a:t>}</a:t>
+            </a:r>
+          </a:p>
+        </p:txBody>
+      </p:sp>
+      <p:sp>
+        <p:nvSpPr>
+          <p:cNvPr id="5" name="TextBox 4"/>
+          <p:cNvSpPr txBox="1"/>
+          <p:nvPr/>
+        </p:nvSpPr>
+        <p:spPr>
+          <a:xfrm>
+            <a:off x="1519663" y="5982228"/>
+            <a:ext cx="3847102" cy="523220"/>
+          </a:xfrm>
+          <a:prstGeom prst="rect">
+            <a:avLst/>
+          </a:prstGeom>
+          <a:solidFill>
+            <a:schemeClr val="accent1">
+              <a:lumMod val="40000"/>
+              <a:lumOff val="60000"/>
+            </a:schemeClr>
+          </a:solidFill>
+        </p:spPr>
+        <p:txBody>
+          <a:bodyPr wrap="none" rtlCol="0">
+            <a:spAutoFit/>
+          </a:bodyPr>
+          <a:lstStyle/>
+          <a:p>
+            <a:r>
+              <a:rPr lang="en-US" sz="2800" dirty="0" smtClean="0">
+                <a:latin typeface="Consolas"/>
+                <a:cs typeface="Consolas"/>
+              </a:rPr>
+              <a:t>Result: </a:t>
+            </a:r>
+            <a:r>
+              <a:rPr lang="en-US" sz="2800" dirty="0" smtClean="0"/>
+              <a:t>2147483647 </a:t>
+            </a:r>
+            <a:r>
+              <a:rPr lang="en-US" sz="2800" dirty="0" smtClean="0"/>
+              <a:t>0</a:t>
+            </a:r>
+            <a:r>
+              <a:rPr lang="en-US" sz="2800" dirty="0" smtClean="0">
+                <a:latin typeface="Consolas"/>
+                <a:cs typeface="Consolas"/>
+              </a:rPr>
+              <a:t> </a:t>
+            </a:r>
+            <a:endParaRPr lang="en-US" sz="2800" dirty="0">
+              <a:latin typeface="Consolas"/>
+              <a:cs typeface="Consolas"/>
+            </a:endParaRPr>
+          </a:p>
+        </p:txBody>
+      </p:sp>
+    </p:spTree>
+    <p:extLst>
+      <p:ext uri="{BB962C8B-B14F-4D97-AF65-F5344CB8AC3E}">
+        <p14:creationId xmlns:p14="http://schemas.microsoft.com/office/powerpoint/2010/main" val="2659431085"/>
+      </p:ext>
+    </p:extLst>
+  </p:cSld>
+  <p:clrMapOvr>
+    <a:masterClrMapping/>
+  </p:clrMapOvr>
+  <p:timing>
+    <p:tnLst>
+      <p:par>
+        <p:cTn xmlns:p14="http://schemas.microsoft.com/office/powerpoint/2010/main" id="1" dur="indefinite" restart="never" nodeType="tmRoot">
+          <p:childTnLst>
+            <p:seq concurrent="1" nextAc="seek">
+              <p:cTn id="2" dur="indefinite" nodeType="mainSeq">
+                <p:childTnLst>
+                  <p:par>
+                    <p:cTn id="3" fill="hold">
+                      <p:stCondLst>
+                        <p:cond delay="indefinite"/>
+                      </p:stCondLst>
+                      <p:childTnLst>
+                        <p:par>
+                          <p:cTn id="4" fill="hold">
+                            <p:stCondLst>
+                              <p:cond delay="0"/>
+                            </p:stCondLst>
+                            <p:childTnLst>
+                              <p:par>
+                                <p:cTn id="5" presetID="1" presetClass="entr" presetSubtype="0" fill="hold" grpId="0" nodeType="clickEffect">
+                                  <p:stCondLst>
+                                    <p:cond delay="0"/>
+                                  </p:stCondLst>
+                                  <p:childTnLst>
+                                    <p:set>
+                                      <p:cBhvr>
+                                        <p:cTn id="6" dur="1" fill="hold">
+                                          <p:stCondLst>
+                                            <p:cond delay="0"/>
+                                          </p:stCondLst>
+                                        </p:cTn>
+                                        <p:tgtEl>
+                                          <p:spTgt spid="5"/>
+                                        </p:tgtEl>
+                                        <p:attrNameLst>
+                                          <p:attrName>style.visibility</p:attrName>
+                                        </p:attrNameLst>
+                                      </p:cBhvr>
+                                      <p:to>
+                                        <p:strVal val="visible"/>
+                                      </p:to>
+                                    </p:set>
+                                  </p:childTnLst>
+                                </p:cTn>
+                              </p:par>
+                            </p:childTnLst>
+                          </p:cTn>
+                        </p:par>
+                      </p:childTnLst>
+                    </p:cTn>
+                  </p:par>
+                </p:childTnLst>
+              </p:cTn>
+              <p:prevCondLst>
+                <p:cond evt="onPrev" delay="0">
+                  <p:tgtEl>
+                    <p:sldTgt/>
+                  </p:tgtEl>
+                </p:cond>
+              </p:prevCondLst>
+              <p:nextCondLst>
+                <p:cond evt="onNext" delay="0">
+                  <p:tgtEl>
+                    <p:sldTgt/>
+                  </p:tgtEl>
+                </p:cond>
+              </p:nextCondLst>
+            </p:seq>
+          </p:childTnLst>
+        </p:cTn>
+      </p:par>
+    </p:tnLst>
+    <p:bldLst>
+      <p:bldP spid="5" grpId="0" animBg="1"/>
+    </p:bldLst>
+  </p:timing>
+</p:sld>
+</file>
+
+<file path=ppt/slides/slide32.xml><?xml version="1.0" encoding="utf-8"?>
+<p:sld xmlns:a="http://schemas.openxmlformats.org/drawingml/2006/main" xmlns:r="http://schemas.openxmlformats.org/officeDocument/2006/relationships" xmlns:p="http://schemas.openxmlformats.org/presentationml/2006/main">
+  <p:cSld>
+    <p:spTree>
+      <p:nvGrpSpPr>
+        <p:cNvPr id="1" name=""/>
+        <p:cNvGrpSpPr/>
+        <p:nvPr/>
+      </p:nvGrpSpPr>
+      <p:grpSpPr>
+        <a:xfrm>
+          <a:off x="0" y="0"/>
+          <a:ext cx="0" cy="0"/>
+          <a:chOff x="0" y="0"/>
+          <a:chExt cx="0" cy="0"/>
+        </a:xfrm>
+      </p:grpSpPr>
+      <p:sp>
+        <p:nvSpPr>
+          <p:cNvPr id="2" name="Title 1"/>
+          <p:cNvSpPr>
+            <a:spLocks noGrp="1"/>
+          </p:cNvSpPr>
+          <p:nvPr>
+            <p:ph type="title"/>
+          </p:nvPr>
+        </p:nvSpPr>
+        <p:spPr/>
+        <p:txBody>
+          <a:bodyPr/>
+          <a:lstStyle/>
+          <a:p>
+            <a:r>
+              <a:rPr lang="en-US" dirty="0" smtClean="0"/>
+              <a:t>Example use of shift</a:t>
+            </a:r>
+            <a:endParaRPr lang="en-US" dirty="0"/>
+          </a:p>
+        </p:txBody>
+      </p:sp>
+      <p:sp>
+        <p:nvSpPr>
+          <p:cNvPr id="3" name="Content Placeholder 2"/>
+          <p:cNvSpPr>
+            <a:spLocks noGrp="1"/>
+          </p:cNvSpPr>
+          <p:nvPr>
+            <p:ph idx="1"/>
+          </p:nvPr>
+        </p:nvSpPr>
+        <p:spPr/>
+        <p:txBody>
+          <a:bodyPr/>
+          <a:lstStyle/>
+          <a:p>
+            <a:r>
+              <a:rPr lang="en-US" dirty="0" smtClean="0"/>
+              <a:t>Shift does multiplication (or division*) by 2’s power cheaper</a:t>
+            </a:r>
+            <a:endParaRPr lang="en-US" dirty="0"/>
+          </a:p>
+        </p:txBody>
+      </p:sp>
+      <p:sp>
+        <p:nvSpPr>
+          <p:cNvPr id="4" name="矩形 3"/>
+          <p:cNvSpPr/>
+          <p:nvPr/>
+        </p:nvSpPr>
+        <p:spPr>
+          <a:xfrm>
+            <a:off x="656785" y="2930720"/>
+            <a:ext cx="7545232" cy="3539431"/>
+          </a:xfrm>
+          <a:prstGeom prst="rect">
+            <a:avLst/>
+          </a:prstGeom>
+          <a:solidFill>
+            <a:schemeClr val="accent1">
+              <a:lumMod val="20000"/>
+              <a:lumOff val="80000"/>
+            </a:schemeClr>
+          </a:solidFill>
+        </p:spPr>
+        <p:txBody>
+          <a:bodyPr wrap="square">
+            <a:spAutoFit/>
+          </a:bodyPr>
+          <a:lstStyle/>
+          <a:p>
+            <a:r>
+              <a:rPr lang="en-US" altLang="zh-CN" sz="2800" dirty="0" smtClean="0">
+                <a:latin typeface="Consolas"/>
+                <a:cs typeface="Consolas"/>
+              </a:rPr>
+              <a:t>char x = 10;</a:t>
+            </a:r>
+          </a:p>
+          <a:p>
+            <a:r>
+              <a:rPr lang="en-US" altLang="zh-CN" sz="2800" dirty="0" smtClean="0">
+                <a:latin typeface="Consolas"/>
+                <a:cs typeface="Consolas"/>
+              </a:rPr>
+              <a:t>x = x * 8; //equivalent to?</a:t>
+            </a:r>
+            <a:endParaRPr lang="en-US" altLang="zh-CN" sz="2800" dirty="0">
+              <a:latin typeface="Consolas"/>
+              <a:cs typeface="Consolas"/>
+            </a:endParaRPr>
+          </a:p>
+          <a:p>
+            <a:r>
+              <a:rPr lang="en-US" altLang="zh-CN" sz="2800" dirty="0" smtClean="0">
+                <a:latin typeface="Consolas"/>
+                <a:cs typeface="Consolas"/>
+              </a:rPr>
+              <a:t>x = x / 4; //equivalent to?</a:t>
+            </a:r>
+          </a:p>
+          <a:p>
+            <a:endParaRPr lang="en-US" altLang="zh-CN" sz="2800" dirty="0">
+              <a:latin typeface="Consolas"/>
+              <a:cs typeface="Consolas"/>
+            </a:endParaRPr>
+          </a:p>
+          <a:p>
+            <a:r>
+              <a:rPr lang="en-US" altLang="zh-CN" sz="2800" dirty="0" smtClean="0">
+                <a:latin typeface="Consolas"/>
+                <a:cs typeface="Consolas"/>
+              </a:rPr>
+              <a:t>char y = -2;</a:t>
+            </a:r>
+          </a:p>
+          <a:p>
+            <a:r>
+              <a:rPr lang="en-US" altLang="zh-CN" sz="2800" dirty="0" smtClean="0">
+                <a:latin typeface="Consolas"/>
+                <a:cs typeface="Consolas"/>
+              </a:rPr>
+              <a:t>y = y * 2; //equivalent to?</a:t>
+            </a:r>
+          </a:p>
+          <a:p>
+            <a:r>
+              <a:rPr lang="en-US" altLang="zh-CN" sz="2800" dirty="0" smtClean="0">
+                <a:latin typeface="Consolas"/>
+                <a:cs typeface="Consolas"/>
+              </a:rPr>
+              <a:t>y = y / 2; //equivalent to? </a:t>
+            </a:r>
+          </a:p>
+          <a:p>
+            <a:endParaRPr lang="en-US" altLang="zh-CN" sz="2800" dirty="0">
+              <a:latin typeface="Consolas"/>
+              <a:cs typeface="Consolas"/>
+            </a:endParaRPr>
+          </a:p>
+        </p:txBody>
+      </p:sp>
+    </p:spTree>
+    <p:extLst>
+      <p:ext uri="{BB962C8B-B14F-4D97-AF65-F5344CB8AC3E}">
+        <p14:creationId xmlns:p14="http://schemas.microsoft.com/office/powerpoint/2010/main" val="145258226"/>
+      </p:ext>
+    </p:extLst>
+  </p:cSld>
+  <p:clrMapOvr>
+    <a:masterClrMapping/>
+  </p:clrMapOvr>
+  <p:timing>
+    <p:tnLst>
+      <p:par>
+        <p:cTn xmlns:p14="http://schemas.microsoft.com/office/powerpoint/2010/main" id="1" dur="indefinite" restart="never" nodeType="tmRoot"/>
+      </p:par>
+    </p:tnLst>
+  </p:timing>
+</p:sld>
+</file>
+
+<file path=ppt/slides/slide33.xml><?xml version="1.0" encoding="utf-8"?>
+<p:sld xmlns:a="http://schemas.openxmlformats.org/drawingml/2006/main" xmlns:r="http://schemas.openxmlformats.org/officeDocument/2006/relationships" xmlns:p="http://schemas.openxmlformats.org/presentationml/2006/main">
+  <p:cSld>
+    <p:spTree>
+      <p:nvGrpSpPr>
+        <p:cNvPr id="1" name=""/>
+        <p:cNvGrpSpPr/>
+        <p:nvPr/>
+      </p:nvGrpSpPr>
+      <p:grpSpPr>
+        <a:xfrm>
+          <a:off x="0" y="0"/>
+          <a:ext cx="0" cy="0"/>
+          <a:chOff x="0" y="0"/>
+          <a:chExt cx="0" cy="0"/>
+        </a:xfrm>
+      </p:grpSpPr>
+      <p:sp>
+        <p:nvSpPr>
           <p:cNvPr id="2" name="Title 1"/>
           <p:cNvSpPr>
             <a:spLocks noGrp="1"/>
@@ -19814,7 +20253,7 @@
 </p:sld>
 </file>
 
-<file path=ppt/slides/slide32.xml><?xml version="1.0" encoding="utf-8"?>
+<file path=ppt/slides/slide34.xml><?xml version="1.0" encoding="utf-8"?>
 <p:sld xmlns:a="http://schemas.openxmlformats.org/drawingml/2006/main" xmlns:r="http://schemas.openxmlformats.org/officeDocument/2006/relationships" xmlns:p="http://schemas.openxmlformats.org/presentationml/2006/main">
   <p:cSld>
     <p:spTree>
@@ -20205,7 +20644,7 @@
 </p:sld>
 </file>
 
-<file path=ppt/slides/slide33.xml><?xml version="1.0" encoding="utf-8"?>
+<file path=ppt/slides/slide35.xml><?xml version="1.0" encoding="utf-8"?>
 <p:sld xmlns:a="http://schemas.openxmlformats.org/drawingml/2006/main" xmlns:r="http://schemas.openxmlformats.org/officeDocument/2006/relationships" xmlns:p="http://schemas.openxmlformats.org/presentationml/2006/main">
   <p:cSld>
     <p:spTree>
@@ -20335,7 +20774,7 @@
 </p:sld>
 </file>
 
-<file path=ppt/slides/slide34.xml><?xml version="1.0" encoding="utf-8"?>
+<file path=ppt/slides/slide36.xml><?xml version="1.0" encoding="utf-8"?>
 <p:sld xmlns:a="http://schemas.openxmlformats.org/drawingml/2006/main" xmlns:r="http://schemas.openxmlformats.org/officeDocument/2006/relationships" xmlns:p="http://schemas.openxmlformats.org/presentationml/2006/main">
   <p:cSld>
     <p:spTree>
@@ -20753,7 +21192,7 @@
 </p:sld>
 </file>
 
-<file path=ppt/slides/slide35.xml><?xml version="1.0" encoding="utf-8"?>
+<file path=ppt/slides/slide37.xml><?xml version="1.0" encoding="utf-8"?>
 <p:sld xmlns:a="http://schemas.openxmlformats.org/drawingml/2006/main" xmlns:r="http://schemas.openxmlformats.org/officeDocument/2006/relationships" xmlns:p="http://schemas.openxmlformats.org/presentationml/2006/main">
   <p:cSld>
     <p:spTree>
@@ -20852,7 +21291,7 @@
 </p:sld>
 </file>
 
-<file path=ppt/slides/slide36.xml><?xml version="1.0" encoding="utf-8"?>
+<file path=ppt/slides/slide38.xml><?xml version="1.0" encoding="utf-8"?>
 <p:sld xmlns:a="http://schemas.openxmlformats.org/drawingml/2006/main" xmlns:r="http://schemas.openxmlformats.org/officeDocument/2006/relationships" xmlns:p="http://schemas.openxmlformats.org/presentationml/2006/main">
   <p:cSld>
     <p:spTree>
@@ -20948,404 +21387,6 @@
 </p:sld>
 </file>
 
-<file path=ppt/slides/slide37.xml><?xml version="1.0" encoding="utf-8"?>
-<p:sld xmlns:a="http://schemas.openxmlformats.org/drawingml/2006/main" xmlns:r="http://schemas.openxmlformats.org/officeDocument/2006/relationships" xmlns:p="http://schemas.openxmlformats.org/presentationml/2006/main" show="0">
-  <p:cSld>
-    <p:spTree>
-      <p:nvGrpSpPr>
-        <p:cNvPr id="1" name=""/>
-        <p:cNvGrpSpPr/>
-        <p:nvPr/>
-      </p:nvGrpSpPr>
-      <p:grpSpPr>
-        <a:xfrm>
-          <a:off x="0" y="0"/>
-          <a:ext cx="0" cy="0"/>
-          <a:chOff x="0" y="0"/>
-          <a:chExt cx="0" cy="0"/>
-        </a:xfrm>
-      </p:grpSpPr>
-      <p:sp>
-        <p:nvSpPr>
-          <p:cNvPr id="2" name="标题 1"/>
-          <p:cNvSpPr>
-            <a:spLocks noGrp="1"/>
-          </p:cNvSpPr>
-          <p:nvPr>
-            <p:ph type="title"/>
-          </p:nvPr>
-        </p:nvSpPr>
-        <p:spPr/>
-        <p:txBody>
-          <a:bodyPr/>
-          <a:lstStyle/>
-          <a:p>
-            <a:r>
-              <a:rPr kumimoji="1" lang="en-US" altLang="zh-CN" dirty="0" smtClean="0"/>
-              <a:t>Exercises</a:t>
-            </a:r>
-            <a:endParaRPr kumimoji="1" lang="zh-CN" altLang="en-US" dirty="0"/>
-          </a:p>
-        </p:txBody>
-      </p:sp>
-      <p:sp>
-        <p:nvSpPr>
-          <p:cNvPr id="3" name="内容占位符 2"/>
-          <p:cNvSpPr>
-            <a:spLocks noGrp="1"/>
-          </p:cNvSpPr>
-          <p:nvPr>
-            <p:ph idx="1"/>
-          </p:nvPr>
-        </p:nvSpPr>
-        <p:spPr/>
-        <p:txBody>
-          <a:bodyPr/>
-          <a:lstStyle/>
-          <a:p>
-            <a:pPr marL="0" indent="0">
-              <a:buNone/>
-            </a:pPr>
-            <a:r>
-              <a:rPr kumimoji="1" lang="en-US" altLang="zh-CN" dirty="0" smtClean="0"/>
-              <a:t>Given a number, write a function to decide if it is even? </a:t>
-            </a:r>
-          </a:p>
-          <a:p>
-            <a:pPr marL="0" indent="0">
-              <a:buNone/>
-            </a:pPr>
-            <a:endParaRPr kumimoji="1" lang="en-US" altLang="zh-CN" dirty="0"/>
-          </a:p>
-          <a:p>
-            <a:pPr marL="0" indent="0">
-              <a:buNone/>
-            </a:pPr>
-            <a:endParaRPr kumimoji="1" lang="zh-CN" altLang="en-US" dirty="0"/>
-          </a:p>
-        </p:txBody>
-      </p:sp>
-      <p:sp>
-        <p:nvSpPr>
-          <p:cNvPr id="4" name="矩形 3"/>
-          <p:cNvSpPr/>
-          <p:nvPr/>
-        </p:nvSpPr>
-        <p:spPr>
-          <a:xfrm>
-            <a:off x="802506" y="3180858"/>
-            <a:ext cx="5479868" cy="1384995"/>
-          </a:xfrm>
-          <a:prstGeom prst="rect">
-            <a:avLst/>
-          </a:prstGeom>
-        </p:spPr>
-        <p:txBody>
-          <a:bodyPr wrap="square">
-            <a:spAutoFit/>
-          </a:bodyPr>
-          <a:lstStyle/>
-          <a:p>
-            <a:r>
-              <a:rPr lang="en-US" altLang="zh-CN" sz="2800" dirty="0" err="1">
-                <a:latin typeface="Consolas"/>
-                <a:cs typeface="Consolas"/>
-              </a:rPr>
-              <a:t>bool</a:t>
-            </a:r>
-            <a:r>
-              <a:rPr lang="en-US" altLang="zh-CN" sz="2800" dirty="0">
-                <a:latin typeface="Consolas"/>
-                <a:cs typeface="Consolas"/>
-              </a:rPr>
-              <a:t> </a:t>
-            </a:r>
-            <a:r>
-              <a:rPr lang="en-US" altLang="zh-CN" sz="2800" dirty="0" err="1" smtClean="0">
-                <a:latin typeface="Consolas"/>
-                <a:cs typeface="Consolas"/>
-              </a:rPr>
-              <a:t>isEven</a:t>
-            </a:r>
-            <a:r>
-              <a:rPr lang="en-US" altLang="zh-CN" sz="2800" dirty="0" smtClean="0">
-                <a:latin typeface="Consolas"/>
-                <a:cs typeface="Consolas"/>
-              </a:rPr>
-              <a:t>(</a:t>
-            </a:r>
-            <a:r>
-              <a:rPr lang="en-US" altLang="zh-CN" sz="2800" dirty="0">
-                <a:latin typeface="Consolas"/>
-                <a:cs typeface="Consolas"/>
-              </a:rPr>
-              <a:t>int n) {</a:t>
-            </a:r>
-          </a:p>
-          <a:p>
-            <a:r>
-              <a:rPr lang="en-US" altLang="zh-CN" sz="2800" dirty="0">
-                <a:latin typeface="Consolas"/>
-                <a:cs typeface="Consolas"/>
-              </a:rPr>
-              <a:t>    </a:t>
-            </a:r>
-          </a:p>
-          <a:p>
-            <a:r>
-              <a:rPr lang="en-US" altLang="zh-CN" sz="2800" dirty="0">
-                <a:latin typeface="Consolas"/>
-                <a:cs typeface="Consolas"/>
-              </a:rPr>
-              <a:t>}</a:t>
-            </a:r>
-            <a:endParaRPr lang="zh-CN" altLang="en-US" sz="2800" dirty="0">
-              <a:latin typeface="Consolas"/>
-              <a:cs typeface="Consolas"/>
-            </a:endParaRPr>
-          </a:p>
-        </p:txBody>
-      </p:sp>
-    </p:spTree>
-    <p:extLst>
-      <p:ext uri="{BB962C8B-B14F-4D97-AF65-F5344CB8AC3E}">
-        <p14:creationId xmlns:p14="http://schemas.microsoft.com/office/powerpoint/2010/main" val="3882139285"/>
-      </p:ext>
-    </p:extLst>
-  </p:cSld>
-  <p:clrMapOvr>
-    <a:masterClrMapping/>
-  </p:clrMapOvr>
-  <mc:AlternateContent xmlns:mc="http://schemas.openxmlformats.org/markup-compatibility/2006">
-    <mc:Choice xmlns:p14="http://schemas.microsoft.com/office/powerpoint/2010/main" Requires="p14">
-      <p:transition spd="slow" p14:dur="2000"/>
-    </mc:Choice>
-    <mc:Fallback>
-      <p:transition xmlns:p14="http://schemas.microsoft.com/office/powerpoint/2010/main" spd="slow"/>
-    </mc:Fallback>
-  </mc:AlternateContent>
-  <p:timing>
-    <p:tnLst>
-      <p:par>
-        <p:cTn xmlns:p14="http://schemas.microsoft.com/office/powerpoint/2010/main" id="1" dur="indefinite" restart="never" nodeType="tmRoot"/>
-      </p:par>
-    </p:tnLst>
-  </p:timing>
-</p:sld>
-</file>
-
-<file path=ppt/slides/slide38.xml><?xml version="1.0" encoding="utf-8"?>
-<p:sld xmlns:a="http://schemas.openxmlformats.org/drawingml/2006/main" xmlns:r="http://schemas.openxmlformats.org/officeDocument/2006/relationships" xmlns:p="http://schemas.openxmlformats.org/presentationml/2006/main" show="0">
-  <p:cSld>
-    <p:spTree>
-      <p:nvGrpSpPr>
-        <p:cNvPr id="1" name=""/>
-        <p:cNvGrpSpPr/>
-        <p:nvPr/>
-      </p:nvGrpSpPr>
-      <p:grpSpPr>
-        <a:xfrm>
-          <a:off x="0" y="0"/>
-          <a:ext cx="0" cy="0"/>
-          <a:chOff x="0" y="0"/>
-          <a:chExt cx="0" cy="0"/>
-        </a:xfrm>
-      </p:grpSpPr>
-      <p:sp>
-        <p:nvSpPr>
-          <p:cNvPr id="2" name="标题 1"/>
-          <p:cNvSpPr>
-            <a:spLocks noGrp="1"/>
-          </p:cNvSpPr>
-          <p:nvPr>
-            <p:ph type="title"/>
-          </p:nvPr>
-        </p:nvSpPr>
-        <p:spPr/>
-        <p:txBody>
-          <a:bodyPr/>
-          <a:lstStyle/>
-          <a:p>
-            <a:r>
-              <a:rPr kumimoji="1" lang="en-US" altLang="zh-CN" dirty="0" smtClean="0"/>
-              <a:t>Exercises</a:t>
-            </a:r>
-            <a:endParaRPr kumimoji="1" lang="zh-CN" altLang="en-US" dirty="0"/>
-          </a:p>
-        </p:txBody>
-      </p:sp>
-      <p:sp>
-        <p:nvSpPr>
-          <p:cNvPr id="3" name="内容占位符 2"/>
-          <p:cNvSpPr>
-            <a:spLocks noGrp="1"/>
-          </p:cNvSpPr>
-          <p:nvPr>
-            <p:ph idx="1"/>
-          </p:nvPr>
-        </p:nvSpPr>
-        <p:spPr/>
-        <p:txBody>
-          <a:bodyPr/>
-          <a:lstStyle/>
-          <a:p>
-            <a:pPr marL="0" indent="0">
-              <a:buNone/>
-            </a:pPr>
-            <a:r>
-              <a:rPr kumimoji="1" lang="en-US" altLang="zh-CN" dirty="0" smtClean="0"/>
-              <a:t>Given a number, write a function to decide if it is even? </a:t>
-            </a:r>
-          </a:p>
-          <a:p>
-            <a:pPr marL="0" indent="0">
-              <a:buNone/>
-            </a:pPr>
-            <a:endParaRPr kumimoji="1" lang="en-US" altLang="zh-CN" dirty="0"/>
-          </a:p>
-          <a:p>
-            <a:pPr marL="0" indent="0">
-              <a:buNone/>
-            </a:pPr>
-            <a:endParaRPr kumimoji="1" lang="zh-CN" altLang="en-US" dirty="0"/>
-          </a:p>
-        </p:txBody>
-      </p:sp>
-      <p:sp>
-        <p:nvSpPr>
-          <p:cNvPr id="4" name="矩形 3"/>
-          <p:cNvSpPr/>
-          <p:nvPr/>
-        </p:nvSpPr>
-        <p:spPr>
-          <a:xfrm>
-            <a:off x="802506" y="3180858"/>
-            <a:ext cx="5479868" cy="1877437"/>
-          </a:xfrm>
-          <a:prstGeom prst="rect">
-            <a:avLst/>
-          </a:prstGeom>
-        </p:spPr>
-        <p:txBody>
-          <a:bodyPr wrap="square">
-            <a:spAutoFit/>
-          </a:bodyPr>
-          <a:lstStyle/>
-          <a:p>
-            <a:r>
-              <a:rPr lang="en-US" altLang="zh-CN" sz="2800" dirty="0" err="1">
-                <a:latin typeface="Consolas"/>
-                <a:cs typeface="Consolas"/>
-              </a:rPr>
-              <a:t>bool</a:t>
-            </a:r>
-            <a:r>
-              <a:rPr lang="en-US" altLang="zh-CN" sz="2800" dirty="0">
-                <a:latin typeface="Consolas"/>
-                <a:cs typeface="Consolas"/>
-              </a:rPr>
-              <a:t> </a:t>
-            </a:r>
-            <a:r>
-              <a:rPr lang="en-US" altLang="zh-CN" sz="2800" dirty="0" err="1" smtClean="0">
-                <a:latin typeface="Consolas"/>
-                <a:cs typeface="Consolas"/>
-              </a:rPr>
-              <a:t>isEven</a:t>
-            </a:r>
-            <a:r>
-              <a:rPr lang="en-US" altLang="zh-CN" sz="2800" dirty="0" smtClean="0">
-                <a:latin typeface="Consolas"/>
-                <a:cs typeface="Consolas"/>
-              </a:rPr>
-              <a:t>(</a:t>
-            </a:r>
-            <a:r>
-              <a:rPr lang="en-US" altLang="zh-CN" sz="2800" dirty="0">
-                <a:latin typeface="Consolas"/>
-                <a:cs typeface="Consolas"/>
-              </a:rPr>
-              <a:t>int n) </a:t>
-            </a:r>
-            <a:r>
-              <a:rPr lang="en-US" altLang="zh-CN" sz="2800" dirty="0" smtClean="0">
-                <a:latin typeface="Consolas"/>
-                <a:cs typeface="Consolas"/>
-              </a:rPr>
-              <a:t>{</a:t>
-            </a:r>
-          </a:p>
-          <a:p>
-            <a:endParaRPr lang="en-US" altLang="zh-CN" sz="1600" dirty="0">
-              <a:latin typeface="Consolas"/>
-              <a:cs typeface="Consolas"/>
-            </a:endParaRPr>
-          </a:p>
-          <a:p>
-            <a:r>
-              <a:rPr lang="en-US" altLang="zh-CN" sz="2800" dirty="0">
-                <a:latin typeface="Consolas"/>
-                <a:cs typeface="Consolas"/>
-              </a:rPr>
-              <a:t>  </a:t>
-            </a:r>
-            <a:r>
-              <a:rPr lang="en-US" altLang="zh-CN" sz="2800" dirty="0" smtClean="0">
-                <a:latin typeface="Consolas"/>
-                <a:cs typeface="Consolas"/>
-              </a:rPr>
-              <a:t>return (n &amp; 0x1) == 0;</a:t>
-            </a:r>
-          </a:p>
-          <a:p>
-            <a:endParaRPr lang="en-US" altLang="zh-CN" sz="1600" dirty="0">
-              <a:latin typeface="Consolas"/>
-              <a:cs typeface="Consolas"/>
-            </a:endParaRPr>
-          </a:p>
-          <a:p>
-            <a:r>
-              <a:rPr lang="en-US" altLang="zh-CN" sz="2800" dirty="0">
-                <a:latin typeface="Consolas"/>
-                <a:cs typeface="Consolas"/>
-              </a:rPr>
-              <a:t>}</a:t>
-            </a:r>
-            <a:endParaRPr lang="zh-CN" altLang="en-US" sz="2800" dirty="0">
-              <a:latin typeface="Consolas"/>
-              <a:cs typeface="Consolas"/>
-            </a:endParaRPr>
-          </a:p>
-        </p:txBody>
-      </p:sp>
-    </p:spTree>
-    <p:extLst>
-      <p:ext uri="{BB962C8B-B14F-4D97-AF65-F5344CB8AC3E}">
-        <p14:creationId xmlns:p14="http://schemas.microsoft.com/office/powerpoint/2010/main" val="789144896"/>
-      </p:ext>
-    </p:extLst>
-  </p:cSld>
-  <p:clrMapOvr>
-    <a:masterClrMapping/>
-  </p:clrMapOvr>
-  <mc:AlternateContent xmlns:mc="http://schemas.openxmlformats.org/markup-compatibility/2006">
-    <mc:Choice xmlns:p14="http://schemas.microsoft.com/office/powerpoint/2010/main" Requires="p14">
-      <p:transition spd="slow" p14:dur="2000"/>
-    </mc:Choice>
-    <mc:Fallback>
-      <p:transition xmlns:p14="http://schemas.microsoft.com/office/powerpoint/2010/main" spd="slow"/>
-    </mc:Fallback>
-  </mc:AlternateContent>
-  <p:timing>
-    <p:tnLst>
-      <p:par>
-        <p:cTn xmlns:p14="http://schemas.microsoft.com/office/powerpoint/2010/main" id="1" dur="indefinite" restart="never" nodeType="tmRoot"/>
-      </p:par>
-    </p:tnLst>
-  </p:timing>
-</p:sld>
-</file>
-
 <file path=ppt/slides/slide39.xml><?xml version="1.0" encoding="utf-8"?>
 <p:sld xmlns:a="http://schemas.openxmlformats.org/drawingml/2006/main" xmlns:r="http://schemas.openxmlformats.org/officeDocument/2006/relationships" xmlns:p="http://schemas.openxmlformats.org/presentationml/2006/main" show="0">
   <p:cSld>
@@ -21432,7 +21473,7 @@
         <p:spPr>
           <a:xfrm>
             <a:off x="802506" y="3180858"/>
-            <a:ext cx="5479868" cy="1877437"/>
+            <a:ext cx="5479868" cy="1384995"/>
           </a:xfrm>
           <a:prstGeom prst="rect">
             <a:avLst/>
@@ -21477,21 +21518,8 @@
                 <a:latin typeface="Consolas"/>
                 <a:cs typeface="Consolas"/>
               </a:rPr>
-              <a:t>int n) </a:t>
-            </a:r>
-            <a:r>
-              <a:rPr lang="en-US" altLang="zh-CN" sz="2800" dirty="0" smtClean="0">
-                <a:latin typeface="Consolas"/>
-                <a:cs typeface="Consolas"/>
-              </a:rPr>
-              <a:t>{</a:t>
-            </a:r>
-          </a:p>
-          <a:p>
-            <a:endParaRPr lang="en-US" altLang="zh-CN" sz="1600" dirty="0">
-              <a:latin typeface="Consolas"/>
-              <a:cs typeface="Consolas"/>
-            </a:endParaRPr>
+              <a:t>int n) {</a:t>
+            </a:r>
           </a:p>
           <a:p>
             <a:r>
@@ -21499,21 +21527,8 @@
                 <a:latin typeface="Consolas"/>
                 <a:cs typeface="Consolas"/>
               </a:rPr>
-              <a:t>  </a:t>
-            </a:r>
-            <a:r>
-              <a:rPr lang="en-US" altLang="zh-CN" sz="2800" dirty="0" smtClean="0">
-                <a:latin typeface="Consolas"/>
-                <a:cs typeface="Consolas"/>
-              </a:rPr>
-              <a:t>return (n % 2) == 0;</a:t>
-            </a:r>
-          </a:p>
-          <a:p>
-            <a:endParaRPr lang="en-US" altLang="zh-CN" sz="1600" dirty="0">
-              <a:latin typeface="Consolas"/>
-              <a:cs typeface="Consolas"/>
-            </a:endParaRPr>
+              <a:t>    </a:t>
+            </a:r>
           </a:p>
           <a:p>
             <a:r>
@@ -21533,18 +21548,18 @@
     </p:spTree>
     <p:extLst>
       <p:ext uri="{BB962C8B-B14F-4D97-AF65-F5344CB8AC3E}">
-        <p14:creationId xmlns:p14="http://schemas.microsoft.com/office/powerpoint/2010/main" val="3623879904"/>
+        <p14:creationId xmlns:p14="http://schemas.microsoft.com/office/powerpoint/2010/main" val="3882139285"/>
       </p:ext>
     </p:extLst>
   </p:cSld>
   <p:clrMapOvr>
     <a:masterClrMapping/>
   </p:clrMapOvr>
-  <mc:AlternateContent xmlns:mc="http://schemas.openxmlformats.org/markup-compatibility/2006">
-    <mc:Choice xmlns:p14="http://schemas.microsoft.com/office/powerpoint/2010/main" Requires="p14">
+  <mc:AlternateContent xmlns:mc="http://schemas.openxmlformats.org/markup-compatibility/2006" xmlns:p14="http://schemas.microsoft.com/office/powerpoint/2010/main">
+    <mc:Choice Requires="p14">
       <p:transition spd="slow" p14:dur="2000"/>
     </mc:Choice>
-    <mc:Fallback>
+    <mc:Fallback xmlns="">
       <p:transition xmlns:p14="http://schemas.microsoft.com/office/powerpoint/2010/main" spd="slow"/>
     </mc:Fallback>
   </mc:AlternateContent>
@@ -22068,7 +22083,7 @@
             </a:pPr>
             <a:r>
               <a:rPr kumimoji="1" lang="en-US" altLang="zh-CN" dirty="0" smtClean="0"/>
-              <a:t>Given a number, write a function to decide if it is a power of two? </a:t>
+              <a:t>Given a number, write a function to decide if it is even? </a:t>
             </a:r>
           </a:p>
           <a:p>
@@ -22087,14 +22102,14 @@
       </p:sp>
       <p:sp>
         <p:nvSpPr>
-          <p:cNvPr id="5" name="矩形 4"/>
+          <p:cNvPr id="4" name="矩形 3"/>
           <p:cNvSpPr/>
           <p:nvPr/>
         </p:nvSpPr>
         <p:spPr>
           <a:xfrm>
-            <a:off x="544017" y="3282000"/>
-            <a:ext cx="8344971" cy="1384995"/>
+            <a:off x="802506" y="3180858"/>
+            <a:ext cx="5479868" cy="1877437"/>
           </a:xfrm>
           <a:prstGeom prst="rect">
             <a:avLst/>
@@ -22125,46 +22140,61 @@
                 <a:latin typeface="Consolas"/>
                 <a:cs typeface="Consolas"/>
               </a:rPr>
-              <a:t>isPowerOfTwo</a:t>
+              <a:t>isEven</a:t>
             </a:r>
             <a:r>
               <a:rPr lang="en-US" altLang="zh-CN" sz="2800" dirty="0" smtClean="0">
                 <a:latin typeface="Consolas"/>
                 <a:cs typeface="Consolas"/>
               </a:rPr>
-              <a:t>(unsigned </a:t>
-            </a:r>
-            <a:r>
-              <a:rPr lang="en-US" altLang="zh-CN" sz="2800" dirty="0" err="1" smtClean="0">
-                <a:latin typeface="Consolas"/>
-                <a:cs typeface="Consolas"/>
-              </a:rPr>
-              <a:t>int</a:t>
+              <a:t>(</a:t>
+            </a:r>
+            <a:r>
+              <a:rPr lang="en-US" altLang="zh-CN" sz="2800" dirty="0">
+                <a:latin typeface="Consolas"/>
+                <a:cs typeface="Consolas"/>
+              </a:rPr>
+              <a:t>int n) </a:t>
             </a:r>
             <a:r>
               <a:rPr lang="en-US" altLang="zh-CN" sz="2800" dirty="0" smtClean="0">
                 <a:latin typeface="Consolas"/>
                 <a:cs typeface="Consolas"/>
               </a:rPr>
-              <a:t> </a:t>
-            </a:r>
-            <a:r>
-              <a:rPr lang="en-US" altLang="zh-CN" sz="2800" dirty="0">
-                <a:latin typeface="Consolas"/>
-                <a:cs typeface="Consolas"/>
-              </a:rPr>
-              <a:t>n) {</a:t>
-            </a:r>
-          </a:p>
-          <a:p>
-            <a:endParaRPr lang="en-US" altLang="zh-CN" sz="2800" dirty="0" smtClean="0">
+              <a:t>{</a:t>
+            </a:r>
+          </a:p>
+          <a:p>
+            <a:endParaRPr lang="en-US" altLang="zh-CN" sz="1600" dirty="0">
               <a:latin typeface="Consolas"/>
               <a:cs typeface="Consolas"/>
             </a:endParaRPr>
           </a:p>
           <a:p>
             <a:r>
+              <a:rPr lang="en-US" altLang="zh-CN" sz="2800" dirty="0">
+                <a:latin typeface="Consolas"/>
+                <a:cs typeface="Consolas"/>
+              </a:rPr>
+              <a:t>  </a:t>
+            </a:r>
+            <a:r>
               <a:rPr lang="en-US" altLang="zh-CN" sz="2800" dirty="0" smtClean="0">
+                <a:latin typeface="Consolas"/>
+                <a:cs typeface="Consolas"/>
+              </a:rPr>
+              <a:t>return (n &amp; 0x1) == 0;</a:t>
+            </a:r>
+          </a:p>
+          <a:p>
+            <a:endParaRPr lang="en-US" altLang="zh-CN" sz="1600" dirty="0">
+              <a:latin typeface="Consolas"/>
+              <a:cs typeface="Consolas"/>
+            </a:endParaRPr>
+          </a:p>
+          <a:p>
+            <a:r>
+              <a:rPr lang="en-US" altLang="zh-CN" sz="2800" dirty="0">
                 <a:latin typeface="Consolas"/>
                 <a:cs typeface="Consolas"/>
               </a:rPr>
@@ -22180,18 +22210,18 @@
     </p:spTree>
     <p:extLst>
       <p:ext uri="{BB962C8B-B14F-4D97-AF65-F5344CB8AC3E}">
-        <p14:creationId xmlns:p14="http://schemas.microsoft.com/office/powerpoint/2010/main" val="849539340"/>
+        <p14:creationId xmlns:p14="http://schemas.microsoft.com/office/powerpoint/2010/main" val="789144896"/>
       </p:ext>
     </p:extLst>
   </p:cSld>
   <p:clrMapOvr>
     <a:masterClrMapping/>
   </p:clrMapOvr>
-  <mc:AlternateContent xmlns:mc="http://schemas.openxmlformats.org/markup-compatibility/2006">
-    <mc:Choice xmlns:p14="http://schemas.microsoft.com/office/powerpoint/2010/main" Requires="p14">
+  <mc:AlternateContent xmlns:mc="http://schemas.openxmlformats.org/markup-compatibility/2006" xmlns:p14="http://schemas.microsoft.com/office/powerpoint/2010/main">
+    <mc:Choice Requires="p14">
       <p:transition spd="slow" p14:dur="2000"/>
     </mc:Choice>
-    <mc:Fallback>
+    <mc:Fallback xmlns="">
       <p:transition xmlns:p14="http://schemas.microsoft.com/office/powerpoint/2010/main" spd="slow"/>
     </mc:Fallback>
   </mc:AlternateContent>
@@ -22255,12 +22285,7 @@
             <p:ph idx="1"/>
           </p:nvPr>
         </p:nvSpPr>
-        <p:spPr>
-          <a:xfrm>
-            <a:off x="457200" y="1600201"/>
-            <a:ext cx="8229600" cy="1460524"/>
-          </a:xfrm>
-        </p:spPr>
+        <p:spPr/>
         <p:txBody>
           <a:bodyPr/>
           <a:lstStyle/>
@@ -22270,7 +22295,7 @@
             </a:pPr>
             <a:r>
               <a:rPr kumimoji="1" lang="en-US" altLang="zh-CN" dirty="0" smtClean="0"/>
-              <a:t>Given a number, write a function to decide if it is a power of two? </a:t>
+              <a:t>Given a number, write a function to decide if it is even? </a:t>
             </a:r>
           </a:p>
           <a:p>
@@ -22283,26 +22308,20 @@
             <a:pPr marL="0" indent="0">
               <a:buNone/>
             </a:pPr>
-            <a:endParaRPr kumimoji="1" lang="en-US" altLang="zh-CN" dirty="0" smtClean="0"/>
-          </a:p>
-          <a:p>
-            <a:pPr marL="0" indent="0">
-              <a:buNone/>
-            </a:pPr>
             <a:endParaRPr kumimoji="1" lang="zh-CN" altLang="en-US" dirty="0"/>
           </a:p>
         </p:txBody>
       </p:sp>
       <p:sp>
         <p:nvSpPr>
-          <p:cNvPr id="5" name="矩形 4"/>
+          <p:cNvPr id="4" name="矩形 3"/>
           <p:cNvSpPr/>
           <p:nvPr/>
         </p:nvSpPr>
         <p:spPr>
           <a:xfrm>
-            <a:off x="544017" y="2719826"/>
-            <a:ext cx="8142783" cy="3693318"/>
+            <a:off x="802506" y="3180858"/>
+            <a:ext cx="5479868" cy="1877437"/>
           </a:xfrm>
           <a:prstGeom prst="rect">
             <a:avLst/>
@@ -22315,56 +22334,42 @@
           <a:lstStyle/>
           <a:p>
             <a:r>
-              <a:rPr lang="en-US" altLang="zh-CN" sz="2600" dirty="0" err="1">
+              <a:rPr lang="en-US" altLang="zh-CN" sz="2800" dirty="0" err="1">
                 <a:latin typeface="Consolas"/>
                 <a:cs typeface="Consolas"/>
               </a:rPr>
               <a:t>bool</a:t>
             </a:r>
             <a:r>
-              <a:rPr lang="en-US" altLang="zh-CN" sz="2600" dirty="0">
+              <a:rPr lang="en-US" altLang="zh-CN" sz="2800" dirty="0">
                 <a:latin typeface="Consolas"/>
                 <a:cs typeface="Consolas"/>
               </a:rPr>
               <a:t> </a:t>
             </a:r>
             <a:r>
-              <a:rPr lang="en-US" altLang="zh-CN" sz="2600" dirty="0" err="1" smtClean="0">
-                <a:latin typeface="Consolas"/>
-                <a:cs typeface="Consolas"/>
-              </a:rPr>
-              <a:t>isPowerOfTwo</a:t>
-            </a:r>
-            <a:r>
-              <a:rPr lang="en-US" altLang="zh-CN" sz="2600" dirty="0" smtClean="0">
-                <a:latin typeface="Consolas"/>
-                <a:cs typeface="Consolas"/>
-              </a:rPr>
-              <a:t>(unsigned </a:t>
-            </a:r>
-            <a:r>
-              <a:rPr lang="en-US" altLang="zh-CN" sz="2600" dirty="0" err="1" smtClean="0">
-                <a:latin typeface="Consolas"/>
-                <a:cs typeface="Consolas"/>
-              </a:rPr>
-              <a:t>int</a:t>
-            </a:r>
-            <a:r>
-              <a:rPr lang="en-US" altLang="zh-CN" sz="2600" dirty="0" smtClean="0">
-                <a:latin typeface="Consolas"/>
-                <a:cs typeface="Consolas"/>
-              </a:rPr>
-              <a:t> </a:t>
-            </a:r>
-            <a:r>
-              <a:rPr lang="en-US" altLang="zh-CN" sz="2600" dirty="0">
-                <a:latin typeface="Consolas"/>
-                <a:cs typeface="Consolas"/>
-              </a:rPr>
-              <a:t>n) </a:t>
-            </a:r>
-            <a:r>
-              <a:rPr lang="en-US" altLang="zh-CN" sz="2600" dirty="0" smtClean="0">
+              <a:rPr lang="en-US" altLang="zh-CN" sz="2800" dirty="0" err="1" smtClean="0">
+                <a:latin typeface="Consolas"/>
+                <a:cs typeface="Consolas"/>
+              </a:rPr>
+              <a:t>isEven</a:t>
+            </a:r>
+            <a:r>
+              <a:rPr lang="en-US" altLang="zh-CN" sz="2800" dirty="0" smtClean="0">
+                <a:latin typeface="Consolas"/>
+                <a:cs typeface="Consolas"/>
+              </a:rPr>
+              <a:t>(</a:t>
+            </a:r>
+            <a:r>
+              <a:rPr lang="en-US" altLang="zh-CN" sz="2800" dirty="0">
+                <a:latin typeface="Consolas"/>
+                <a:cs typeface="Consolas"/>
+              </a:rPr>
+              <a:t>int n) </a:t>
+            </a:r>
+            <a:r>
+              <a:rPr lang="en-US" altLang="zh-CN" sz="2800" dirty="0" smtClean="0">
                 <a:latin typeface="Consolas"/>
                 <a:cs typeface="Consolas"/>
               </a:rPr>
@@ -22372,140 +22377,63 @@
             </a:r>
           </a:p>
           <a:p>
-            <a:r>
-              <a:rPr lang="en-US" altLang="zh-CN" sz="2600" dirty="0">
-                <a:latin typeface="Consolas"/>
-                <a:cs typeface="Consolas"/>
-              </a:rPr>
-              <a:t> </a:t>
-            </a:r>
-            <a:r>
-              <a:rPr lang="en-US" altLang="zh-CN" sz="2600" dirty="0" smtClean="0">
-                <a:latin typeface="Consolas"/>
-                <a:cs typeface="Consolas"/>
-              </a:rPr>
-              <a:t>  if (n==0) return false;</a:t>
-            </a:r>
-          </a:p>
-          <a:p>
-            <a:r>
-              <a:rPr lang="en-US" altLang="zh-CN" sz="2600" dirty="0" smtClean="0">
-                <a:latin typeface="Consolas"/>
-                <a:cs typeface="Consolas"/>
-              </a:rPr>
-              <a:t>   while (n &gt; 1) {</a:t>
-            </a:r>
-          </a:p>
-          <a:p>
-            <a:r>
-              <a:rPr lang="en-US" altLang="zh-CN" sz="2600" dirty="0">
-                <a:latin typeface="Consolas"/>
-                <a:cs typeface="Consolas"/>
-              </a:rPr>
-              <a:t> </a:t>
-            </a:r>
-            <a:r>
-              <a:rPr lang="en-US" altLang="zh-CN" sz="2600" dirty="0" smtClean="0">
-                <a:latin typeface="Consolas"/>
-                <a:cs typeface="Consolas"/>
-              </a:rPr>
-              <a:t>     if (n % 2)  // (n%2)!=0</a:t>
-            </a:r>
-          </a:p>
-          <a:p>
-            <a:r>
-              <a:rPr lang="en-US" altLang="zh-CN" sz="2600" dirty="0">
-                <a:latin typeface="Consolas"/>
-                <a:cs typeface="Consolas"/>
-              </a:rPr>
-              <a:t> </a:t>
-            </a:r>
-            <a:r>
-              <a:rPr lang="en-US" altLang="zh-CN" sz="2600" dirty="0" smtClean="0">
-                <a:latin typeface="Consolas"/>
-                <a:cs typeface="Consolas"/>
-              </a:rPr>
-              <a:t>        return false; </a:t>
-            </a:r>
-          </a:p>
-          <a:p>
-            <a:r>
-              <a:rPr lang="en-US" altLang="zh-CN" sz="2600" dirty="0">
-                <a:latin typeface="Consolas"/>
-                <a:cs typeface="Consolas"/>
-              </a:rPr>
-              <a:t> </a:t>
-            </a:r>
-            <a:r>
-              <a:rPr lang="en-US" altLang="zh-CN" sz="2600" dirty="0" smtClean="0">
-                <a:latin typeface="Consolas"/>
-                <a:cs typeface="Consolas"/>
-              </a:rPr>
-              <a:t>     n = n / 2;</a:t>
-            </a:r>
-          </a:p>
-          <a:p>
-            <a:r>
-              <a:rPr lang="en-US" altLang="zh-CN" sz="2600" dirty="0">
-                <a:latin typeface="Consolas"/>
-                <a:cs typeface="Consolas"/>
-              </a:rPr>
-              <a:t> </a:t>
-            </a:r>
-            <a:r>
-              <a:rPr lang="en-US" altLang="zh-CN" sz="2600" dirty="0" smtClean="0">
-                <a:latin typeface="Consolas"/>
-                <a:cs typeface="Consolas"/>
-              </a:rPr>
-              <a:t>  }</a:t>
-            </a:r>
-          </a:p>
-          <a:p>
-            <a:r>
-              <a:rPr lang="en-US" altLang="zh-CN" sz="2600" dirty="0">
-                <a:latin typeface="Consolas"/>
-                <a:cs typeface="Consolas"/>
-              </a:rPr>
-              <a:t> </a:t>
-            </a:r>
-            <a:r>
-              <a:rPr lang="en-US" altLang="zh-CN" sz="2600" dirty="0" smtClean="0">
-                <a:latin typeface="Consolas"/>
-                <a:cs typeface="Consolas"/>
-              </a:rPr>
-              <a:t>  return true;</a:t>
-            </a:r>
-          </a:p>
-          <a:p>
-            <a:r>
-              <a:rPr lang="en-US" altLang="zh-CN" sz="2600" dirty="0" smtClean="0">
-                <a:latin typeface="Consolas"/>
-                <a:cs typeface="Consolas"/>
-              </a:rPr>
-              <a:t>}</a:t>
-            </a:r>
-            <a:endParaRPr lang="zh-CN" altLang="en-US" sz="2600" dirty="0">
+            <a:endParaRPr lang="en-US" altLang="zh-CN" sz="1600" dirty="0">
               <a:latin typeface="Consolas"/>
               <a:cs typeface="Consolas"/>
             </a:endParaRPr>
           </a:p>
+          <a:p>
+            <a:r>
+              <a:rPr lang="en-US" altLang="zh-CN" sz="2800" dirty="0">
+                <a:latin typeface="Consolas"/>
+                <a:cs typeface="Consolas"/>
+              </a:rPr>
+              <a:t>  </a:t>
+            </a:r>
+            <a:r>
+              <a:rPr lang="en-US" altLang="zh-CN" sz="2800" dirty="0" smtClean="0">
+                <a:latin typeface="Consolas"/>
+                <a:cs typeface="Consolas"/>
+              </a:rPr>
+              <a:t>return (n % 2) == 0;</a:t>
+            </a:r>
+          </a:p>
+          <a:p>
+            <a:endParaRPr lang="en-US" altLang="zh-CN" sz="1600" dirty="0">
+              <a:latin typeface="Consolas"/>
+              <a:cs typeface="Consolas"/>
+            </a:endParaRPr>
+          </a:p>
+          <a:p>
+            <a:r>
+              <a:rPr lang="en-US" altLang="zh-CN" sz="2800" dirty="0">
+                <a:latin typeface="Consolas"/>
+                <a:cs typeface="Consolas"/>
+              </a:rPr>
+              <a:t>}</a:t>
+            </a:r>
+            <a:endParaRPr lang="zh-CN" altLang="en-US" sz="2800" dirty="0">
+              <a:latin typeface="Consolas"/>
+              <a:cs typeface="Consolas"/>
+            </a:endParaRPr>
+          </a:p>
         </p:txBody>
       </p:sp>
     </p:spTree>
     <p:extLst>
       <p:ext uri="{BB962C8B-B14F-4D97-AF65-F5344CB8AC3E}">
-        <p14:creationId xmlns:p14="http://schemas.microsoft.com/office/powerpoint/2010/main" val="3789686449"/>
+        <p14:creationId xmlns:p14="http://schemas.microsoft.com/office/powerpoint/2010/main" val="3623879904"/>
       </p:ext>
     </p:extLst>
   </p:cSld>
   <p:clrMapOvr>
     <a:masterClrMapping/>
   </p:clrMapOvr>
-  <mc:AlternateContent xmlns:mc="http://schemas.openxmlformats.org/markup-compatibility/2006">
-    <mc:Choice xmlns:p14="http://schemas.microsoft.com/office/powerpoint/2010/main" Requires="p14">
+  <mc:AlternateContent xmlns:mc="http://schemas.openxmlformats.org/markup-compatibility/2006" xmlns:p14="http://schemas.microsoft.com/office/powerpoint/2010/main">
+    <mc:Choice Requires="p14">
       <p:transition spd="slow" p14:dur="2000"/>
     </mc:Choice>
-    <mc:Fallback>
+    <mc:Fallback xmlns="">
       <p:transition xmlns:p14="http://schemas.microsoft.com/office/powerpoint/2010/main" spd="slow"/>
     </mc:Fallback>
   </mc:AlternateContent>
@@ -22598,14 +22526,14 @@
       </p:sp>
       <p:sp>
         <p:nvSpPr>
-          <p:cNvPr id="4" name="矩形 3"/>
+          <p:cNvPr id="5" name="矩形 4"/>
           <p:cNvSpPr/>
           <p:nvPr/>
         </p:nvSpPr>
         <p:spPr>
           <a:xfrm>
-            <a:off x="802506" y="3180858"/>
-            <a:ext cx="5479868" cy="523220"/>
+            <a:off x="544017" y="3282000"/>
+            <a:ext cx="8344971" cy="1384995"/>
           </a:xfrm>
           <a:prstGeom prst="rect">
             <a:avLst/>
@@ -22617,6 +22545,70 @@
           </a:bodyPr>
           <a:lstStyle/>
           <a:p>
+            <a:r>
+              <a:rPr lang="en-US" altLang="zh-CN" sz="2800" dirty="0" err="1">
+                <a:latin typeface="Consolas"/>
+                <a:cs typeface="Consolas"/>
+              </a:rPr>
+              <a:t>bool</a:t>
+            </a:r>
+            <a:r>
+              <a:rPr lang="en-US" altLang="zh-CN" sz="2800" dirty="0">
+                <a:latin typeface="Consolas"/>
+                <a:cs typeface="Consolas"/>
+              </a:rPr>
+              <a:t> </a:t>
+            </a:r>
+            <a:r>
+              <a:rPr lang="en-US" altLang="zh-CN" sz="2800" dirty="0" err="1" smtClean="0">
+                <a:latin typeface="Consolas"/>
+                <a:cs typeface="Consolas"/>
+              </a:rPr>
+              <a:t>isPowerOfTwo</a:t>
+            </a:r>
+            <a:r>
+              <a:rPr lang="en-US" altLang="zh-CN" sz="2800" dirty="0" smtClean="0">
+                <a:latin typeface="Consolas"/>
+                <a:cs typeface="Consolas"/>
+              </a:rPr>
+              <a:t>(unsigned </a:t>
+            </a:r>
+            <a:r>
+              <a:rPr lang="en-US" altLang="zh-CN" sz="2800" dirty="0" err="1" smtClean="0">
+                <a:latin typeface="Consolas"/>
+                <a:cs typeface="Consolas"/>
+              </a:rPr>
+              <a:t>int</a:t>
+            </a:r>
+            <a:r>
+              <a:rPr lang="en-US" altLang="zh-CN" sz="2800" dirty="0" smtClean="0">
+                <a:latin typeface="Consolas"/>
+                <a:cs typeface="Consolas"/>
+              </a:rPr>
+              <a:t> </a:t>
+            </a:r>
+            <a:r>
+              <a:rPr lang="en-US" altLang="zh-CN" sz="2800" dirty="0">
+                <a:latin typeface="Consolas"/>
+                <a:cs typeface="Consolas"/>
+              </a:rPr>
+              <a:t>n) {</a:t>
+            </a:r>
+          </a:p>
+          <a:p>
+            <a:endParaRPr lang="en-US" altLang="zh-CN" sz="2800" dirty="0" smtClean="0">
+              <a:latin typeface="Consolas"/>
+              <a:cs typeface="Consolas"/>
+            </a:endParaRPr>
+          </a:p>
+          <a:p>
+            <a:r>
+              <a:rPr lang="en-US" altLang="zh-CN" sz="2800" dirty="0" smtClean="0">
+                <a:latin typeface="Consolas"/>
+                <a:cs typeface="Consolas"/>
+              </a:rPr>
+              <a:t>}</a:t>
+            </a:r>
             <a:endParaRPr lang="zh-CN" altLang="en-US" sz="2800" dirty="0">
               <a:latin typeface="Consolas"/>
               <a:cs typeface="Consolas"/>
@@ -22624,165 +22616,21 @@
           </a:p>
         </p:txBody>
       </p:sp>
-      <p:sp>
-        <p:nvSpPr>
-          <p:cNvPr id="5" name="矩形 4"/>
-          <p:cNvSpPr/>
-          <p:nvPr/>
-        </p:nvSpPr>
-        <p:spPr>
-          <a:xfrm>
-            <a:off x="544017" y="3282000"/>
-            <a:ext cx="7637183" cy="2308324"/>
-          </a:xfrm>
-          <a:prstGeom prst="rect">
-            <a:avLst/>
-          </a:prstGeom>
-        </p:spPr>
-        <p:txBody>
-          <a:bodyPr wrap="square">
-            <a:spAutoFit/>
-          </a:bodyPr>
-          <a:lstStyle/>
-          <a:p>
-            <a:r>
-              <a:rPr lang="en-US" altLang="zh-CN" sz="2800" dirty="0" err="1">
-                <a:latin typeface="Consolas"/>
-                <a:cs typeface="Consolas"/>
-              </a:rPr>
-              <a:t>bool</a:t>
-            </a:r>
-            <a:r>
-              <a:rPr lang="en-US" altLang="zh-CN" sz="2800" dirty="0">
-                <a:latin typeface="Consolas"/>
-                <a:cs typeface="Consolas"/>
-              </a:rPr>
-              <a:t> </a:t>
-            </a:r>
-            <a:r>
-              <a:rPr lang="en-US" altLang="zh-CN" sz="2800" dirty="0" err="1" smtClean="0">
-                <a:latin typeface="Consolas"/>
-                <a:cs typeface="Consolas"/>
-              </a:rPr>
-              <a:t>isPowerOfTwo</a:t>
-            </a:r>
-            <a:r>
-              <a:rPr lang="en-US" altLang="zh-CN" sz="2800" dirty="0" smtClean="0">
-                <a:latin typeface="Consolas"/>
-                <a:cs typeface="Consolas"/>
-              </a:rPr>
-              <a:t>(unsigned </a:t>
-            </a:r>
-            <a:r>
-              <a:rPr lang="en-US" altLang="zh-CN" sz="2800" dirty="0" err="1" smtClean="0">
-                <a:latin typeface="Consolas"/>
-                <a:cs typeface="Consolas"/>
-              </a:rPr>
-              <a:t>int</a:t>
-            </a:r>
-            <a:r>
-              <a:rPr lang="en-US" altLang="zh-CN" sz="2800" dirty="0" smtClean="0">
-                <a:latin typeface="Consolas"/>
-                <a:cs typeface="Consolas"/>
-              </a:rPr>
-              <a:t> </a:t>
-            </a:r>
-            <a:r>
-              <a:rPr lang="en-US" altLang="zh-CN" sz="2800" dirty="0">
-                <a:latin typeface="Consolas"/>
-                <a:cs typeface="Consolas"/>
-              </a:rPr>
-              <a:t>n) {</a:t>
-            </a:r>
-          </a:p>
-          <a:p>
-            <a:endParaRPr lang="en-US" altLang="zh-CN" sz="1600" dirty="0" smtClean="0">
-              <a:latin typeface="Consolas"/>
-              <a:cs typeface="Consolas"/>
-            </a:endParaRPr>
-          </a:p>
-          <a:p>
-            <a:r>
-              <a:rPr lang="en-US" altLang="zh-CN" sz="2800" dirty="0" smtClean="0">
-                <a:latin typeface="Consolas"/>
-                <a:cs typeface="Consolas"/>
-              </a:rPr>
-              <a:t>  return </a:t>
-            </a:r>
-            <a:r>
-              <a:rPr lang="mr-IN" altLang="zh-CN" sz="2800" dirty="0">
-                <a:latin typeface="Consolas"/>
-                <a:cs typeface="Consolas"/>
-              </a:rPr>
-              <a:t>(n &amp; (n-1</a:t>
-            </a:r>
-            <a:r>
-              <a:rPr lang="mr-IN" altLang="zh-CN" sz="2800" dirty="0" smtClean="0">
-                <a:latin typeface="Consolas"/>
-                <a:cs typeface="Consolas"/>
-              </a:rPr>
-              <a:t>)</a:t>
-            </a:r>
-            <a:r>
-              <a:rPr lang="en-US" altLang="zh-CN" sz="2800" dirty="0" smtClean="0">
-                <a:latin typeface="Consolas"/>
-                <a:cs typeface="Consolas"/>
-              </a:rPr>
-              <a:t>) == 0; </a:t>
-            </a:r>
-          </a:p>
-          <a:p>
-            <a:r>
-              <a:rPr lang="en-US" altLang="zh-CN" sz="2800" dirty="0">
-                <a:latin typeface="Consolas"/>
-                <a:cs typeface="Consolas"/>
-              </a:rPr>
-              <a:t> </a:t>
-            </a:r>
-            <a:r>
-              <a:rPr lang="en-US" altLang="zh-CN" sz="2800" dirty="0" smtClean="0">
-                <a:latin typeface="Consolas"/>
-                <a:cs typeface="Consolas"/>
-              </a:rPr>
-              <a:t> // n&amp;(n-1) clears rightmost 1 bit</a:t>
-            </a:r>
-          </a:p>
-          <a:p>
-            <a:endParaRPr lang="en-US" altLang="zh-CN" sz="1600" dirty="0" smtClean="0">
-              <a:latin typeface="Consolas"/>
-              <a:cs typeface="Consolas"/>
-            </a:endParaRPr>
-          </a:p>
-          <a:p>
-            <a:r>
-              <a:rPr lang="en-US" altLang="zh-CN" sz="2800" dirty="0" smtClean="0">
-                <a:latin typeface="Consolas"/>
-                <a:cs typeface="Consolas"/>
-              </a:rPr>
-              <a:t>}</a:t>
-            </a:r>
-            <a:endParaRPr lang="zh-CN" altLang="en-US" sz="2800" dirty="0">
-              <a:latin typeface="Consolas"/>
-              <a:cs typeface="Consolas"/>
-            </a:endParaRPr>
-          </a:p>
-        </p:txBody>
-      </p:sp>
     </p:spTree>
     <p:extLst>
       <p:ext uri="{BB962C8B-B14F-4D97-AF65-F5344CB8AC3E}">
-        <p14:creationId xmlns:p14="http://schemas.microsoft.com/office/powerpoint/2010/main" val="4205408796"/>
+        <p14:creationId xmlns:p14="http://schemas.microsoft.com/office/powerpoint/2010/main" val="849539340"/>
       </p:ext>
     </p:extLst>
   </p:cSld>
   <p:clrMapOvr>
     <a:masterClrMapping/>
   </p:clrMapOvr>
-  <mc:AlternateContent xmlns:mc="http://schemas.openxmlformats.org/markup-compatibility/2006">
-    <mc:Choice xmlns:p14="http://schemas.microsoft.com/office/powerpoint/2010/main" Requires="p14">
+  <mc:AlternateContent xmlns:mc="http://schemas.openxmlformats.org/markup-compatibility/2006" xmlns:p14="http://schemas.microsoft.com/office/powerpoint/2010/main">
+    <mc:Choice Requires="p14">
       <p:transition spd="slow" p14:dur="2000"/>
     </mc:Choice>
-    <mc:Fallback>
+    <mc:Fallback xmlns="">
       <p:transition xmlns:p14="http://schemas.microsoft.com/office/powerpoint/2010/main" spd="slow"/>
     </mc:Fallback>
   </mc:AlternateContent>
@@ -22846,7 +22694,12 @@
             <p:ph idx="1"/>
           </p:nvPr>
         </p:nvSpPr>
-        <p:spPr/>
+        <p:spPr>
+          <a:xfrm>
+            <a:off x="457200" y="1600201"/>
+            <a:ext cx="8229600" cy="1460524"/>
+          </a:xfrm>
+        </p:spPr>
         <p:txBody>
           <a:bodyPr/>
           <a:lstStyle/>
@@ -22869,20 +22722,26 @@
             <a:pPr marL="0" indent="0">
               <a:buNone/>
             </a:pPr>
+            <a:endParaRPr kumimoji="1" lang="en-US" altLang="zh-CN" dirty="0" smtClean="0"/>
+          </a:p>
+          <a:p>
+            <a:pPr marL="0" indent="0">
+              <a:buNone/>
+            </a:pPr>
             <a:endParaRPr kumimoji="1" lang="zh-CN" altLang="en-US" dirty="0"/>
           </a:p>
         </p:txBody>
       </p:sp>
       <p:sp>
         <p:nvSpPr>
-          <p:cNvPr id="4" name="矩形 3"/>
+          <p:cNvPr id="5" name="矩形 4"/>
           <p:cNvSpPr/>
           <p:nvPr/>
         </p:nvSpPr>
         <p:spPr>
           <a:xfrm>
-            <a:off x="802506" y="3180858"/>
-            <a:ext cx="5479868" cy="523220"/>
+            <a:off x="544017" y="2719826"/>
+            <a:ext cx="8142783" cy="3693318"/>
           </a:xfrm>
           <a:prstGeom prst="rect">
             <a:avLst/>
@@ -22894,163 +22753,198 @@
           </a:bodyPr>
           <a:lstStyle/>
           <a:p>
-            <a:endParaRPr lang="zh-CN" altLang="en-US" sz="2800" dirty="0">
+            <a:r>
+              <a:rPr lang="en-US" altLang="zh-CN" sz="2600" dirty="0" err="1">
+                <a:latin typeface="Consolas"/>
+                <a:cs typeface="Consolas"/>
+              </a:rPr>
+              <a:t>bool</a:t>
+            </a:r>
+            <a:r>
+              <a:rPr lang="en-US" altLang="zh-CN" sz="2600" dirty="0">
+                <a:latin typeface="Consolas"/>
+                <a:cs typeface="Consolas"/>
+              </a:rPr>
+              <a:t> </a:t>
+            </a:r>
+            <a:r>
+              <a:rPr lang="en-US" altLang="zh-CN" sz="2600" dirty="0" err="1" smtClean="0">
+                <a:latin typeface="Consolas"/>
+                <a:cs typeface="Consolas"/>
+              </a:rPr>
+              <a:t>isPowerOfTwo</a:t>
+            </a:r>
+            <a:r>
+              <a:rPr lang="en-US" altLang="zh-CN" sz="2600" dirty="0" smtClean="0">
+                <a:latin typeface="Consolas"/>
+                <a:cs typeface="Consolas"/>
+              </a:rPr>
+              <a:t>(unsigned </a:t>
+            </a:r>
+            <a:r>
+              <a:rPr lang="en-US" altLang="zh-CN" sz="2600" dirty="0" err="1" smtClean="0">
+                <a:latin typeface="Consolas"/>
+                <a:cs typeface="Consolas"/>
+              </a:rPr>
+              <a:t>int</a:t>
+            </a:r>
+            <a:r>
+              <a:rPr lang="en-US" altLang="zh-CN" sz="2600" dirty="0" smtClean="0">
+                <a:latin typeface="Consolas"/>
+                <a:cs typeface="Consolas"/>
+              </a:rPr>
+              <a:t> </a:t>
+            </a:r>
+            <a:r>
+              <a:rPr lang="en-US" altLang="zh-CN" sz="2600" dirty="0">
+                <a:latin typeface="Consolas"/>
+                <a:cs typeface="Consolas"/>
+              </a:rPr>
+              <a:t>n) </a:t>
+            </a:r>
+            <a:r>
+              <a:rPr lang="en-US" altLang="zh-CN" sz="2600" dirty="0" smtClean="0">
+                <a:latin typeface="Consolas"/>
+                <a:cs typeface="Consolas"/>
+              </a:rPr>
+              <a:t>{</a:t>
+            </a:r>
+          </a:p>
+          <a:p>
+            <a:r>
+              <a:rPr lang="en-US" altLang="zh-CN" sz="2600" dirty="0">
+                <a:latin typeface="Consolas"/>
+                <a:cs typeface="Consolas"/>
+              </a:rPr>
+              <a:t> </a:t>
+            </a:r>
+            <a:r>
+              <a:rPr lang="en-US" altLang="zh-CN" sz="2600" dirty="0" smtClean="0">
+                <a:latin typeface="Consolas"/>
+                <a:cs typeface="Consolas"/>
+              </a:rPr>
+              <a:t>  if (n==0) return false;</a:t>
+            </a:r>
+          </a:p>
+          <a:p>
+            <a:r>
+              <a:rPr lang="en-US" altLang="zh-CN" sz="2600" dirty="0" smtClean="0">
+                <a:latin typeface="Consolas"/>
+                <a:cs typeface="Consolas"/>
+              </a:rPr>
+              <a:t>   while (n &gt; 1) {</a:t>
+            </a:r>
+          </a:p>
+          <a:p>
+            <a:r>
+              <a:rPr lang="en-US" altLang="zh-CN" sz="2600" dirty="0">
+                <a:latin typeface="Consolas"/>
+                <a:cs typeface="Consolas"/>
+              </a:rPr>
+              <a:t> </a:t>
+            </a:r>
+            <a:r>
+              <a:rPr lang="en-US" altLang="zh-CN" sz="2600" dirty="0" smtClean="0">
+                <a:latin typeface="Consolas"/>
+                <a:cs typeface="Consolas"/>
+              </a:rPr>
+              <a:t>     if (n % 2)  // (n%2)!=0</a:t>
+            </a:r>
+          </a:p>
+          <a:p>
+            <a:r>
+              <a:rPr lang="en-US" altLang="zh-CN" sz="2600" dirty="0">
+                <a:latin typeface="Consolas"/>
+                <a:cs typeface="Consolas"/>
+              </a:rPr>
+              <a:t> </a:t>
+            </a:r>
+            <a:r>
+              <a:rPr lang="en-US" altLang="zh-CN" sz="2600" dirty="0" smtClean="0">
+                <a:latin typeface="Consolas"/>
+                <a:cs typeface="Consolas"/>
+              </a:rPr>
+              <a:t>        return false; </a:t>
+            </a:r>
+          </a:p>
+          <a:p>
+            <a:r>
+              <a:rPr lang="en-US" altLang="zh-CN" sz="2600" dirty="0">
+                <a:latin typeface="Consolas"/>
+                <a:cs typeface="Consolas"/>
+              </a:rPr>
+              <a:t> </a:t>
+            </a:r>
+            <a:r>
+              <a:rPr lang="en-US" altLang="zh-CN" sz="2600" dirty="0" smtClean="0">
+                <a:latin typeface="Consolas"/>
+                <a:cs typeface="Consolas"/>
+              </a:rPr>
+              <a:t>     n = n / 2;</a:t>
+            </a:r>
+          </a:p>
+          <a:p>
+            <a:r>
+              <a:rPr lang="en-US" altLang="zh-CN" sz="2600" dirty="0">
+                <a:latin typeface="Consolas"/>
+                <a:cs typeface="Consolas"/>
+              </a:rPr>
+              <a:t> </a:t>
+            </a:r>
+            <a:r>
+              <a:rPr lang="en-US" altLang="zh-CN" sz="2600" dirty="0" smtClean="0">
+                <a:latin typeface="Consolas"/>
+                <a:cs typeface="Consolas"/>
+              </a:rPr>
+              <a:t>  }</a:t>
+            </a:r>
+          </a:p>
+          <a:p>
+            <a:r>
+              <a:rPr lang="en-US" altLang="zh-CN" sz="2600" dirty="0">
+                <a:latin typeface="Consolas"/>
+                <a:cs typeface="Consolas"/>
+              </a:rPr>
+              <a:t> </a:t>
+            </a:r>
+            <a:r>
+              <a:rPr lang="en-US" altLang="zh-CN" sz="2600" dirty="0" smtClean="0">
+                <a:latin typeface="Consolas"/>
+                <a:cs typeface="Consolas"/>
+              </a:rPr>
+              <a:t>  return true;</a:t>
+            </a:r>
+          </a:p>
+          <a:p>
+            <a:r>
+              <a:rPr lang="en-US" altLang="zh-CN" sz="2600" dirty="0" smtClean="0">
+                <a:latin typeface="Consolas"/>
+                <a:cs typeface="Consolas"/>
+              </a:rPr>
+              <a:t>}</a:t>
+            </a:r>
+            <a:endParaRPr lang="zh-CN" altLang="en-US" sz="2600" dirty="0">
               <a:latin typeface="Consolas"/>
               <a:cs typeface="Consolas"/>
             </a:endParaRPr>
           </a:p>
         </p:txBody>
       </p:sp>
-      <p:sp>
-        <p:nvSpPr>
-          <p:cNvPr id="5" name="矩形 4"/>
-          <p:cNvSpPr/>
-          <p:nvPr/>
-        </p:nvSpPr>
-        <p:spPr>
-          <a:xfrm>
-            <a:off x="544017" y="3282000"/>
-            <a:ext cx="7344094" cy="1877437"/>
-          </a:xfrm>
-          <a:prstGeom prst="rect">
-            <a:avLst/>
-          </a:prstGeom>
-        </p:spPr>
-        <p:txBody>
-          <a:bodyPr wrap="square">
-            <a:spAutoFit/>
-          </a:bodyPr>
-          <a:lstStyle/>
-          <a:p>
-            <a:r>
-              <a:rPr lang="en-US" altLang="zh-CN" sz="2800" dirty="0" err="1">
-                <a:latin typeface="Consolas"/>
-                <a:cs typeface="Consolas"/>
-              </a:rPr>
-              <a:t>bool</a:t>
-            </a:r>
-            <a:r>
-              <a:rPr lang="en-US" altLang="zh-CN" sz="2800" dirty="0">
-                <a:latin typeface="Consolas"/>
-                <a:cs typeface="Consolas"/>
-              </a:rPr>
-              <a:t> </a:t>
-            </a:r>
-            <a:r>
-              <a:rPr lang="en-US" altLang="zh-CN" sz="2800" dirty="0" err="1" smtClean="0">
-                <a:latin typeface="Consolas"/>
-                <a:cs typeface="Consolas"/>
-              </a:rPr>
-              <a:t>isPowerOfTwo</a:t>
-            </a:r>
-            <a:r>
-              <a:rPr lang="en-US" altLang="zh-CN" sz="2800" dirty="0" smtClean="0">
-                <a:latin typeface="Consolas"/>
-                <a:cs typeface="Consolas"/>
-              </a:rPr>
-              <a:t>(unsigned </a:t>
-            </a:r>
-            <a:r>
-              <a:rPr lang="en-US" altLang="zh-CN" sz="2800" dirty="0" err="1" smtClean="0">
-                <a:latin typeface="Consolas"/>
-                <a:cs typeface="Consolas"/>
-              </a:rPr>
-              <a:t>int</a:t>
-            </a:r>
-            <a:r>
-              <a:rPr lang="en-US" altLang="zh-CN" sz="2800" dirty="0" smtClean="0">
-                <a:latin typeface="Consolas"/>
-                <a:cs typeface="Consolas"/>
-              </a:rPr>
-              <a:t> </a:t>
-            </a:r>
-            <a:r>
-              <a:rPr lang="en-US" altLang="zh-CN" sz="2800" dirty="0">
-                <a:latin typeface="Consolas"/>
-                <a:cs typeface="Consolas"/>
-              </a:rPr>
-              <a:t>n) {</a:t>
-            </a:r>
-          </a:p>
-          <a:p>
-            <a:endParaRPr lang="en-US" altLang="zh-CN" sz="1600" dirty="0" smtClean="0">
-              <a:latin typeface="Consolas"/>
-              <a:cs typeface="Consolas"/>
-            </a:endParaRPr>
-          </a:p>
-          <a:p>
-            <a:r>
-              <a:rPr lang="en-US" altLang="zh-CN" sz="2800" dirty="0" smtClean="0">
-                <a:latin typeface="Consolas"/>
-                <a:cs typeface="Consolas"/>
-              </a:rPr>
-              <a:t>  return </a:t>
-            </a:r>
-            <a:r>
-              <a:rPr lang="en-US" altLang="zh-CN" sz="2800" dirty="0">
-                <a:latin typeface="Consolas"/>
-                <a:cs typeface="Consolas"/>
-              </a:rPr>
-              <a:t>n != 0 &amp;&amp; </a:t>
-            </a:r>
-            <a:r>
-              <a:rPr lang="mr-IN" altLang="zh-CN" sz="2800" dirty="0">
-                <a:latin typeface="Consolas"/>
-                <a:cs typeface="Consolas"/>
-              </a:rPr>
-              <a:t>(n &amp; (n-1)</a:t>
-            </a:r>
-            <a:r>
-              <a:rPr lang="en-US" altLang="zh-CN" sz="2800" dirty="0">
-                <a:latin typeface="Consolas"/>
-                <a:cs typeface="Consolas"/>
-              </a:rPr>
-              <a:t>) == </a:t>
-            </a:r>
-            <a:r>
-              <a:rPr lang="en-US" altLang="zh-CN" sz="2800" dirty="0" smtClean="0">
-                <a:latin typeface="Consolas"/>
-                <a:cs typeface="Consolas"/>
-              </a:rPr>
-              <a:t>0;</a:t>
-            </a:r>
-          </a:p>
-          <a:p>
-            <a:endParaRPr lang="en-US" altLang="zh-CN" sz="1600" dirty="0" smtClean="0">
-              <a:latin typeface="Consolas"/>
-              <a:cs typeface="Consolas"/>
-            </a:endParaRPr>
-          </a:p>
-          <a:p>
-            <a:r>
-              <a:rPr lang="en-US" altLang="zh-CN" sz="2800" dirty="0" smtClean="0">
-                <a:latin typeface="Consolas"/>
-                <a:cs typeface="Consolas"/>
-              </a:rPr>
-              <a:t>}</a:t>
-            </a:r>
-            <a:endParaRPr lang="zh-CN" altLang="en-US" sz="2800" dirty="0">
-              <a:latin typeface="Consolas"/>
-              <a:cs typeface="Consolas"/>
-            </a:endParaRPr>
-          </a:p>
-        </p:txBody>
-      </p:sp>
     </p:spTree>
     <p:extLst>
       <p:ext uri="{BB962C8B-B14F-4D97-AF65-F5344CB8AC3E}">
-        <p14:creationId xmlns:p14="http://schemas.microsoft.com/office/powerpoint/2010/main" val="1735239257"/>
+        <p14:creationId xmlns:p14="http://schemas.microsoft.com/office/powerpoint/2010/main" val="3789686449"/>
       </p:ext>
     </p:extLst>
   </p:cSld>
   <p:clrMapOvr>
     <a:masterClrMapping/>
   </p:clrMapOvr>
-  <mc:AlternateContent xmlns:mc="http://schemas.openxmlformats.org/markup-compatibility/2006">
-    <mc:Choice xmlns:p14="http://schemas.microsoft.com/office/powerpoint/2010/main" Requires="p14">
+  <mc:AlternateContent xmlns:mc="http://schemas.openxmlformats.org/markup-compatibility/2006" xmlns:p14="http://schemas.microsoft.com/office/powerpoint/2010/main">
+    <mc:Choice Requires="p14">
       <p:transition spd="slow" p14:dur="2000"/>
     </mc:Choice>
-    <mc:Fallback>
+    <mc:Fallback xmlns="">
       <p:transition xmlns:p14="http://schemas.microsoft.com/office/powerpoint/2010/main" spd="slow"/>
     </mc:Fallback>
   </mc:AlternateContent>
@@ -23114,12 +23008,7 @@
             <p:ph idx="1"/>
           </p:nvPr>
         </p:nvSpPr>
-        <p:spPr>
-          <a:xfrm>
-            <a:off x="457200" y="1600200"/>
-            <a:ext cx="8686800" cy="4525963"/>
-          </a:xfrm>
-        </p:spPr>
+        <p:spPr/>
         <p:txBody>
           <a:bodyPr/>
           <a:lstStyle/>
@@ -23128,37 +23017,15 @@
               <a:buNone/>
             </a:pPr>
             <a:r>
-              <a:rPr kumimoji="1" lang="en-US" altLang="zh-CN" dirty="0"/>
-              <a:t>Count the number of ones in the </a:t>
-            </a:r>
-            <a:r>
               <a:rPr kumimoji="1" lang="en-US" altLang="zh-CN" dirty="0" smtClean="0"/>
-              <a:t>binary representation </a:t>
-            </a:r>
-            <a:r>
-              <a:rPr kumimoji="1" lang="en-US" altLang="zh-CN" dirty="0"/>
-              <a:t>of the given </a:t>
-            </a:r>
-            <a:r>
-              <a:rPr kumimoji="1" lang="en-US" altLang="zh-CN" dirty="0" smtClean="0"/>
-              <a:t>number ?</a:t>
+              <a:t>Given a number, write a function to decide if it is a power of two? </a:t>
             </a:r>
           </a:p>
           <a:p>
             <a:pPr marL="0" indent="0">
               <a:buNone/>
             </a:pPr>
-            <a:r>
-              <a:rPr kumimoji="1" lang="en-US" altLang="zh-CN" dirty="0" smtClean="0"/>
-              <a:t>(n &gt; 0)</a:t>
-            </a:r>
             <a:endParaRPr kumimoji="1" lang="en-US" altLang="zh-CN" dirty="0"/>
-          </a:p>
-          <a:p>
-            <a:pPr marL="0" indent="0">
-              <a:buNone/>
-            </a:pPr>
-            <a:endParaRPr kumimoji="1" lang="en-US" altLang="zh-CN" dirty="0" smtClean="0"/>
           </a:p>
           <a:p>
             <a:pPr marL="0" indent="0">
@@ -23205,7 +23072,7 @@
         <p:spPr>
           <a:xfrm>
             <a:off x="544017" y="3282000"/>
-            <a:ext cx="7671394" cy="1631216"/>
+            <a:ext cx="7637183" cy="2308324"/>
           </a:xfrm>
           <a:prstGeom prst="rect">
             <a:avLst/>
@@ -23222,65 +23089,52 @@
                 <a:latin typeface="Consolas"/>
                 <a:cs typeface="Consolas"/>
               </a:rPr>
-              <a:t>i</a:t>
+              <a:t>bool</a:t>
+            </a:r>
+            <a:r>
+              <a:rPr lang="en-US" altLang="zh-CN" sz="2800" dirty="0">
+                <a:latin typeface="Consolas"/>
+                <a:cs typeface="Consolas"/>
+              </a:rPr>
+              <a:t> </a:t>
             </a:r>
             <a:r>
               <a:rPr lang="en-US" altLang="zh-CN" sz="2800" dirty="0" err="1" smtClean="0">
                 <a:latin typeface="Consolas"/>
                 <a:cs typeface="Consolas"/>
               </a:rPr>
-              <a:t>nt</a:t>
+              <a:t>isPowerOfTwo</a:t>
             </a:r>
             <a:r>
               <a:rPr lang="en-US" altLang="zh-CN" sz="2800" dirty="0" smtClean="0">
                 <a:latin typeface="Consolas"/>
                 <a:cs typeface="Consolas"/>
               </a:rPr>
+              <a:t>(unsigned </a:t>
+            </a:r>
+            <a:r>
+              <a:rPr lang="en-US" altLang="zh-CN" sz="2800" dirty="0" err="1" smtClean="0">
+                <a:latin typeface="Consolas"/>
+                <a:cs typeface="Consolas"/>
+              </a:rPr>
+              <a:t>int</a:t>
+            </a:r>
+            <a:r>
+              <a:rPr lang="en-US" altLang="zh-CN" sz="2800" dirty="0" smtClean="0">
+                <a:latin typeface="Consolas"/>
+                <a:cs typeface="Consolas"/>
+              </a:rPr>
               <a:t> </a:t>
             </a:r>
             <a:r>
-              <a:rPr lang="en-US" altLang="zh-CN" sz="2800" dirty="0" err="1" smtClean="0">
-                <a:latin typeface="Consolas"/>
-                <a:cs typeface="Consolas"/>
-              </a:rPr>
-              <a:t>count_one</a:t>
-            </a:r>
-            <a:r>
-              <a:rPr lang="en-US" altLang="zh-CN" sz="2800" dirty="0" smtClean="0">
-                <a:latin typeface="Consolas"/>
-                <a:cs typeface="Consolas"/>
-              </a:rPr>
-              <a:t>(</a:t>
-            </a:r>
-            <a:r>
               <a:rPr lang="en-US" altLang="zh-CN" sz="2800" dirty="0">
                 <a:latin typeface="Consolas"/>
                 <a:cs typeface="Consolas"/>
               </a:rPr>
-              <a:t>int n) </a:t>
-            </a:r>
-            <a:r>
-              <a:rPr lang="en-US" altLang="zh-CN" sz="2800" dirty="0" smtClean="0">
-                <a:latin typeface="Consolas"/>
-                <a:cs typeface="Consolas"/>
-              </a:rPr>
-              <a:t>{</a:t>
-            </a:r>
-          </a:p>
-          <a:p>
-            <a:endParaRPr lang="en-US" altLang="zh-CN" sz="1600" dirty="0">
-              <a:latin typeface="Consolas"/>
-              <a:cs typeface="Consolas"/>
-            </a:endParaRPr>
-          </a:p>
-          <a:p>
-            <a:r>
-              <a:rPr lang="en-US" altLang="zh-CN" sz="2800" dirty="0">
-                <a:latin typeface="Consolas"/>
-                <a:cs typeface="Consolas"/>
-              </a:rPr>
-              <a:t>   </a:t>
-            </a:r>
+              <a:t>n) {</a:t>
+            </a:r>
+          </a:p>
+          <a:p>
             <a:endParaRPr lang="en-US" altLang="zh-CN" sz="1600" dirty="0" smtClean="0">
               <a:latin typeface="Consolas"/>
               <a:cs typeface="Consolas"/>
@@ -23292,6 +23146,58 @@
                 <a:latin typeface="Consolas"/>
                 <a:cs typeface="Consolas"/>
               </a:rPr>
+              <a:t>  return </a:t>
+            </a:r>
+            <a:r>
+              <a:rPr lang="mr-IN" altLang="zh-CN" sz="2800" dirty="0">
+                <a:latin typeface="Consolas"/>
+                <a:cs typeface="Consolas"/>
+              </a:rPr>
+              <a:t>(n &amp; (n-1</a:t>
+            </a:r>
+            <a:r>
+              <a:rPr lang="mr-IN" altLang="zh-CN" sz="2800" dirty="0" smtClean="0">
+                <a:latin typeface="Consolas"/>
+                <a:cs typeface="Consolas"/>
+              </a:rPr>
+              <a:t>)</a:t>
+            </a:r>
+            <a:r>
+              <a:rPr lang="en-US" altLang="zh-CN" sz="2800" dirty="0" smtClean="0">
+                <a:latin typeface="Consolas"/>
+                <a:cs typeface="Consolas"/>
+              </a:rPr>
+              <a:t>) == 0; </a:t>
+            </a:r>
+          </a:p>
+          <a:p>
+            <a:r>
+              <a:rPr lang="en-US" altLang="zh-CN" sz="2800" dirty="0">
+                <a:latin typeface="Consolas"/>
+                <a:cs typeface="Consolas"/>
+              </a:rPr>
+              <a:t> </a:t>
+            </a:r>
+            <a:r>
+              <a:rPr lang="en-US" altLang="zh-CN" sz="2800" dirty="0" smtClean="0">
+                <a:latin typeface="Consolas"/>
+                <a:cs typeface="Consolas"/>
+              </a:rPr>
+              <a:t> // n&amp;(n-1) clears rightmost 1 bit</a:t>
+            </a:r>
+          </a:p>
+          <a:p>
+            <a:endParaRPr lang="en-US" altLang="zh-CN" sz="1600" dirty="0" smtClean="0">
+              <a:latin typeface="Consolas"/>
+              <a:cs typeface="Consolas"/>
+            </a:endParaRPr>
+          </a:p>
+          <a:p>
+            <a:r>
+              <a:rPr lang="en-US" altLang="zh-CN" sz="2800" dirty="0" smtClean="0">
+                <a:latin typeface="Consolas"/>
+                <a:cs typeface="Consolas"/>
+              </a:rPr>
               <a:t>}</a:t>
             </a:r>
             <a:endParaRPr lang="zh-CN" altLang="en-US" sz="2800" dirty="0">
@@ -23304,18 +23210,18 @@
     </p:spTree>
     <p:extLst>
       <p:ext uri="{BB962C8B-B14F-4D97-AF65-F5344CB8AC3E}">
-        <p14:creationId xmlns:p14="http://schemas.microsoft.com/office/powerpoint/2010/main" val="1735145085"/>
+        <p14:creationId xmlns:p14="http://schemas.microsoft.com/office/powerpoint/2010/main" val="4205408796"/>
       </p:ext>
     </p:extLst>
   </p:cSld>
   <p:clrMapOvr>
     <a:masterClrMapping/>
   </p:clrMapOvr>
-  <mc:AlternateContent xmlns:mc="http://schemas.openxmlformats.org/markup-compatibility/2006">
-    <mc:Choice xmlns:p14="http://schemas.microsoft.com/office/powerpoint/2010/main" Requires="p14">
+  <mc:AlternateContent xmlns:mc="http://schemas.openxmlformats.org/markup-compatibility/2006" xmlns:p14="http://schemas.microsoft.com/office/powerpoint/2010/main">
+    <mc:Choice Requires="p14">
       <p:transition spd="slow" p14:dur="2000"/>
     </mc:Choice>
-    <mc:Fallback>
+    <mc:Fallback xmlns="">
       <p:transition xmlns:p14="http://schemas.microsoft.com/office/powerpoint/2010/main" spd="slow"/>
     </mc:Fallback>
   </mc:AlternateContent>
@@ -23379,12 +23285,7 @@
             <p:ph idx="1"/>
           </p:nvPr>
         </p:nvSpPr>
-        <p:spPr>
-          <a:xfrm>
-            <a:off x="457200" y="1600200"/>
-            <a:ext cx="8686800" cy="4525963"/>
-          </a:xfrm>
-        </p:spPr>
+        <p:spPr/>
         <p:txBody>
           <a:bodyPr/>
           <a:lstStyle/>
@@ -23393,37 +23294,15 @@
               <a:buNone/>
             </a:pPr>
             <a:r>
-              <a:rPr kumimoji="1" lang="en-US" altLang="zh-CN" dirty="0"/>
-              <a:t>Count the number of ones in the </a:t>
-            </a:r>
-            <a:r>
               <a:rPr kumimoji="1" lang="en-US" altLang="zh-CN" dirty="0" smtClean="0"/>
-              <a:t>binary representation </a:t>
-            </a:r>
-            <a:r>
-              <a:rPr kumimoji="1" lang="en-US" altLang="zh-CN" dirty="0"/>
-              <a:t>of the given </a:t>
-            </a:r>
-            <a:r>
-              <a:rPr kumimoji="1" lang="en-US" altLang="zh-CN" dirty="0" smtClean="0"/>
-              <a:t>number ?</a:t>
+              <a:t>Given a number, write a function to decide if it is a power of two? </a:t>
             </a:r>
           </a:p>
           <a:p>
             <a:pPr marL="0" indent="0">
               <a:buNone/>
             </a:pPr>
-            <a:r>
-              <a:rPr kumimoji="1" lang="en-US" altLang="zh-CN" dirty="0" smtClean="0"/>
-              <a:t>(n &gt; 0)</a:t>
-            </a:r>
             <a:endParaRPr kumimoji="1" lang="en-US" altLang="zh-CN" dirty="0"/>
-          </a:p>
-          <a:p>
-            <a:pPr marL="0" indent="0">
-              <a:buNone/>
-            </a:pPr>
-            <a:endParaRPr kumimoji="1" lang="en-US" altLang="zh-CN" dirty="0" smtClean="0"/>
           </a:p>
           <a:p>
             <a:pPr marL="0" indent="0">
@@ -23469,8 +23348,8 @@
         </p:nvSpPr>
         <p:spPr>
           <a:xfrm>
-            <a:off x="544017" y="3180858"/>
-            <a:ext cx="7671394" cy="3539431"/>
+            <a:off x="544017" y="3282000"/>
+            <a:ext cx="7344094" cy="1877437"/>
           </a:xfrm>
           <a:prstGeom prst="rect">
             <a:avLst/>
@@ -23487,153 +23366,52 @@
                 <a:latin typeface="Consolas"/>
                 <a:cs typeface="Consolas"/>
               </a:rPr>
-              <a:t>i</a:t>
+              <a:t>bool</a:t>
+            </a:r>
+            <a:r>
+              <a:rPr lang="en-US" altLang="zh-CN" sz="2800" dirty="0">
+                <a:latin typeface="Consolas"/>
+                <a:cs typeface="Consolas"/>
+              </a:rPr>
+              <a:t> </a:t>
             </a:r>
             <a:r>
               <a:rPr lang="en-US" altLang="zh-CN" sz="2800" dirty="0" err="1" smtClean="0">
                 <a:latin typeface="Consolas"/>
                 <a:cs typeface="Consolas"/>
               </a:rPr>
-              <a:t>nt</a:t>
+              <a:t>isPowerOfTwo</a:t>
             </a:r>
             <a:r>
               <a:rPr lang="en-US" altLang="zh-CN" sz="2800" dirty="0" smtClean="0">
                 <a:latin typeface="Consolas"/>
                 <a:cs typeface="Consolas"/>
               </a:rPr>
+              <a:t>(unsigned </a:t>
+            </a:r>
+            <a:r>
+              <a:rPr lang="en-US" altLang="zh-CN" sz="2800" dirty="0" err="1" smtClean="0">
+                <a:latin typeface="Consolas"/>
+                <a:cs typeface="Consolas"/>
+              </a:rPr>
+              <a:t>int</a:t>
+            </a:r>
+            <a:r>
+              <a:rPr lang="en-US" altLang="zh-CN" sz="2800" dirty="0" smtClean="0">
+                <a:latin typeface="Consolas"/>
+                <a:cs typeface="Consolas"/>
+              </a:rPr>
               <a:t> </a:t>
             </a:r>
             <a:r>
-              <a:rPr lang="en-US" altLang="zh-CN" sz="2800" dirty="0" err="1" smtClean="0">
-                <a:latin typeface="Consolas"/>
-                <a:cs typeface="Consolas"/>
-              </a:rPr>
-              <a:t>count_one</a:t>
-            </a:r>
-            <a:r>
-              <a:rPr lang="en-US" altLang="zh-CN" sz="2800" dirty="0" smtClean="0">
-                <a:latin typeface="Consolas"/>
-                <a:cs typeface="Consolas"/>
-              </a:rPr>
-              <a:t>(</a:t>
-            </a:r>
-            <a:r>
               <a:rPr lang="en-US" altLang="zh-CN" sz="2800" dirty="0">
                 <a:latin typeface="Consolas"/>
                 <a:cs typeface="Consolas"/>
               </a:rPr>
-              <a:t>int n) </a:t>
-            </a:r>
-            <a:r>
-              <a:rPr lang="en-US" altLang="zh-CN" sz="2800" dirty="0" smtClean="0">
-                <a:latin typeface="Consolas"/>
-                <a:cs typeface="Consolas"/>
-              </a:rPr>
-              <a:t>{</a:t>
-            </a:r>
-          </a:p>
-          <a:p>
-            <a:r>
-              <a:rPr lang="en-US" altLang="zh-CN" sz="2800" dirty="0" smtClean="0">
-                <a:latin typeface="Consolas"/>
-                <a:cs typeface="Consolas"/>
-              </a:rPr>
-              <a:t>   </a:t>
-            </a:r>
-            <a:r>
-              <a:rPr lang="en-US" altLang="zh-CN" sz="2800" dirty="0" err="1" smtClean="0">
-                <a:latin typeface="Consolas"/>
-                <a:cs typeface="Consolas"/>
-              </a:rPr>
-              <a:t>int</a:t>
-            </a:r>
-            <a:r>
-              <a:rPr lang="en-US" altLang="zh-CN" sz="2800" dirty="0" smtClean="0">
-                <a:latin typeface="Consolas"/>
-                <a:cs typeface="Consolas"/>
-              </a:rPr>
-              <a:t> count = 0;</a:t>
-            </a:r>
-          </a:p>
-          <a:p>
-            <a:r>
-              <a:rPr lang="en-US" altLang="zh-CN" sz="2800" dirty="0" smtClean="0">
-                <a:latin typeface="Consolas"/>
-                <a:cs typeface="Consolas"/>
-              </a:rPr>
-              <a:t>   while (n != 0 ) {</a:t>
-            </a:r>
-          </a:p>
-          <a:p>
-            <a:r>
-              <a:rPr lang="en-US" altLang="zh-CN" sz="2800" dirty="0" smtClean="0">
-                <a:latin typeface="Consolas"/>
-                <a:cs typeface="Consolas"/>
-              </a:rPr>
-              <a:t>      count += (n % 2);</a:t>
-            </a:r>
-          </a:p>
-          <a:p>
-            <a:r>
-              <a:rPr lang="en-US" altLang="zh-CN" sz="2800" dirty="0">
-                <a:latin typeface="Consolas"/>
-                <a:cs typeface="Consolas"/>
-              </a:rPr>
-              <a:t> </a:t>
-            </a:r>
-            <a:r>
-              <a:rPr lang="en-US" altLang="zh-CN" sz="2800" dirty="0" smtClean="0">
-                <a:latin typeface="Consolas"/>
-                <a:cs typeface="Consolas"/>
-              </a:rPr>
-              <a:t>     n = (unsigned </a:t>
-            </a:r>
-            <a:r>
-              <a:rPr lang="en-US" altLang="zh-CN" sz="2800" dirty="0" err="1" smtClean="0">
-                <a:latin typeface="Consolas"/>
-                <a:cs typeface="Consolas"/>
-              </a:rPr>
-              <a:t>int</a:t>
-            </a:r>
-            <a:r>
-              <a:rPr lang="en-US" altLang="zh-CN" sz="2800" dirty="0" smtClean="0">
-                <a:latin typeface="Consolas"/>
-                <a:cs typeface="Consolas"/>
-              </a:rPr>
-              <a:t>)n&gt;&gt;1;</a:t>
-            </a:r>
-          </a:p>
-          <a:p>
-            <a:r>
-              <a:rPr lang="en-US" altLang="zh-CN" sz="2800" dirty="0">
-                <a:latin typeface="Consolas"/>
-                <a:cs typeface="Consolas"/>
-              </a:rPr>
-              <a:t> </a:t>
-            </a:r>
-            <a:r>
-              <a:rPr lang="en-US" altLang="zh-CN" sz="2800" dirty="0" smtClean="0">
-                <a:latin typeface="Consolas"/>
-                <a:cs typeface="Consolas"/>
-              </a:rPr>
-              <a:t>  }</a:t>
-            </a:r>
-          </a:p>
-          <a:p>
-            <a:r>
-              <a:rPr lang="en-US" altLang="zh-CN" sz="2800" dirty="0">
-                <a:latin typeface="Consolas"/>
-                <a:cs typeface="Consolas"/>
-              </a:rPr>
-              <a:t> </a:t>
-            </a:r>
-            <a:r>
-              <a:rPr lang="en-US" altLang="zh-CN" sz="2800" dirty="0" smtClean="0">
-                <a:latin typeface="Consolas"/>
-                <a:cs typeface="Consolas"/>
-              </a:rPr>
-              <a:t>  return count;</a:t>
-            </a:r>
+              <a:t>n) {</a:t>
+            </a:r>
+          </a:p>
+          <a:p>
             <a:endParaRPr lang="en-US" altLang="zh-CN" sz="1600" dirty="0" smtClean="0">
               <a:latin typeface="Consolas"/>
               <a:cs typeface="Consolas"/>
@@ -23645,6 +23423,49 @@
                 <a:latin typeface="Consolas"/>
                 <a:cs typeface="Consolas"/>
               </a:rPr>
+              <a:t>  return </a:t>
+            </a:r>
+            <a:r>
+              <a:rPr lang="en-US" altLang="zh-CN" sz="2800" dirty="0">
+                <a:latin typeface="Consolas"/>
+                <a:cs typeface="Consolas"/>
+              </a:rPr>
+              <a:t>n != 0 &amp;&amp; </a:t>
+            </a:r>
+            <a:r>
+              <a:rPr lang="mr-IN" altLang="zh-CN" sz="2800" dirty="0">
+                <a:latin typeface="Consolas"/>
+                <a:cs typeface="Consolas"/>
+              </a:rPr>
+              <a:t>(n &amp; (n-1)</a:t>
+            </a:r>
+            <a:r>
+              <a:rPr lang="en-US" altLang="zh-CN" sz="2800" dirty="0">
+                <a:latin typeface="Consolas"/>
+                <a:cs typeface="Consolas"/>
+              </a:rPr>
+              <a:t>) == </a:t>
+            </a:r>
+            <a:r>
+              <a:rPr lang="en-US" altLang="zh-CN" sz="2800" dirty="0" smtClean="0">
+                <a:latin typeface="Consolas"/>
+                <a:cs typeface="Consolas"/>
+              </a:rPr>
+              <a:t>0;</a:t>
+            </a:r>
+          </a:p>
+          <a:p>
+            <a:endParaRPr lang="en-US" altLang="zh-CN" sz="1600" dirty="0" smtClean="0">
+              <a:latin typeface="Consolas"/>
+              <a:cs typeface="Consolas"/>
+            </a:endParaRPr>
+          </a:p>
+          <a:p>
+            <a:r>
+              <a:rPr lang="en-US" altLang="zh-CN" sz="2800" dirty="0" smtClean="0">
+                <a:latin typeface="Consolas"/>
+                <a:cs typeface="Consolas"/>
+              </a:rPr>
               <a:t>}</a:t>
             </a:r>
             <a:endParaRPr lang="zh-CN" altLang="en-US" sz="2800" dirty="0">
@@ -23657,18 +23478,18 @@
     </p:spTree>
     <p:extLst>
       <p:ext uri="{BB962C8B-B14F-4D97-AF65-F5344CB8AC3E}">
-        <p14:creationId xmlns:p14="http://schemas.microsoft.com/office/powerpoint/2010/main" val="1430052465"/>
+        <p14:creationId xmlns:p14="http://schemas.microsoft.com/office/powerpoint/2010/main" val="1735239257"/>
       </p:ext>
     </p:extLst>
   </p:cSld>
   <p:clrMapOvr>
     <a:masterClrMapping/>
   </p:clrMapOvr>
-  <mc:AlternateContent xmlns:mc="http://schemas.openxmlformats.org/markup-compatibility/2006">
-    <mc:Choice xmlns:p14="http://schemas.microsoft.com/office/powerpoint/2010/main" Requires="p14">
+  <mc:AlternateContent xmlns:mc="http://schemas.openxmlformats.org/markup-compatibility/2006" xmlns:p14="http://schemas.microsoft.com/office/powerpoint/2010/main">
+    <mc:Choice Requires="p14">
       <p:transition spd="slow" p14:dur="2000"/>
     </mc:Choice>
-    <mc:Fallback>
+    <mc:Fallback xmlns="">
       <p:transition xmlns:p14="http://schemas.microsoft.com/office/powerpoint/2010/main" spd="slow"/>
     </mc:Fallback>
   </mc:AlternateContent>
@@ -23732,7 +23553,12 @@
             <p:ph idx="1"/>
           </p:nvPr>
         </p:nvSpPr>
-        <p:spPr/>
+        <p:spPr>
+          <a:xfrm>
+            <a:off x="457200" y="1600200"/>
+            <a:ext cx="8686800" cy="4525963"/>
+          </a:xfrm>
+        </p:spPr>
         <p:txBody>
           <a:bodyPr/>
           <a:lstStyle/>
@@ -23755,6 +23581,15 @@
             <a:r>
               <a:rPr kumimoji="1" lang="en-US" altLang="zh-CN" dirty="0" smtClean="0"/>
               <a:t>number ?</a:t>
+            </a:r>
+          </a:p>
+          <a:p>
+            <a:pPr marL="0" indent="0">
+              <a:buNone/>
+            </a:pPr>
+            <a:r>
+              <a:rPr kumimoji="1" lang="en-US" altLang="zh-CN" dirty="0" smtClean="0"/>
+              <a:t>(n &gt; 0)</a:t>
             </a:r>
             <a:endParaRPr kumimoji="1" lang="en-US" altLang="zh-CN" dirty="0"/>
           </a:p>
@@ -23826,10 +23661,17 @@
                 <a:latin typeface="Consolas"/>
                 <a:cs typeface="Consolas"/>
               </a:rPr>
-              <a:t>bool</a:t>
-            </a:r>
-            <a:r>
-              <a:rPr lang="en-US" altLang="zh-CN" sz="2800" dirty="0">
+              <a:t>i</a:t>
+            </a:r>
+            <a:r>
+              <a:rPr lang="en-US" altLang="zh-CN" sz="2800" dirty="0" err="1" smtClean="0">
+                <a:latin typeface="Consolas"/>
+                <a:cs typeface="Consolas"/>
+              </a:rPr>
+              <a:t>nt</a:t>
+            </a:r>
+            <a:r>
+              <a:rPr lang="en-US" altLang="zh-CN" sz="2800" dirty="0" smtClean="0">
                 <a:latin typeface="Consolas"/>
                 <a:cs typeface="Consolas"/>
               </a:rPr>
@@ -23898,70 +23740,21 @@
           </a:p>
         </p:txBody>
       </p:sp>
-      <p:sp>
-        <p:nvSpPr>
-          <p:cNvPr id="6" name="矩形 5"/>
-          <p:cNvSpPr/>
-          <p:nvPr/>
-        </p:nvSpPr>
-        <p:spPr>
-          <a:xfrm>
-            <a:off x="457200" y="5633665"/>
-            <a:ext cx="7995206" cy="584776"/>
-          </a:xfrm>
-          <a:prstGeom prst="rect">
-            <a:avLst/>
-          </a:prstGeom>
-        </p:spPr>
-        <p:txBody>
-          <a:bodyPr wrap="square">
-            <a:spAutoFit/>
-          </a:bodyPr>
-          <a:lstStyle/>
-          <a:p>
-            <a:r>
-              <a:rPr kumimoji="1" lang="en-US" altLang="zh-CN" sz="3200" dirty="0" smtClean="0">
-                <a:latin typeface="Arial"/>
-                <a:cs typeface="Arial"/>
-              </a:rPr>
-              <a:t>A trick </a:t>
-            </a:r>
-            <a:r>
-              <a:rPr kumimoji="1" lang="mr-IN" altLang="zh-CN" sz="3200" dirty="0" smtClean="0">
-                <a:latin typeface="Arial"/>
-                <a:cs typeface="Arial"/>
-              </a:rPr>
-              <a:t>–</a:t>
-            </a:r>
-            <a:r>
-              <a:rPr kumimoji="1" lang="en-US" altLang="zh-CN" sz="3200" dirty="0" smtClean="0">
-                <a:latin typeface="Arial"/>
-                <a:cs typeface="Arial"/>
-              </a:rPr>
-              <a:t> clear the rightmost one:  n &amp; (n -1) </a:t>
-            </a:r>
-            <a:endParaRPr kumimoji="1" lang="en-US" altLang="zh-CN" sz="3200" dirty="0">
-              <a:latin typeface="Arial"/>
-              <a:cs typeface="Arial"/>
-            </a:endParaRPr>
-          </a:p>
-        </p:txBody>
-      </p:sp>
     </p:spTree>
     <p:extLst>
       <p:ext uri="{BB962C8B-B14F-4D97-AF65-F5344CB8AC3E}">
-        <p14:creationId xmlns:p14="http://schemas.microsoft.com/office/powerpoint/2010/main" val="1529414940"/>
+        <p14:creationId xmlns:p14="http://schemas.microsoft.com/office/powerpoint/2010/main" val="1735145085"/>
       </p:ext>
     </p:extLst>
   </p:cSld>
   <p:clrMapOvr>
     <a:masterClrMapping/>
   </p:clrMapOvr>
-  <mc:AlternateContent xmlns:mc="http://schemas.openxmlformats.org/markup-compatibility/2006">
-    <mc:Choice xmlns:p14="http://schemas.microsoft.com/office/powerpoint/2010/main" Requires="p14">
+  <mc:AlternateContent xmlns:mc="http://schemas.openxmlformats.org/markup-compatibility/2006" xmlns:p14="http://schemas.microsoft.com/office/powerpoint/2010/main">
+    <mc:Choice Requires="p14">
       <p:transition spd="slow" p14:dur="2000"/>
     </mc:Choice>
-    <mc:Fallback>
+    <mc:Fallback xmlns="">
       <p:transition xmlns:p14="http://schemas.microsoft.com/office/powerpoint/2010/main" spd="slow"/>
     </mc:Fallback>
   </mc:AlternateContent>
@@ -24025,6 +23818,652 @@
             <p:ph idx="1"/>
           </p:nvPr>
         </p:nvSpPr>
+        <p:spPr>
+          <a:xfrm>
+            <a:off x="457200" y="1600200"/>
+            <a:ext cx="8686800" cy="4525963"/>
+          </a:xfrm>
+        </p:spPr>
+        <p:txBody>
+          <a:bodyPr/>
+          <a:lstStyle/>
+          <a:p>
+            <a:pPr marL="0" indent="0">
+              <a:buNone/>
+            </a:pPr>
+            <a:r>
+              <a:rPr kumimoji="1" lang="en-US" altLang="zh-CN" dirty="0"/>
+              <a:t>Count the number of ones in the </a:t>
+            </a:r>
+            <a:r>
+              <a:rPr kumimoji="1" lang="en-US" altLang="zh-CN" dirty="0" smtClean="0"/>
+              <a:t>binary representation </a:t>
+            </a:r>
+            <a:r>
+              <a:rPr kumimoji="1" lang="en-US" altLang="zh-CN" dirty="0"/>
+              <a:t>of the given </a:t>
+            </a:r>
+            <a:r>
+              <a:rPr kumimoji="1" lang="en-US" altLang="zh-CN" dirty="0" smtClean="0"/>
+              <a:t>number ?</a:t>
+            </a:r>
+          </a:p>
+          <a:p>
+            <a:pPr marL="0" indent="0">
+              <a:buNone/>
+            </a:pPr>
+            <a:r>
+              <a:rPr kumimoji="1" lang="en-US" altLang="zh-CN" dirty="0" smtClean="0"/>
+              <a:t>(n &gt; 0)</a:t>
+            </a:r>
+            <a:endParaRPr kumimoji="1" lang="en-US" altLang="zh-CN" dirty="0"/>
+          </a:p>
+          <a:p>
+            <a:pPr marL="0" indent="0">
+              <a:buNone/>
+            </a:pPr>
+            <a:endParaRPr kumimoji="1" lang="en-US" altLang="zh-CN" dirty="0" smtClean="0"/>
+          </a:p>
+          <a:p>
+            <a:pPr marL="0" indent="0">
+              <a:buNone/>
+            </a:pPr>
+            <a:endParaRPr kumimoji="1" lang="zh-CN" altLang="en-US" dirty="0"/>
+          </a:p>
+        </p:txBody>
+      </p:sp>
+      <p:sp>
+        <p:nvSpPr>
+          <p:cNvPr id="4" name="矩形 3"/>
+          <p:cNvSpPr/>
+          <p:nvPr/>
+        </p:nvSpPr>
+        <p:spPr>
+          <a:xfrm>
+            <a:off x="802506" y="3180858"/>
+            <a:ext cx="5479868" cy="523220"/>
+          </a:xfrm>
+          <a:prstGeom prst="rect">
+            <a:avLst/>
+          </a:prstGeom>
+        </p:spPr>
+        <p:txBody>
+          <a:bodyPr wrap="square">
+            <a:spAutoFit/>
+          </a:bodyPr>
+          <a:lstStyle/>
+          <a:p>
+            <a:endParaRPr lang="zh-CN" altLang="en-US" sz="2800" dirty="0">
+              <a:latin typeface="Consolas"/>
+              <a:cs typeface="Consolas"/>
+            </a:endParaRPr>
+          </a:p>
+        </p:txBody>
+      </p:sp>
+      <p:sp>
+        <p:nvSpPr>
+          <p:cNvPr id="5" name="矩形 4"/>
+          <p:cNvSpPr/>
+          <p:nvPr/>
+        </p:nvSpPr>
+        <p:spPr>
+          <a:xfrm>
+            <a:off x="544017" y="3180858"/>
+            <a:ext cx="7671394" cy="3539431"/>
+          </a:xfrm>
+          <a:prstGeom prst="rect">
+            <a:avLst/>
+          </a:prstGeom>
+        </p:spPr>
+        <p:txBody>
+          <a:bodyPr wrap="square">
+            <a:spAutoFit/>
+          </a:bodyPr>
+          <a:lstStyle/>
+          <a:p>
+            <a:r>
+              <a:rPr lang="en-US" altLang="zh-CN" sz="2800" dirty="0" err="1">
+                <a:latin typeface="Consolas"/>
+                <a:cs typeface="Consolas"/>
+              </a:rPr>
+              <a:t>i</a:t>
+            </a:r>
+            <a:r>
+              <a:rPr lang="en-US" altLang="zh-CN" sz="2800" dirty="0" err="1" smtClean="0">
+                <a:latin typeface="Consolas"/>
+                <a:cs typeface="Consolas"/>
+              </a:rPr>
+              <a:t>nt</a:t>
+            </a:r>
+            <a:r>
+              <a:rPr lang="en-US" altLang="zh-CN" sz="2800" dirty="0" smtClean="0">
+                <a:latin typeface="Consolas"/>
+                <a:cs typeface="Consolas"/>
+              </a:rPr>
+              <a:t> </a:t>
+            </a:r>
+            <a:r>
+              <a:rPr lang="en-US" altLang="zh-CN" sz="2800" dirty="0" err="1" smtClean="0">
+                <a:latin typeface="Consolas"/>
+                <a:cs typeface="Consolas"/>
+              </a:rPr>
+              <a:t>count_one</a:t>
+            </a:r>
+            <a:r>
+              <a:rPr lang="en-US" altLang="zh-CN" sz="2800" dirty="0" smtClean="0">
+                <a:latin typeface="Consolas"/>
+                <a:cs typeface="Consolas"/>
+              </a:rPr>
+              <a:t>(</a:t>
+            </a:r>
+            <a:r>
+              <a:rPr lang="en-US" altLang="zh-CN" sz="2800" dirty="0">
+                <a:latin typeface="Consolas"/>
+                <a:cs typeface="Consolas"/>
+              </a:rPr>
+              <a:t>int n) </a:t>
+            </a:r>
+            <a:r>
+              <a:rPr lang="en-US" altLang="zh-CN" sz="2800" dirty="0" smtClean="0">
+                <a:latin typeface="Consolas"/>
+                <a:cs typeface="Consolas"/>
+              </a:rPr>
+              <a:t>{</a:t>
+            </a:r>
+          </a:p>
+          <a:p>
+            <a:r>
+              <a:rPr lang="en-US" altLang="zh-CN" sz="2800" dirty="0" smtClean="0">
+                <a:latin typeface="Consolas"/>
+                <a:cs typeface="Consolas"/>
+              </a:rPr>
+              <a:t>   </a:t>
+            </a:r>
+            <a:r>
+              <a:rPr lang="en-US" altLang="zh-CN" sz="2800" dirty="0" err="1" smtClean="0">
+                <a:latin typeface="Consolas"/>
+                <a:cs typeface="Consolas"/>
+              </a:rPr>
+              <a:t>int</a:t>
+            </a:r>
+            <a:r>
+              <a:rPr lang="en-US" altLang="zh-CN" sz="2800" dirty="0" smtClean="0">
+                <a:latin typeface="Consolas"/>
+                <a:cs typeface="Consolas"/>
+              </a:rPr>
+              <a:t> count = 0;</a:t>
+            </a:r>
+          </a:p>
+          <a:p>
+            <a:r>
+              <a:rPr lang="en-US" altLang="zh-CN" sz="2800" dirty="0" smtClean="0">
+                <a:latin typeface="Consolas"/>
+                <a:cs typeface="Consolas"/>
+              </a:rPr>
+              <a:t>   while (n != 0 ) {</a:t>
+            </a:r>
+          </a:p>
+          <a:p>
+            <a:r>
+              <a:rPr lang="en-US" altLang="zh-CN" sz="2800" dirty="0" smtClean="0">
+                <a:latin typeface="Consolas"/>
+                <a:cs typeface="Consolas"/>
+              </a:rPr>
+              <a:t>      count += (n % 2);</a:t>
+            </a:r>
+          </a:p>
+          <a:p>
+            <a:r>
+              <a:rPr lang="en-US" altLang="zh-CN" sz="2800" dirty="0">
+                <a:latin typeface="Consolas"/>
+                <a:cs typeface="Consolas"/>
+              </a:rPr>
+              <a:t> </a:t>
+            </a:r>
+            <a:r>
+              <a:rPr lang="en-US" altLang="zh-CN" sz="2800" dirty="0" smtClean="0">
+                <a:latin typeface="Consolas"/>
+                <a:cs typeface="Consolas"/>
+              </a:rPr>
+              <a:t>     n = (unsigned </a:t>
+            </a:r>
+            <a:r>
+              <a:rPr lang="en-US" altLang="zh-CN" sz="2800" dirty="0" err="1" smtClean="0">
+                <a:latin typeface="Consolas"/>
+                <a:cs typeface="Consolas"/>
+              </a:rPr>
+              <a:t>int</a:t>
+            </a:r>
+            <a:r>
+              <a:rPr lang="en-US" altLang="zh-CN" sz="2800" dirty="0" smtClean="0">
+                <a:latin typeface="Consolas"/>
+                <a:cs typeface="Consolas"/>
+              </a:rPr>
+              <a:t>)n&gt;&gt;1;</a:t>
+            </a:r>
+          </a:p>
+          <a:p>
+            <a:r>
+              <a:rPr lang="en-US" altLang="zh-CN" sz="2800" dirty="0">
+                <a:latin typeface="Consolas"/>
+                <a:cs typeface="Consolas"/>
+              </a:rPr>
+              <a:t> </a:t>
+            </a:r>
+            <a:r>
+              <a:rPr lang="en-US" altLang="zh-CN" sz="2800" dirty="0" smtClean="0">
+                <a:latin typeface="Consolas"/>
+                <a:cs typeface="Consolas"/>
+              </a:rPr>
+              <a:t>  }</a:t>
+            </a:r>
+          </a:p>
+          <a:p>
+            <a:r>
+              <a:rPr lang="en-US" altLang="zh-CN" sz="2800" dirty="0">
+                <a:latin typeface="Consolas"/>
+                <a:cs typeface="Consolas"/>
+              </a:rPr>
+              <a:t> </a:t>
+            </a:r>
+            <a:r>
+              <a:rPr lang="en-US" altLang="zh-CN" sz="2800" dirty="0" smtClean="0">
+                <a:latin typeface="Consolas"/>
+                <a:cs typeface="Consolas"/>
+              </a:rPr>
+              <a:t>  return count;</a:t>
+            </a:r>
+            <a:endParaRPr lang="en-US" altLang="zh-CN" sz="1600" dirty="0" smtClean="0">
+              <a:latin typeface="Consolas"/>
+              <a:cs typeface="Consolas"/>
+            </a:endParaRPr>
+          </a:p>
+          <a:p>
+            <a:r>
+              <a:rPr lang="en-US" altLang="zh-CN" sz="2800" dirty="0" smtClean="0">
+                <a:latin typeface="Consolas"/>
+                <a:cs typeface="Consolas"/>
+              </a:rPr>
+              <a:t>}</a:t>
+            </a:r>
+            <a:endParaRPr lang="zh-CN" altLang="en-US" sz="2800" dirty="0">
+              <a:latin typeface="Consolas"/>
+              <a:cs typeface="Consolas"/>
+            </a:endParaRPr>
+          </a:p>
+        </p:txBody>
+      </p:sp>
+    </p:spTree>
+    <p:extLst>
+      <p:ext uri="{BB962C8B-B14F-4D97-AF65-F5344CB8AC3E}">
+        <p14:creationId xmlns:p14="http://schemas.microsoft.com/office/powerpoint/2010/main" val="1430052465"/>
+      </p:ext>
+    </p:extLst>
+  </p:cSld>
+  <p:clrMapOvr>
+    <a:masterClrMapping/>
+  </p:clrMapOvr>
+  <mc:AlternateContent xmlns:mc="http://schemas.openxmlformats.org/markup-compatibility/2006" xmlns:p14="http://schemas.microsoft.com/office/powerpoint/2010/main">
+    <mc:Choice Requires="p14">
+      <p:transition spd="slow" p14:dur="2000"/>
+    </mc:Choice>
+    <mc:Fallback xmlns="">
+      <p:transition xmlns:p14="http://schemas.microsoft.com/office/powerpoint/2010/main" spd="slow"/>
+    </mc:Fallback>
+  </mc:AlternateContent>
+  <p:timing>
+    <p:tnLst>
+      <p:par>
+        <p:cTn xmlns:p14="http://schemas.microsoft.com/office/powerpoint/2010/main" id="1" dur="indefinite" restart="never" nodeType="tmRoot"/>
+      </p:par>
+    </p:tnLst>
+  </p:timing>
+</p:sld>
+</file>
+
+<file path=ppt/slides/slide48.xml><?xml version="1.0" encoding="utf-8"?>
+<p:sld xmlns:a="http://schemas.openxmlformats.org/drawingml/2006/main" xmlns:r="http://schemas.openxmlformats.org/officeDocument/2006/relationships" xmlns:p="http://schemas.openxmlformats.org/presentationml/2006/main" show="0">
+  <p:cSld>
+    <p:spTree>
+      <p:nvGrpSpPr>
+        <p:cNvPr id="1" name=""/>
+        <p:cNvGrpSpPr/>
+        <p:nvPr/>
+      </p:nvGrpSpPr>
+      <p:grpSpPr>
+        <a:xfrm>
+          <a:off x="0" y="0"/>
+          <a:ext cx="0" cy="0"/>
+          <a:chOff x="0" y="0"/>
+          <a:chExt cx="0" cy="0"/>
+        </a:xfrm>
+      </p:grpSpPr>
+      <p:sp>
+        <p:nvSpPr>
+          <p:cNvPr id="2" name="标题 1"/>
+          <p:cNvSpPr>
+            <a:spLocks noGrp="1"/>
+          </p:cNvSpPr>
+          <p:nvPr>
+            <p:ph type="title"/>
+          </p:nvPr>
+        </p:nvSpPr>
+        <p:spPr/>
+        <p:txBody>
+          <a:bodyPr/>
+          <a:lstStyle/>
+          <a:p>
+            <a:r>
+              <a:rPr kumimoji="1" lang="en-US" altLang="zh-CN" dirty="0" smtClean="0"/>
+              <a:t>Exercises</a:t>
+            </a:r>
+            <a:endParaRPr kumimoji="1" lang="zh-CN" altLang="en-US" dirty="0"/>
+          </a:p>
+        </p:txBody>
+      </p:sp>
+      <p:sp>
+        <p:nvSpPr>
+          <p:cNvPr id="3" name="内容占位符 2"/>
+          <p:cNvSpPr>
+            <a:spLocks noGrp="1"/>
+          </p:cNvSpPr>
+          <p:nvPr>
+            <p:ph idx="1"/>
+          </p:nvPr>
+        </p:nvSpPr>
+        <p:spPr/>
+        <p:txBody>
+          <a:bodyPr/>
+          <a:lstStyle/>
+          <a:p>
+            <a:pPr marL="0" indent="0">
+              <a:buNone/>
+            </a:pPr>
+            <a:r>
+              <a:rPr kumimoji="1" lang="en-US" altLang="zh-CN" dirty="0"/>
+              <a:t>Count the number of ones in the </a:t>
+            </a:r>
+            <a:r>
+              <a:rPr kumimoji="1" lang="en-US" altLang="zh-CN" dirty="0" smtClean="0"/>
+              <a:t>binary representation </a:t>
+            </a:r>
+            <a:r>
+              <a:rPr kumimoji="1" lang="en-US" altLang="zh-CN" dirty="0"/>
+              <a:t>of the given </a:t>
+            </a:r>
+            <a:r>
+              <a:rPr kumimoji="1" lang="en-US" altLang="zh-CN" dirty="0" smtClean="0"/>
+              <a:t>number ?</a:t>
+            </a:r>
+            <a:endParaRPr kumimoji="1" lang="en-US" altLang="zh-CN" dirty="0"/>
+          </a:p>
+          <a:p>
+            <a:pPr marL="0" indent="0">
+              <a:buNone/>
+            </a:pPr>
+            <a:endParaRPr kumimoji="1" lang="en-US" altLang="zh-CN" dirty="0" smtClean="0"/>
+          </a:p>
+          <a:p>
+            <a:pPr marL="0" indent="0">
+              <a:buNone/>
+            </a:pPr>
+            <a:endParaRPr kumimoji="1" lang="zh-CN" altLang="en-US" dirty="0"/>
+          </a:p>
+        </p:txBody>
+      </p:sp>
+      <p:sp>
+        <p:nvSpPr>
+          <p:cNvPr id="4" name="矩形 3"/>
+          <p:cNvSpPr/>
+          <p:nvPr/>
+        </p:nvSpPr>
+        <p:spPr>
+          <a:xfrm>
+            <a:off x="802506" y="3180858"/>
+            <a:ext cx="5479868" cy="523220"/>
+          </a:xfrm>
+          <a:prstGeom prst="rect">
+            <a:avLst/>
+          </a:prstGeom>
+        </p:spPr>
+        <p:txBody>
+          <a:bodyPr wrap="square">
+            <a:spAutoFit/>
+          </a:bodyPr>
+          <a:lstStyle/>
+          <a:p>
+            <a:endParaRPr lang="zh-CN" altLang="en-US" sz="2800" dirty="0">
+              <a:latin typeface="Consolas"/>
+              <a:cs typeface="Consolas"/>
+            </a:endParaRPr>
+          </a:p>
+        </p:txBody>
+      </p:sp>
+      <p:sp>
+        <p:nvSpPr>
+          <p:cNvPr id="5" name="矩形 4"/>
+          <p:cNvSpPr/>
+          <p:nvPr/>
+        </p:nvSpPr>
+        <p:spPr>
+          <a:xfrm>
+            <a:off x="544017" y="3282000"/>
+            <a:ext cx="7671394" cy="1631216"/>
+          </a:xfrm>
+          <a:prstGeom prst="rect">
+            <a:avLst/>
+          </a:prstGeom>
+        </p:spPr>
+        <p:txBody>
+          <a:bodyPr wrap="square">
+            <a:spAutoFit/>
+          </a:bodyPr>
+          <a:lstStyle/>
+          <a:p>
+            <a:r>
+              <a:rPr lang="en-US" altLang="zh-CN" sz="2800" dirty="0" err="1">
+                <a:latin typeface="Consolas"/>
+                <a:cs typeface="Consolas"/>
+              </a:rPr>
+              <a:t>bool</a:t>
+            </a:r>
+            <a:r>
+              <a:rPr lang="en-US" altLang="zh-CN" sz="2800" dirty="0">
+                <a:latin typeface="Consolas"/>
+                <a:cs typeface="Consolas"/>
+              </a:rPr>
+              <a:t> </a:t>
+            </a:r>
+            <a:r>
+              <a:rPr lang="en-US" altLang="zh-CN" sz="2800" dirty="0" err="1" smtClean="0">
+                <a:latin typeface="Consolas"/>
+                <a:cs typeface="Consolas"/>
+              </a:rPr>
+              <a:t>count_one</a:t>
+            </a:r>
+            <a:r>
+              <a:rPr lang="en-US" altLang="zh-CN" sz="2800" dirty="0" smtClean="0">
+                <a:latin typeface="Consolas"/>
+                <a:cs typeface="Consolas"/>
+              </a:rPr>
+              <a:t>(</a:t>
+            </a:r>
+            <a:r>
+              <a:rPr lang="en-US" altLang="zh-CN" sz="2800" dirty="0">
+                <a:latin typeface="Consolas"/>
+                <a:cs typeface="Consolas"/>
+              </a:rPr>
+              <a:t>int n) </a:t>
+            </a:r>
+            <a:r>
+              <a:rPr lang="en-US" altLang="zh-CN" sz="2800" dirty="0" smtClean="0">
+                <a:latin typeface="Consolas"/>
+                <a:cs typeface="Consolas"/>
+              </a:rPr>
+              <a:t>{</a:t>
+            </a:r>
+          </a:p>
+          <a:p>
+            <a:endParaRPr lang="en-US" altLang="zh-CN" sz="1600" dirty="0">
+              <a:latin typeface="Consolas"/>
+              <a:cs typeface="Consolas"/>
+            </a:endParaRPr>
+          </a:p>
+          <a:p>
+            <a:r>
+              <a:rPr lang="en-US" altLang="zh-CN" sz="2800" dirty="0">
+                <a:latin typeface="Consolas"/>
+                <a:cs typeface="Consolas"/>
+              </a:rPr>
+              <a:t>   </a:t>
+            </a:r>
+            <a:endParaRPr lang="en-US" altLang="zh-CN" sz="1600" dirty="0" smtClean="0">
+              <a:latin typeface="Consolas"/>
+              <a:cs typeface="Consolas"/>
+            </a:endParaRPr>
+          </a:p>
+          <a:p>
+            <a:r>
+              <a:rPr lang="en-US" altLang="zh-CN" sz="2800" dirty="0" smtClean="0">
+                <a:latin typeface="Consolas"/>
+                <a:cs typeface="Consolas"/>
+              </a:rPr>
+              <a:t>}</a:t>
+            </a:r>
+            <a:endParaRPr lang="zh-CN" altLang="en-US" sz="2800" dirty="0">
+              <a:latin typeface="Consolas"/>
+              <a:cs typeface="Consolas"/>
+            </a:endParaRPr>
+          </a:p>
+        </p:txBody>
+      </p:sp>
+      <p:sp>
+        <p:nvSpPr>
+          <p:cNvPr id="6" name="矩形 5"/>
+          <p:cNvSpPr/>
+          <p:nvPr/>
+        </p:nvSpPr>
+        <p:spPr>
+          <a:xfrm>
+            <a:off x="457200" y="5633665"/>
+            <a:ext cx="7995206" cy="584776"/>
+          </a:xfrm>
+          <a:prstGeom prst="rect">
+            <a:avLst/>
+          </a:prstGeom>
+        </p:spPr>
+        <p:txBody>
+          <a:bodyPr wrap="square">
+            <a:spAutoFit/>
+          </a:bodyPr>
+          <a:lstStyle/>
+          <a:p>
+            <a:r>
+              <a:rPr kumimoji="1" lang="en-US" altLang="zh-CN" sz="3200" dirty="0" smtClean="0">
+                <a:latin typeface="Arial"/>
+                <a:cs typeface="Arial"/>
+              </a:rPr>
+              <a:t>A trick </a:t>
+            </a:r>
+            <a:r>
+              <a:rPr kumimoji="1" lang="mr-IN" altLang="zh-CN" sz="3200" dirty="0" smtClean="0">
+                <a:latin typeface="Arial"/>
+                <a:cs typeface="Arial"/>
+              </a:rPr>
+              <a:t>–</a:t>
+            </a:r>
+            <a:r>
+              <a:rPr kumimoji="1" lang="en-US" altLang="zh-CN" sz="3200" dirty="0" smtClean="0">
+                <a:latin typeface="Arial"/>
+                <a:cs typeface="Arial"/>
+              </a:rPr>
+              <a:t> clear the rightmost one:  n &amp; (n -1) </a:t>
+            </a:r>
+            <a:endParaRPr kumimoji="1" lang="en-US" altLang="zh-CN" sz="3200" dirty="0">
+              <a:latin typeface="Arial"/>
+              <a:cs typeface="Arial"/>
+            </a:endParaRPr>
+          </a:p>
+        </p:txBody>
+      </p:sp>
+    </p:spTree>
+    <p:extLst>
+      <p:ext uri="{BB962C8B-B14F-4D97-AF65-F5344CB8AC3E}">
+        <p14:creationId xmlns:p14="http://schemas.microsoft.com/office/powerpoint/2010/main" val="1529414940"/>
+      </p:ext>
+    </p:extLst>
+  </p:cSld>
+  <p:clrMapOvr>
+    <a:masterClrMapping/>
+  </p:clrMapOvr>
+  <mc:AlternateContent xmlns:mc="http://schemas.openxmlformats.org/markup-compatibility/2006" xmlns:p14="http://schemas.microsoft.com/office/powerpoint/2010/main">
+    <mc:Choice Requires="p14">
+      <p:transition spd="slow" p14:dur="2000"/>
+    </mc:Choice>
+    <mc:Fallback xmlns="">
+      <p:transition xmlns:p14="http://schemas.microsoft.com/office/powerpoint/2010/main" spd="slow"/>
+    </mc:Fallback>
+  </mc:AlternateContent>
+  <p:timing>
+    <p:tnLst>
+      <p:par>
+        <p:cTn xmlns:p14="http://schemas.microsoft.com/office/powerpoint/2010/main" id="1" dur="indefinite" restart="never" nodeType="tmRoot"/>
+      </p:par>
+    </p:tnLst>
+  </p:timing>
+</p:sld>
+</file>
+
+<file path=ppt/slides/slide49.xml><?xml version="1.0" encoding="utf-8"?>
+<p:sld xmlns:a="http://schemas.openxmlformats.org/drawingml/2006/main" xmlns:r="http://schemas.openxmlformats.org/officeDocument/2006/relationships" xmlns:p="http://schemas.openxmlformats.org/presentationml/2006/main" show="0">
+  <p:cSld>
+    <p:spTree>
+      <p:nvGrpSpPr>
+        <p:cNvPr id="1" name=""/>
+        <p:cNvGrpSpPr/>
+        <p:nvPr/>
+      </p:nvGrpSpPr>
+      <p:grpSpPr>
+        <a:xfrm>
+          <a:off x="0" y="0"/>
+          <a:ext cx="0" cy="0"/>
+          <a:chOff x="0" y="0"/>
+          <a:chExt cx="0" cy="0"/>
+        </a:xfrm>
+      </p:grpSpPr>
+      <p:sp>
+        <p:nvSpPr>
+          <p:cNvPr id="2" name="标题 1"/>
+          <p:cNvSpPr>
+            <a:spLocks noGrp="1"/>
+          </p:cNvSpPr>
+          <p:nvPr>
+            <p:ph type="title"/>
+          </p:nvPr>
+        </p:nvSpPr>
+        <p:spPr/>
+        <p:txBody>
+          <a:bodyPr/>
+          <a:lstStyle/>
+          <a:p>
+            <a:r>
+              <a:rPr kumimoji="1" lang="en-US" altLang="zh-CN" dirty="0" smtClean="0"/>
+              <a:t>Exercises</a:t>
+            </a:r>
+            <a:endParaRPr kumimoji="1" lang="zh-CN" altLang="en-US" dirty="0"/>
+          </a:p>
+        </p:txBody>
+      </p:sp>
+      <p:sp>
+        <p:nvSpPr>
+          <p:cNvPr id="3" name="内容占位符 2"/>
+          <p:cNvSpPr>
+            <a:spLocks noGrp="1"/>
+          </p:cNvSpPr>
+          <p:nvPr>
+            <p:ph idx="1"/>
+          </p:nvPr>
+        </p:nvSpPr>
         <p:spPr/>
         <p:txBody>
           <a:bodyPr/>
@@ -24349,11 +24788,11 @@
   <p:clrMapOvr>
     <a:masterClrMapping/>
   </p:clrMapOvr>
-  <mc:AlternateContent xmlns:mc="http://schemas.openxmlformats.org/markup-compatibility/2006">
-    <mc:Choice xmlns:p14="http://schemas.microsoft.com/office/powerpoint/2010/main" Requires="p14">
+  <mc:AlternateContent xmlns:mc="http://schemas.openxmlformats.org/markup-compatibility/2006" xmlns:p14="http://schemas.microsoft.com/office/powerpoint/2010/main">
+    <mc:Choice Requires="p14">
       <p:transition spd="slow" p14:dur="2000"/>
     </mc:Choice>
-    <mc:Fallback>
+    <mc:Fallback xmlns="">
       <p:transition xmlns:p14="http://schemas.microsoft.com/office/powerpoint/2010/main" spd="slow"/>
     </mc:Fallback>
   </mc:AlternateContent>

--- a/notes/04-C_Basics.pptx
+++ b/notes/04-C_Basics.pptx
@@ -5,10 +5,10 @@
     <p:sldMasterId id="2147483684" r:id="rId1"/>
   </p:sldMasterIdLst>
   <p:notesMasterIdLst>
-    <p:notesMasterId r:id="rId46"/>
+    <p:notesMasterId r:id="rId45"/>
   </p:notesMasterIdLst>
   <p:handoutMasterIdLst>
-    <p:handoutMasterId r:id="rId47"/>
+    <p:handoutMasterId r:id="rId46"/>
   </p:handoutMasterIdLst>
   <p:sldIdLst>
     <p:sldId id="256" r:id="rId2"/>
@@ -33,28 +33,27 @@
     <p:sldId id="1079" r:id="rId21"/>
     <p:sldId id="1080" r:id="rId22"/>
     <p:sldId id="1081" r:id="rId23"/>
-    <p:sldId id="1082" r:id="rId24"/>
-    <p:sldId id="1083" r:id="rId25"/>
-    <p:sldId id="1084" r:id="rId26"/>
-    <p:sldId id="1085" r:id="rId27"/>
-    <p:sldId id="1086" r:id="rId28"/>
-    <p:sldId id="1087" r:id="rId29"/>
-    <p:sldId id="1088" r:id="rId30"/>
-    <p:sldId id="984" r:id="rId31"/>
-    <p:sldId id="939" r:id="rId32"/>
-    <p:sldId id="982" r:id="rId33"/>
-    <p:sldId id="983" r:id="rId34"/>
-    <p:sldId id="977" r:id="rId35"/>
-    <p:sldId id="978" r:id="rId36"/>
-    <p:sldId id="979" r:id="rId37"/>
-    <p:sldId id="951" r:id="rId38"/>
-    <p:sldId id="973" r:id="rId39"/>
-    <p:sldId id="952" r:id="rId40"/>
-    <p:sldId id="953" r:id="rId41"/>
-    <p:sldId id="956" r:id="rId42"/>
-    <p:sldId id="974" r:id="rId43"/>
-    <p:sldId id="958" r:id="rId44"/>
-    <p:sldId id="959" r:id="rId45"/>
+    <p:sldId id="1083" r:id="rId24"/>
+    <p:sldId id="1085" r:id="rId25"/>
+    <p:sldId id="1087" r:id="rId26"/>
+    <p:sldId id="1090" r:id="rId27"/>
+    <p:sldId id="1088" r:id="rId28"/>
+    <p:sldId id="984" r:id="rId29"/>
+    <p:sldId id="939" r:id="rId30"/>
+    <p:sldId id="982" r:id="rId31"/>
+    <p:sldId id="983" r:id="rId32"/>
+    <p:sldId id="1089" r:id="rId33"/>
+    <p:sldId id="977" r:id="rId34"/>
+    <p:sldId id="978" r:id="rId35"/>
+    <p:sldId id="979" r:id="rId36"/>
+    <p:sldId id="951" r:id="rId37"/>
+    <p:sldId id="973" r:id="rId38"/>
+    <p:sldId id="952" r:id="rId39"/>
+    <p:sldId id="953" r:id="rId40"/>
+    <p:sldId id="956" r:id="rId41"/>
+    <p:sldId id="974" r:id="rId42"/>
+    <p:sldId id="958" r:id="rId43"/>
+    <p:sldId id="959" r:id="rId44"/>
   </p:sldIdLst>
   <p:sldSz cx="9144000" cy="6858000" type="screen4x3"/>
   <p:notesSz cx="6858000" cy="9144000"/>
@@ -262,7 +261,7 @@
           <a:p>
             <a:fld id="{C9615FF3-9FA2-1C4A-AAEA-4750F890D655}" type="datetimeFigureOut">
               <a:rPr lang="en-US" smtClean="0"/>
-              <a:t>9/22/2020</a:t>
+              <a:t>9/23/2020</a:t>
             </a:fld>
             <a:endParaRPr lang="en-US"/>
           </a:p>
@@ -428,7 +427,7 @@
           <a:p>
             <a:fld id="{52180D89-5C43-EF4A-AA48-38E879565468}" type="datetimeFigureOut">
               <a:rPr lang="en-US" smtClean="0"/>
-              <a:t>9/22/2020</a:t>
+              <a:t>9/23/2020</a:t>
             </a:fld>
             <a:endParaRPr lang="en-US"/>
           </a:p>
@@ -799,7 +798,7 @@
       </p:grpSpPr>
       <p:sp>
         <p:nvSpPr>
-          <p:cNvPr id="2" name="幻灯片图像占位符 1"/>
+          <p:cNvPr id="2" name="Slide Image Placeholder 1"/>
           <p:cNvSpPr>
             <a:spLocks noGrp="1" noRot="1" noChangeAspect="1"/>
           </p:cNvSpPr>
@@ -811,7 +810,7 @@
       </p:sp>
       <p:sp>
         <p:nvSpPr>
-          <p:cNvPr id="3" name="备注占位符 2"/>
+          <p:cNvPr id="3" name="Notes Placeholder 2"/>
           <p:cNvSpPr>
             <a:spLocks noGrp="1"/>
           </p:cNvSpPr>
@@ -824,17 +823,13 @@
           <a:bodyPr/>
           <a:lstStyle/>
           <a:p>
-            <a:r>
-              <a:rPr kumimoji="1" lang="en-US" altLang="zh-CN"/>
-              <a:t>-2147483648</a:t>
-            </a:r>
-            <a:endParaRPr kumimoji="1" lang="zh-CN" altLang="en-US" dirty="0"/>
+            <a:endParaRPr lang="en-US" dirty="0"/>
           </a:p>
         </p:txBody>
       </p:sp>
       <p:sp>
         <p:nvSpPr>
-          <p:cNvPr id="4" name="幻灯片编号占位符 3"/>
+          <p:cNvPr id="4" name="Slide Number Placeholder 3"/>
           <p:cNvSpPr>
             <a:spLocks noGrp="1"/>
           </p:cNvSpPr>
@@ -849,7 +844,7 @@
           <a:p>
             <a:fld id="{8556610F-FCBD-844B-B814-9F48A27EB77F}" type="slidenum">
               <a:rPr lang="en-US" smtClean="0"/>
-              <a:t>41</a:t>
+              <a:t>31</a:t>
             </a:fld>
             <a:endParaRPr lang="en-US"/>
           </a:p>
@@ -858,7 +853,7 @@
     </p:spTree>
     <p:extLst>
       <p:ext uri="{BB962C8B-B14F-4D97-AF65-F5344CB8AC3E}">
-        <p14:creationId xmlns:p14="http://schemas.microsoft.com/office/powerpoint/2010/main" val="2714740142"/>
+        <p14:creationId xmlns:p14="http://schemas.microsoft.com/office/powerpoint/2010/main" val="2705639235"/>
       </p:ext>
     </p:extLst>
   </p:cSld>
@@ -912,10 +907,30 @@
           <a:bodyPr/>
           <a:lstStyle/>
           <a:p>
-            <a:r>
-              <a:rPr kumimoji="1" lang="en-US" altLang="zh-CN"/>
+            <a:pPr marL="0" marR="0" indent="0" algn="l" defTabSz="457200" rtl="0" eaLnBrk="1" fontAlgn="auto" latinLnBrk="0" hangingPunct="1">
+              <a:lnSpc>
+                <a:spcPct val="100000"/>
+              </a:lnSpc>
+              <a:spcBef>
+                <a:spcPts val="0"/>
+              </a:spcBef>
+              <a:spcAft>
+                <a:spcPts val="0"/>
+              </a:spcAft>
+              <a:buClrTx/>
+              <a:buSzTx/>
+              <a:buFontTx/>
+              <a:buNone/>
+              <a:tabLst/>
+              <a:defRPr/>
+            </a:pPr>
+            <a:r>
+              <a:rPr kumimoji="1" lang="en-US" altLang="zh-CN" dirty="0"/>
               <a:t>-2147483648</a:t>
             </a:r>
+            <a:endParaRPr kumimoji="1" lang="zh-CN" altLang="en-US" dirty="0"/>
+          </a:p>
+          <a:p>
             <a:endParaRPr kumimoji="1" lang="zh-CN" altLang="en-US" dirty="0"/>
           </a:p>
         </p:txBody>
@@ -937,7 +952,7 @@
           <a:p>
             <a:fld id="{8556610F-FCBD-844B-B814-9F48A27EB77F}" type="slidenum">
               <a:rPr lang="en-US" smtClean="0"/>
-              <a:t>42</a:t>
+              <a:t>39</a:t>
             </a:fld>
             <a:endParaRPr lang="en-US"/>
           </a:p>
@@ -946,7 +961,7 @@
     </p:spTree>
     <p:extLst>
       <p:ext uri="{BB962C8B-B14F-4D97-AF65-F5344CB8AC3E}">
-        <p14:creationId xmlns:p14="http://schemas.microsoft.com/office/powerpoint/2010/main" val="2714740142"/>
+        <p14:creationId xmlns:p14="http://schemas.microsoft.com/office/powerpoint/2010/main" val="3448787687"/>
       </p:ext>
     </p:extLst>
   </p:cSld>
@@ -1000,6 +1015,10 @@
           <a:bodyPr/>
           <a:lstStyle/>
           <a:p>
+            <a:r>
+              <a:rPr kumimoji="1" lang="en-US" altLang="zh-CN"/>
+              <a:t>-2147483648</a:t>
+            </a:r>
             <a:endParaRPr kumimoji="1" lang="zh-CN" altLang="en-US" dirty="0"/>
           </a:p>
         </p:txBody>
@@ -1021,7 +1040,7 @@
           <a:p>
             <a:fld id="{8556610F-FCBD-844B-B814-9F48A27EB77F}" type="slidenum">
               <a:rPr lang="en-US" smtClean="0"/>
-              <a:t>43</a:t>
+              <a:t>40</a:t>
             </a:fld>
             <a:endParaRPr lang="en-US"/>
           </a:p>
@@ -1084,6 +1103,10 @@
           <a:bodyPr/>
           <a:lstStyle/>
           <a:p>
+            <a:r>
+              <a:rPr kumimoji="1" lang="en-US" altLang="zh-CN"/>
+              <a:t>-2147483648</a:t>
+            </a:r>
             <a:endParaRPr kumimoji="1" lang="zh-CN" altLang="en-US" dirty="0"/>
           </a:p>
         </p:txBody>
@@ -1105,7 +1128,175 @@
           <a:p>
             <a:fld id="{8556610F-FCBD-844B-B814-9F48A27EB77F}" type="slidenum">
               <a:rPr lang="en-US" smtClean="0"/>
-              <a:t>44</a:t>
+              <a:t>41</a:t>
+            </a:fld>
+            <a:endParaRPr lang="en-US"/>
+          </a:p>
+        </p:txBody>
+      </p:sp>
+    </p:spTree>
+    <p:extLst>
+      <p:ext uri="{BB962C8B-B14F-4D97-AF65-F5344CB8AC3E}">
+        <p14:creationId xmlns:p14="http://schemas.microsoft.com/office/powerpoint/2010/main" val="2714740142"/>
+      </p:ext>
+    </p:extLst>
+  </p:cSld>
+  <p:clrMapOvr>
+    <a:masterClrMapping/>
+  </p:clrMapOvr>
+</p:notes>
+</file>
+
+<file path=ppt/notesSlides/notesSlide14.xml><?xml version="1.0" encoding="utf-8"?>
+<p:notes xmlns:a="http://schemas.openxmlformats.org/drawingml/2006/main" xmlns:r="http://schemas.openxmlformats.org/officeDocument/2006/relationships" xmlns:p="http://schemas.openxmlformats.org/presentationml/2006/main">
+  <p:cSld>
+    <p:spTree>
+      <p:nvGrpSpPr>
+        <p:cNvPr id="1" name=""/>
+        <p:cNvGrpSpPr/>
+        <p:nvPr/>
+      </p:nvGrpSpPr>
+      <p:grpSpPr>
+        <a:xfrm>
+          <a:off x="0" y="0"/>
+          <a:ext cx="0" cy="0"/>
+          <a:chOff x="0" y="0"/>
+          <a:chExt cx="0" cy="0"/>
+        </a:xfrm>
+      </p:grpSpPr>
+      <p:sp>
+        <p:nvSpPr>
+          <p:cNvPr id="2" name="幻灯片图像占位符 1"/>
+          <p:cNvSpPr>
+            <a:spLocks noGrp="1" noRot="1" noChangeAspect="1"/>
+          </p:cNvSpPr>
+          <p:nvPr>
+            <p:ph type="sldImg"/>
+          </p:nvPr>
+        </p:nvSpPr>
+        <p:spPr/>
+      </p:sp>
+      <p:sp>
+        <p:nvSpPr>
+          <p:cNvPr id="3" name="备注占位符 2"/>
+          <p:cNvSpPr>
+            <a:spLocks noGrp="1"/>
+          </p:cNvSpPr>
+          <p:nvPr>
+            <p:ph type="body" idx="1"/>
+          </p:nvPr>
+        </p:nvSpPr>
+        <p:spPr/>
+        <p:txBody>
+          <a:bodyPr/>
+          <a:lstStyle/>
+          <a:p>
+            <a:endParaRPr kumimoji="1" lang="zh-CN" altLang="en-US" dirty="0"/>
+          </a:p>
+        </p:txBody>
+      </p:sp>
+      <p:sp>
+        <p:nvSpPr>
+          <p:cNvPr id="4" name="幻灯片编号占位符 3"/>
+          <p:cNvSpPr>
+            <a:spLocks noGrp="1"/>
+          </p:cNvSpPr>
+          <p:nvPr>
+            <p:ph type="sldNum" sz="quarter" idx="10"/>
+          </p:nvPr>
+        </p:nvSpPr>
+        <p:spPr/>
+        <p:txBody>
+          <a:bodyPr/>
+          <a:lstStyle/>
+          <a:p>
+            <a:fld id="{8556610F-FCBD-844B-B814-9F48A27EB77F}" type="slidenum">
+              <a:rPr lang="en-US" smtClean="0"/>
+              <a:t>42</a:t>
+            </a:fld>
+            <a:endParaRPr lang="en-US"/>
+          </a:p>
+        </p:txBody>
+      </p:sp>
+    </p:spTree>
+    <p:extLst>
+      <p:ext uri="{BB962C8B-B14F-4D97-AF65-F5344CB8AC3E}">
+        <p14:creationId xmlns:p14="http://schemas.microsoft.com/office/powerpoint/2010/main" val="2714740142"/>
+      </p:ext>
+    </p:extLst>
+  </p:cSld>
+  <p:clrMapOvr>
+    <a:masterClrMapping/>
+  </p:clrMapOvr>
+</p:notes>
+</file>
+
+<file path=ppt/notesSlides/notesSlide15.xml><?xml version="1.0" encoding="utf-8"?>
+<p:notes xmlns:a="http://schemas.openxmlformats.org/drawingml/2006/main" xmlns:r="http://schemas.openxmlformats.org/officeDocument/2006/relationships" xmlns:p="http://schemas.openxmlformats.org/presentationml/2006/main">
+  <p:cSld>
+    <p:spTree>
+      <p:nvGrpSpPr>
+        <p:cNvPr id="1" name=""/>
+        <p:cNvGrpSpPr/>
+        <p:nvPr/>
+      </p:nvGrpSpPr>
+      <p:grpSpPr>
+        <a:xfrm>
+          <a:off x="0" y="0"/>
+          <a:ext cx="0" cy="0"/>
+          <a:chOff x="0" y="0"/>
+          <a:chExt cx="0" cy="0"/>
+        </a:xfrm>
+      </p:grpSpPr>
+      <p:sp>
+        <p:nvSpPr>
+          <p:cNvPr id="2" name="幻灯片图像占位符 1"/>
+          <p:cNvSpPr>
+            <a:spLocks noGrp="1" noRot="1" noChangeAspect="1"/>
+          </p:cNvSpPr>
+          <p:nvPr>
+            <p:ph type="sldImg"/>
+          </p:nvPr>
+        </p:nvSpPr>
+        <p:spPr/>
+      </p:sp>
+      <p:sp>
+        <p:nvSpPr>
+          <p:cNvPr id="3" name="备注占位符 2"/>
+          <p:cNvSpPr>
+            <a:spLocks noGrp="1"/>
+          </p:cNvSpPr>
+          <p:nvPr>
+            <p:ph type="body" idx="1"/>
+          </p:nvPr>
+        </p:nvSpPr>
+        <p:spPr/>
+        <p:txBody>
+          <a:bodyPr/>
+          <a:lstStyle/>
+          <a:p>
+            <a:endParaRPr kumimoji="1" lang="zh-CN" altLang="en-US" dirty="0"/>
+          </a:p>
+        </p:txBody>
+      </p:sp>
+      <p:sp>
+        <p:nvSpPr>
+          <p:cNvPr id="4" name="幻灯片编号占位符 3"/>
+          <p:cNvSpPr>
+            <a:spLocks noGrp="1"/>
+          </p:cNvSpPr>
+          <p:nvPr>
+            <p:ph type="sldNum" sz="quarter" idx="10"/>
+          </p:nvPr>
+        </p:nvSpPr>
+        <p:spPr/>
+        <p:txBody>
+          <a:bodyPr/>
+          <a:lstStyle/>
+          <a:p>
+            <a:fld id="{8556610F-FCBD-844B-B814-9F48A27EB77F}" type="slidenum">
+              <a:rPr lang="en-US" smtClean="0"/>
+              <a:t>43</a:t>
             </a:fld>
             <a:endParaRPr lang="en-US"/>
           </a:p>
@@ -1462,7 +1653,7 @@
             <a:spLocks noGrp="1"/>
           </p:cNvSpPr>
           <p:nvPr>
-            <p:ph type="sldNum" sz="quarter" idx="10"/>
+            <p:ph type="sldNum" sz="quarter" idx="5"/>
           </p:nvPr>
         </p:nvSpPr>
         <p:spPr/>
@@ -1472,7 +1663,7 @@
           <a:p>
             <a:fld id="{8556610F-FCBD-844B-B814-9F48A27EB77F}" type="slidenum">
               <a:rPr lang="en-US" smtClean="0"/>
-              <a:t>28</a:t>
+              <a:t>20</a:t>
             </a:fld>
             <a:endParaRPr lang="en-US"/>
           </a:p>
@@ -1481,7 +1672,7 @@
     </p:spTree>
     <p:extLst>
       <p:ext uri="{BB962C8B-B14F-4D97-AF65-F5344CB8AC3E}">
-        <p14:creationId xmlns:p14="http://schemas.microsoft.com/office/powerpoint/2010/main" val="834490132"/>
+        <p14:creationId xmlns:p14="http://schemas.microsoft.com/office/powerpoint/2010/main" val="2745356748"/>
       </p:ext>
     </p:extLst>
   </p:cSld>
@@ -1546,7 +1737,7 @@
             <a:spLocks noGrp="1"/>
           </p:cNvSpPr>
           <p:nvPr>
-            <p:ph type="sldNum" sz="quarter" idx="10"/>
+            <p:ph type="sldNum" sz="quarter" idx="5"/>
           </p:nvPr>
         </p:nvSpPr>
         <p:spPr/>
@@ -1556,7 +1747,7 @@
           <a:p>
             <a:fld id="{8556610F-FCBD-844B-B814-9F48A27EB77F}" type="slidenum">
               <a:rPr lang="en-US" smtClean="0"/>
-              <a:t>29</a:t>
+              <a:t>23</a:t>
             </a:fld>
             <a:endParaRPr lang="en-US"/>
           </a:p>
@@ -1565,7 +1756,7 @@
     </p:spTree>
     <p:extLst>
       <p:ext uri="{BB962C8B-B14F-4D97-AF65-F5344CB8AC3E}">
-        <p14:creationId xmlns:p14="http://schemas.microsoft.com/office/powerpoint/2010/main" val="834490132"/>
+        <p14:creationId xmlns:p14="http://schemas.microsoft.com/office/powerpoint/2010/main" val="1804958446"/>
       </p:ext>
     </p:extLst>
   </p:cSld>
@@ -1640,7 +1831,7 @@
           <a:p>
             <a:fld id="{8556610F-FCBD-844B-B814-9F48A27EB77F}" type="slidenum">
               <a:rPr lang="en-US" smtClean="0"/>
-              <a:t>32</a:t>
+              <a:t>25</a:t>
             </a:fld>
             <a:endParaRPr lang="en-US"/>
           </a:p>
@@ -1649,7 +1840,7 @@
     </p:spTree>
     <p:extLst>
       <p:ext uri="{BB962C8B-B14F-4D97-AF65-F5344CB8AC3E}">
-        <p14:creationId xmlns:p14="http://schemas.microsoft.com/office/powerpoint/2010/main" val="2705639235"/>
+        <p14:creationId xmlns:p14="http://schemas.microsoft.com/office/powerpoint/2010/main" val="834490132"/>
       </p:ext>
     </p:extLst>
   </p:cSld>
@@ -1724,7 +1915,7 @@
           <a:p>
             <a:fld id="{8556610F-FCBD-844B-B814-9F48A27EB77F}" type="slidenum">
               <a:rPr lang="en-US" smtClean="0"/>
-              <a:t>33</a:t>
+              <a:t>27</a:t>
             </a:fld>
             <a:endParaRPr lang="en-US"/>
           </a:p>
@@ -1733,7 +1924,7 @@
     </p:spTree>
     <p:extLst>
       <p:ext uri="{BB962C8B-B14F-4D97-AF65-F5344CB8AC3E}">
-        <p14:creationId xmlns:p14="http://schemas.microsoft.com/office/powerpoint/2010/main" val="2705639235"/>
+        <p14:creationId xmlns:p14="http://schemas.microsoft.com/office/powerpoint/2010/main" val="834490132"/>
       </p:ext>
     </p:extLst>
   </p:cSld>
@@ -1762,7 +1953,7 @@
       </p:grpSpPr>
       <p:sp>
         <p:nvSpPr>
-          <p:cNvPr id="2" name="幻灯片图像占位符 1"/>
+          <p:cNvPr id="2" name="Slide Image Placeholder 1"/>
           <p:cNvSpPr>
             <a:spLocks noGrp="1" noRot="1" noChangeAspect="1"/>
           </p:cNvSpPr>
@@ -1774,7 +1965,7 @@
       </p:sp>
       <p:sp>
         <p:nvSpPr>
-          <p:cNvPr id="3" name="备注占位符 2"/>
+          <p:cNvPr id="3" name="Notes Placeholder 2"/>
           <p:cNvSpPr>
             <a:spLocks noGrp="1"/>
           </p:cNvSpPr>
@@ -1787,37 +1978,13 @@
           <a:bodyPr/>
           <a:lstStyle/>
           <a:p>
-            <a:pPr marL="0" marR="0" indent="0" algn="l" defTabSz="457200" rtl="0" eaLnBrk="1" fontAlgn="auto" latinLnBrk="0" hangingPunct="1">
-              <a:lnSpc>
-                <a:spcPct val="100000"/>
-              </a:lnSpc>
-              <a:spcBef>
-                <a:spcPts val="0"/>
-              </a:spcBef>
-              <a:spcAft>
-                <a:spcPts val="0"/>
-              </a:spcAft>
-              <a:buClrTx/>
-              <a:buSzTx/>
-              <a:buFontTx/>
-              <a:buNone/>
-              <a:tabLst/>
-              <a:defRPr/>
-            </a:pPr>
-            <a:r>
-              <a:rPr kumimoji="1" lang="en-US" altLang="zh-CN" dirty="0"/>
-              <a:t>-2147483648</a:t>
-            </a:r>
-            <a:endParaRPr kumimoji="1" lang="zh-CN" altLang="en-US" dirty="0"/>
-          </a:p>
-          <a:p>
-            <a:endParaRPr kumimoji="1" lang="zh-CN" altLang="en-US" dirty="0"/>
+            <a:endParaRPr lang="en-US" dirty="0"/>
           </a:p>
         </p:txBody>
       </p:sp>
       <p:sp>
         <p:nvSpPr>
-          <p:cNvPr id="4" name="幻灯片编号占位符 3"/>
+          <p:cNvPr id="4" name="Slide Number Placeholder 3"/>
           <p:cNvSpPr>
             <a:spLocks noGrp="1"/>
           </p:cNvSpPr>
@@ -1832,7 +1999,7 @@
           <a:p>
             <a:fld id="{8556610F-FCBD-844B-B814-9F48A27EB77F}" type="slidenum">
               <a:rPr lang="en-US" smtClean="0"/>
-              <a:t>40</a:t>
+              <a:t>30</a:t>
             </a:fld>
             <a:endParaRPr lang="en-US"/>
           </a:p>
@@ -1841,7 +2008,7 @@
     </p:spTree>
     <p:extLst>
       <p:ext uri="{BB962C8B-B14F-4D97-AF65-F5344CB8AC3E}">
-        <p14:creationId xmlns:p14="http://schemas.microsoft.com/office/powerpoint/2010/main" val="3448787687"/>
+        <p14:creationId xmlns:p14="http://schemas.microsoft.com/office/powerpoint/2010/main" val="2705639235"/>
       </p:ext>
     </p:extLst>
   </p:cSld>
@@ -2036,7 +2203,7 @@
           <a:p>
             <a:fld id="{212D147F-079F-4846-994D-0DB4A1A045D4}" type="datetime1">
               <a:rPr lang="zh-CN" altLang="en-US" smtClean="0"/>
-              <a:t>2020/9/22</a:t>
+              <a:t>2020/9/23</a:t>
             </a:fld>
             <a:endParaRPr lang="en-US"/>
           </a:p>
@@ -2200,7 +2367,7 @@
           <a:p>
             <a:fld id="{17491736-879B-FE48-95EC-EDE8A01D99DB}" type="datetime1">
               <a:rPr lang="zh-CN" altLang="en-US" smtClean="0"/>
-              <a:t>2020/9/22</a:t>
+              <a:t>2020/9/23</a:t>
             </a:fld>
             <a:endParaRPr lang="en-US"/>
           </a:p>
@@ -2374,7 +2541,7 @@
           <a:p>
             <a:fld id="{B977160F-44E5-DA43-A440-B77513F80BF6}" type="datetime1">
               <a:rPr lang="zh-CN" altLang="en-US" smtClean="0"/>
-              <a:t>2020/9/22</a:t>
+              <a:t>2020/9/23</a:t>
             </a:fld>
             <a:endParaRPr lang="en-US"/>
           </a:p>
@@ -2544,7 +2711,7 @@
           <a:p>
             <a:fld id="{AE880671-2720-6742-BF3B-130F38BFD6C2}" type="datetime1">
               <a:rPr lang="zh-CN" altLang="en-US" smtClean="0"/>
-              <a:t>2020/9/22</a:t>
+              <a:t>2020/9/23</a:t>
             </a:fld>
             <a:endParaRPr lang="en-US"/>
           </a:p>
@@ -2785,7 +2952,7 @@
           <a:p>
             <a:fld id="{0C2FF912-C460-F747-A5A7-E580342BDBD8}" type="datetime1">
               <a:rPr lang="zh-CN" altLang="en-US" smtClean="0"/>
-              <a:t>2020/9/22</a:t>
+              <a:t>2020/9/23</a:t>
             </a:fld>
             <a:endParaRPr lang="en-US"/>
           </a:p>
@@ -3066,7 +3233,7 @@
           <a:p>
             <a:fld id="{1EEB1225-B413-9941-B6FE-722B9F1A3838}" type="datetime1">
               <a:rPr lang="zh-CN" altLang="en-US" smtClean="0"/>
-              <a:t>2020/9/22</a:t>
+              <a:t>2020/9/23</a:t>
             </a:fld>
             <a:endParaRPr lang="en-US"/>
           </a:p>
@@ -3481,7 +3648,7 @@
           <a:p>
             <a:fld id="{3E24F182-DE75-D141-B72A-8599E29248A5}" type="datetime1">
               <a:rPr lang="zh-CN" altLang="en-US" smtClean="0"/>
-              <a:t>2020/9/22</a:t>
+              <a:t>2020/9/23</a:t>
             </a:fld>
             <a:endParaRPr lang="en-US"/>
           </a:p>
@@ -3594,7 +3761,7 @@
           <a:p>
             <a:fld id="{8E8C2D7A-8A1B-DA48-9B0B-0DEE102746F0}" type="datetime1">
               <a:rPr lang="zh-CN" altLang="en-US" smtClean="0"/>
-              <a:t>2020/9/22</a:t>
+              <a:t>2020/9/23</a:t>
             </a:fld>
             <a:endParaRPr lang="en-US"/>
           </a:p>
@@ -3685,7 +3852,7 @@
           <a:p>
             <a:fld id="{4153C787-59C9-0445-8F38-642A8469076F}" type="datetime1">
               <a:rPr lang="zh-CN" altLang="en-US" smtClean="0"/>
-              <a:t>2020/9/22</a:t>
+              <a:t>2020/9/23</a:t>
             </a:fld>
             <a:endParaRPr lang="en-US"/>
           </a:p>
@@ -3956,7 +4123,7 @@
           <a:p>
             <a:fld id="{44D50209-807A-E542-A52E-D898C2D2B27F}" type="datetime1">
               <a:rPr lang="zh-CN" altLang="en-US" smtClean="0"/>
-              <a:t>2020/9/22</a:t>
+              <a:t>2020/9/23</a:t>
             </a:fld>
             <a:endParaRPr lang="en-US"/>
           </a:p>
@@ -4207,7 +4374,7 @@
           <a:p>
             <a:fld id="{4EC27158-6770-8C48-8082-76913598A291}" type="datetime1">
               <a:rPr lang="zh-CN" altLang="en-US" smtClean="0"/>
-              <a:t>2020/9/22</a:t>
+              <a:t>2020/9/23</a:t>
             </a:fld>
             <a:endParaRPr lang="en-US"/>
           </a:p>
@@ -4312,10 +4479,9 @@
           <a:lstStyle/>
           <a:p>
             <a:r>
-              <a:rPr lang="en-US"/>
+              <a:rPr lang="en-US" dirty="0"/>
               <a:t>Click to edit Master title style</a:t>
             </a:r>
-            <a:endParaRPr lang="en-US" dirty="0"/>
           </a:p>
         </p:txBody>
       </p:sp>
@@ -4346,38 +4512,37 @@
           <a:p>
             <a:pPr lvl="0"/>
             <a:r>
-              <a:rPr lang="en-US"/>
+              <a:rPr lang="en-US" dirty="0"/>
               <a:t>Click to edit Master text styles</a:t>
             </a:r>
           </a:p>
           <a:p>
             <a:pPr lvl="1"/>
             <a:r>
-              <a:rPr lang="en-US"/>
+              <a:rPr lang="en-US" dirty="0"/>
               <a:t>Second level</a:t>
             </a:r>
           </a:p>
           <a:p>
             <a:pPr lvl="2"/>
             <a:r>
-              <a:rPr lang="en-US"/>
+              <a:rPr lang="en-US" dirty="0"/>
               <a:t>Third level</a:t>
             </a:r>
           </a:p>
           <a:p>
             <a:pPr lvl="3"/>
             <a:r>
-              <a:rPr lang="en-US"/>
+              <a:rPr lang="en-US" dirty="0"/>
               <a:t>Fourth level</a:t>
             </a:r>
           </a:p>
           <a:p>
             <a:pPr lvl="4"/>
             <a:r>
-              <a:rPr lang="en-US"/>
+              <a:rPr lang="en-US" dirty="0"/>
               <a:t>Fifth level</a:t>
             </a:r>
-            <a:endParaRPr lang="en-US" dirty="0"/>
           </a:p>
         </p:txBody>
       </p:sp>
@@ -4416,7 +4581,7 @@
           <a:p>
             <a:fld id="{6619FEBD-E571-1443-AA22-BB9E67C15179}" type="datetime1">
               <a:rPr lang="zh-CN" altLang="en-US" smtClean="0"/>
-              <a:t>2020/9/22</a:t>
+              <a:t>2020/9/23</a:t>
             </a:fld>
             <a:endParaRPr lang="en-US"/>
           </a:p>
@@ -4529,7 +4694,7 @@
           <a:solidFill>
             <a:srgbClr val="3366FF"/>
           </a:solidFill>
-          <a:latin typeface="Tahoma"/>
+          <a:latin typeface="+mj-lt"/>
           <a:ea typeface="+mj-ea"/>
           <a:cs typeface="Tahoma"/>
         </a:defRPr>
@@ -4546,7 +4711,7 @@
           <a:solidFill>
             <a:schemeClr val="tx1"/>
           </a:solidFill>
-          <a:latin typeface="Arial"/>
+          <a:latin typeface="+mj-lt"/>
           <a:ea typeface="+mn-ea"/>
           <a:cs typeface="Arial"/>
         </a:defRPr>
@@ -4561,7 +4726,7 @@
           <a:solidFill>
             <a:schemeClr val="tx1"/>
           </a:solidFill>
-          <a:latin typeface="Arial"/>
+          <a:latin typeface="+mj-lt"/>
           <a:ea typeface="+mn-ea"/>
           <a:cs typeface="Arial"/>
         </a:defRPr>
@@ -4576,7 +4741,7 @@
           <a:solidFill>
             <a:schemeClr val="tx1"/>
           </a:solidFill>
-          <a:latin typeface="Arial"/>
+          <a:latin typeface="+mj-lt"/>
           <a:ea typeface="+mn-ea"/>
           <a:cs typeface="Arial"/>
         </a:defRPr>
@@ -4591,7 +4756,7 @@
           <a:solidFill>
             <a:schemeClr val="tx1"/>
           </a:solidFill>
-          <a:latin typeface="Arial"/>
+          <a:latin typeface="+mj-lt"/>
           <a:ea typeface="+mn-ea"/>
           <a:cs typeface="Arial"/>
         </a:defRPr>
@@ -4606,7 +4771,7 @@
           <a:solidFill>
             <a:schemeClr val="tx1"/>
           </a:solidFill>
-          <a:latin typeface="Arial"/>
+          <a:latin typeface="+mj-lt"/>
           <a:ea typeface="+mn-ea"/>
           <a:cs typeface="Arial"/>
         </a:defRPr>
@@ -8701,14 +8866,14 @@
           <p:nvPr>
             <p:extLst>
               <p:ext uri="{D42A27DB-BD31-4B8C-83A1-F6EECF244321}">
-                <p14:modId xmlns:p14="http://schemas.microsoft.com/office/powerpoint/2010/main" val="3102029079"/>
+                <p14:modId xmlns:p14="http://schemas.microsoft.com/office/powerpoint/2010/main" val="476030398"/>
               </p:ext>
             </p:extLst>
           </p:nvPr>
         </p:nvGraphicFramePr>
         <p:xfrm>
-          <a:off x="2735746" y="1939231"/>
-          <a:ext cx="2044977" cy="1714500"/>
+          <a:off x="2735748" y="1939231"/>
+          <a:ext cx="2159714" cy="1714500"/>
         </p:xfrm>
         <a:graphic>
           <a:graphicData uri="http://schemas.openxmlformats.org/drawingml/2006/table">
@@ -8717,21 +8882,21 @@
                 <a:tableStyleId>{5C22544A-7EE6-4342-B048-85BDC9FD1C3A}</a:tableStyleId>
               </a:tblPr>
               <a:tblGrid>
-                <a:gridCol w="681659">
+                <a:gridCol w="567289">
                   <a:extLst>
                     <a:ext uri="{9D8B030D-6E8A-4147-A177-3AD203B41FA5}">
                       <a16:colId xmlns:a16="http://schemas.microsoft.com/office/drawing/2014/main" val="3554102759"/>
                     </a:ext>
                   </a:extLst>
                 </a:gridCol>
-                <a:gridCol w="681659">
+                <a:gridCol w="609600">
                   <a:extLst>
                     <a:ext uri="{9D8B030D-6E8A-4147-A177-3AD203B41FA5}">
                       <a16:colId xmlns:a16="http://schemas.microsoft.com/office/drawing/2014/main" val="2396206722"/>
                     </a:ext>
                   </a:extLst>
                 </a:gridCol>
-                <a:gridCol w="681659">
+                <a:gridCol w="982825">
                   <a:extLst>
                     <a:ext uri="{9D8B030D-6E8A-4147-A177-3AD203B41FA5}">
                       <a16:colId xmlns:a16="http://schemas.microsoft.com/office/drawing/2014/main" val="4070950088"/>
@@ -8773,10 +8938,9 @@
                     <a:p>
                       <a:pPr algn="r"/>
                       <a:r>
-                        <a:rPr lang="en-US" sz="1800" dirty="0" err="1"/>
-                        <a:t>x&amp;y</a:t>
+                        <a:rPr lang="en-US" sz="1800" dirty="0"/>
+                        <a:t>x AND y</a:t>
                       </a:r>
-                      <a:endParaRPr lang="en-US" sz="1800" dirty="0"/>
                     </a:p>
                   </a:txBody>
                   <a:tcPr marL="68580" marR="68580" marT="34290" marB="34290"/>
@@ -8993,7 +9157,7 @@
         </p:nvCxnSpPr>
         <p:spPr>
           <a:xfrm>
-            <a:off x="4096565" y="1864689"/>
+            <a:off x="3924288" y="1864689"/>
             <a:ext cx="0" cy="1833730"/>
           </a:xfrm>
           <a:prstGeom prst="line">
@@ -9225,8 +9389,8 @@
         </p:nvSpPr>
         <p:spPr>
           <a:xfrm>
-            <a:off x="1375313" y="4374707"/>
-            <a:ext cx="5664692" cy="400110"/>
+            <a:off x="1425076" y="4239995"/>
+            <a:ext cx="5130572" cy="400110"/>
           </a:xfrm>
           <a:prstGeom prst="rect">
             <a:avLst/>
@@ -9246,7 +9410,7 @@
           <a:p>
             <a:r>
               <a:rPr lang="en-US" sz="2000" dirty="0"/>
-              <a:t>C’s “&amp;” operator applies AND bitwise to two integers</a:t>
+              <a:t>Operator &amp; applies AND bitwise to two integers</a:t>
             </a:r>
           </a:p>
         </p:txBody>
@@ -9385,7 +9549,7 @@
                                           </p:stCondLst>
                                         </p:cTn>
                                         <p:tgtEl>
-                                          <p:spTgt spid="15"/>
+                                          <p:spTgt spid="20"/>
                                         </p:tgtEl>
                                         <p:attrNameLst>
                                           <p:attrName>style.visibility</p:attrName>
@@ -9430,51 +9594,6 @@
                                           </p:stCondLst>
                                         </p:cTn>
                                         <p:tgtEl>
-                                          <p:spTgt spid="20"/>
-                                        </p:tgtEl>
-                                        <p:attrNameLst>
-                                          <p:attrName>style.visibility</p:attrName>
-                                        </p:attrNameLst>
-                                      </p:cBhvr>
-                                      <p:to>
-                                        <p:strVal val="visible"/>
-                                      </p:to>
-                                    </p:set>
-                                  </p:childTnLst>
-                                </p:cTn>
-                              </p:par>
-                            </p:childTnLst>
-                          </p:cTn>
-                        </p:par>
-                      </p:childTnLst>
-                    </p:cTn>
-                  </p:par>
-                  <p:par>
-                    <p:cTn id="19" fill="hold">
-                      <p:stCondLst>
-                        <p:cond delay="indefinite"/>
-                      </p:stCondLst>
-                      <p:childTnLst>
-                        <p:par>
-                          <p:cTn id="20" fill="hold">
-                            <p:stCondLst>
-                              <p:cond delay="0"/>
-                            </p:stCondLst>
-                            <p:childTnLst>
-                              <p:par>
-                                <p:cTn id="21" presetID="1" presetClass="entr" presetSubtype="0" fill="hold" grpId="0" nodeType="clickEffect">
-                                  <p:stCondLst>
-                                    <p:cond delay="0"/>
-                                  </p:stCondLst>
-                                  <p:childTnLst>
-                                    <p:set>
-                                      <p:cBhvr>
-                                        <p:cTn id="22" dur="1" fill="hold">
-                                          <p:stCondLst>
-                                            <p:cond delay="0"/>
-                                          </p:stCondLst>
-                                        </p:cTn>
-                                        <p:tgtEl>
                                           <p:spTgt spid="8"/>
                                         </p:tgtEl>
                                         <p:attrNameLst>
@@ -9489,7 +9608,61 @@
                                 </p:cTn>
                               </p:par>
                               <p:par>
-                                <p:cTn id="23" presetID="1" presetClass="entr" presetSubtype="0" fill="hold" grpId="0" nodeType="withEffect">
+                                <p:cTn id="19" presetID="1" presetClass="entr" presetSubtype="0" fill="hold" grpId="0" nodeType="withEffect">
+                                  <p:stCondLst>
+                                    <p:cond delay="0"/>
+                                  </p:stCondLst>
+                                  <p:childTnLst>
+                                    <p:set>
+                                      <p:cBhvr>
+                                        <p:cTn id="20" dur="1" fill="hold">
+                                          <p:stCondLst>
+                                            <p:cond delay="0"/>
+                                          </p:stCondLst>
+                                        </p:cTn>
+                                        <p:tgtEl>
+                                          <p:spTgt spid="10"/>
+                                        </p:tgtEl>
+                                        <p:attrNameLst>
+                                          <p:attrName>style.visibility</p:attrName>
+                                        </p:attrNameLst>
+                                      </p:cBhvr>
+                                      <p:to>
+                                        <p:strVal val="visible"/>
+                                      </p:to>
+                                    </p:set>
+                                  </p:childTnLst>
+                                </p:cTn>
+                              </p:par>
+                              <p:par>
+                                <p:cTn id="21" presetID="1" presetClass="entr" presetSubtype="0" fill="hold" grpId="0" nodeType="withEffect">
+                                  <p:stCondLst>
+                                    <p:cond delay="0"/>
+                                  </p:stCondLst>
+                                  <p:childTnLst>
+                                    <p:set>
+                                      <p:cBhvr>
+                                        <p:cTn id="22" dur="1" fill="hold">
+                                          <p:stCondLst>
+                                            <p:cond delay="0"/>
+                                          </p:stCondLst>
+                                        </p:cTn>
+                                        <p:tgtEl>
+                                          <p:spTgt spid="11"/>
+                                        </p:tgtEl>
+                                        <p:attrNameLst>
+                                          <p:attrName>style.visibility</p:attrName>
+                                        </p:attrNameLst>
+                                      </p:cBhvr>
+                                      <p:to>
+                                        <p:strVal val="visible"/>
+                                      </p:to>
+                                    </p:set>
+                                  </p:childTnLst>
+                                </p:cTn>
+                              </p:par>
+                              <p:par>
+                                <p:cTn id="23" presetID="1" presetClass="entr" presetSubtype="0" fill="hold" nodeType="withEffect">
                                   <p:stCondLst>
                                     <p:cond delay="0"/>
                                   </p:stCondLst>
@@ -9502,7 +9675,7 @@
                                           </p:stCondLst>
                                         </p:cTn>
                                         <p:tgtEl>
-                                          <p:spTgt spid="10"/>
+                                          <p:spTgt spid="13"/>
                                         </p:tgtEl>
                                         <p:attrNameLst>
                                           <p:attrName>style.visibility</p:attrName>
@@ -9529,7 +9702,7 @@
                                           </p:stCondLst>
                                         </p:cTn>
                                         <p:tgtEl>
-                                          <p:spTgt spid="11"/>
+                                          <p:spTgt spid="14"/>
                                         </p:tgtEl>
                                         <p:attrNameLst>
                                           <p:attrName>style.visibility</p:attrName>
@@ -9542,35 +9715,26 @@
                                   </p:childTnLst>
                                 </p:cTn>
                               </p:par>
+                            </p:childTnLst>
+                          </p:cTn>
+                        </p:par>
+                      </p:childTnLst>
+                    </p:cTn>
+                  </p:par>
+                  <p:par>
+                    <p:cTn id="27" fill="hold">
+                      <p:stCondLst>
+                        <p:cond delay="indefinite"/>
+                      </p:stCondLst>
+                      <p:childTnLst>
+                        <p:par>
+                          <p:cTn id="28" fill="hold">
+                            <p:stCondLst>
+                              <p:cond delay="0"/>
+                            </p:stCondLst>
+                            <p:childTnLst>
                               <p:par>
-                                <p:cTn id="27" presetID="1" presetClass="entr" presetSubtype="0" fill="hold" nodeType="withEffect">
-                                  <p:stCondLst>
-                                    <p:cond delay="0"/>
-                                  </p:stCondLst>
-                                  <p:childTnLst>
-                                    <p:set>
-                                      <p:cBhvr>
-                                        <p:cTn id="28" dur="1" fill="hold">
-                                          <p:stCondLst>
-                                            <p:cond delay="0"/>
-                                          </p:stCondLst>
-                                        </p:cTn>
-                                        <p:tgtEl>
-                                          <p:spTgt spid="13"/>
-                                        </p:tgtEl>
-                                        <p:attrNameLst>
-                                          <p:attrName>style.visibility</p:attrName>
-                                        </p:attrNameLst>
-                                      </p:cBhvr>
-                                      <p:to>
-                                        <p:strVal val="visible"/>
-                                      </p:to>
-                                    </p:set>
-                                  </p:childTnLst>
-                                </p:cTn>
-                              </p:par>
-                              <p:par>
-                                <p:cTn id="29" presetID="1" presetClass="entr" presetSubtype="0" fill="hold" grpId="0" nodeType="withEffect">
+                                <p:cTn id="29" presetID="1" presetClass="entr" presetSubtype="0" fill="hold" grpId="0" nodeType="clickEffect">
                                   <p:stCondLst>
                                     <p:cond delay="0"/>
                                   </p:stCondLst>
@@ -9583,7 +9747,7 @@
                                           </p:stCondLst>
                                         </p:cTn>
                                         <p:tgtEl>
-                                          <p:spTgt spid="14"/>
+                                          <p:spTgt spid="15"/>
                                         </p:tgtEl>
                                         <p:attrNameLst>
                                           <p:attrName>style.visibility</p:attrName>
@@ -9707,7 +9871,9 @@
             </a:r>
           </a:p>
           <a:p>
-            <a:pPr lvl="1"/>
+            <a:pPr marL="457200" lvl="1" indent="0">
+              <a:buNone/>
+            </a:pPr>
             <a:r>
               <a:rPr kumimoji="1" lang="en-US" altLang="zh-CN" dirty="0">
                 <a:latin typeface="Verdana"/>
@@ -9717,7 +9883,9 @@
             </a:r>
           </a:p>
           <a:p>
-            <a:pPr lvl="1"/>
+            <a:pPr marL="457200" lvl="1" indent="0">
+              <a:buNone/>
+            </a:pPr>
             <a:r>
               <a:rPr kumimoji="1" lang="en-US" altLang="zh-CN" dirty="0">
                 <a:latin typeface="Verdana"/>
@@ -10164,7 +10332,7 @@
                                           </p:stCondLst>
                                         </p:cTn>
                                         <p:tgtEl>
-                                          <p:spTgt spid="8"/>
+                                          <p:spTgt spid="7"/>
                                         </p:tgtEl>
                                         <p:attrNameLst>
                                           <p:attrName>style.visibility</p:attrName>
@@ -10209,7 +10377,7 @@
                                           </p:stCondLst>
                                         </p:cTn>
                                         <p:tgtEl>
-                                          <p:spTgt spid="7"/>
+                                          <p:spTgt spid="8"/>
                                         </p:tgtEl>
                                         <p:attrNameLst>
                                           <p:attrName>style.visibility</p:attrName>
@@ -10249,6 +10417,51 @@
                                     <p:set>
                                       <p:cBhvr>
                                         <p:cTn id="20" dur="1" fill="hold">
+                                          <p:stCondLst>
+                                            <p:cond delay="0"/>
+                                          </p:stCondLst>
+                                        </p:cTn>
+                                        <p:tgtEl>
+                                          <p:spTgt spid="14"/>
+                                        </p:tgtEl>
+                                        <p:attrNameLst>
+                                          <p:attrName>style.visibility</p:attrName>
+                                        </p:attrNameLst>
+                                      </p:cBhvr>
+                                      <p:to>
+                                        <p:strVal val="visible"/>
+                                      </p:to>
+                                    </p:set>
+                                  </p:childTnLst>
+                                </p:cTn>
+                              </p:par>
+                            </p:childTnLst>
+                          </p:cTn>
+                        </p:par>
+                      </p:childTnLst>
+                    </p:cTn>
+                  </p:par>
+                  <p:par>
+                    <p:cTn id="21" fill="hold">
+                      <p:stCondLst>
+                        <p:cond delay="indefinite"/>
+                      </p:stCondLst>
+                      <p:childTnLst>
+                        <p:par>
+                          <p:cTn id="22" fill="hold">
+                            <p:stCondLst>
+                              <p:cond delay="0"/>
+                            </p:stCondLst>
+                            <p:childTnLst>
+                              <p:par>
+                                <p:cTn id="23" presetID="1" presetClass="entr" presetSubtype="0" fill="hold" grpId="0" nodeType="clickEffect">
+                                  <p:stCondLst>
+                                    <p:cond delay="0"/>
+                                  </p:stCondLst>
+                                  <p:childTnLst>
+                                    <p:set>
+                                      <p:cBhvr>
+                                        <p:cTn id="24" dur="1" fill="hold">
                                           <p:stCondLst>
                                             <p:cond delay="0"/>
                                           </p:stCondLst>
@@ -10295,6 +10508,7 @@
       </p:par>
     </p:tnLst>
     <p:bldLst>
+      <p:bldP spid="14" grpId="0" animBg="1"/>
       <p:bldP spid="16" grpId="0"/>
       <p:bldP spid="6" grpId="0"/>
       <p:bldP spid="7" grpId="0" animBg="1"/>
@@ -10346,52 +10560,13 @@
       </p:sp>
       <p:sp>
         <p:nvSpPr>
-          <p:cNvPr id="10" name="矩形 9"/>
+          <p:cNvPr id="14" name="矩形 13"/>
           <p:cNvSpPr/>
           <p:nvPr/>
         </p:nvSpPr>
         <p:spPr>
           <a:xfrm>
-            <a:off x="4672572" y="4160974"/>
-            <a:ext cx="2406428" cy="369332"/>
-          </a:xfrm>
-          <a:prstGeom prst="rect">
-            <a:avLst/>
-          </a:prstGeom>
-        </p:spPr>
-        <p:txBody>
-          <a:bodyPr wrap="none">
-            <a:spAutoFit/>
-          </a:bodyPr>
-          <a:lstStyle/>
-          <a:p>
-            <a:r>
-              <a:rPr kumimoji="1" lang="en-US" altLang="zh-CN" dirty="0">
-                <a:latin typeface="Verdana"/>
-                <a:cs typeface="Verdana"/>
-              </a:rPr>
-              <a:t>( 0 1 1 0 1 0 0 1 )</a:t>
-            </a:r>
-            <a:r>
-              <a:rPr kumimoji="1" lang="en-US" altLang="zh-CN" baseline="-25000" dirty="0">
-                <a:latin typeface="Verdana"/>
-                <a:cs typeface="Verdana"/>
-              </a:rPr>
-              <a:t>2</a:t>
-            </a:r>
-            <a:endParaRPr lang="zh-CN" altLang="en-US" dirty="0"/>
-          </a:p>
-        </p:txBody>
-      </p:sp>
-      <p:sp>
-        <p:nvSpPr>
-          <p:cNvPr id="11" name="矩形 10"/>
-          <p:cNvSpPr/>
-          <p:nvPr/>
-        </p:nvSpPr>
-        <p:spPr>
-          <a:xfrm>
-            <a:off x="4672573" y="4509495"/>
+            <a:off x="4651412" y="5532254"/>
             <a:ext cx="2460930" cy="369332"/>
           </a:xfrm>
           <a:prstGeom prst="rect">
@@ -10409,7 +10584,7 @@
                 <a:latin typeface="Verdana"/>
                 <a:cs typeface="Verdana"/>
               </a:rPr>
-              <a:t>( 0 1 0 1 0 1 0 1 )</a:t>
+              <a:t>( 0 1 1 1 1 1 0 1 )</a:t>
             </a:r>
             <a:r>
               <a:rPr kumimoji="1" lang="en-US" altLang="zh-CN" baseline="-25000" dirty="0">
@@ -10422,136 +10597,196 @@
           </a:p>
         </p:txBody>
       </p:sp>
-      <p:sp>
-        <p:nvSpPr>
-          <p:cNvPr id="12" name="矩形 11"/>
-          <p:cNvSpPr/>
+      <p:grpSp>
+        <p:nvGrpSpPr>
+          <p:cNvPr id="3" name="Group 2">
+            <a:extLst>
+              <a:ext uri="{FF2B5EF4-FFF2-40B4-BE49-F238E27FC236}">
+                <a16:creationId xmlns:a16="http://schemas.microsoft.com/office/drawing/2014/main" id="{7E08D6F2-FF78-4B1F-A2B8-BB2F67412DFF}"/>
+              </a:ext>
+            </a:extLst>
+          </p:cNvPr>
+          <p:cNvGrpSpPr/>
           <p:nvPr/>
-        </p:nvSpPr>
-        <p:spPr>
+        </p:nvGrpSpPr>
+        <p:grpSpPr>
           <a:xfrm>
-            <a:off x="4389802" y="4527132"/>
-            <a:ext cx="288862" cy="369332"/>
+            <a:off x="1491991" y="4302988"/>
+            <a:ext cx="5647603" cy="873142"/>
+            <a:chOff x="1491991" y="4302988"/>
+            <a:chExt cx="5647603" cy="873142"/>
           </a:xfrm>
-          <a:prstGeom prst="rect">
-            <a:avLst/>
-          </a:prstGeom>
-        </p:spPr>
-        <p:txBody>
-          <a:bodyPr wrap="none">
-            <a:spAutoFit/>
-          </a:bodyPr>
-          <a:lstStyle/>
-          <a:p>
-            <a:r>
-              <a:rPr kumimoji="1" lang="en-US" altLang="zh-CN" dirty="0">
-                <a:latin typeface="Verdana"/>
-                <a:cs typeface="Verdana"/>
-              </a:rPr>
-              <a:t>|</a:t>
-            </a:r>
-            <a:endParaRPr lang="zh-CN" altLang="en-US" dirty="0"/>
-          </a:p>
-        </p:txBody>
-      </p:sp>
-      <p:cxnSp>
-        <p:nvCxnSpPr>
-          <p:cNvPr id="13" name="直线连接符 12"/>
-          <p:cNvCxnSpPr/>
-          <p:nvPr/>
-        </p:nvCxnSpPr>
-        <p:spPr>
-          <a:xfrm>
-            <a:off x="4389803" y="4919997"/>
-            <a:ext cx="2633112" cy="0"/>
-          </a:xfrm>
-          <a:prstGeom prst="line">
-            <a:avLst/>
-          </a:prstGeom>
-        </p:spPr>
-        <p:style>
-          <a:lnRef idx="2">
-            <a:schemeClr val="dk1"/>
-          </a:lnRef>
-          <a:fillRef idx="0">
-            <a:schemeClr val="dk1"/>
-          </a:fillRef>
-          <a:effectRef idx="1">
-            <a:schemeClr val="dk1"/>
-          </a:effectRef>
-          <a:fontRef idx="minor">
-            <a:schemeClr val="tx1"/>
-          </a:fontRef>
-        </p:style>
-      </p:cxnSp>
-      <p:sp>
-        <p:nvSpPr>
-          <p:cNvPr id="14" name="矩形 13"/>
-          <p:cNvSpPr/>
-          <p:nvPr/>
-        </p:nvSpPr>
-        <p:spPr>
-          <a:xfrm>
-            <a:off x="4672573" y="4927931"/>
-            <a:ext cx="2460930" cy="369332"/>
-          </a:xfrm>
-          <a:prstGeom prst="rect">
-            <a:avLst/>
-          </a:prstGeom>
-        </p:spPr>
-        <p:txBody>
-          <a:bodyPr wrap="none">
-            <a:spAutoFit/>
-          </a:bodyPr>
-          <a:lstStyle/>
-          <a:p>
-            <a:r>
-              <a:rPr kumimoji="1" lang="en-US" altLang="zh-CN" dirty="0">
-                <a:latin typeface="Verdana"/>
-                <a:cs typeface="Verdana"/>
-              </a:rPr>
-              <a:t>( 0 1 1 1 1 1 0 1 )</a:t>
-            </a:r>
-            <a:r>
-              <a:rPr kumimoji="1" lang="en-US" altLang="zh-CN" baseline="-25000" dirty="0">
-                <a:latin typeface="Verdana"/>
-                <a:cs typeface="Verdana"/>
-              </a:rPr>
-              <a:t>2 </a:t>
-            </a:r>
-            <a:endParaRPr lang="zh-CN" altLang="en-US" dirty="0"/>
-          </a:p>
-        </p:txBody>
-      </p:sp>
-      <p:sp>
-        <p:nvSpPr>
-          <p:cNvPr id="17" name="TextBox 16"/>
-          <p:cNvSpPr txBox="1"/>
-          <p:nvPr/>
-        </p:nvSpPr>
-        <p:spPr>
-          <a:xfrm>
-            <a:off x="1485900" y="4618618"/>
-            <a:ext cx="2502673" cy="415498"/>
-          </a:xfrm>
-          <a:prstGeom prst="rect">
-            <a:avLst/>
-          </a:prstGeom>
-          <a:noFill/>
-        </p:spPr>
-        <p:txBody>
-          <a:bodyPr wrap="none" rtlCol="0">
-            <a:spAutoFit/>
-          </a:bodyPr>
-          <a:lstStyle/>
-          <a:p>
-            <a:r>
-              <a:rPr lang="en-US" sz="2100" dirty="0"/>
-              <a:t>Result of 0x69 | 0x55</a:t>
-            </a:r>
-          </a:p>
-        </p:txBody>
-      </p:sp>
+        </p:grpSpPr>
+        <p:sp>
+          <p:nvSpPr>
+            <p:cNvPr id="10" name="矩形 9"/>
+            <p:cNvSpPr/>
+            <p:nvPr/>
+          </p:nvSpPr>
+          <p:spPr>
+            <a:xfrm>
+              <a:off x="4678663" y="4302988"/>
+              <a:ext cx="2406428" cy="369332"/>
+            </a:xfrm>
+            <a:prstGeom prst="rect">
+              <a:avLst/>
+            </a:prstGeom>
+          </p:spPr>
+          <p:txBody>
+            <a:bodyPr wrap="none">
+              <a:spAutoFit/>
+            </a:bodyPr>
+            <a:lstStyle/>
+            <a:p>
+              <a:r>
+                <a:rPr kumimoji="1" lang="en-US" altLang="zh-CN" dirty="0">
+                  <a:latin typeface="Verdana"/>
+                  <a:cs typeface="Verdana"/>
+                </a:rPr>
+                <a:t>( 0 1 1 0 1 0 0 1 )</a:t>
+              </a:r>
+              <a:r>
+                <a:rPr kumimoji="1" lang="en-US" altLang="zh-CN" baseline="-25000" dirty="0">
+                  <a:latin typeface="Verdana"/>
+                  <a:cs typeface="Verdana"/>
+                </a:rPr>
+                <a:t>2</a:t>
+              </a:r>
+              <a:endParaRPr lang="zh-CN" altLang="en-US" dirty="0"/>
+            </a:p>
+          </p:txBody>
+        </p:sp>
+        <p:sp>
+          <p:nvSpPr>
+            <p:cNvPr id="11" name="矩形 10"/>
+            <p:cNvSpPr/>
+            <p:nvPr/>
+          </p:nvSpPr>
+          <p:spPr>
+            <a:xfrm>
+              <a:off x="4678664" y="4651509"/>
+              <a:ext cx="2460930" cy="369332"/>
+            </a:xfrm>
+            <a:prstGeom prst="rect">
+              <a:avLst/>
+            </a:prstGeom>
+          </p:spPr>
+          <p:txBody>
+            <a:bodyPr wrap="none">
+              <a:spAutoFit/>
+            </a:bodyPr>
+            <a:lstStyle/>
+            <a:p>
+              <a:r>
+                <a:rPr kumimoji="1" lang="en-US" altLang="zh-CN" dirty="0">
+                  <a:latin typeface="Verdana"/>
+                  <a:cs typeface="Verdana"/>
+                </a:rPr>
+                <a:t>( 0 1 0 1 0 1 0 1 )</a:t>
+              </a:r>
+              <a:r>
+                <a:rPr kumimoji="1" lang="en-US" altLang="zh-CN" baseline="-25000" dirty="0">
+                  <a:latin typeface="Verdana"/>
+                  <a:cs typeface="Verdana"/>
+                </a:rPr>
+                <a:t>2 </a:t>
+              </a:r>
+              <a:endParaRPr lang="zh-CN" altLang="en-US" dirty="0"/>
+            </a:p>
+          </p:txBody>
+        </p:sp>
+        <p:sp>
+          <p:nvSpPr>
+            <p:cNvPr id="12" name="矩形 11"/>
+            <p:cNvSpPr/>
+            <p:nvPr/>
+          </p:nvSpPr>
+          <p:spPr>
+            <a:xfrm>
+              <a:off x="4395893" y="4669146"/>
+              <a:ext cx="288862" cy="369332"/>
+            </a:xfrm>
+            <a:prstGeom prst="rect">
+              <a:avLst/>
+            </a:prstGeom>
+          </p:spPr>
+          <p:txBody>
+            <a:bodyPr wrap="none">
+              <a:spAutoFit/>
+            </a:bodyPr>
+            <a:lstStyle/>
+            <a:p>
+              <a:r>
+                <a:rPr kumimoji="1" lang="en-US" altLang="zh-CN" dirty="0">
+                  <a:latin typeface="Verdana"/>
+                  <a:cs typeface="Verdana"/>
+                </a:rPr>
+                <a:t>|</a:t>
+              </a:r>
+              <a:endParaRPr lang="zh-CN" altLang="en-US" dirty="0"/>
+            </a:p>
+          </p:txBody>
+        </p:sp>
+        <p:cxnSp>
+          <p:nvCxnSpPr>
+            <p:cNvPr id="13" name="直线连接符 12"/>
+            <p:cNvCxnSpPr/>
+            <p:nvPr/>
+          </p:nvCxnSpPr>
+          <p:spPr>
+            <a:xfrm>
+              <a:off x="4395894" y="5062011"/>
+              <a:ext cx="2633112" cy="0"/>
+            </a:xfrm>
+            <a:prstGeom prst="line">
+              <a:avLst/>
+            </a:prstGeom>
+          </p:spPr>
+          <p:style>
+            <a:lnRef idx="2">
+              <a:schemeClr val="dk1"/>
+            </a:lnRef>
+            <a:fillRef idx="0">
+              <a:schemeClr val="dk1"/>
+            </a:fillRef>
+            <a:effectRef idx="1">
+              <a:schemeClr val="dk1"/>
+            </a:effectRef>
+            <a:fontRef idx="minor">
+              <a:schemeClr val="tx1"/>
+            </a:fontRef>
+          </p:style>
+        </p:cxnSp>
+        <p:sp>
+          <p:nvSpPr>
+            <p:cNvPr id="17" name="TextBox 16"/>
+            <p:cNvSpPr txBox="1"/>
+            <p:nvPr/>
+          </p:nvSpPr>
+          <p:spPr>
+            <a:xfrm>
+              <a:off x="1491991" y="4760632"/>
+              <a:ext cx="2502673" cy="415498"/>
+            </a:xfrm>
+            <a:prstGeom prst="rect">
+              <a:avLst/>
+            </a:prstGeom>
+            <a:noFill/>
+          </p:spPr>
+          <p:txBody>
+            <a:bodyPr wrap="none" rtlCol="0">
+              <a:spAutoFit/>
+            </a:bodyPr>
+            <a:lstStyle/>
+            <a:p>
+              <a:r>
+                <a:rPr lang="en-US" sz="2100" dirty="0"/>
+                <a:t>Result of 0x69 | 0x55</a:t>
+              </a:r>
+            </a:p>
+          </p:txBody>
+        </p:sp>
+      </p:grpSp>
       <p:graphicFrame>
         <p:nvGraphicFramePr>
           <p:cNvPr id="18" name="Table 17">
@@ -10564,11 +10799,17 @@
           <p:cNvGraphicFramePr>
             <a:graphicFrameLocks noGrp="1"/>
           </p:cNvGraphicFramePr>
-          <p:nvPr/>
+          <p:nvPr>
+            <p:extLst>
+              <p:ext uri="{D42A27DB-BD31-4B8C-83A1-F6EECF244321}">
+                <p14:modId xmlns:p14="http://schemas.microsoft.com/office/powerpoint/2010/main" val="2465227181"/>
+              </p:ext>
+            </p:extLst>
+          </p:nvPr>
         </p:nvGraphicFramePr>
         <p:xfrm>
-          <a:off x="2735746" y="2094712"/>
-          <a:ext cx="2044977" cy="1714500"/>
+          <a:off x="2735747" y="1667864"/>
+          <a:ext cx="2221917" cy="1714500"/>
         </p:xfrm>
         <a:graphic>
           <a:graphicData uri="http://schemas.openxmlformats.org/drawingml/2006/table">
@@ -10577,21 +10818,21 @@
                 <a:tableStyleId>{5C22544A-7EE6-4342-B048-85BDC9FD1C3A}</a:tableStyleId>
               </a:tblPr>
               <a:tblGrid>
-                <a:gridCol w="681659">
+                <a:gridCol w="647231">
                   <a:extLst>
                     <a:ext uri="{9D8B030D-6E8A-4147-A177-3AD203B41FA5}">
                       <a16:colId xmlns:a16="http://schemas.microsoft.com/office/drawing/2014/main" val="3554102759"/>
                     </a:ext>
                   </a:extLst>
                 </a:gridCol>
-                <a:gridCol w="681659">
+                <a:gridCol w="647231">
                   <a:extLst>
                     <a:ext uri="{9D8B030D-6E8A-4147-A177-3AD203B41FA5}">
                       <a16:colId xmlns:a16="http://schemas.microsoft.com/office/drawing/2014/main" val="2396206722"/>
                     </a:ext>
                   </a:extLst>
                 </a:gridCol>
-                <a:gridCol w="681659">
+                <a:gridCol w="927455">
                   <a:extLst>
                     <a:ext uri="{9D8B030D-6E8A-4147-A177-3AD203B41FA5}">
                       <a16:colId xmlns:a16="http://schemas.microsoft.com/office/drawing/2014/main" val="4070950088"/>
@@ -10633,10 +10874,9 @@
                     <a:p>
                       <a:pPr algn="r"/>
                       <a:r>
-                        <a:rPr lang="en-US" sz="1800" dirty="0" err="1"/>
-                        <a:t>x|y</a:t>
+                        <a:rPr lang="en-US" sz="1800" dirty="0"/>
+                        <a:t>x OR y</a:t>
                       </a:r>
-                      <a:endParaRPr lang="en-US" sz="1800" dirty="0"/>
                     </a:p>
                   </a:txBody>
                   <a:tcPr marL="68580" marR="68580" marT="34290" marB="34290"/>
@@ -10853,7 +11093,7 @@
         </p:nvCxnSpPr>
         <p:spPr>
           <a:xfrm>
-            <a:off x="4096565" y="2020170"/>
+            <a:off x="3994664" y="1593322"/>
             <a:ext cx="0" cy="1833730"/>
           </a:xfrm>
           <a:prstGeom prst="line">
@@ -10880,6 +11120,46 @@
           </a:fontRef>
         </p:style>
       </p:cxnSp>
+      <p:sp>
+        <p:nvSpPr>
+          <p:cNvPr id="15" name="TextBox 14">
+            <a:extLst>
+              <a:ext uri="{FF2B5EF4-FFF2-40B4-BE49-F238E27FC236}">
+                <a16:creationId xmlns:a16="http://schemas.microsoft.com/office/drawing/2014/main" id="{5DF0ED8F-1D39-46CE-B2C3-66EC3081D97B}"/>
+              </a:ext>
+            </a:extLst>
+          </p:cNvPr>
+          <p:cNvSpPr txBox="1"/>
+          <p:nvPr/>
+        </p:nvSpPr>
+        <p:spPr>
+          <a:xfrm>
+            <a:off x="1491991" y="3661514"/>
+            <a:ext cx="4912563" cy="400110"/>
+          </a:xfrm>
+          <a:prstGeom prst="rect">
+            <a:avLst/>
+          </a:prstGeom>
+          <a:solidFill>
+            <a:schemeClr val="accent6">
+              <a:lumMod val="40000"/>
+              <a:lumOff val="60000"/>
+            </a:schemeClr>
+          </a:solidFill>
+        </p:spPr>
+        <p:txBody>
+          <a:bodyPr wrap="none" rtlCol="0">
+            <a:spAutoFit/>
+          </a:bodyPr>
+          <a:lstStyle/>
+          <a:p>
+            <a:r>
+              <a:rPr lang="en-US" sz="2000" dirty="0"/>
+              <a:t>Operator | applies OR bitwise to two integers</a:t>
+            </a:r>
+          </a:p>
+        </p:txBody>
+      </p:sp>
     </p:spTree>
     <p:extLst>
       <p:ext uri="{BB962C8B-B14F-4D97-AF65-F5344CB8AC3E}">
@@ -10919,6 +11199,96 @@
                                     <p:set>
                                       <p:cBhvr>
                                         <p:cTn id="6" dur="1" fill="hold">
+                                          <p:stCondLst>
+                                            <p:cond delay="0"/>
+                                          </p:stCondLst>
+                                        </p:cTn>
+                                        <p:tgtEl>
+                                          <p:spTgt spid="15"/>
+                                        </p:tgtEl>
+                                        <p:attrNameLst>
+                                          <p:attrName>style.visibility</p:attrName>
+                                        </p:attrNameLst>
+                                      </p:cBhvr>
+                                      <p:to>
+                                        <p:strVal val="visible"/>
+                                      </p:to>
+                                    </p:set>
+                                  </p:childTnLst>
+                                </p:cTn>
+                              </p:par>
+                            </p:childTnLst>
+                          </p:cTn>
+                        </p:par>
+                      </p:childTnLst>
+                    </p:cTn>
+                  </p:par>
+                  <p:par>
+                    <p:cTn id="7" fill="hold">
+                      <p:stCondLst>
+                        <p:cond delay="indefinite"/>
+                      </p:stCondLst>
+                      <p:childTnLst>
+                        <p:par>
+                          <p:cTn id="8" fill="hold">
+                            <p:stCondLst>
+                              <p:cond delay="0"/>
+                            </p:stCondLst>
+                            <p:childTnLst>
+                              <p:par>
+                                <p:cTn id="9" presetID="1" presetClass="entr" presetSubtype="0" fill="hold" nodeType="clickEffect">
+                                  <p:stCondLst>
+                                    <p:cond delay="0"/>
+                                  </p:stCondLst>
+                                  <p:childTnLst>
+                                    <p:set>
+                                      <p:cBhvr>
+                                        <p:cTn id="10" dur="1" fill="hold">
+                                          <p:stCondLst>
+                                            <p:cond delay="0"/>
+                                          </p:stCondLst>
+                                        </p:cTn>
+                                        <p:tgtEl>
+                                          <p:spTgt spid="3"/>
+                                        </p:tgtEl>
+                                        <p:attrNameLst>
+                                          <p:attrName>style.visibility</p:attrName>
+                                        </p:attrNameLst>
+                                      </p:cBhvr>
+                                      <p:to>
+                                        <p:strVal val="visible"/>
+                                      </p:to>
+                                    </p:set>
+                                  </p:childTnLst>
+                                </p:cTn>
+                              </p:par>
+                            </p:childTnLst>
+                          </p:cTn>
+                        </p:par>
+                      </p:childTnLst>
+                    </p:cTn>
+                  </p:par>
+                  <p:par>
+                    <p:cTn id="11" fill="hold">
+                      <p:stCondLst>
+                        <p:cond delay="indefinite"/>
+                      </p:stCondLst>
+                      <p:childTnLst>
+                        <p:par>
+                          <p:cTn id="12" fill="hold">
+                            <p:stCondLst>
+                              <p:cond delay="0"/>
+                            </p:stCondLst>
+                            <p:childTnLst>
+                              <p:par>
+                                <p:cTn id="13" presetID="1" presetClass="entr" presetSubtype="0" fill="hold" grpId="0" nodeType="clickEffect">
+                                  <p:stCondLst>
+                                    <p:cond delay="0"/>
+                                  </p:stCondLst>
+                                  <p:childTnLst>
+                                    <p:set>
+                                      <p:cBhvr>
+                                        <p:cTn id="14" dur="1" fill="hold">
                                           <p:stCondLst>
                                             <p:cond delay="0"/>
                                           </p:stCondLst>
@@ -10966,6 +11336,7 @@
     </p:tnLst>
     <p:bldLst>
       <p:bldP spid="14" grpId="0"/>
+      <p:bldP spid="15" grpId="0" animBg="1"/>
     </p:bldLst>
   </p:timing>
 </p:sld>
@@ -11042,7 +11413,9 @@
             </a:r>
           </a:p>
           <a:p>
-            <a:pPr lvl="1"/>
+            <a:pPr marL="457200" lvl="1" indent="0">
+              <a:buNone/>
+            </a:pPr>
             <a:r>
               <a:rPr kumimoji="1" lang="en-US" altLang="zh-CN" dirty="0">
                 <a:latin typeface="Verdana"/>
@@ -11052,7 +11425,9 @@
             </a:r>
           </a:p>
           <a:p>
-            <a:pPr lvl="1"/>
+            <a:pPr marL="457200" lvl="1" indent="0">
+              <a:buNone/>
+            </a:pPr>
             <a:r>
               <a:rPr kumimoji="1" lang="en-US" altLang="zh-CN" dirty="0">
                 <a:latin typeface="Verdana"/>
@@ -11376,7 +11751,7 @@
                                           </p:stCondLst>
                                         </p:cTn>
                                         <p:tgtEl>
-                                          <p:spTgt spid="7"/>
+                                          <p:spTgt spid="6"/>
                                         </p:tgtEl>
                                         <p:attrNameLst>
                                           <p:attrName>style.visibility</p:attrName>
@@ -11421,7 +11796,7 @@
                                           </p:stCondLst>
                                         </p:cTn>
                                         <p:tgtEl>
-                                          <p:spTgt spid="6"/>
+                                          <p:spTgt spid="7"/>
                                         </p:tgtEl>
                                         <p:attrNameLst>
                                           <p:attrName>style.visibility</p:attrName>
@@ -11461,6 +11836,51 @@
                                     <p:set>
                                       <p:cBhvr>
                                         <p:cTn id="14" dur="1" fill="hold">
+                                          <p:stCondLst>
+                                            <p:cond delay="0"/>
+                                          </p:stCondLst>
+                                        </p:cTn>
+                                        <p:tgtEl>
+                                          <p:spTgt spid="12"/>
+                                        </p:tgtEl>
+                                        <p:attrNameLst>
+                                          <p:attrName>style.visibility</p:attrName>
+                                        </p:attrNameLst>
+                                      </p:cBhvr>
+                                      <p:to>
+                                        <p:strVal val="visible"/>
+                                      </p:to>
+                                    </p:set>
+                                  </p:childTnLst>
+                                </p:cTn>
+                              </p:par>
+                            </p:childTnLst>
+                          </p:cTn>
+                        </p:par>
+                      </p:childTnLst>
+                    </p:cTn>
+                  </p:par>
+                  <p:par>
+                    <p:cTn id="15" fill="hold">
+                      <p:stCondLst>
+                        <p:cond delay="indefinite"/>
+                      </p:stCondLst>
+                      <p:childTnLst>
+                        <p:par>
+                          <p:cTn id="16" fill="hold">
+                            <p:stCondLst>
+                              <p:cond delay="0"/>
+                            </p:stCondLst>
+                            <p:childTnLst>
+                              <p:par>
+                                <p:cTn id="17" presetID="1" presetClass="entr" presetSubtype="0" fill="hold" grpId="0" nodeType="clickEffect">
+                                  <p:stCondLst>
+                                    <p:cond delay="0"/>
+                                  </p:stCondLst>
+                                  <p:childTnLst>
+                                    <p:set>
+                                      <p:cBhvr>
+                                        <p:cTn id="18" dur="1" fill="hold">
                                           <p:stCondLst>
                                             <p:cond delay="0"/>
                                           </p:stCondLst>
@@ -11507,6 +11927,7 @@
       </p:par>
     </p:tnLst>
     <p:bldLst>
+      <p:bldP spid="12" grpId="0" animBg="1"/>
       <p:bldP spid="13" grpId="0"/>
       <p:bldP spid="6" grpId="0" animBg="1"/>
       <p:bldP spid="7" grpId="0" animBg="1"/>
@@ -11554,113 +11975,12 @@
           <a:p>
             <a:r>
               <a:rPr kumimoji="1" lang="en-US" altLang="zh-CN" dirty="0"/>
-              <a:t>Bitwise operator ~</a:t>
+              <a:t>Bitwise NOT:  ~</a:t>
             </a:r>
             <a:endParaRPr kumimoji="1" lang="zh-CN" altLang="en-US" dirty="0"/>
           </a:p>
         </p:txBody>
       </p:sp>
-      <p:sp>
-        <p:nvSpPr>
-          <p:cNvPr id="14" name="矩形 9"/>
-          <p:cNvSpPr/>
-          <p:nvPr/>
-        </p:nvSpPr>
-        <p:spPr>
-          <a:xfrm>
-            <a:off x="4712825" y="3972473"/>
-            <a:ext cx="2406428" cy="369332"/>
-          </a:xfrm>
-          <a:prstGeom prst="rect">
-            <a:avLst/>
-          </a:prstGeom>
-        </p:spPr>
-        <p:txBody>
-          <a:bodyPr wrap="none">
-            <a:spAutoFit/>
-          </a:bodyPr>
-          <a:lstStyle/>
-          <a:p>
-            <a:r>
-              <a:rPr kumimoji="1" lang="en-US" altLang="zh-CN" dirty="0">
-                <a:latin typeface="Verdana"/>
-                <a:cs typeface="Verdana"/>
-              </a:rPr>
-              <a:t>( 0 1 1 0 1 0 0 1 )</a:t>
-            </a:r>
-            <a:r>
-              <a:rPr kumimoji="1" lang="en-US" altLang="zh-CN" baseline="-25000" dirty="0">
-                <a:latin typeface="Verdana"/>
-                <a:cs typeface="Verdana"/>
-              </a:rPr>
-              <a:t>2</a:t>
-            </a:r>
-            <a:endParaRPr lang="zh-CN" altLang="en-US" dirty="0"/>
-          </a:p>
-        </p:txBody>
-      </p:sp>
-      <p:sp>
-        <p:nvSpPr>
-          <p:cNvPr id="15" name="矩形 11"/>
-          <p:cNvSpPr/>
-          <p:nvPr/>
-        </p:nvSpPr>
-        <p:spPr>
-          <a:xfrm>
-            <a:off x="4430055" y="3992417"/>
-            <a:ext cx="373820" cy="369332"/>
-          </a:xfrm>
-          <a:prstGeom prst="rect">
-            <a:avLst/>
-          </a:prstGeom>
-        </p:spPr>
-        <p:txBody>
-          <a:bodyPr wrap="none">
-            <a:spAutoFit/>
-          </a:bodyPr>
-          <a:lstStyle/>
-          <a:p>
-            <a:r>
-              <a:rPr kumimoji="1" lang="en-US" altLang="zh-CN" dirty="0">
-                <a:latin typeface="Verdana"/>
-                <a:cs typeface="Verdana"/>
-              </a:rPr>
-              <a:t>~</a:t>
-            </a:r>
-            <a:endParaRPr lang="zh-CN" altLang="en-US" dirty="0"/>
-          </a:p>
-        </p:txBody>
-      </p:sp>
-      <p:cxnSp>
-        <p:nvCxnSpPr>
-          <p:cNvPr id="17" name="直线连接符 12"/>
-          <p:cNvCxnSpPr/>
-          <p:nvPr/>
-        </p:nvCxnSpPr>
-        <p:spPr>
-          <a:xfrm>
-            <a:off x="4430055" y="4385282"/>
-            <a:ext cx="2633112" cy="0"/>
-          </a:xfrm>
-          <a:prstGeom prst="line">
-            <a:avLst/>
-          </a:prstGeom>
-        </p:spPr>
-        <p:style>
-          <a:lnRef idx="2">
-            <a:schemeClr val="dk1"/>
-          </a:lnRef>
-          <a:fillRef idx="0">
-            <a:schemeClr val="dk1"/>
-          </a:fillRef>
-          <a:effectRef idx="1">
-            <a:schemeClr val="dk1"/>
-          </a:effectRef>
-          <a:fontRef idx="minor">
-            <a:schemeClr val="tx1"/>
-          </a:fontRef>
-        </p:style>
-      </p:cxnSp>
       <p:sp>
         <p:nvSpPr>
           <p:cNvPr id="18" name="矩形 13"/>
@@ -11669,7 +11989,7 @@
         </p:nvSpPr>
         <p:spPr>
           <a:xfrm>
-            <a:off x="4712825" y="4393216"/>
+            <a:off x="4656739" y="5532754"/>
             <a:ext cx="2460930" cy="369332"/>
           </a:xfrm>
           <a:prstGeom prst="rect">
@@ -11700,35 +12020,159 @@
           </a:p>
         </p:txBody>
       </p:sp>
-      <p:sp>
-        <p:nvSpPr>
-          <p:cNvPr id="23" name="TextBox 22"/>
-          <p:cNvSpPr txBox="1"/>
+      <p:grpSp>
+        <p:nvGrpSpPr>
+          <p:cNvPr id="6" name="Group 5">
+            <a:extLst>
+              <a:ext uri="{FF2B5EF4-FFF2-40B4-BE49-F238E27FC236}">
+                <a16:creationId xmlns:a16="http://schemas.microsoft.com/office/drawing/2014/main" id="{F57A117D-E6D3-47AD-988E-C0003EC2E47F}"/>
+              </a:ext>
+            </a:extLst>
+          </p:cNvPr>
+          <p:cNvGrpSpPr/>
           <p:nvPr/>
-        </p:nvSpPr>
-        <p:spPr>
+        </p:nvGrpSpPr>
+        <p:grpSpPr>
           <a:xfrm>
-            <a:off x="1735390" y="4142458"/>
-            <a:ext cx="1816203" cy="415498"/>
+            <a:off x="1679304" y="4557956"/>
+            <a:ext cx="5383863" cy="585483"/>
+            <a:chOff x="1679304" y="4557956"/>
+            <a:chExt cx="5383863" cy="585483"/>
           </a:xfrm>
-          <a:prstGeom prst="rect">
-            <a:avLst/>
-          </a:prstGeom>
-          <a:noFill/>
-        </p:spPr>
-        <p:txBody>
-          <a:bodyPr wrap="none" rtlCol="0">
-            <a:spAutoFit/>
-          </a:bodyPr>
-          <a:lstStyle/>
-          <a:p>
-            <a:r>
-              <a:rPr lang="en-US" sz="2100" dirty="0"/>
-              <a:t>result of ~0x69</a:t>
-            </a:r>
-          </a:p>
-        </p:txBody>
-      </p:sp>
+        </p:grpSpPr>
+        <p:sp>
+          <p:nvSpPr>
+            <p:cNvPr id="14" name="矩形 9"/>
+            <p:cNvSpPr/>
+            <p:nvPr/>
+          </p:nvSpPr>
+          <p:spPr>
+            <a:xfrm>
+              <a:off x="4656739" y="4557956"/>
+              <a:ext cx="2406428" cy="369332"/>
+            </a:xfrm>
+            <a:prstGeom prst="rect">
+              <a:avLst/>
+            </a:prstGeom>
+          </p:spPr>
+          <p:txBody>
+            <a:bodyPr wrap="square">
+              <a:spAutoFit/>
+            </a:bodyPr>
+            <a:lstStyle/>
+            <a:p>
+              <a:r>
+                <a:rPr kumimoji="1" lang="en-US" altLang="zh-CN" dirty="0">
+                  <a:latin typeface="Verdana"/>
+                  <a:cs typeface="Verdana"/>
+                </a:rPr>
+                <a:t>( 0 1 1 0 1 0 0 1 )</a:t>
+              </a:r>
+              <a:r>
+                <a:rPr kumimoji="1" lang="en-US" altLang="zh-CN" baseline="-25000" dirty="0">
+                  <a:latin typeface="Verdana"/>
+                  <a:cs typeface="Verdana"/>
+                </a:rPr>
+                <a:t>2</a:t>
+              </a:r>
+              <a:endParaRPr lang="zh-CN" altLang="en-US" dirty="0"/>
+            </a:p>
+          </p:txBody>
+        </p:sp>
+        <p:sp>
+          <p:nvSpPr>
+            <p:cNvPr id="15" name="矩形 11"/>
+            <p:cNvSpPr/>
+            <p:nvPr/>
+          </p:nvSpPr>
+          <p:spPr>
+            <a:xfrm>
+              <a:off x="4373969" y="4577900"/>
+              <a:ext cx="373820" cy="369332"/>
+            </a:xfrm>
+            <a:prstGeom prst="rect">
+              <a:avLst/>
+            </a:prstGeom>
+          </p:spPr>
+          <p:txBody>
+            <a:bodyPr wrap="square">
+              <a:spAutoFit/>
+            </a:bodyPr>
+            <a:lstStyle/>
+            <a:p>
+              <a:r>
+                <a:rPr kumimoji="1" lang="en-US" altLang="zh-CN" dirty="0">
+                  <a:latin typeface="Verdana"/>
+                  <a:cs typeface="Verdana"/>
+                </a:rPr>
+                <a:t>~</a:t>
+              </a:r>
+              <a:endParaRPr lang="zh-CN" altLang="en-US" dirty="0"/>
+            </a:p>
+          </p:txBody>
+        </p:sp>
+        <p:cxnSp>
+          <p:nvCxnSpPr>
+            <p:cNvPr id="17" name="直线连接符 12"/>
+            <p:cNvCxnSpPr>
+              <a:cxnSpLocks/>
+            </p:cNvCxnSpPr>
+            <p:nvPr/>
+          </p:nvCxnSpPr>
+          <p:spPr>
+            <a:xfrm>
+              <a:off x="4373969" y="4970765"/>
+              <a:ext cx="2689198" cy="27876"/>
+            </a:xfrm>
+            <a:prstGeom prst="line">
+              <a:avLst/>
+            </a:prstGeom>
+          </p:spPr>
+          <p:style>
+            <a:lnRef idx="2">
+              <a:schemeClr val="dk1"/>
+            </a:lnRef>
+            <a:fillRef idx="0">
+              <a:schemeClr val="dk1"/>
+            </a:fillRef>
+            <a:effectRef idx="1">
+              <a:schemeClr val="dk1"/>
+            </a:effectRef>
+            <a:fontRef idx="minor">
+              <a:schemeClr val="tx1"/>
+            </a:fontRef>
+          </p:style>
+        </p:cxnSp>
+        <p:sp>
+          <p:nvSpPr>
+            <p:cNvPr id="23" name="TextBox 22"/>
+            <p:cNvSpPr txBox="1"/>
+            <p:nvPr/>
+          </p:nvSpPr>
+          <p:spPr>
+            <a:xfrm>
+              <a:off x="1679304" y="4727941"/>
+              <a:ext cx="1816203" cy="415498"/>
+            </a:xfrm>
+            <a:prstGeom prst="rect">
+              <a:avLst/>
+            </a:prstGeom>
+            <a:noFill/>
+          </p:spPr>
+          <p:txBody>
+            <a:bodyPr wrap="square" rtlCol="0">
+              <a:spAutoFit/>
+            </a:bodyPr>
+            <a:lstStyle/>
+            <a:p>
+              <a:r>
+                <a:rPr lang="en-US" sz="2100" dirty="0"/>
+                <a:t>result of ~0x69</a:t>
+              </a:r>
+            </a:p>
+          </p:txBody>
+        </p:sp>
+      </p:grpSp>
       <p:graphicFrame>
         <p:nvGraphicFramePr>
           <p:cNvPr id="12" name="Table 11">
@@ -11741,11 +12185,17 @@
           <p:cNvGraphicFramePr>
             <a:graphicFrameLocks noGrp="1"/>
           </p:cNvGraphicFramePr>
-          <p:nvPr/>
+          <p:nvPr>
+            <p:extLst>
+              <p:ext uri="{D42A27DB-BD31-4B8C-83A1-F6EECF244321}">
+                <p14:modId xmlns:p14="http://schemas.microsoft.com/office/powerpoint/2010/main" val="2909983032"/>
+              </p:ext>
+            </p:extLst>
+          </p:nvPr>
         </p:nvGraphicFramePr>
         <p:xfrm>
-          <a:off x="3394142" y="2201192"/>
-          <a:ext cx="1363318" cy="1028700"/>
+          <a:off x="3394141" y="2201192"/>
+          <a:ext cx="1816204" cy="1028700"/>
         </p:xfrm>
         <a:graphic>
           <a:graphicData uri="http://schemas.openxmlformats.org/drawingml/2006/table">
@@ -11754,14 +12204,14 @@
                 <a:tableStyleId>{5C22544A-7EE6-4342-B048-85BDC9FD1C3A}</a:tableStyleId>
               </a:tblPr>
               <a:tblGrid>
-                <a:gridCol w="681659">
+                <a:gridCol w="908102">
                   <a:extLst>
                     <a:ext uri="{9D8B030D-6E8A-4147-A177-3AD203B41FA5}">
                       <a16:colId xmlns:a16="http://schemas.microsoft.com/office/drawing/2014/main" val="3554102759"/>
                     </a:ext>
                   </a:extLst>
                 </a:gridCol>
-                <a:gridCol w="681659">
+                <a:gridCol w="908102">
                   <a:extLst>
                     <a:ext uri="{9D8B030D-6E8A-4147-A177-3AD203B41FA5}">
                       <a16:colId xmlns:a16="http://schemas.microsoft.com/office/drawing/2014/main" val="4070950088"/>
@@ -11791,7 +12241,7 @@
                       <a:pPr algn="r"/>
                       <a:r>
                         <a:rPr lang="en-US" sz="1800" dirty="0"/>
-                        <a:t>~x</a:t>
+                        <a:t> NOT x</a:t>
                       </a:r>
                     </a:p>
                   </a:txBody>
@@ -11893,7 +12343,7 @@
         </p:nvCxnSpPr>
         <p:spPr>
           <a:xfrm>
-            <a:off x="4075801" y="2201192"/>
+            <a:off x="4302243" y="2201192"/>
             <a:ext cx="0" cy="1028700"/>
           </a:xfrm>
           <a:prstGeom prst="line">
@@ -11920,6 +12370,46 @@
           </a:fontRef>
         </p:style>
       </p:cxnSp>
+      <p:sp>
+        <p:nvSpPr>
+          <p:cNvPr id="11" name="TextBox 10">
+            <a:extLst>
+              <a:ext uri="{FF2B5EF4-FFF2-40B4-BE49-F238E27FC236}">
+                <a16:creationId xmlns:a16="http://schemas.microsoft.com/office/drawing/2014/main" id="{191F7A1E-6F9B-483B-97AD-A57CC873AE0D}"/>
+              </a:ext>
+            </a:extLst>
+          </p:cNvPr>
+          <p:cNvSpPr txBox="1"/>
+          <p:nvPr/>
+        </p:nvSpPr>
+        <p:spPr>
+          <a:xfrm>
+            <a:off x="1629556" y="3432897"/>
+            <a:ext cx="5066002" cy="400110"/>
+          </a:xfrm>
+          <a:prstGeom prst="rect">
+            <a:avLst/>
+          </a:prstGeom>
+          <a:solidFill>
+            <a:schemeClr val="accent6">
+              <a:lumMod val="40000"/>
+              <a:lumOff val="60000"/>
+            </a:schemeClr>
+          </a:solidFill>
+        </p:spPr>
+        <p:txBody>
+          <a:bodyPr wrap="none" rtlCol="0">
+            <a:spAutoFit/>
+          </a:bodyPr>
+          <a:lstStyle/>
+          <a:p>
+            <a:r>
+              <a:rPr lang="en-US" sz="2000" dirty="0"/>
+              <a:t>Operator ~ applies NOT bitwise to two integers</a:t>
+            </a:r>
+          </a:p>
+        </p:txBody>
+      </p:sp>
     </p:spTree>
     <p:extLst>
       <p:ext uri="{BB962C8B-B14F-4D97-AF65-F5344CB8AC3E}">
@@ -11959,6 +12449,96 @@
                                     <p:set>
                                       <p:cBhvr>
                                         <p:cTn id="6" dur="1" fill="hold">
+                                          <p:stCondLst>
+                                            <p:cond delay="0"/>
+                                          </p:stCondLst>
+                                        </p:cTn>
+                                        <p:tgtEl>
+                                          <p:spTgt spid="11"/>
+                                        </p:tgtEl>
+                                        <p:attrNameLst>
+                                          <p:attrName>style.visibility</p:attrName>
+                                        </p:attrNameLst>
+                                      </p:cBhvr>
+                                      <p:to>
+                                        <p:strVal val="visible"/>
+                                      </p:to>
+                                    </p:set>
+                                  </p:childTnLst>
+                                </p:cTn>
+                              </p:par>
+                            </p:childTnLst>
+                          </p:cTn>
+                        </p:par>
+                      </p:childTnLst>
+                    </p:cTn>
+                  </p:par>
+                  <p:par>
+                    <p:cTn id="7" fill="hold">
+                      <p:stCondLst>
+                        <p:cond delay="indefinite"/>
+                      </p:stCondLst>
+                      <p:childTnLst>
+                        <p:par>
+                          <p:cTn id="8" fill="hold">
+                            <p:stCondLst>
+                              <p:cond delay="0"/>
+                            </p:stCondLst>
+                            <p:childTnLst>
+                              <p:par>
+                                <p:cTn id="9" presetID="1" presetClass="entr" presetSubtype="0" fill="hold" nodeType="clickEffect">
+                                  <p:stCondLst>
+                                    <p:cond delay="0"/>
+                                  </p:stCondLst>
+                                  <p:childTnLst>
+                                    <p:set>
+                                      <p:cBhvr>
+                                        <p:cTn id="10" dur="1" fill="hold">
+                                          <p:stCondLst>
+                                            <p:cond delay="0"/>
+                                          </p:stCondLst>
+                                        </p:cTn>
+                                        <p:tgtEl>
+                                          <p:spTgt spid="6"/>
+                                        </p:tgtEl>
+                                        <p:attrNameLst>
+                                          <p:attrName>style.visibility</p:attrName>
+                                        </p:attrNameLst>
+                                      </p:cBhvr>
+                                      <p:to>
+                                        <p:strVal val="visible"/>
+                                      </p:to>
+                                    </p:set>
+                                  </p:childTnLst>
+                                </p:cTn>
+                              </p:par>
+                            </p:childTnLst>
+                          </p:cTn>
+                        </p:par>
+                      </p:childTnLst>
+                    </p:cTn>
+                  </p:par>
+                  <p:par>
+                    <p:cTn id="11" fill="hold">
+                      <p:stCondLst>
+                        <p:cond delay="indefinite"/>
+                      </p:stCondLst>
+                      <p:childTnLst>
+                        <p:par>
+                          <p:cTn id="12" fill="hold">
+                            <p:stCondLst>
+                              <p:cond delay="0"/>
+                            </p:stCondLst>
+                            <p:childTnLst>
+                              <p:par>
+                                <p:cTn id="13" presetID="1" presetClass="entr" presetSubtype="0" fill="hold" grpId="0" nodeType="clickEffect">
+                                  <p:stCondLst>
+                                    <p:cond delay="0"/>
+                                  </p:stCondLst>
+                                  <p:childTnLst>
+                                    <p:set>
+                                      <p:cBhvr>
+                                        <p:cTn id="14" dur="1" fill="hold">
                                           <p:stCondLst>
                                             <p:cond delay="0"/>
                                           </p:stCondLst>
@@ -12006,6 +12586,7 @@
     </p:tnLst>
     <p:bldLst>
       <p:bldP spid="18" grpId="0"/>
+      <p:bldP spid="11" grpId="0" animBg="1"/>
     </p:bldLst>
   </p:timing>
 </p:sld>
@@ -12149,175 +12730,196 @@
           </a:p>
         </p:txBody>
       </p:sp>
-      <p:sp>
-        <p:nvSpPr>
-          <p:cNvPr id="15" name="TextBox 14"/>
-          <p:cNvSpPr txBox="1"/>
+      <p:grpSp>
+        <p:nvGrpSpPr>
+          <p:cNvPr id="3" name="Group 2">
+            <a:extLst>
+              <a:ext uri="{FF2B5EF4-FFF2-40B4-BE49-F238E27FC236}">
+                <a16:creationId xmlns:a16="http://schemas.microsoft.com/office/drawing/2014/main" id="{86F081AF-8F8A-47FA-AC6F-24976984FEB4}"/>
+              </a:ext>
+            </a:extLst>
+          </p:cNvPr>
+          <p:cNvGrpSpPr/>
           <p:nvPr/>
-        </p:nvSpPr>
-        <p:spPr>
+        </p:nvGrpSpPr>
+        <p:grpSpPr>
           <a:xfrm>
-            <a:off x="1735388" y="4142458"/>
-            <a:ext cx="2341988" cy="415498"/>
+            <a:off x="1673099" y="4585725"/>
+            <a:ext cx="5302698" cy="759023"/>
+            <a:chOff x="1673099" y="4585725"/>
+            <a:chExt cx="5302698" cy="759023"/>
           </a:xfrm>
-          <a:prstGeom prst="rect">
-            <a:avLst/>
-          </a:prstGeom>
-          <a:noFill/>
-        </p:spPr>
-        <p:txBody>
-          <a:bodyPr wrap="none" rtlCol="0">
-            <a:spAutoFit/>
-          </a:bodyPr>
-          <a:lstStyle/>
-          <a:p>
-            <a:r>
-              <a:rPr lang="en-US" sz="2100" dirty="0"/>
-              <a:t>result of 0x69^0x55</a:t>
-            </a:r>
-          </a:p>
-        </p:txBody>
-      </p:sp>
-      <p:sp>
-        <p:nvSpPr>
-          <p:cNvPr id="17" name="矩形 9"/>
-          <p:cNvSpPr/>
-          <p:nvPr/>
-        </p:nvSpPr>
-        <p:spPr>
-          <a:xfrm>
-            <a:off x="4577156" y="3934007"/>
-            <a:ext cx="2406428" cy="369332"/>
-          </a:xfrm>
-          <a:prstGeom prst="rect">
-            <a:avLst/>
-          </a:prstGeom>
-        </p:spPr>
-        <p:txBody>
-          <a:bodyPr wrap="none">
-            <a:spAutoFit/>
-          </a:bodyPr>
-          <a:lstStyle/>
-          <a:p>
-            <a:r>
-              <a:rPr kumimoji="1" lang="en-US" altLang="zh-CN" dirty="0">
-                <a:latin typeface="Verdana"/>
-                <a:cs typeface="Verdana"/>
-              </a:rPr>
-              <a:t>( 0 1 1 0 1 0 0 1 )</a:t>
-            </a:r>
-            <a:r>
-              <a:rPr kumimoji="1" lang="en-US" altLang="zh-CN" baseline="-25000" dirty="0">
-                <a:latin typeface="Verdana"/>
-                <a:cs typeface="Verdana"/>
-              </a:rPr>
-              <a:t>2</a:t>
-            </a:r>
-            <a:endParaRPr lang="zh-CN" altLang="en-US" dirty="0"/>
-          </a:p>
-        </p:txBody>
-      </p:sp>
-      <p:sp>
-        <p:nvSpPr>
-          <p:cNvPr id="18" name="矩形 10"/>
-          <p:cNvSpPr/>
-          <p:nvPr/>
-        </p:nvSpPr>
-        <p:spPr>
-          <a:xfrm>
-            <a:off x="4577156" y="4282528"/>
-            <a:ext cx="2460930" cy="369332"/>
-          </a:xfrm>
-          <a:prstGeom prst="rect">
-            <a:avLst/>
-          </a:prstGeom>
-        </p:spPr>
-        <p:txBody>
-          <a:bodyPr wrap="none">
-            <a:spAutoFit/>
-          </a:bodyPr>
-          <a:lstStyle/>
-          <a:p>
-            <a:r>
-              <a:rPr kumimoji="1" lang="en-US" altLang="zh-CN" dirty="0">
-                <a:latin typeface="Verdana"/>
-                <a:cs typeface="Verdana"/>
-              </a:rPr>
-              <a:t>( 0 1 0 1 0 1 0 1 )</a:t>
-            </a:r>
-            <a:r>
-              <a:rPr kumimoji="1" lang="en-US" altLang="zh-CN" baseline="-25000" dirty="0">
-                <a:latin typeface="Verdana"/>
-                <a:cs typeface="Verdana"/>
-              </a:rPr>
-              <a:t>2 </a:t>
-            </a:r>
-            <a:endParaRPr lang="zh-CN" altLang="en-US" dirty="0"/>
-          </a:p>
-        </p:txBody>
-      </p:sp>
-      <p:sp>
-        <p:nvSpPr>
-          <p:cNvPr id="19" name="矩形 11"/>
-          <p:cNvSpPr/>
-          <p:nvPr/>
-        </p:nvSpPr>
-        <p:spPr>
-          <a:xfrm>
-            <a:off x="4294386" y="4300165"/>
-            <a:ext cx="373820" cy="369332"/>
-          </a:xfrm>
-          <a:prstGeom prst="rect">
-            <a:avLst/>
-          </a:prstGeom>
-        </p:spPr>
-        <p:txBody>
-          <a:bodyPr wrap="none">
-            <a:spAutoFit/>
-          </a:bodyPr>
-          <a:lstStyle/>
-          <a:p>
-            <a:r>
-              <a:rPr kumimoji="1" lang="en-US" altLang="zh-CN" dirty="0">
-                <a:latin typeface="Verdana"/>
-                <a:cs typeface="Verdana"/>
-              </a:rPr>
-              <a:t>^</a:t>
-            </a:r>
-            <a:endParaRPr lang="zh-CN" altLang="en-US" dirty="0"/>
-          </a:p>
-        </p:txBody>
-      </p:sp>
-      <p:cxnSp>
-        <p:nvCxnSpPr>
-          <p:cNvPr id="20" name="直线连接符 12"/>
-          <p:cNvCxnSpPr/>
-          <p:nvPr/>
-        </p:nvCxnSpPr>
-        <p:spPr>
-          <a:xfrm>
-            <a:off x="4294386" y="4693030"/>
-            <a:ext cx="2633112" cy="0"/>
-          </a:xfrm>
-          <a:prstGeom prst="line">
-            <a:avLst/>
-          </a:prstGeom>
-        </p:spPr>
-        <p:style>
-          <a:lnRef idx="2">
-            <a:schemeClr val="dk1"/>
-          </a:lnRef>
-          <a:fillRef idx="0">
-            <a:schemeClr val="dk1"/>
-          </a:fillRef>
-          <a:effectRef idx="1">
-            <a:schemeClr val="dk1"/>
-          </a:effectRef>
-          <a:fontRef idx="minor">
-            <a:schemeClr val="tx1"/>
-          </a:fontRef>
-        </p:style>
-      </p:cxnSp>
+        </p:grpSpPr>
+        <p:sp>
+          <p:nvSpPr>
+            <p:cNvPr id="15" name="TextBox 14"/>
+            <p:cNvSpPr txBox="1"/>
+            <p:nvPr/>
+          </p:nvSpPr>
+          <p:spPr>
+            <a:xfrm>
+              <a:off x="1673099" y="4794176"/>
+              <a:ext cx="2341988" cy="415498"/>
+            </a:xfrm>
+            <a:prstGeom prst="rect">
+              <a:avLst/>
+            </a:prstGeom>
+            <a:noFill/>
+          </p:spPr>
+          <p:txBody>
+            <a:bodyPr wrap="none" rtlCol="0">
+              <a:spAutoFit/>
+            </a:bodyPr>
+            <a:lstStyle/>
+            <a:p>
+              <a:r>
+                <a:rPr lang="en-US" sz="2100" dirty="0"/>
+                <a:t>result of 0x69^0x55</a:t>
+              </a:r>
+            </a:p>
+          </p:txBody>
+        </p:sp>
+        <p:sp>
+          <p:nvSpPr>
+            <p:cNvPr id="17" name="矩形 9"/>
+            <p:cNvSpPr/>
+            <p:nvPr/>
+          </p:nvSpPr>
+          <p:spPr>
+            <a:xfrm>
+              <a:off x="4514867" y="4585725"/>
+              <a:ext cx="2406428" cy="369332"/>
+            </a:xfrm>
+            <a:prstGeom prst="rect">
+              <a:avLst/>
+            </a:prstGeom>
+          </p:spPr>
+          <p:txBody>
+            <a:bodyPr wrap="none">
+              <a:spAutoFit/>
+            </a:bodyPr>
+            <a:lstStyle/>
+            <a:p>
+              <a:r>
+                <a:rPr kumimoji="1" lang="en-US" altLang="zh-CN" dirty="0">
+                  <a:latin typeface="Verdana"/>
+                  <a:cs typeface="Verdana"/>
+                </a:rPr>
+                <a:t>( 0 1 1 0 1 0 0 1 )</a:t>
+              </a:r>
+              <a:r>
+                <a:rPr kumimoji="1" lang="en-US" altLang="zh-CN" baseline="-25000" dirty="0">
+                  <a:latin typeface="Verdana"/>
+                  <a:cs typeface="Verdana"/>
+                </a:rPr>
+                <a:t>2</a:t>
+              </a:r>
+              <a:endParaRPr lang="zh-CN" altLang="en-US" dirty="0"/>
+            </a:p>
+          </p:txBody>
+        </p:sp>
+        <p:sp>
+          <p:nvSpPr>
+            <p:cNvPr id="18" name="矩形 10"/>
+            <p:cNvSpPr/>
+            <p:nvPr/>
+          </p:nvSpPr>
+          <p:spPr>
+            <a:xfrm>
+              <a:off x="4514867" y="4934246"/>
+              <a:ext cx="2460930" cy="369332"/>
+            </a:xfrm>
+            <a:prstGeom prst="rect">
+              <a:avLst/>
+            </a:prstGeom>
+          </p:spPr>
+          <p:txBody>
+            <a:bodyPr wrap="none">
+              <a:spAutoFit/>
+            </a:bodyPr>
+            <a:lstStyle/>
+            <a:p>
+              <a:r>
+                <a:rPr kumimoji="1" lang="en-US" altLang="zh-CN" dirty="0">
+                  <a:latin typeface="Verdana"/>
+                  <a:cs typeface="Verdana"/>
+                </a:rPr>
+                <a:t>( 0 1 0 1 0 1 0 1 )</a:t>
+              </a:r>
+              <a:r>
+                <a:rPr kumimoji="1" lang="en-US" altLang="zh-CN" baseline="-25000" dirty="0">
+                  <a:latin typeface="Verdana"/>
+                  <a:cs typeface="Verdana"/>
+                </a:rPr>
+                <a:t>2 </a:t>
+              </a:r>
+              <a:endParaRPr lang="zh-CN" altLang="en-US" dirty="0"/>
+            </a:p>
+          </p:txBody>
+        </p:sp>
+        <p:sp>
+          <p:nvSpPr>
+            <p:cNvPr id="19" name="矩形 11"/>
+            <p:cNvSpPr/>
+            <p:nvPr/>
+          </p:nvSpPr>
+          <p:spPr>
+            <a:xfrm>
+              <a:off x="4232097" y="4951883"/>
+              <a:ext cx="373820" cy="369332"/>
+            </a:xfrm>
+            <a:prstGeom prst="rect">
+              <a:avLst/>
+            </a:prstGeom>
+          </p:spPr>
+          <p:txBody>
+            <a:bodyPr wrap="none">
+              <a:spAutoFit/>
+            </a:bodyPr>
+            <a:lstStyle/>
+            <a:p>
+              <a:r>
+                <a:rPr kumimoji="1" lang="en-US" altLang="zh-CN" dirty="0">
+                  <a:latin typeface="Verdana"/>
+                  <a:cs typeface="Verdana"/>
+                </a:rPr>
+                <a:t>^</a:t>
+              </a:r>
+              <a:endParaRPr lang="zh-CN" altLang="en-US" dirty="0"/>
+            </a:p>
+          </p:txBody>
+        </p:sp>
+        <p:cxnSp>
+          <p:nvCxnSpPr>
+            <p:cNvPr id="20" name="直线连接符 12"/>
+            <p:cNvCxnSpPr/>
+            <p:nvPr/>
+          </p:nvCxnSpPr>
+          <p:spPr>
+            <a:xfrm>
+              <a:off x="4232097" y="5344748"/>
+              <a:ext cx="2633112" cy="0"/>
+            </a:xfrm>
+            <a:prstGeom prst="line">
+              <a:avLst/>
+            </a:prstGeom>
+          </p:spPr>
+          <p:style>
+            <a:lnRef idx="2">
+              <a:schemeClr val="dk1"/>
+            </a:lnRef>
+            <a:fillRef idx="0">
+              <a:schemeClr val="dk1"/>
+            </a:fillRef>
+            <a:effectRef idx="1">
+              <a:schemeClr val="dk1"/>
+            </a:effectRef>
+            <a:fontRef idx="minor">
+              <a:schemeClr val="tx1"/>
+            </a:fontRef>
+          </p:style>
+        </p:cxnSp>
+      </p:grpSp>
       <p:sp>
         <p:nvSpPr>
           <p:cNvPr id="21" name="矩形 13"/>
@@ -12326,7 +12928,7 @@
         </p:nvSpPr>
         <p:spPr>
           <a:xfrm>
-            <a:off x="4577156" y="4700963"/>
+            <a:off x="4537627" y="5943620"/>
             <a:ext cx="2460930" cy="369332"/>
           </a:xfrm>
           <a:prstGeom prst="rect">
@@ -12369,11 +12971,17 @@
           <p:cNvGraphicFramePr>
             <a:graphicFrameLocks noGrp="1"/>
           </p:cNvGraphicFramePr>
-          <p:nvPr/>
+          <p:nvPr>
+            <p:extLst>
+              <p:ext uri="{D42A27DB-BD31-4B8C-83A1-F6EECF244321}">
+                <p14:modId xmlns:p14="http://schemas.microsoft.com/office/powerpoint/2010/main" val="3669638967"/>
+              </p:ext>
+            </p:extLst>
+          </p:nvPr>
         </p:nvGraphicFramePr>
         <p:xfrm>
-          <a:off x="3489316" y="1961456"/>
-          <a:ext cx="2044977" cy="1714500"/>
+          <a:off x="3489317" y="1582824"/>
+          <a:ext cx="2090389" cy="1714500"/>
         </p:xfrm>
         <a:graphic>
           <a:graphicData uri="http://schemas.openxmlformats.org/drawingml/2006/table">
@@ -12382,21 +12990,21 @@
                 <a:tableStyleId>{5C22544A-7EE6-4342-B048-85BDC9FD1C3A}</a:tableStyleId>
               </a:tblPr>
               <a:tblGrid>
-                <a:gridCol w="681659">
+                <a:gridCol w="535287">
                   <a:extLst>
                     <a:ext uri="{9D8B030D-6E8A-4147-A177-3AD203B41FA5}">
                       <a16:colId xmlns:a16="http://schemas.microsoft.com/office/drawing/2014/main" val="3554102759"/>
                     </a:ext>
                   </a:extLst>
                 </a:gridCol>
-                <a:gridCol w="681659">
+                <a:gridCol w="603380">
                   <a:extLst>
                     <a:ext uri="{9D8B030D-6E8A-4147-A177-3AD203B41FA5}">
                       <a16:colId xmlns:a16="http://schemas.microsoft.com/office/drawing/2014/main" val="2396206722"/>
                     </a:ext>
                   </a:extLst>
                 </a:gridCol>
-                <a:gridCol w="681659">
+                <a:gridCol w="951722">
                   <a:extLst>
                     <a:ext uri="{9D8B030D-6E8A-4147-A177-3AD203B41FA5}">
                       <a16:colId xmlns:a16="http://schemas.microsoft.com/office/drawing/2014/main" val="4070950088"/>
@@ -12438,10 +13046,9 @@
                     <a:p>
                       <a:pPr algn="r"/>
                       <a:r>
-                        <a:rPr lang="en-US" sz="1800" dirty="0" err="1"/>
-                        <a:t>x^y</a:t>
+                        <a:rPr lang="en-US" sz="1800" dirty="0"/>
+                        <a:t>x XOR y</a:t>
                       </a:r>
-                      <a:endParaRPr lang="en-US" sz="1800" dirty="0"/>
                     </a:p>
                   </a:txBody>
                   <a:tcPr marL="68580" marR="68580" marT="34290" marB="34290"/>
@@ -12658,7 +13265,7 @@
         </p:nvCxnSpPr>
         <p:spPr>
           <a:xfrm>
-            <a:off x="4850136" y="1886914"/>
+            <a:off x="4668206" y="1508282"/>
             <a:ext cx="0" cy="1833730"/>
           </a:xfrm>
           <a:prstGeom prst="line">
@@ -12685,6 +13292,46 @@
           </a:fontRef>
         </p:style>
       </p:cxnSp>
+      <p:sp>
+        <p:nvSpPr>
+          <p:cNvPr id="11" name="TextBox 10">
+            <a:extLst>
+              <a:ext uri="{FF2B5EF4-FFF2-40B4-BE49-F238E27FC236}">
+                <a16:creationId xmlns:a16="http://schemas.microsoft.com/office/drawing/2014/main" id="{D01DDE1C-C26A-4911-A221-7D1EB31DE713}"/>
+              </a:ext>
+            </a:extLst>
+          </p:cNvPr>
+          <p:cNvSpPr txBox="1"/>
+          <p:nvPr/>
+        </p:nvSpPr>
+        <p:spPr>
+          <a:xfrm>
+            <a:off x="1673099" y="3624062"/>
+            <a:ext cx="5048113" cy="400110"/>
+          </a:xfrm>
+          <a:prstGeom prst="rect">
+            <a:avLst/>
+          </a:prstGeom>
+          <a:solidFill>
+            <a:schemeClr val="accent6">
+              <a:lumMod val="40000"/>
+              <a:lumOff val="60000"/>
+            </a:schemeClr>
+          </a:solidFill>
+        </p:spPr>
+        <p:txBody>
+          <a:bodyPr wrap="none" rtlCol="0">
+            <a:spAutoFit/>
+          </a:bodyPr>
+          <a:lstStyle/>
+          <a:p>
+            <a:r>
+              <a:rPr lang="en-US" sz="2000" dirty="0"/>
+              <a:t>Operator ^ applies XOR bitwise to two integers</a:t>
+            </a:r>
+          </a:p>
+        </p:txBody>
+      </p:sp>
     </p:spTree>
     <p:extLst>
       <p:ext uri="{BB962C8B-B14F-4D97-AF65-F5344CB8AC3E}">
@@ -12724,6 +13371,96 @@
                                     <p:set>
                                       <p:cBhvr>
                                         <p:cTn id="6" dur="1" fill="hold">
+                                          <p:stCondLst>
+                                            <p:cond delay="0"/>
+                                          </p:stCondLst>
+                                        </p:cTn>
+                                        <p:tgtEl>
+                                          <p:spTgt spid="11"/>
+                                        </p:tgtEl>
+                                        <p:attrNameLst>
+                                          <p:attrName>style.visibility</p:attrName>
+                                        </p:attrNameLst>
+                                      </p:cBhvr>
+                                      <p:to>
+                                        <p:strVal val="visible"/>
+                                      </p:to>
+                                    </p:set>
+                                  </p:childTnLst>
+                                </p:cTn>
+                              </p:par>
+                            </p:childTnLst>
+                          </p:cTn>
+                        </p:par>
+                      </p:childTnLst>
+                    </p:cTn>
+                  </p:par>
+                  <p:par>
+                    <p:cTn id="7" fill="hold">
+                      <p:stCondLst>
+                        <p:cond delay="indefinite"/>
+                      </p:stCondLst>
+                      <p:childTnLst>
+                        <p:par>
+                          <p:cTn id="8" fill="hold">
+                            <p:stCondLst>
+                              <p:cond delay="0"/>
+                            </p:stCondLst>
+                            <p:childTnLst>
+                              <p:par>
+                                <p:cTn id="9" presetID="1" presetClass="entr" presetSubtype="0" fill="hold" nodeType="clickEffect">
+                                  <p:stCondLst>
+                                    <p:cond delay="0"/>
+                                  </p:stCondLst>
+                                  <p:childTnLst>
+                                    <p:set>
+                                      <p:cBhvr>
+                                        <p:cTn id="10" dur="1" fill="hold">
+                                          <p:stCondLst>
+                                            <p:cond delay="0"/>
+                                          </p:stCondLst>
+                                        </p:cTn>
+                                        <p:tgtEl>
+                                          <p:spTgt spid="3"/>
+                                        </p:tgtEl>
+                                        <p:attrNameLst>
+                                          <p:attrName>style.visibility</p:attrName>
+                                        </p:attrNameLst>
+                                      </p:cBhvr>
+                                      <p:to>
+                                        <p:strVal val="visible"/>
+                                      </p:to>
+                                    </p:set>
+                                  </p:childTnLst>
+                                </p:cTn>
+                              </p:par>
+                            </p:childTnLst>
+                          </p:cTn>
+                        </p:par>
+                      </p:childTnLst>
+                    </p:cTn>
+                  </p:par>
+                  <p:par>
+                    <p:cTn id="11" fill="hold">
+                      <p:stCondLst>
+                        <p:cond delay="indefinite"/>
+                      </p:stCondLst>
+                      <p:childTnLst>
+                        <p:par>
+                          <p:cTn id="12" fill="hold">
+                            <p:stCondLst>
+                              <p:cond delay="0"/>
+                            </p:stCondLst>
+                            <p:childTnLst>
+                              <p:par>
+                                <p:cTn id="13" presetID="1" presetClass="entr" presetSubtype="0" fill="hold" grpId="0" nodeType="clickEffect">
+                                  <p:stCondLst>
+                                    <p:cond delay="0"/>
+                                  </p:stCondLst>
+                                  <p:childTnLst>
+                                    <p:set>
+                                      <p:cBhvr>
+                                        <p:cTn id="14" dur="1" fill="hold">
                                           <p:stCondLst>
                                             <p:cond delay="0"/>
                                           </p:stCondLst>
@@ -12771,6 +13508,7 @@
     </p:tnLst>
     <p:bldLst>
       <p:bldP spid="21" grpId="0"/>
+      <p:bldP spid="11" grpId="0" animBg="1"/>
     </p:bldLst>
   </p:timing>
 </p:sld>
@@ -12826,7 +13564,12 @@
             <p:ph idx="1"/>
           </p:nvPr>
         </p:nvSpPr>
-        <p:spPr/>
+        <p:spPr>
+          <a:xfrm>
+            <a:off x="457200" y="1600201"/>
+            <a:ext cx="8229600" cy="1932992"/>
+          </a:xfrm>
+        </p:spPr>
         <p:txBody>
           <a:bodyPr/>
           <a:lstStyle/>
@@ -12836,15 +13579,17 @@
             </a:pPr>
             <a:r>
               <a:rPr kumimoji="1" lang="en-US" altLang="zh-CN" dirty="0">
+                <a:latin typeface="+mj-lt"/>
                 <a:cs typeface="Verdana"/>
               </a:rPr>
-              <a:t>x &lt;&lt; y, shift bit-vector x left by y positions</a:t>
+              <a:t>x &lt;&lt; y, treat x as a bit-vector, shift x left by y positions</a:t>
             </a:r>
           </a:p>
           <a:p>
             <a:pPr lvl="1"/>
             <a:r>
               <a:rPr kumimoji="1" lang="en-US" altLang="zh-CN" dirty="0">
+                <a:latin typeface="+mj-lt"/>
                 <a:cs typeface="Verdana"/>
               </a:rPr>
               <a:t>Throw away bits shifted out on the left</a:t>
@@ -12854,6 +13599,7 @@
             <a:pPr lvl="1"/>
             <a:r>
               <a:rPr kumimoji="1" lang="en-US" altLang="zh-CN" dirty="0">
+                <a:latin typeface="+mj-lt"/>
                 <a:cs typeface="Verdana"/>
               </a:rPr>
               <a:t>Fill in 0’s on the right</a:t>
@@ -12885,1322 +13631,168 @@
           </a:p>
         </p:txBody>
       </p:sp>
-      <p:graphicFrame>
-        <p:nvGraphicFramePr>
-          <p:cNvPr id="6" name="表格 4"/>
-          <p:cNvGraphicFramePr>
-            <a:graphicFrameLocks noGrp="1"/>
-          </p:cNvGraphicFramePr>
-          <p:nvPr/>
-        </p:nvGraphicFramePr>
-        <p:xfrm>
-          <a:off x="1627003" y="3668792"/>
-          <a:ext cx="5643852" cy="685800"/>
-        </p:xfrm>
-        <a:graphic>
-          <a:graphicData uri="http://schemas.openxmlformats.org/drawingml/2006/table">
-            <a:tbl>
-              <a:tblPr firstRow="1" bandRow="1">
-                <a:tableStyleId>{2D5ABB26-0587-4C30-8999-92F81FD0307C}</a:tableStyleId>
-              </a:tblPr>
-              <a:tblGrid>
-                <a:gridCol w="2435624">
-                  <a:extLst>
-                    <a:ext uri="{9D8B030D-6E8A-4147-A177-3AD203B41FA5}">
-                      <a16:colId xmlns:a16="http://schemas.microsoft.com/office/drawing/2014/main" val="20000"/>
-                    </a:ext>
-                  </a:extLst>
-                </a:gridCol>
-                <a:gridCol w="3208228">
-                  <a:extLst>
-                    <a:ext uri="{9D8B030D-6E8A-4147-A177-3AD203B41FA5}">
-                      <a16:colId xmlns:a16="http://schemas.microsoft.com/office/drawing/2014/main" val="20001"/>
-                    </a:ext>
-                  </a:extLst>
-                </a:gridCol>
-              </a:tblGrid>
-              <a:tr h="342900">
-                <a:tc>
-                  <a:txBody>
-                    <a:bodyPr/>
-                    <a:lstStyle/>
-                    <a:p>
-                      <a:endParaRPr lang="zh-CN" altLang="en-US" sz="1800" dirty="0">
-                        <a:latin typeface="Verdana"/>
-                        <a:cs typeface="Verdana"/>
-                      </a:endParaRPr>
-                    </a:p>
-                  </a:txBody>
-                  <a:tcPr marL="68580" marR="68580" marT="34290" marB="34290"/>
-                </a:tc>
-                <a:tc>
-                  <a:txBody>
-                    <a:bodyPr/>
-                    <a:lstStyle/>
-                    <a:p>
-                      <a:pPr marL="0" marR="0" indent="0" algn="ctr" defTabSz="914400" rtl="0" eaLnBrk="1" fontAlgn="auto" latinLnBrk="0" hangingPunct="1">
-                        <a:lnSpc>
-                          <a:spcPct val="100000"/>
-                        </a:lnSpc>
-                        <a:spcBef>
-                          <a:spcPts val="0"/>
-                        </a:spcBef>
-                        <a:spcAft>
-                          <a:spcPts val="0"/>
-                        </a:spcAft>
-                        <a:buClrTx/>
-                        <a:buSzTx/>
-                        <a:buFontTx/>
-                        <a:buNone/>
-                        <a:tabLst/>
-                        <a:defRPr/>
-                      </a:pPr>
-                      <a:r>
-                        <a:rPr kumimoji="1" lang="en-US" altLang="zh-CN" sz="1800" dirty="0">
-                          <a:solidFill>
-                            <a:schemeClr val="bg2">
-                              <a:lumMod val="50000"/>
-                            </a:schemeClr>
-                          </a:solidFill>
-                          <a:latin typeface="Verdana"/>
-                          <a:cs typeface="Verdana"/>
-                        </a:rPr>
-                        <a:t>0 1 1</a:t>
-                      </a:r>
-                      <a:r>
-                        <a:rPr kumimoji="1" lang="en-US" altLang="zh-CN" sz="1800" dirty="0">
-                          <a:solidFill>
-                            <a:schemeClr val="tx2">
-                              <a:lumMod val="60000"/>
-                              <a:lumOff val="40000"/>
-                            </a:schemeClr>
-                          </a:solidFill>
-                          <a:latin typeface="Verdana"/>
-                          <a:cs typeface="Verdana"/>
-                        </a:rPr>
-                        <a:t> 0 1 0 0 1 </a:t>
-                      </a:r>
-                      <a:endParaRPr lang="zh-CN" altLang="en-US" sz="1800" dirty="0">
-                        <a:solidFill>
-                          <a:schemeClr val="tx2">
-                            <a:lumMod val="60000"/>
-                            <a:lumOff val="40000"/>
-                          </a:schemeClr>
-                        </a:solidFill>
-                      </a:endParaRPr>
-                    </a:p>
-                  </a:txBody>
-                  <a:tcPr marL="68580" marR="68580" marT="34290" marB="34290"/>
-                </a:tc>
-                <a:extLst>
-                  <a:ext uri="{0D108BD9-81ED-4DB2-BD59-A6C34878D82A}">
-                    <a16:rowId xmlns:a16="http://schemas.microsoft.com/office/drawing/2014/main" val="10000"/>
-                  </a:ext>
-                </a:extLst>
-              </a:tr>
-              <a:tr h="342900">
-                <a:tc>
-                  <a:txBody>
-                    <a:bodyPr/>
-                    <a:lstStyle/>
-                    <a:p>
-                      <a:r>
-                        <a:rPr lang="en-US" altLang="zh-CN" sz="1800" baseline="0" dirty="0">
-                          <a:latin typeface="Verdana"/>
-                          <a:cs typeface="Verdana"/>
-                        </a:rPr>
-                        <a:t>result of 0x69 &lt;&lt; 3</a:t>
-                      </a:r>
-                      <a:endParaRPr lang="zh-CN" altLang="en-US" sz="1800" dirty="0">
-                        <a:solidFill>
-                          <a:srgbClr val="FF0000"/>
-                        </a:solidFill>
-                        <a:latin typeface="Verdana"/>
-                        <a:cs typeface="Verdana"/>
-                      </a:endParaRPr>
-                    </a:p>
-                  </a:txBody>
-                  <a:tcPr marL="68580" marR="68580" marT="34290" marB="34290"/>
-                </a:tc>
-                <a:tc>
-                  <a:txBody>
-                    <a:bodyPr/>
-                    <a:lstStyle/>
-                    <a:p>
-                      <a:pPr marL="0" marR="0" indent="0" algn="ctr" defTabSz="914400" rtl="0" eaLnBrk="1" fontAlgn="auto" latinLnBrk="0" hangingPunct="1">
-                        <a:lnSpc>
-                          <a:spcPct val="100000"/>
-                        </a:lnSpc>
-                        <a:spcBef>
-                          <a:spcPts val="0"/>
-                        </a:spcBef>
-                        <a:spcAft>
-                          <a:spcPts val="0"/>
-                        </a:spcAft>
-                        <a:buClrTx/>
-                        <a:buSzTx/>
-                        <a:buFontTx/>
-                        <a:buNone/>
-                        <a:tabLst/>
-                        <a:defRPr/>
-                      </a:pPr>
-                      <a:r>
-                        <a:rPr kumimoji="1" lang="en-US" altLang="zh-CN" sz="1800" dirty="0">
-                          <a:solidFill>
-                            <a:schemeClr val="tx2">
-                              <a:lumMod val="60000"/>
-                              <a:lumOff val="40000"/>
-                            </a:schemeClr>
-                          </a:solidFill>
-                          <a:latin typeface="Verdana"/>
-                          <a:cs typeface="Verdana"/>
-                        </a:rPr>
-                        <a:t>0 1 0 0 1 </a:t>
-                      </a:r>
-                      <a:r>
-                        <a:rPr kumimoji="1" lang="en-US" altLang="zh-CN" sz="1800" dirty="0">
-                          <a:solidFill>
-                            <a:srgbClr val="FF0000"/>
-                          </a:solidFill>
-                          <a:latin typeface="Verdana"/>
-                          <a:cs typeface="Verdana"/>
-                        </a:rPr>
-                        <a:t>0 0 0</a:t>
-                      </a:r>
-                      <a:r>
-                        <a:rPr kumimoji="1" lang="en-US" altLang="zh-CN" sz="1800" dirty="0">
-                          <a:solidFill>
-                            <a:schemeClr val="tx2">
-                              <a:lumMod val="60000"/>
-                              <a:lumOff val="40000"/>
-                            </a:schemeClr>
-                          </a:solidFill>
-                          <a:latin typeface="Verdana"/>
-                          <a:cs typeface="Verdana"/>
-                        </a:rPr>
-                        <a:t> </a:t>
-                      </a:r>
-                      <a:endParaRPr lang="zh-CN" altLang="en-US" sz="1800" dirty="0">
-                        <a:solidFill>
-                          <a:schemeClr val="tx2">
-                            <a:lumMod val="60000"/>
-                            <a:lumOff val="40000"/>
-                          </a:schemeClr>
-                        </a:solidFill>
-                      </a:endParaRPr>
-                    </a:p>
-                  </a:txBody>
-                  <a:tcPr marL="68580" marR="68580" marT="34290" marB="34290"/>
-                </a:tc>
-                <a:extLst>
-                  <a:ext uri="{0D108BD9-81ED-4DB2-BD59-A6C34878D82A}">
-                    <a16:rowId xmlns:a16="http://schemas.microsoft.com/office/drawing/2014/main" val="10001"/>
-                  </a:ext>
-                </a:extLst>
-              </a:tr>
-            </a:tbl>
-          </a:graphicData>
-        </a:graphic>
-      </p:graphicFrame>
-    </p:spTree>
-    <p:extLst>
-      <p:ext uri="{BB962C8B-B14F-4D97-AF65-F5344CB8AC3E}">
-        <p14:creationId xmlns:p14="http://schemas.microsoft.com/office/powerpoint/2010/main" val="3450927042"/>
-      </p:ext>
-    </p:extLst>
-  </p:cSld>
-  <p:clrMapOvr>
-    <a:masterClrMapping/>
-  </p:clrMapOvr>
-</p:sld>
-</file>
-
-<file path=ppt/slides/slide22.xml><?xml version="1.0" encoding="utf-8"?>
-<p:sld xmlns:a="http://schemas.openxmlformats.org/drawingml/2006/main" xmlns:r="http://schemas.openxmlformats.org/officeDocument/2006/relationships" xmlns:p="http://schemas.openxmlformats.org/presentationml/2006/main">
-  <p:cSld>
-    <p:spTree>
-      <p:nvGrpSpPr>
-        <p:cNvPr id="1" name=""/>
-        <p:cNvGrpSpPr/>
-        <p:nvPr/>
-      </p:nvGrpSpPr>
-      <p:grpSpPr>
-        <a:xfrm>
-          <a:off x="0" y="0"/>
-          <a:ext cx="0" cy="0"/>
-          <a:chOff x="0" y="0"/>
-          <a:chExt cx="0" cy="0"/>
-        </a:xfrm>
-      </p:grpSpPr>
       <p:sp>
         <p:nvSpPr>
-          <p:cNvPr id="2" name="标题 1"/>
-          <p:cNvSpPr>
-            <a:spLocks noGrp="1"/>
-          </p:cNvSpPr>
-          <p:nvPr>
-            <p:ph type="title"/>
-          </p:nvPr>
-        </p:nvSpPr>
-        <p:spPr/>
-        <p:txBody>
-          <a:bodyPr/>
-          <a:lstStyle/>
-          <a:p>
-            <a:r>
-              <a:rPr kumimoji="1" lang="en-US" altLang="zh-CN" dirty="0"/>
-              <a:t>Bitwise right-shift: &gt;&gt;</a:t>
-            </a:r>
-            <a:endParaRPr kumimoji="1" lang="zh-CN" altLang="en-US" dirty="0"/>
-          </a:p>
-        </p:txBody>
-      </p:sp>
-      <p:sp>
-        <p:nvSpPr>
-          <p:cNvPr id="3" name="内容占位符 2"/>
-          <p:cNvSpPr>
-            <a:spLocks noGrp="1"/>
-          </p:cNvSpPr>
-          <p:nvPr>
-            <p:ph idx="1"/>
-          </p:nvPr>
-        </p:nvSpPr>
-        <p:spPr>
-          <a:xfrm>
-            <a:off x="1485900" y="2057401"/>
-            <a:ext cx="6515100" cy="3394472"/>
-          </a:xfrm>
-        </p:spPr>
-        <p:txBody>
-          <a:bodyPr/>
-          <a:lstStyle/>
-          <a:p>
-            <a:r>
-              <a:rPr kumimoji="1" lang="en-US" altLang="zh-CN" dirty="0">
-                <a:cs typeface="Verdana"/>
-              </a:rPr>
-              <a:t>x &gt;&gt; y, shift bit-vector x right by y positions</a:t>
-            </a:r>
-          </a:p>
-          <a:p>
-            <a:pPr lvl="1"/>
-            <a:r>
-              <a:rPr kumimoji="1" lang="en-US" altLang="zh-CN" dirty="0">
-                <a:cs typeface="Verdana"/>
-              </a:rPr>
-              <a:t>Throw away bits shifted out on the right</a:t>
-            </a:r>
-          </a:p>
-          <a:p>
-            <a:pPr lvl="1"/>
-            <a:r>
-              <a:rPr kumimoji="1" lang="en-US" altLang="zh-CN" dirty="0">
-                <a:cs typeface="Verdana"/>
-              </a:rPr>
-              <a:t>(Logical shift) Fill with 0’s on left</a:t>
-            </a:r>
-          </a:p>
-          <a:p>
-            <a:endParaRPr kumimoji="1" lang="en-US" altLang="zh-CN" dirty="0">
-              <a:latin typeface="Verdana"/>
-              <a:cs typeface="Verdana"/>
-            </a:endParaRPr>
-          </a:p>
-          <a:p>
-            <a:pPr marL="342900" lvl="1" indent="0">
-              <a:buNone/>
-            </a:pPr>
-            <a:endParaRPr kumimoji="1" lang="zh-CN" altLang="en-US" dirty="0">
-              <a:latin typeface="Verdana"/>
-              <a:cs typeface="Verdana"/>
-            </a:endParaRPr>
-          </a:p>
-        </p:txBody>
-      </p:sp>
-      <p:graphicFrame>
-        <p:nvGraphicFramePr>
-          <p:cNvPr id="4" name="表格 3"/>
-          <p:cNvGraphicFramePr>
-            <a:graphicFrameLocks noGrp="1"/>
-          </p:cNvGraphicFramePr>
-          <p:nvPr/>
-        </p:nvGraphicFramePr>
-        <p:xfrm>
-          <a:off x="1706382" y="4370176"/>
-          <a:ext cx="5951721" cy="685800"/>
-        </p:xfrm>
-        <a:graphic>
-          <a:graphicData uri="http://schemas.openxmlformats.org/drawingml/2006/table">
-            <a:tbl>
-              <a:tblPr firstRow="1" bandRow="1">
-                <a:tableStyleId>{2D5ABB26-0587-4C30-8999-92F81FD0307C}</a:tableStyleId>
-              </a:tblPr>
-              <a:tblGrid>
-                <a:gridCol w="857401">
-                  <a:extLst>
-                    <a:ext uri="{9D8B030D-6E8A-4147-A177-3AD203B41FA5}">
-                      <a16:colId xmlns:a16="http://schemas.microsoft.com/office/drawing/2014/main" val="20000"/>
-                    </a:ext>
-                  </a:extLst>
-                </a:gridCol>
-                <a:gridCol w="2544915">
-                  <a:extLst>
-                    <a:ext uri="{9D8B030D-6E8A-4147-A177-3AD203B41FA5}">
-                      <a16:colId xmlns:a16="http://schemas.microsoft.com/office/drawing/2014/main" val="20001"/>
-                    </a:ext>
-                  </a:extLst>
-                </a:gridCol>
-                <a:gridCol w="2549405">
-                  <a:extLst>
-                    <a:ext uri="{9D8B030D-6E8A-4147-A177-3AD203B41FA5}">
-                      <a16:colId xmlns:a16="http://schemas.microsoft.com/office/drawing/2014/main" val="20002"/>
-                    </a:ext>
-                  </a:extLst>
-                </a:gridCol>
-              </a:tblGrid>
-              <a:tr h="342900">
-                <a:tc>
-                  <a:txBody>
-                    <a:bodyPr/>
-                    <a:lstStyle/>
-                    <a:p>
-                      <a:endParaRPr lang="zh-CN" altLang="en-US" sz="1800" dirty="0">
-                        <a:latin typeface="Verdana"/>
-                        <a:cs typeface="Verdana"/>
-                      </a:endParaRPr>
-                    </a:p>
-                  </a:txBody>
-                  <a:tcPr marL="68580" marR="68580" marT="34290" marB="34290"/>
-                </a:tc>
-                <a:tc>
-                  <a:txBody>
-                    <a:bodyPr/>
-                    <a:lstStyle/>
-                    <a:p>
-                      <a:endParaRPr lang="zh-CN" altLang="en-US" sz="1800" dirty="0">
-                        <a:latin typeface="Verdana"/>
-                        <a:cs typeface="Verdana"/>
-                      </a:endParaRPr>
-                    </a:p>
-                  </a:txBody>
-                  <a:tcPr marL="68580" marR="68580" marT="34290" marB="34290"/>
-                </a:tc>
-                <a:tc>
-                  <a:txBody>
-                    <a:bodyPr/>
-                    <a:lstStyle/>
-                    <a:p>
-                      <a:pPr marL="0" marR="0" indent="0" algn="ctr" defTabSz="914400" rtl="0" eaLnBrk="1" fontAlgn="auto" latinLnBrk="0" hangingPunct="1">
-                        <a:lnSpc>
-                          <a:spcPct val="100000"/>
-                        </a:lnSpc>
-                        <a:spcBef>
-                          <a:spcPts val="0"/>
-                        </a:spcBef>
-                        <a:spcAft>
-                          <a:spcPts val="0"/>
-                        </a:spcAft>
-                        <a:buClrTx/>
-                        <a:buSzTx/>
-                        <a:buFontTx/>
-                        <a:buNone/>
-                        <a:tabLst/>
-                        <a:defRPr/>
-                      </a:pPr>
-                      <a:r>
-                        <a:rPr kumimoji="1" lang="en-US" altLang="zh-CN" sz="1800" dirty="0">
-                          <a:solidFill>
-                            <a:schemeClr val="tx2">
-                              <a:lumMod val="60000"/>
-                              <a:lumOff val="40000"/>
-                            </a:schemeClr>
-                          </a:solidFill>
-                          <a:latin typeface="Verdana"/>
-                          <a:cs typeface="Verdana"/>
-                        </a:rPr>
-                        <a:t>1 0 1 0 1 0 0 1 </a:t>
-                      </a:r>
-                      <a:endParaRPr lang="zh-CN" altLang="en-US" sz="1800" dirty="0">
-                        <a:solidFill>
-                          <a:schemeClr val="tx2">
-                            <a:lumMod val="60000"/>
-                            <a:lumOff val="40000"/>
-                          </a:schemeClr>
-                        </a:solidFill>
-                      </a:endParaRPr>
-                    </a:p>
-                  </a:txBody>
-                  <a:tcPr marL="68580" marR="68580" marT="34290" marB="34290"/>
-                </a:tc>
-                <a:extLst>
-                  <a:ext uri="{0D108BD9-81ED-4DB2-BD59-A6C34878D82A}">
-                    <a16:rowId xmlns:a16="http://schemas.microsoft.com/office/drawing/2014/main" val="10000"/>
-                  </a:ext>
-                </a:extLst>
-              </a:tr>
-              <a:tr h="342900">
-                <a:tc>
-                  <a:txBody>
-                    <a:bodyPr/>
-                    <a:lstStyle/>
-                    <a:p>
-                      <a:r>
-                        <a:rPr lang="en-US" altLang="zh-CN" sz="1500" dirty="0">
-                          <a:solidFill>
-                            <a:schemeClr val="tx1"/>
-                          </a:solidFill>
-                          <a:latin typeface="Verdana"/>
-                          <a:cs typeface="Verdana"/>
-                        </a:rPr>
-                        <a:t>Logical</a:t>
-                      </a:r>
-                      <a:endParaRPr lang="zh-CN" altLang="en-US" sz="1500" dirty="0">
-                        <a:solidFill>
-                          <a:schemeClr val="tx1"/>
-                        </a:solidFill>
-                        <a:latin typeface="Verdana"/>
-                        <a:cs typeface="Verdana"/>
-                      </a:endParaRPr>
-                    </a:p>
-                  </a:txBody>
-                  <a:tcPr marL="68580" marR="68580" marT="34290" marB="34290"/>
-                </a:tc>
-                <a:tc>
-                  <a:txBody>
-                    <a:bodyPr/>
-                    <a:lstStyle/>
-                    <a:p>
-                      <a:r>
-                        <a:rPr lang="en-US" altLang="zh-CN" sz="1800" baseline="0" dirty="0">
-                          <a:latin typeface="Verdana"/>
-                          <a:cs typeface="Verdana"/>
-                        </a:rPr>
-                        <a:t>result of 0xa9 &gt;&gt; 3 </a:t>
-                      </a:r>
-                      <a:endParaRPr lang="zh-CN" altLang="en-US" sz="1800" dirty="0">
-                        <a:solidFill>
-                          <a:srgbClr val="FF0000"/>
-                        </a:solidFill>
-                        <a:latin typeface="Verdana"/>
-                        <a:cs typeface="Verdana"/>
-                      </a:endParaRPr>
-                    </a:p>
-                  </a:txBody>
-                  <a:tcPr marL="68580" marR="68580" marT="34290" marB="34290"/>
-                </a:tc>
-                <a:tc>
-                  <a:txBody>
-                    <a:bodyPr/>
-                    <a:lstStyle/>
-                    <a:p>
-                      <a:pPr marL="0" marR="0" indent="0" algn="ctr" defTabSz="914400" rtl="0" eaLnBrk="1" fontAlgn="auto" latinLnBrk="0" hangingPunct="1">
-                        <a:lnSpc>
-                          <a:spcPct val="100000"/>
-                        </a:lnSpc>
-                        <a:spcBef>
-                          <a:spcPts val="0"/>
-                        </a:spcBef>
-                        <a:spcAft>
-                          <a:spcPts val="0"/>
-                        </a:spcAft>
-                        <a:buClrTx/>
-                        <a:buSzTx/>
-                        <a:buFontTx/>
-                        <a:buNone/>
-                        <a:tabLst/>
-                        <a:defRPr/>
-                      </a:pPr>
-                      <a:r>
-                        <a:rPr kumimoji="1" lang="en-US" altLang="zh-CN" sz="1800" dirty="0">
-                          <a:solidFill>
-                            <a:srgbClr val="FF0000"/>
-                          </a:solidFill>
-                          <a:latin typeface="Verdana"/>
-                          <a:cs typeface="Verdana"/>
-                        </a:rPr>
-                        <a:t>0 0 0 </a:t>
-                      </a:r>
-                      <a:r>
-                        <a:rPr kumimoji="1" lang="en-US" altLang="zh-CN" sz="1800" dirty="0">
-                          <a:solidFill>
-                            <a:schemeClr val="tx2">
-                              <a:lumMod val="60000"/>
-                              <a:lumOff val="40000"/>
-                            </a:schemeClr>
-                          </a:solidFill>
-                          <a:latin typeface="Verdana"/>
-                          <a:cs typeface="Verdana"/>
-                        </a:rPr>
-                        <a:t>1</a:t>
-                      </a:r>
-                      <a:r>
-                        <a:rPr kumimoji="1" lang="en-US" altLang="zh-CN" sz="1800" baseline="0" dirty="0">
-                          <a:solidFill>
-                            <a:schemeClr val="tx2">
-                              <a:lumMod val="60000"/>
-                              <a:lumOff val="40000"/>
-                            </a:schemeClr>
-                          </a:solidFill>
-                          <a:latin typeface="Verdana"/>
-                          <a:cs typeface="Verdana"/>
-                        </a:rPr>
-                        <a:t> 0</a:t>
-                      </a:r>
-                      <a:r>
-                        <a:rPr kumimoji="1" lang="en-US" altLang="zh-CN" sz="1800" dirty="0">
-                          <a:solidFill>
-                            <a:schemeClr val="tx2">
-                              <a:lumMod val="60000"/>
-                              <a:lumOff val="40000"/>
-                            </a:schemeClr>
-                          </a:solidFill>
-                          <a:latin typeface="Verdana"/>
-                          <a:cs typeface="Verdana"/>
-                        </a:rPr>
-                        <a:t> 1 0 1  </a:t>
-                      </a:r>
-                      <a:endParaRPr lang="zh-CN" altLang="en-US" sz="1800" dirty="0">
-                        <a:solidFill>
-                          <a:schemeClr val="tx2">
-                            <a:lumMod val="60000"/>
-                            <a:lumOff val="40000"/>
-                          </a:schemeClr>
-                        </a:solidFill>
-                      </a:endParaRPr>
-                    </a:p>
-                  </a:txBody>
-                  <a:tcPr marL="68580" marR="68580" marT="34290" marB="34290"/>
-                </a:tc>
-                <a:extLst>
-                  <a:ext uri="{0D108BD9-81ED-4DB2-BD59-A6C34878D82A}">
-                    <a16:rowId xmlns:a16="http://schemas.microsoft.com/office/drawing/2014/main" val="10001"/>
-                  </a:ext>
-                </a:extLst>
-              </a:tr>
-            </a:tbl>
-          </a:graphicData>
-        </a:graphic>
-      </p:graphicFrame>
-    </p:spTree>
-    <p:extLst>
-      <p:ext uri="{BB962C8B-B14F-4D97-AF65-F5344CB8AC3E}">
-        <p14:creationId xmlns:p14="http://schemas.microsoft.com/office/powerpoint/2010/main" val="3012479123"/>
-      </p:ext>
-    </p:extLst>
-  </p:cSld>
-  <p:clrMapOvr>
-    <a:masterClrMapping/>
-  </p:clrMapOvr>
-</p:sld>
-</file>
-
-<file path=ppt/slides/slide23.xml><?xml version="1.0" encoding="utf-8"?>
-<p:sld xmlns:a="http://schemas.openxmlformats.org/drawingml/2006/main" xmlns:r="http://schemas.openxmlformats.org/officeDocument/2006/relationships" xmlns:p="http://schemas.openxmlformats.org/presentationml/2006/main">
-  <p:cSld>
-    <p:spTree>
-      <p:nvGrpSpPr>
-        <p:cNvPr id="1" name=""/>
-        <p:cNvGrpSpPr/>
-        <p:nvPr/>
-      </p:nvGrpSpPr>
-      <p:grpSpPr>
-        <a:xfrm>
-          <a:off x="0" y="0"/>
-          <a:ext cx="0" cy="0"/>
-          <a:chOff x="0" y="0"/>
-          <a:chExt cx="0" cy="0"/>
-        </a:xfrm>
-      </p:grpSpPr>
-      <p:sp>
-        <p:nvSpPr>
-          <p:cNvPr id="2" name="标题 1"/>
-          <p:cNvSpPr>
-            <a:spLocks noGrp="1"/>
-          </p:cNvSpPr>
-          <p:nvPr>
-            <p:ph type="title"/>
-          </p:nvPr>
-        </p:nvSpPr>
-        <p:spPr/>
-        <p:txBody>
-          <a:bodyPr/>
-          <a:lstStyle/>
-          <a:p>
-            <a:r>
-              <a:rPr kumimoji="1" lang="en-US" altLang="zh-CN" dirty="0"/>
-              <a:t>Bitwise right-shift: &gt;&gt;</a:t>
-            </a:r>
-            <a:endParaRPr kumimoji="1" lang="zh-CN" altLang="en-US" dirty="0"/>
-          </a:p>
-        </p:txBody>
-      </p:sp>
-      <p:sp>
-        <p:nvSpPr>
-          <p:cNvPr id="3" name="内容占位符 2"/>
-          <p:cNvSpPr>
-            <a:spLocks noGrp="1"/>
-          </p:cNvSpPr>
-          <p:nvPr>
-            <p:ph idx="1"/>
-          </p:nvPr>
-        </p:nvSpPr>
-        <p:spPr>
-          <a:xfrm>
-            <a:off x="1485900" y="2057401"/>
-            <a:ext cx="6515100" cy="3394472"/>
-          </a:xfrm>
-        </p:spPr>
-        <p:txBody>
-          <a:bodyPr/>
-          <a:lstStyle/>
-          <a:p>
-            <a:r>
-              <a:rPr kumimoji="1" lang="en-US" altLang="zh-CN" dirty="0">
-                <a:cs typeface="Verdana"/>
-              </a:rPr>
-              <a:t>x &gt;&gt; y, shift bit-vector x right by y positions</a:t>
-            </a:r>
-          </a:p>
-          <a:p>
-            <a:pPr lvl="1"/>
-            <a:r>
-              <a:rPr kumimoji="1" lang="en-US" altLang="zh-CN" dirty="0">
-                <a:cs typeface="Verdana"/>
-              </a:rPr>
-              <a:t>Throw away bits shifted out on the right</a:t>
-            </a:r>
-          </a:p>
-          <a:p>
-            <a:pPr lvl="1"/>
-            <a:r>
-              <a:rPr kumimoji="1" lang="en-US" altLang="zh-CN" dirty="0">
-                <a:cs typeface="Verdana"/>
-              </a:rPr>
-              <a:t>(Logical shift) Fill with 0’s on the left</a:t>
-            </a:r>
-          </a:p>
-          <a:p>
-            <a:pPr lvl="1"/>
-            <a:r>
-              <a:rPr kumimoji="1" lang="en-US" altLang="zh-CN" dirty="0">
-                <a:cs typeface="Verdana"/>
-              </a:rPr>
-              <a:t>(Arithmetic shift) Replicate </a:t>
-            </a:r>
-            <a:r>
-              <a:rPr kumimoji="1" lang="en-US" altLang="zh-CN" dirty="0" err="1">
-                <a:cs typeface="Verdana"/>
-              </a:rPr>
-              <a:t>msb</a:t>
-            </a:r>
-            <a:r>
-              <a:rPr kumimoji="1" lang="en-US" altLang="zh-CN" dirty="0">
-                <a:cs typeface="Verdana"/>
-              </a:rPr>
-              <a:t> on the left</a:t>
-            </a:r>
-          </a:p>
-          <a:p>
-            <a:endParaRPr kumimoji="1" lang="en-US" altLang="zh-CN" dirty="0">
-              <a:latin typeface="Verdana"/>
-              <a:cs typeface="Verdana"/>
-            </a:endParaRPr>
-          </a:p>
-          <a:p>
-            <a:pPr marL="342900" lvl="1" indent="0">
-              <a:buNone/>
-            </a:pPr>
-            <a:endParaRPr kumimoji="1" lang="zh-CN" altLang="en-US" dirty="0">
-              <a:latin typeface="Verdana"/>
-              <a:cs typeface="Verdana"/>
-            </a:endParaRPr>
-          </a:p>
-        </p:txBody>
-      </p:sp>
-      <p:graphicFrame>
-        <p:nvGraphicFramePr>
-          <p:cNvPr id="4" name="表格 3"/>
-          <p:cNvGraphicFramePr>
-            <a:graphicFrameLocks noGrp="1"/>
-          </p:cNvGraphicFramePr>
-          <p:nvPr/>
-        </p:nvGraphicFramePr>
-        <p:xfrm>
-          <a:off x="1314743" y="4370176"/>
-          <a:ext cx="6343358" cy="685800"/>
-        </p:xfrm>
-        <a:graphic>
-          <a:graphicData uri="http://schemas.openxmlformats.org/drawingml/2006/table">
-            <a:tbl>
-              <a:tblPr firstRow="1" bandRow="1">
-                <a:tableStyleId>{2D5ABB26-0587-4C30-8999-92F81FD0307C}</a:tableStyleId>
-              </a:tblPr>
-              <a:tblGrid>
-                <a:gridCol w="1170973">
-                  <a:extLst>
-                    <a:ext uri="{9D8B030D-6E8A-4147-A177-3AD203B41FA5}">
-                      <a16:colId xmlns:a16="http://schemas.microsoft.com/office/drawing/2014/main" val="20000"/>
-                    </a:ext>
-                  </a:extLst>
-                </a:gridCol>
-                <a:gridCol w="2455223">
-                  <a:extLst>
-                    <a:ext uri="{9D8B030D-6E8A-4147-A177-3AD203B41FA5}">
-                      <a16:colId xmlns:a16="http://schemas.microsoft.com/office/drawing/2014/main" val="20001"/>
-                    </a:ext>
-                  </a:extLst>
-                </a:gridCol>
-                <a:gridCol w="2717162">
-                  <a:extLst>
-                    <a:ext uri="{9D8B030D-6E8A-4147-A177-3AD203B41FA5}">
-                      <a16:colId xmlns:a16="http://schemas.microsoft.com/office/drawing/2014/main" val="20002"/>
-                    </a:ext>
-                  </a:extLst>
-                </a:gridCol>
-              </a:tblGrid>
-              <a:tr h="342900">
-                <a:tc>
-                  <a:txBody>
-                    <a:bodyPr/>
-                    <a:lstStyle/>
-                    <a:p>
-                      <a:endParaRPr lang="zh-CN" altLang="en-US" sz="1800" dirty="0">
-                        <a:latin typeface="Verdana"/>
-                        <a:cs typeface="Verdana"/>
-                      </a:endParaRPr>
-                    </a:p>
-                  </a:txBody>
-                  <a:tcPr marL="68580" marR="68580" marT="34290" marB="34290"/>
-                </a:tc>
-                <a:tc>
-                  <a:txBody>
-                    <a:bodyPr/>
-                    <a:lstStyle/>
-                    <a:p>
-                      <a:endParaRPr lang="zh-CN" altLang="en-US" sz="1800" dirty="0">
-                        <a:latin typeface="Verdana"/>
-                        <a:cs typeface="Verdana"/>
-                      </a:endParaRPr>
-                    </a:p>
-                  </a:txBody>
-                  <a:tcPr marL="68580" marR="68580" marT="34290" marB="34290"/>
-                </a:tc>
-                <a:tc>
-                  <a:txBody>
-                    <a:bodyPr/>
-                    <a:lstStyle/>
-                    <a:p>
-                      <a:pPr marL="0" marR="0" indent="0" algn="ctr" defTabSz="914400" rtl="0" eaLnBrk="1" fontAlgn="auto" latinLnBrk="0" hangingPunct="1">
-                        <a:lnSpc>
-                          <a:spcPct val="100000"/>
-                        </a:lnSpc>
-                        <a:spcBef>
-                          <a:spcPts val="0"/>
-                        </a:spcBef>
-                        <a:spcAft>
-                          <a:spcPts val="0"/>
-                        </a:spcAft>
-                        <a:buClrTx/>
-                        <a:buSzTx/>
-                        <a:buFontTx/>
-                        <a:buNone/>
-                        <a:tabLst/>
-                        <a:defRPr/>
-                      </a:pPr>
-                      <a:r>
-                        <a:rPr kumimoji="1" lang="en-US" altLang="zh-CN" sz="1800" dirty="0">
-                          <a:solidFill>
-                            <a:schemeClr val="tx2">
-                              <a:lumMod val="60000"/>
-                              <a:lumOff val="40000"/>
-                            </a:schemeClr>
-                          </a:solidFill>
-                          <a:latin typeface="Verdana"/>
-                          <a:cs typeface="Verdana"/>
-                        </a:rPr>
-                        <a:t>1 0 1 0 1 0 0 1 </a:t>
-                      </a:r>
-                      <a:endParaRPr lang="zh-CN" altLang="en-US" sz="1800" dirty="0">
-                        <a:solidFill>
-                          <a:schemeClr val="tx2">
-                            <a:lumMod val="60000"/>
-                            <a:lumOff val="40000"/>
-                          </a:schemeClr>
-                        </a:solidFill>
-                      </a:endParaRPr>
-                    </a:p>
-                  </a:txBody>
-                  <a:tcPr marL="68580" marR="68580" marT="34290" marB="34290"/>
-                </a:tc>
-                <a:extLst>
-                  <a:ext uri="{0D108BD9-81ED-4DB2-BD59-A6C34878D82A}">
-                    <a16:rowId xmlns:a16="http://schemas.microsoft.com/office/drawing/2014/main" val="10000"/>
-                  </a:ext>
-                </a:extLst>
-              </a:tr>
-              <a:tr h="342900">
-                <a:tc>
-                  <a:txBody>
-                    <a:bodyPr/>
-                    <a:lstStyle/>
-                    <a:p>
-                      <a:r>
-                        <a:rPr lang="en-US" altLang="zh-CN" sz="1500" dirty="0">
-                          <a:solidFill>
-                            <a:schemeClr val="tx1"/>
-                          </a:solidFill>
-                          <a:latin typeface="Verdana"/>
-                          <a:cs typeface="Verdana"/>
-                        </a:rPr>
-                        <a:t>Arithmetic</a:t>
-                      </a:r>
-                      <a:endParaRPr lang="zh-CN" altLang="en-US" sz="1500" dirty="0">
-                        <a:solidFill>
-                          <a:schemeClr val="tx1"/>
-                        </a:solidFill>
-                        <a:latin typeface="Verdana"/>
-                        <a:cs typeface="Verdana"/>
-                      </a:endParaRPr>
-                    </a:p>
-                  </a:txBody>
-                  <a:tcPr marL="68580" marR="68580" marT="34290" marB="34290"/>
-                </a:tc>
-                <a:tc>
-                  <a:txBody>
-                    <a:bodyPr/>
-                    <a:lstStyle/>
-                    <a:p>
-                      <a:r>
-                        <a:rPr lang="en-US" altLang="zh-CN" sz="1800" baseline="0" dirty="0">
-                          <a:latin typeface="Verdana"/>
-                          <a:cs typeface="Verdana"/>
-                        </a:rPr>
-                        <a:t>result of 0xa9 &gt;&gt; 3 </a:t>
-                      </a:r>
-                      <a:endParaRPr lang="zh-CN" altLang="en-US" sz="1800" dirty="0">
-                        <a:solidFill>
-                          <a:srgbClr val="FF0000"/>
-                        </a:solidFill>
-                        <a:latin typeface="Verdana"/>
-                        <a:cs typeface="Verdana"/>
-                      </a:endParaRPr>
-                    </a:p>
-                  </a:txBody>
-                  <a:tcPr marL="68580" marR="68580" marT="34290" marB="34290"/>
-                </a:tc>
-                <a:tc>
-                  <a:txBody>
-                    <a:bodyPr/>
-                    <a:lstStyle/>
-                    <a:p>
-                      <a:pPr marL="0" marR="0" indent="0" algn="ctr" defTabSz="914400" rtl="0" eaLnBrk="1" fontAlgn="auto" latinLnBrk="0" hangingPunct="1">
-                        <a:lnSpc>
-                          <a:spcPct val="100000"/>
-                        </a:lnSpc>
-                        <a:spcBef>
-                          <a:spcPts val="0"/>
-                        </a:spcBef>
-                        <a:spcAft>
-                          <a:spcPts val="0"/>
-                        </a:spcAft>
-                        <a:buClrTx/>
-                        <a:buSzTx/>
-                        <a:buFontTx/>
-                        <a:buNone/>
-                        <a:tabLst/>
-                        <a:defRPr/>
-                      </a:pPr>
-                      <a:r>
-                        <a:rPr kumimoji="1" lang="en-US" altLang="zh-CN" sz="1800" dirty="0">
-                          <a:solidFill>
-                            <a:srgbClr val="FF0000"/>
-                          </a:solidFill>
-                          <a:latin typeface="Verdana"/>
-                          <a:cs typeface="Verdana"/>
-                        </a:rPr>
-                        <a:t>1</a:t>
-                      </a:r>
-                      <a:r>
-                        <a:rPr kumimoji="1" lang="en-US" altLang="zh-CN" sz="1800" baseline="0" dirty="0">
-                          <a:solidFill>
-                            <a:srgbClr val="FF0000"/>
-                          </a:solidFill>
-                          <a:latin typeface="Verdana"/>
-                          <a:cs typeface="Verdana"/>
-                        </a:rPr>
-                        <a:t> 1  1</a:t>
-                      </a:r>
-                      <a:r>
-                        <a:rPr kumimoji="1" lang="en-US" altLang="zh-CN" sz="1800" dirty="0">
-                          <a:solidFill>
-                            <a:srgbClr val="FF0000"/>
-                          </a:solidFill>
-                          <a:latin typeface="Verdana"/>
-                          <a:cs typeface="Verdana"/>
-                        </a:rPr>
-                        <a:t> </a:t>
-                      </a:r>
-                      <a:r>
-                        <a:rPr kumimoji="1" lang="en-US" altLang="zh-CN" sz="1800" dirty="0">
-                          <a:solidFill>
-                            <a:schemeClr val="tx2">
-                              <a:lumMod val="60000"/>
-                              <a:lumOff val="40000"/>
-                            </a:schemeClr>
-                          </a:solidFill>
-                          <a:latin typeface="Verdana"/>
-                          <a:cs typeface="Verdana"/>
-                        </a:rPr>
-                        <a:t>1</a:t>
-                      </a:r>
-                      <a:r>
-                        <a:rPr kumimoji="1" lang="en-US" altLang="zh-CN" sz="1800" baseline="0" dirty="0">
-                          <a:solidFill>
-                            <a:schemeClr val="tx2">
-                              <a:lumMod val="60000"/>
-                              <a:lumOff val="40000"/>
-                            </a:schemeClr>
-                          </a:solidFill>
-                          <a:latin typeface="Verdana"/>
-                          <a:cs typeface="Verdana"/>
-                        </a:rPr>
-                        <a:t> 0</a:t>
-                      </a:r>
-                      <a:r>
-                        <a:rPr kumimoji="1" lang="en-US" altLang="zh-CN" sz="1800" dirty="0">
-                          <a:solidFill>
-                            <a:schemeClr val="tx2">
-                              <a:lumMod val="60000"/>
-                              <a:lumOff val="40000"/>
-                            </a:schemeClr>
-                          </a:solidFill>
-                          <a:latin typeface="Verdana"/>
-                          <a:cs typeface="Verdana"/>
-                        </a:rPr>
-                        <a:t> 1 0 1  </a:t>
-                      </a:r>
-                      <a:endParaRPr lang="zh-CN" altLang="en-US" sz="1800" dirty="0">
-                        <a:solidFill>
-                          <a:schemeClr val="tx2">
-                            <a:lumMod val="60000"/>
-                            <a:lumOff val="40000"/>
-                          </a:schemeClr>
-                        </a:solidFill>
-                      </a:endParaRPr>
-                    </a:p>
-                  </a:txBody>
-                  <a:tcPr marL="68580" marR="68580" marT="34290" marB="34290"/>
-                </a:tc>
-                <a:extLst>
-                  <a:ext uri="{0D108BD9-81ED-4DB2-BD59-A6C34878D82A}">
-                    <a16:rowId xmlns:a16="http://schemas.microsoft.com/office/drawing/2014/main" val="10001"/>
-                  </a:ext>
-                </a:extLst>
-              </a:tr>
-            </a:tbl>
-          </a:graphicData>
-        </a:graphic>
-      </p:graphicFrame>
-    </p:spTree>
-    <p:extLst>
-      <p:ext uri="{BB962C8B-B14F-4D97-AF65-F5344CB8AC3E}">
-        <p14:creationId xmlns:p14="http://schemas.microsoft.com/office/powerpoint/2010/main" val="3198119801"/>
-      </p:ext>
-    </p:extLst>
-  </p:cSld>
-  <p:clrMapOvr>
-    <a:masterClrMapping/>
-  </p:clrMapOvr>
-</p:sld>
-</file>
-
-<file path=ppt/slides/slide24.xml><?xml version="1.0" encoding="utf-8"?>
-<p:sld xmlns:a="http://schemas.openxmlformats.org/drawingml/2006/main" xmlns:r="http://schemas.openxmlformats.org/officeDocument/2006/relationships" xmlns:p="http://schemas.openxmlformats.org/presentationml/2006/main">
-  <p:cSld>
-    <p:spTree>
-      <p:nvGrpSpPr>
-        <p:cNvPr id="1" name=""/>
-        <p:cNvGrpSpPr/>
-        <p:nvPr/>
-      </p:nvGrpSpPr>
-      <p:grpSpPr>
-        <a:xfrm>
-          <a:off x="0" y="0"/>
-          <a:ext cx="0" cy="0"/>
-          <a:chOff x="0" y="0"/>
-          <a:chExt cx="0" cy="0"/>
-        </a:xfrm>
-      </p:grpSpPr>
-      <p:sp>
-        <p:nvSpPr>
-          <p:cNvPr id="2" name="标题 1"/>
-          <p:cNvSpPr>
-            <a:spLocks noGrp="1"/>
-          </p:cNvSpPr>
-          <p:nvPr>
-            <p:ph type="title"/>
-          </p:nvPr>
-        </p:nvSpPr>
-        <p:spPr/>
-        <p:txBody>
-          <a:bodyPr>
-            <a:normAutofit/>
-          </a:bodyPr>
-          <a:lstStyle/>
-          <a:p>
-            <a:r>
-              <a:rPr kumimoji="1" lang="en-US" altLang="zh-CN" dirty="0"/>
-              <a:t>Which shift is used in C ?</a:t>
-            </a:r>
-            <a:endParaRPr kumimoji="1" lang="zh-CN" altLang="en-US" dirty="0"/>
-          </a:p>
-        </p:txBody>
-      </p:sp>
-      <p:sp>
-        <p:nvSpPr>
-          <p:cNvPr id="3" name="内容占位符 2"/>
-          <p:cNvSpPr>
-            <a:spLocks noGrp="1"/>
-          </p:cNvSpPr>
-          <p:nvPr>
-            <p:ph idx="1"/>
-          </p:nvPr>
-        </p:nvSpPr>
-        <p:spPr/>
-        <p:txBody>
-          <a:bodyPr/>
-          <a:lstStyle/>
-          <a:p>
-            <a:pPr marL="0" indent="0">
-              <a:buNone/>
-            </a:pPr>
-            <a:r>
-              <a:rPr kumimoji="1" lang="en-US" altLang="zh-CN" dirty="0"/>
-              <a:t>Arithmetic shift for signed numbers</a:t>
-            </a:r>
-          </a:p>
-          <a:p>
-            <a:pPr marL="0" indent="0">
-              <a:buNone/>
-            </a:pPr>
-            <a:r>
-              <a:rPr kumimoji="1" lang="en-US" altLang="zh-CN" dirty="0"/>
-              <a:t>Logical shifting on unsigned numbers</a:t>
-            </a:r>
-            <a:endParaRPr kumimoji="1" lang="zh-CN" altLang="en-US" dirty="0"/>
-          </a:p>
-        </p:txBody>
-      </p:sp>
-      <p:sp>
-        <p:nvSpPr>
-          <p:cNvPr id="4" name="矩形 3"/>
-          <p:cNvSpPr/>
-          <p:nvPr/>
-        </p:nvSpPr>
-        <p:spPr>
-          <a:xfrm>
-            <a:off x="1618445" y="3012514"/>
-            <a:ext cx="6202639" cy="2354491"/>
-          </a:xfrm>
-          <a:prstGeom prst="rect">
-            <a:avLst/>
-          </a:prstGeom>
-        </p:spPr>
-        <p:txBody>
-          <a:bodyPr wrap="square">
-            <a:spAutoFit/>
-          </a:bodyPr>
-          <a:lstStyle/>
-          <a:p>
-            <a:r>
-              <a:rPr lang="en-US" altLang="zh-CN" sz="2100" dirty="0">
-                <a:latin typeface="Consolas"/>
-                <a:cs typeface="Consolas"/>
-              </a:rPr>
-              <a:t>#include &lt;</a:t>
-            </a:r>
-            <a:r>
-              <a:rPr lang="en-US" altLang="zh-CN" sz="2100" dirty="0" err="1">
-                <a:latin typeface="Consolas"/>
-                <a:cs typeface="Consolas"/>
-              </a:rPr>
-              <a:t>stdio.h</a:t>
-            </a:r>
-            <a:r>
-              <a:rPr lang="en-US" altLang="zh-CN" sz="2100" dirty="0">
-                <a:latin typeface="Consolas"/>
-                <a:cs typeface="Consolas"/>
-              </a:rPr>
-              <a:t>&gt;</a:t>
-            </a:r>
-          </a:p>
-          <a:p>
-            <a:r>
-              <a:rPr lang="en-US" altLang="zh-CN" sz="2100" dirty="0">
-                <a:latin typeface="Consolas"/>
-                <a:cs typeface="Consolas"/>
-              </a:rPr>
-              <a:t>int main()</a:t>
-            </a:r>
-          </a:p>
-          <a:p>
-            <a:r>
-              <a:rPr lang="en-US" altLang="zh-CN" sz="2100" dirty="0">
-                <a:latin typeface="Consolas"/>
-                <a:cs typeface="Consolas"/>
-              </a:rPr>
-              <a:t>{</a:t>
-            </a:r>
-          </a:p>
-          <a:p>
-            <a:r>
-              <a:rPr lang="mr-IN" altLang="zh-CN" sz="2100" dirty="0">
-                <a:latin typeface="Consolas"/>
-                <a:cs typeface="Consolas"/>
-              </a:rPr>
-              <a:t>  int </a:t>
-            </a:r>
-            <a:r>
-              <a:rPr lang="en-US" altLang="zh-CN" sz="2100" dirty="0">
-                <a:latin typeface="Consolas"/>
-                <a:cs typeface="Consolas"/>
-              </a:rPr>
-              <a:t>a</a:t>
-            </a:r>
-            <a:r>
-              <a:rPr lang="mr-IN" altLang="zh-CN" sz="2100" dirty="0">
-                <a:latin typeface="Consolas"/>
-                <a:cs typeface="Consolas"/>
-              </a:rPr>
-              <a:t> = </a:t>
-            </a:r>
-            <a:r>
-              <a:rPr lang="en-US" altLang="zh-CN" sz="2100" dirty="0">
-                <a:latin typeface="Consolas"/>
-                <a:cs typeface="Consolas"/>
-              </a:rPr>
-              <a:t>-</a:t>
-            </a:r>
-            <a:r>
-              <a:rPr lang="mr-IN" altLang="zh-CN" sz="2100" dirty="0">
-                <a:latin typeface="Consolas"/>
-                <a:cs typeface="Consolas"/>
-              </a:rPr>
-              <a:t>1;</a:t>
-            </a:r>
-          </a:p>
-          <a:p>
-            <a:r>
-              <a:rPr lang="en-US" altLang="zh-CN" sz="2100" dirty="0">
-                <a:latin typeface="Consolas"/>
-                <a:cs typeface="Consolas"/>
-              </a:rPr>
-              <a:t>  unsigned </a:t>
-            </a:r>
-            <a:r>
-              <a:rPr lang="en-US" altLang="zh-CN" sz="2100" dirty="0" err="1">
-                <a:latin typeface="Consolas"/>
-                <a:cs typeface="Consolas"/>
-              </a:rPr>
-              <a:t>int</a:t>
-            </a:r>
-            <a:r>
-              <a:rPr lang="en-US" altLang="zh-CN" sz="2100" dirty="0">
-                <a:latin typeface="Consolas"/>
-                <a:cs typeface="Consolas"/>
-              </a:rPr>
-              <a:t> b = 1;</a:t>
-            </a:r>
-          </a:p>
-          <a:p>
-            <a:r>
-              <a:rPr lang="mr-IN" altLang="zh-CN" sz="2100" dirty="0">
-                <a:latin typeface="Consolas"/>
-                <a:cs typeface="Consolas"/>
-              </a:rPr>
-              <a:t>  printf("%d  %d\n", </a:t>
-            </a:r>
-            <a:r>
-              <a:rPr lang="en-US" altLang="zh-CN" sz="2100" dirty="0">
-                <a:latin typeface="Consolas"/>
-                <a:cs typeface="Consolas"/>
-              </a:rPr>
-              <a:t>a</a:t>
-            </a:r>
-            <a:r>
-              <a:rPr lang="mr-IN" altLang="zh-CN" sz="2100" dirty="0">
-                <a:latin typeface="Consolas"/>
-                <a:cs typeface="Consolas"/>
-              </a:rPr>
-              <a:t>&gt;&gt;10, </a:t>
-            </a:r>
-            <a:r>
-              <a:rPr lang="en-US" altLang="zh-CN" sz="2100" dirty="0">
-                <a:latin typeface="Consolas"/>
-                <a:cs typeface="Consolas"/>
-              </a:rPr>
-              <a:t>b&gt;</a:t>
-            </a:r>
-            <a:r>
-              <a:rPr lang="mr-IN" altLang="zh-CN" sz="2100" dirty="0">
-                <a:latin typeface="Consolas"/>
-                <a:cs typeface="Consolas"/>
-              </a:rPr>
-              <a:t>&gt;10);</a:t>
-            </a:r>
-          </a:p>
-          <a:p>
-            <a:r>
-              <a:rPr lang="mr-IN" altLang="zh-CN" sz="2100" dirty="0">
-                <a:latin typeface="Consolas"/>
-                <a:cs typeface="Consolas"/>
-              </a:rPr>
-              <a:t>}</a:t>
-            </a:r>
-          </a:p>
-        </p:txBody>
-      </p:sp>
-      <p:sp>
-        <p:nvSpPr>
-          <p:cNvPr id="5" name="TextBox 4"/>
+          <p:cNvPr id="4" name="TextBox 3">
+            <a:extLst>
+              <a:ext uri="{FF2B5EF4-FFF2-40B4-BE49-F238E27FC236}">
+                <a16:creationId xmlns:a16="http://schemas.microsoft.com/office/drawing/2014/main" id="{55E7A595-2689-45C4-B586-E4A93C28CAC4}"/>
+              </a:ext>
+            </a:extLst>
+          </p:cNvPr>
           <p:cNvSpPr txBox="1"/>
           <p:nvPr/>
         </p:nvSpPr>
         <p:spPr>
           <a:xfrm>
-            <a:off x="2282748" y="5343921"/>
-            <a:ext cx="2404399" cy="415498"/>
+            <a:off x="4059442" y="4870579"/>
+            <a:ext cx="2432076" cy="369332"/>
           </a:xfrm>
           <a:prstGeom prst="rect">
             <a:avLst/>
           </a:prstGeom>
-          <a:solidFill>
-            <a:schemeClr val="accent1">
-              <a:lumMod val="40000"/>
-              <a:lumOff val="60000"/>
-            </a:schemeClr>
-          </a:solidFill>
+          <a:noFill/>
         </p:spPr>
         <p:txBody>
-          <a:bodyPr wrap="square" rtlCol="0">
+          <a:bodyPr wrap="none" rtlCol="0">
             <a:spAutoFit/>
           </a:bodyPr>
           <a:lstStyle/>
           <a:p>
             <a:r>
-              <a:rPr lang="en-US" sz="2100" dirty="0">
-                <a:latin typeface="Consolas"/>
-                <a:cs typeface="Consolas"/>
-              </a:rPr>
-              <a:t>Result: -1 0</a:t>
-            </a:r>
+              <a:rPr kumimoji="1" lang="en-US" altLang="zh-CN" sz="1800" dirty="0">
+                <a:latin typeface="Verdana"/>
+                <a:cs typeface="Verdana"/>
+              </a:rPr>
+              <a:t>=(0 1 0 0 1 0 0 0)</a:t>
+            </a:r>
+            <a:r>
+              <a:rPr kumimoji="1" lang="en-US" altLang="zh-CN" baseline="-25000" dirty="0">
+                <a:latin typeface="Verdana"/>
+                <a:cs typeface="Verdana"/>
+              </a:rPr>
+              <a:t>2</a:t>
+            </a:r>
+            <a:endParaRPr lang="zh-CN" altLang="en-US" sz="1800" dirty="0"/>
+          </a:p>
+        </p:txBody>
+      </p:sp>
+      <p:sp>
+        <p:nvSpPr>
+          <p:cNvPr id="5" name="TextBox 4">
+            <a:extLst>
+              <a:ext uri="{FF2B5EF4-FFF2-40B4-BE49-F238E27FC236}">
+                <a16:creationId xmlns:a16="http://schemas.microsoft.com/office/drawing/2014/main" id="{0D7CD520-EA8A-4259-A380-5D3C9222EE6C}"/>
+              </a:ext>
+            </a:extLst>
+          </p:cNvPr>
+          <p:cNvSpPr txBox="1"/>
+          <p:nvPr/>
+        </p:nvSpPr>
+        <p:spPr>
+          <a:xfrm>
+            <a:off x="4059442" y="3868776"/>
+            <a:ext cx="2324675" cy="369332"/>
+          </a:xfrm>
+          <a:prstGeom prst="rect">
+            <a:avLst/>
+          </a:prstGeom>
+          <a:noFill/>
+        </p:spPr>
+        <p:txBody>
+          <a:bodyPr wrap="none" rtlCol="0">
+            <a:spAutoFit/>
+          </a:bodyPr>
+          <a:lstStyle/>
+          <a:p>
+            <a:r>
+              <a:rPr kumimoji="1" lang="en-US" altLang="zh-CN" sz="1800" dirty="0">
+                <a:latin typeface="Verdana"/>
+                <a:cs typeface="Verdana"/>
+              </a:rPr>
+              <a:t>(0 1 1 0 1 0 0 1)</a:t>
+            </a:r>
+            <a:r>
+              <a:rPr kumimoji="1" lang="en-US" altLang="zh-CN" sz="1800" baseline="-25000" dirty="0">
+                <a:latin typeface="Verdana"/>
+                <a:cs typeface="Verdana"/>
+              </a:rPr>
+              <a:t>2</a:t>
+            </a:r>
+            <a:r>
+              <a:rPr kumimoji="1" lang="en-US" altLang="zh-CN" sz="1800" dirty="0">
+                <a:latin typeface="Verdana"/>
+                <a:cs typeface="Verdana"/>
+              </a:rPr>
+              <a:t> </a:t>
+            </a:r>
+            <a:endParaRPr lang="zh-CN" altLang="en-US" sz="1800" dirty="0"/>
+          </a:p>
+        </p:txBody>
+      </p:sp>
+      <p:sp>
+        <p:nvSpPr>
+          <p:cNvPr id="7" name="TextBox 6">
+            <a:extLst>
+              <a:ext uri="{FF2B5EF4-FFF2-40B4-BE49-F238E27FC236}">
+                <a16:creationId xmlns:a16="http://schemas.microsoft.com/office/drawing/2014/main" id="{71941B2F-33C7-4D8E-B638-620FBF7FA4FC}"/>
+              </a:ext>
+            </a:extLst>
+          </p:cNvPr>
+          <p:cNvSpPr txBox="1"/>
+          <p:nvPr/>
+        </p:nvSpPr>
+        <p:spPr>
+          <a:xfrm>
+            <a:off x="1075145" y="3852460"/>
+            <a:ext cx="2605200" cy="400110"/>
+          </a:xfrm>
+          <a:prstGeom prst="rect">
+            <a:avLst/>
+          </a:prstGeom>
+          <a:noFill/>
+        </p:spPr>
+        <p:txBody>
+          <a:bodyPr wrap="none" rtlCol="0">
+            <a:spAutoFit/>
+          </a:bodyPr>
+          <a:lstStyle/>
+          <a:p>
+            <a:r>
+              <a:rPr lang="en-US" altLang="zh-CN" sz="2000" baseline="0" dirty="0">
+                <a:latin typeface="Verdana"/>
+                <a:cs typeface="Verdana"/>
+              </a:rPr>
+              <a:t>result of </a:t>
+            </a:r>
+            <a:r>
+              <a:rPr lang="en-US" altLang="zh-CN" sz="2000" baseline="0" dirty="0">
+                <a:latin typeface="Consolas" panose="020B0609020204030204" pitchFamily="49" charset="0"/>
+                <a:cs typeface="Verdana"/>
+              </a:rPr>
+              <a:t>0x69&lt;&lt;3 </a:t>
+            </a:r>
+            <a:r>
+              <a:rPr lang="en-US" altLang="zh-CN" sz="2000" baseline="0" dirty="0">
+                <a:latin typeface="Verdana"/>
+                <a:cs typeface="Verdana"/>
+              </a:rPr>
+              <a:t>?</a:t>
+            </a:r>
+            <a:endParaRPr lang="zh-CN" altLang="en-US" sz="2000" dirty="0">
+              <a:solidFill>
+                <a:srgbClr val="FF0000"/>
+              </a:solidFill>
+              <a:latin typeface="Verdana"/>
+              <a:cs typeface="Verdana"/>
+            </a:endParaRPr>
           </a:p>
         </p:txBody>
       </p:sp>
     </p:spTree>
     <p:extLst>
       <p:ext uri="{BB962C8B-B14F-4D97-AF65-F5344CB8AC3E}">
-        <p14:creationId xmlns:p14="http://schemas.microsoft.com/office/powerpoint/2010/main" val="3159612047"/>
+        <p14:creationId xmlns:p14="http://schemas.microsoft.com/office/powerpoint/2010/main" val="3450927042"/>
       </p:ext>
     </p:extLst>
   </p:cSld>
@@ -14241,7 +13833,79 @@
                                           </p:stCondLst>
                                         </p:cTn>
                                         <p:tgtEl>
+                                          <p:spTgt spid="7"/>
+                                        </p:tgtEl>
+                                        <p:attrNameLst>
+                                          <p:attrName>style.visibility</p:attrName>
+                                        </p:attrNameLst>
+                                      </p:cBhvr>
+                                      <p:to>
+                                        <p:strVal val="visible"/>
+                                      </p:to>
+                                    </p:set>
+                                  </p:childTnLst>
+                                </p:cTn>
+                              </p:par>
+                              <p:par>
+                                <p:cTn id="7" presetID="1" presetClass="entr" presetSubtype="0" fill="hold" grpId="0" nodeType="withEffect">
+                                  <p:stCondLst>
+                                    <p:cond delay="0"/>
+                                  </p:stCondLst>
+                                  <p:childTnLst>
+                                    <p:set>
+                                      <p:cBhvr>
+                                        <p:cTn id="8" dur="1" fill="hold">
+                                          <p:stCondLst>
+                                            <p:cond delay="0"/>
+                                          </p:stCondLst>
+                                        </p:cTn>
+                                        <p:tgtEl>
                                           <p:spTgt spid="5"/>
+                                        </p:tgtEl>
+                                        <p:attrNameLst>
+                                          <p:attrName>style.visibility</p:attrName>
+                                        </p:attrNameLst>
+                                      </p:cBhvr>
+                                      <p:to>
+                                        <p:strVal val="visible"/>
+                                      </p:to>
+                                    </p:set>
+                                  </p:childTnLst>
+                                </p:cTn>
+                              </p:par>
+                            </p:childTnLst>
+                          </p:cTn>
+                        </p:par>
+                      </p:childTnLst>
+                    </p:cTn>
+                  </p:par>
+                  <p:par>
+                    <p:cTn id="9" fill="hold">
+                      <p:stCondLst>
+                        <p:cond delay="indefinite"/>
+                      </p:stCondLst>
+                      <p:childTnLst>
+                        <p:par>
+                          <p:cTn id="10" fill="hold">
+                            <p:stCondLst>
+                              <p:cond delay="0"/>
+                            </p:stCondLst>
+                            <p:childTnLst>
+                              <p:par>
+                                <p:cTn id="11" presetID="1" presetClass="entr" presetSubtype="0" fill="hold" grpId="0" nodeType="clickEffect">
+                                  <p:stCondLst>
+                                    <p:cond delay="0"/>
+                                  </p:stCondLst>
+                                  <p:childTnLst>
+                                    <p:set>
+                                      <p:cBhvr>
+                                        <p:cTn id="12" dur="1" fill="hold">
+                                          <p:stCondLst>
+                                            <p:cond delay="0"/>
+                                          </p:stCondLst>
+                                        </p:cTn>
+                                        <p:tgtEl>
+                                          <p:spTgt spid="4"/>
                                         </p:tgtEl>
                                         <p:attrNameLst>
                                           <p:attrName>style.visibility</p:attrName>
@@ -14282,13 +13946,15 @@
       </p:par>
     </p:tnLst>
     <p:bldLst>
-      <p:bldP spid="5" grpId="0" animBg="1"/>
+      <p:bldP spid="4" grpId="0"/>
+      <p:bldP spid="5" grpId="0"/>
+      <p:bldP spid="7" grpId="0"/>
     </p:bldLst>
   </p:timing>
 </p:sld>
 </file>
 
-<file path=ppt/slides/slide25.xml><?xml version="1.0" encoding="utf-8"?>
+<file path=ppt/slides/slide22.xml><?xml version="1.0" encoding="utf-8"?>
 <p:sld xmlns:a="http://schemas.openxmlformats.org/drawingml/2006/main" xmlns:r="http://schemas.openxmlformats.org/officeDocument/2006/relationships" xmlns:p="http://schemas.openxmlformats.org/presentationml/2006/main">
   <p:cSld>
     <p:spTree>
@@ -14317,14 +13983,12 @@
         </p:nvSpPr>
         <p:spPr/>
         <p:txBody>
-          <a:bodyPr>
-            <a:normAutofit/>
-          </a:bodyPr>
+          <a:bodyPr/>
           <a:lstStyle/>
           <a:p>
             <a:r>
               <a:rPr kumimoji="1" lang="en-US" altLang="zh-CN" dirty="0"/>
-              <a:t>Which shift is used?</a:t>
+              <a:t>Bitwise right-shift: &gt;&gt;</a:t>
             </a:r>
             <a:endParaRPr kumimoji="1" lang="zh-CN" altLang="en-US" dirty="0"/>
           </a:p>
@@ -14340,234 +14004,131 @@
             <p:ph idx="1"/>
           </p:nvPr>
         </p:nvSpPr>
-        <p:spPr/>
+        <p:spPr>
+          <a:xfrm>
+            <a:off x="553616" y="2057401"/>
+            <a:ext cx="7893698" cy="1581538"/>
+          </a:xfrm>
+        </p:spPr>
         <p:txBody>
-          <a:bodyPr/>
+          <a:bodyPr>
+            <a:normAutofit fontScale="92500" lnSpcReduction="10000"/>
+          </a:bodyPr>
           <a:lstStyle/>
           <a:p>
-            <a:pPr marL="0" indent="0">
+            <a:r>
+              <a:rPr kumimoji="1" lang="en-US" altLang="zh-CN" dirty="0">
+                <a:latin typeface="+mj-lt"/>
+                <a:cs typeface="Verdana"/>
+              </a:rPr>
+              <a:t>x &gt;&gt; y, shift bit-vector x right by y positions</a:t>
+            </a:r>
+          </a:p>
+          <a:p>
+            <a:pPr lvl="1"/>
+            <a:r>
+              <a:rPr kumimoji="1" lang="en-US" altLang="zh-CN" dirty="0">
+                <a:latin typeface="+mj-lt"/>
+                <a:cs typeface="Verdana"/>
+              </a:rPr>
+              <a:t>Throw away bits shifted out on the right</a:t>
+            </a:r>
+          </a:p>
+          <a:p>
+            <a:pPr lvl="1"/>
+            <a:r>
+              <a:rPr kumimoji="1" lang="en-US" altLang="zh-CN" b="1" dirty="0">
+                <a:latin typeface="+mj-lt"/>
+                <a:cs typeface="Verdana"/>
+              </a:rPr>
+              <a:t>Logical shift</a:t>
+            </a:r>
+            <a:r>
+              <a:rPr kumimoji="1" lang="en-US" altLang="zh-CN" dirty="0">
+                <a:latin typeface="+mj-lt"/>
+                <a:cs typeface="Verdana"/>
+              </a:rPr>
+              <a:t>: Fill with 0’s on left</a:t>
+            </a:r>
+          </a:p>
+          <a:p>
+            <a:pPr lvl="1"/>
+            <a:r>
+              <a:rPr kumimoji="1" lang="en-US" altLang="zh-CN" b="1" dirty="0">
+                <a:latin typeface="+mj-lt"/>
+                <a:cs typeface="Verdana"/>
+              </a:rPr>
+              <a:t>Arithmetic shift</a:t>
+            </a:r>
+            <a:r>
+              <a:rPr kumimoji="1" lang="en-US" altLang="zh-CN" dirty="0">
+                <a:latin typeface="+mj-lt"/>
+                <a:cs typeface="Verdana"/>
+              </a:rPr>
+              <a:t>: Replicate </a:t>
+            </a:r>
+            <a:r>
+              <a:rPr kumimoji="1" lang="en-US" altLang="zh-CN" dirty="0" err="1">
+                <a:latin typeface="+mj-lt"/>
+                <a:cs typeface="Verdana"/>
+              </a:rPr>
+              <a:t>msb</a:t>
+            </a:r>
+            <a:r>
+              <a:rPr kumimoji="1" lang="en-US" altLang="zh-CN" dirty="0">
+                <a:latin typeface="+mj-lt"/>
+                <a:cs typeface="Verdana"/>
+              </a:rPr>
+              <a:t> on the left</a:t>
+            </a:r>
+          </a:p>
+          <a:p>
+            <a:pPr marL="457200" lvl="1" indent="0">
               <a:buNone/>
             </a:pPr>
-            <a:r>
-              <a:rPr kumimoji="1" lang="en-US" altLang="zh-CN" dirty="0"/>
-              <a:t>Arithmetic shift for signed numbers</a:t>
-            </a:r>
-          </a:p>
-          <a:p>
-            <a:pPr marL="0" indent="0">
+            <a:endParaRPr kumimoji="1" lang="en-US" altLang="zh-CN" dirty="0">
+              <a:latin typeface="+mj-lt"/>
+              <a:cs typeface="Verdana"/>
+            </a:endParaRPr>
+          </a:p>
+          <a:p>
+            <a:endParaRPr kumimoji="1" lang="en-US" altLang="zh-CN" dirty="0">
+              <a:latin typeface="Verdana"/>
+              <a:cs typeface="Verdana"/>
+            </a:endParaRPr>
+          </a:p>
+          <a:p>
+            <a:pPr marL="342900" lvl="1" indent="0">
               <a:buNone/>
             </a:pPr>
-            <a:r>
-              <a:rPr kumimoji="1" lang="en-US" altLang="zh-CN" dirty="0"/>
-              <a:t>Logical shifting on unsigned numbers</a:t>
-            </a:r>
-            <a:endParaRPr kumimoji="1" lang="zh-CN" altLang="en-US" dirty="0"/>
+            <a:endParaRPr kumimoji="1" lang="zh-CN" altLang="en-US" dirty="0">
+              <a:latin typeface="Verdana"/>
+              <a:cs typeface="Verdana"/>
+            </a:endParaRPr>
           </a:p>
         </p:txBody>
       </p:sp>
       <p:sp>
         <p:nvSpPr>
-          <p:cNvPr id="4" name="矩形 3"/>
-          <p:cNvSpPr/>
-          <p:nvPr/>
-        </p:nvSpPr>
-        <p:spPr>
-          <a:xfrm>
-            <a:off x="1618445" y="3012514"/>
-            <a:ext cx="6202639" cy="2677656"/>
-          </a:xfrm>
-          <a:prstGeom prst="rect">
-            <a:avLst/>
-          </a:prstGeom>
-        </p:spPr>
-        <p:txBody>
-          <a:bodyPr wrap="square">
-            <a:spAutoFit/>
-          </a:bodyPr>
-          <a:lstStyle/>
-          <a:p>
-            <a:r>
-              <a:rPr lang="en-US" altLang="zh-CN" sz="2100" dirty="0">
-                <a:latin typeface="Consolas"/>
-                <a:cs typeface="Consolas"/>
-              </a:rPr>
-              <a:t>#include &lt;</a:t>
-            </a:r>
-            <a:r>
-              <a:rPr lang="en-US" altLang="zh-CN" sz="2100" dirty="0" err="1">
-                <a:latin typeface="Consolas"/>
-                <a:cs typeface="Consolas"/>
-              </a:rPr>
-              <a:t>stdio.h</a:t>
-            </a:r>
-            <a:r>
-              <a:rPr lang="en-US" altLang="zh-CN" sz="2100" dirty="0">
-                <a:latin typeface="Consolas"/>
-                <a:cs typeface="Consolas"/>
-              </a:rPr>
-              <a:t>&gt;</a:t>
-            </a:r>
-          </a:p>
-          <a:p>
-            <a:r>
-              <a:rPr lang="en-US" altLang="zh-CN" sz="2100" dirty="0">
-                <a:latin typeface="Consolas"/>
-                <a:cs typeface="Consolas"/>
-              </a:rPr>
-              <a:t>int main()</a:t>
-            </a:r>
-          </a:p>
-          <a:p>
-            <a:r>
-              <a:rPr lang="en-US" altLang="zh-CN" sz="2100" dirty="0">
-                <a:latin typeface="Consolas"/>
-                <a:cs typeface="Consolas"/>
-              </a:rPr>
-              <a:t>{</a:t>
-            </a:r>
-          </a:p>
-          <a:p>
-            <a:r>
-              <a:rPr lang="mr-IN" altLang="zh-CN" sz="2100" dirty="0">
-                <a:latin typeface="Consolas"/>
-                <a:cs typeface="Consolas"/>
-              </a:rPr>
-              <a:t>  int </a:t>
-            </a:r>
-            <a:r>
-              <a:rPr lang="en-US" altLang="zh-CN" sz="2100" dirty="0">
-                <a:latin typeface="Consolas"/>
-                <a:cs typeface="Consolas"/>
-              </a:rPr>
-              <a:t>a</a:t>
-            </a:r>
-            <a:r>
-              <a:rPr lang="mr-IN" altLang="zh-CN" sz="2100" dirty="0">
-                <a:latin typeface="Consolas"/>
-                <a:cs typeface="Consolas"/>
-              </a:rPr>
-              <a:t> = </a:t>
-            </a:r>
-            <a:r>
-              <a:rPr lang="en-US" altLang="zh-CN" sz="2100" dirty="0">
-                <a:latin typeface="Consolas"/>
-                <a:cs typeface="Consolas"/>
-              </a:rPr>
-              <a:t>-</a:t>
-            </a:r>
-            <a:r>
-              <a:rPr lang="mr-IN" altLang="zh-CN" sz="2100" dirty="0">
-                <a:latin typeface="Consolas"/>
-                <a:cs typeface="Consolas"/>
-              </a:rPr>
-              <a:t>1;</a:t>
-            </a:r>
-          </a:p>
-          <a:p>
-            <a:r>
-              <a:rPr lang="en-US" altLang="zh-CN" sz="2100" dirty="0">
-                <a:latin typeface="Consolas"/>
-                <a:cs typeface="Consolas"/>
-              </a:rPr>
-              <a:t>  unsigned </a:t>
-            </a:r>
-            <a:r>
-              <a:rPr lang="en-US" altLang="zh-CN" sz="2100" dirty="0" err="1">
-                <a:latin typeface="Consolas"/>
-                <a:cs typeface="Consolas"/>
-              </a:rPr>
-              <a:t>int</a:t>
-            </a:r>
-            <a:r>
-              <a:rPr lang="en-US" altLang="zh-CN" sz="2100" dirty="0">
-                <a:latin typeface="Consolas"/>
-                <a:cs typeface="Consolas"/>
-              </a:rPr>
-              <a:t> b = 1;</a:t>
-            </a:r>
-          </a:p>
-          <a:p>
-            <a:r>
-              <a:rPr lang="mr-IN" altLang="zh-CN" sz="2100" dirty="0">
-                <a:latin typeface="Consolas"/>
-                <a:cs typeface="Consolas"/>
-              </a:rPr>
-              <a:t>  printf("%d  %d\n", </a:t>
-            </a:r>
-            <a:r>
-              <a:rPr lang="en-US" altLang="zh-CN" sz="2100" dirty="0">
-                <a:latin typeface="Consolas"/>
-                <a:cs typeface="Consolas"/>
-              </a:rPr>
-              <a:t>(unsigned </a:t>
-            </a:r>
-            <a:r>
-              <a:rPr lang="en-US" altLang="zh-CN" sz="2100" dirty="0" err="1">
-                <a:latin typeface="Consolas"/>
-                <a:cs typeface="Consolas"/>
-              </a:rPr>
-              <a:t>int</a:t>
-            </a:r>
-            <a:r>
-              <a:rPr lang="en-US" altLang="zh-CN" sz="2100" dirty="0">
-                <a:latin typeface="Consolas"/>
-                <a:cs typeface="Consolas"/>
-              </a:rPr>
-              <a:t>)a</a:t>
-            </a:r>
-            <a:r>
-              <a:rPr lang="mr-IN" altLang="zh-CN" sz="2100" dirty="0">
-                <a:latin typeface="Consolas"/>
-                <a:cs typeface="Consolas"/>
-              </a:rPr>
-              <a:t>&gt;&gt;10, </a:t>
-            </a:r>
-            <a:r>
-              <a:rPr lang="en-US" altLang="zh-CN" sz="2100" dirty="0">
-                <a:latin typeface="Consolas"/>
-                <a:cs typeface="Consolas"/>
-              </a:rPr>
-              <a:t>b&gt;</a:t>
-            </a:r>
-            <a:r>
-              <a:rPr lang="mr-IN" altLang="zh-CN" sz="2100" dirty="0">
-                <a:latin typeface="Consolas"/>
-                <a:cs typeface="Consolas"/>
-              </a:rPr>
-              <a:t>&gt;10);</a:t>
-            </a:r>
-          </a:p>
-          <a:p>
-            <a:r>
-              <a:rPr lang="mr-IN" altLang="zh-CN" sz="2100" dirty="0">
-                <a:latin typeface="Consolas"/>
-                <a:cs typeface="Consolas"/>
-              </a:rPr>
-              <a:t>}</a:t>
-            </a:r>
-          </a:p>
-        </p:txBody>
-      </p:sp>
-      <p:sp>
-        <p:nvSpPr>
-          <p:cNvPr id="5" name="TextBox 4"/>
+          <p:cNvPr id="7" name="TextBox 6">
+            <a:extLst>
+              <a:ext uri="{FF2B5EF4-FFF2-40B4-BE49-F238E27FC236}">
+                <a16:creationId xmlns:a16="http://schemas.microsoft.com/office/drawing/2014/main" id="{91B2E905-FE02-44C4-801A-5535BB1DFD7D}"/>
+              </a:ext>
+            </a:extLst>
+          </p:cNvPr>
           <p:cNvSpPr txBox="1"/>
           <p:nvPr/>
         </p:nvSpPr>
         <p:spPr>
           <a:xfrm>
-            <a:off x="2282748" y="5343921"/>
-            <a:ext cx="2784737" cy="415498"/>
+            <a:off x="628881" y="4021719"/>
+            <a:ext cx="4237891" cy="400110"/>
           </a:xfrm>
           <a:prstGeom prst="rect">
             <a:avLst/>
           </a:prstGeom>
-          <a:solidFill>
-            <a:schemeClr val="accent1">
-              <a:lumMod val="40000"/>
-              <a:lumOff val="60000"/>
-            </a:schemeClr>
-          </a:solidFill>
+          <a:noFill/>
         </p:spPr>
         <p:txBody>
           <a:bodyPr wrap="none" rtlCol="0">
@@ -14576,30 +14137,245 @@
           <a:lstStyle/>
           <a:p>
             <a:r>
-              <a:rPr lang="en-US" sz="2100" dirty="0">
-                <a:latin typeface="Consolas"/>
-                <a:cs typeface="Consolas"/>
-              </a:rPr>
-              <a:t>Result: </a:t>
-            </a:r>
-            <a:r>
-              <a:rPr lang="en-US" sz="2100" dirty="0"/>
-              <a:t>4194303   0</a:t>
-            </a:r>
-            <a:r>
-              <a:rPr lang="en-US" sz="2100" dirty="0">
-                <a:latin typeface="Consolas"/>
-                <a:cs typeface="Consolas"/>
-              </a:rPr>
+              <a:rPr lang="en-US" altLang="zh-CN" sz="2000" baseline="0" dirty="0"/>
+              <a:t>Result of (logical) right-shift: 0xa9 &gt;&gt; 3 </a:t>
+            </a:r>
+            <a:endParaRPr lang="zh-CN" altLang="en-US" sz="2000" dirty="0">
+              <a:solidFill>
+                <a:srgbClr val="FF0000"/>
+              </a:solidFill>
+              <a:latin typeface="Verdana"/>
+              <a:cs typeface="Verdana"/>
+            </a:endParaRPr>
+          </a:p>
+        </p:txBody>
+      </p:sp>
+      <p:sp>
+        <p:nvSpPr>
+          <p:cNvPr id="8" name="TextBox 7">
+            <a:extLst>
+              <a:ext uri="{FF2B5EF4-FFF2-40B4-BE49-F238E27FC236}">
+                <a16:creationId xmlns:a16="http://schemas.microsoft.com/office/drawing/2014/main" id="{AED7C27E-E857-4A78-AAA3-8D9C7EB7EF60}"/>
+              </a:ext>
+            </a:extLst>
+          </p:cNvPr>
+          <p:cNvSpPr txBox="1"/>
+          <p:nvPr/>
+        </p:nvSpPr>
+        <p:spPr>
+          <a:xfrm>
+            <a:off x="5466122" y="3995829"/>
+            <a:ext cx="1928733" cy="400110"/>
+          </a:xfrm>
+          <a:prstGeom prst="rect">
+            <a:avLst/>
+          </a:prstGeom>
+          <a:noFill/>
+        </p:spPr>
+        <p:txBody>
+          <a:bodyPr wrap="none" rtlCol="0">
+            <a:spAutoFit/>
+          </a:bodyPr>
+          <a:lstStyle/>
+          <a:p>
+            <a:r>
+              <a:rPr kumimoji="1" lang="en-US" altLang="zh-CN" sz="2000" dirty="0"/>
+              <a:t>(1 0 1 0 1 0 0 1)</a:t>
+            </a:r>
+            <a:r>
+              <a:rPr kumimoji="1" lang="en-US" altLang="zh-CN" sz="2000" baseline="-25000" dirty="0"/>
+              <a:t>2</a:t>
+            </a:r>
+            <a:r>
+              <a:rPr kumimoji="1" lang="en-US" altLang="zh-CN" sz="2000" dirty="0"/>
               <a:t> </a:t>
             </a:r>
+            <a:endParaRPr lang="zh-CN" altLang="en-US" sz="2000" dirty="0"/>
+          </a:p>
+        </p:txBody>
+      </p:sp>
+      <p:sp>
+        <p:nvSpPr>
+          <p:cNvPr id="9" name="TextBox 8">
+            <a:extLst>
+              <a:ext uri="{FF2B5EF4-FFF2-40B4-BE49-F238E27FC236}">
+                <a16:creationId xmlns:a16="http://schemas.microsoft.com/office/drawing/2014/main" id="{97B27C8E-3AFA-4D86-B69B-BD98314419C2}"/>
+              </a:ext>
+            </a:extLst>
+          </p:cNvPr>
+          <p:cNvSpPr txBox="1"/>
+          <p:nvPr/>
+        </p:nvSpPr>
+        <p:spPr>
+          <a:xfrm>
+            <a:off x="5337080" y="4630170"/>
+            <a:ext cx="1999265" cy="400110"/>
+          </a:xfrm>
+          <a:prstGeom prst="rect">
+            <a:avLst/>
+          </a:prstGeom>
+          <a:noFill/>
+        </p:spPr>
+        <p:txBody>
+          <a:bodyPr wrap="none" rtlCol="0">
+            <a:spAutoFit/>
+          </a:bodyPr>
+          <a:lstStyle/>
+          <a:p>
+            <a:r>
+              <a:rPr kumimoji="1" lang="en-US" altLang="zh-CN" sz="2000" dirty="0"/>
+              <a:t>=(</a:t>
+            </a:r>
+            <a:r>
+              <a:rPr kumimoji="1" lang="en-US" altLang="zh-CN" sz="2000" dirty="0">
+                <a:solidFill>
+                  <a:srgbClr val="FF0000"/>
+                </a:solidFill>
+              </a:rPr>
+              <a:t>0 0 0 </a:t>
+            </a:r>
+            <a:r>
+              <a:rPr kumimoji="1" lang="en-US" altLang="zh-CN" sz="2000" dirty="0"/>
+              <a:t>1</a:t>
+            </a:r>
+            <a:r>
+              <a:rPr kumimoji="1" lang="en-US" altLang="zh-CN" sz="2000" baseline="0" dirty="0"/>
+              <a:t> 0</a:t>
+            </a:r>
+            <a:r>
+              <a:rPr kumimoji="1" lang="en-US" altLang="zh-CN" sz="2000" dirty="0"/>
+              <a:t> 1 0 1)</a:t>
+            </a:r>
+            <a:r>
+              <a:rPr kumimoji="1" lang="en-US" altLang="zh-CN" sz="2000" baseline="-25000" dirty="0"/>
+              <a:t>2</a:t>
+            </a:r>
+            <a:endParaRPr lang="zh-CN" altLang="en-US" sz="2000" dirty="0"/>
+          </a:p>
+        </p:txBody>
+      </p:sp>
+      <p:sp>
+        <p:nvSpPr>
+          <p:cNvPr id="11" name="TextBox 10">
+            <a:extLst>
+              <a:ext uri="{FF2B5EF4-FFF2-40B4-BE49-F238E27FC236}">
+                <a16:creationId xmlns:a16="http://schemas.microsoft.com/office/drawing/2014/main" id="{A3CFEDB5-F7A0-4C3F-918B-9347485C38FB}"/>
+              </a:ext>
+            </a:extLst>
+          </p:cNvPr>
+          <p:cNvSpPr txBox="1"/>
+          <p:nvPr/>
+        </p:nvSpPr>
+        <p:spPr>
+          <a:xfrm>
+            <a:off x="619550" y="5286995"/>
+            <a:ext cx="4655442" cy="400110"/>
+          </a:xfrm>
+          <a:prstGeom prst="rect">
+            <a:avLst/>
+          </a:prstGeom>
+          <a:noFill/>
+        </p:spPr>
+        <p:txBody>
+          <a:bodyPr wrap="none" rtlCol="0">
+            <a:spAutoFit/>
+          </a:bodyPr>
+          <a:lstStyle/>
+          <a:p>
+            <a:r>
+              <a:rPr lang="en-US" altLang="zh-CN" sz="2000" baseline="0" dirty="0"/>
+              <a:t>Result of (arithmetic) right-shift: 0xa9 &gt;&gt; 3 </a:t>
+            </a:r>
+            <a:endParaRPr lang="zh-CN" altLang="en-US" sz="2000" dirty="0">
+              <a:solidFill>
+                <a:srgbClr val="FF0000"/>
+              </a:solidFill>
+              <a:latin typeface="Verdana"/>
+              <a:cs typeface="Verdana"/>
+            </a:endParaRPr>
+          </a:p>
+        </p:txBody>
+      </p:sp>
+      <p:sp>
+        <p:nvSpPr>
+          <p:cNvPr id="15" name="TextBox 14">
+            <a:extLst>
+              <a:ext uri="{FF2B5EF4-FFF2-40B4-BE49-F238E27FC236}">
+                <a16:creationId xmlns:a16="http://schemas.microsoft.com/office/drawing/2014/main" id="{672B5840-0D81-44AA-AAF7-84719A444FCB}"/>
+              </a:ext>
+            </a:extLst>
+          </p:cNvPr>
+          <p:cNvSpPr txBox="1"/>
+          <p:nvPr/>
+        </p:nvSpPr>
+        <p:spPr>
+          <a:xfrm>
+            <a:off x="5337080" y="5385379"/>
+            <a:ext cx="1999265" cy="400110"/>
+          </a:xfrm>
+          <a:prstGeom prst="rect">
+            <a:avLst/>
+          </a:prstGeom>
+          <a:noFill/>
+        </p:spPr>
+        <p:txBody>
+          <a:bodyPr wrap="none" rtlCol="0">
+            <a:spAutoFit/>
+          </a:bodyPr>
+          <a:lstStyle/>
+          <a:p>
+            <a:r>
+              <a:rPr kumimoji="1" lang="en-US" altLang="zh-CN" sz="2000" dirty="0"/>
+              <a:t>=(</a:t>
+            </a:r>
+            <a:r>
+              <a:rPr kumimoji="1" lang="en-US" altLang="zh-CN" sz="2000" dirty="0">
+                <a:solidFill>
+                  <a:srgbClr val="FF0000"/>
+                </a:solidFill>
+              </a:rPr>
+              <a:t>1 1 1</a:t>
+            </a:r>
+            <a:r>
+              <a:rPr kumimoji="1" lang="en-US" altLang="zh-CN" sz="2000" baseline="0" dirty="0">
+                <a:solidFill>
+                  <a:srgbClr val="FF0000"/>
+                </a:solidFill>
+              </a:rPr>
+              <a:t> </a:t>
+            </a:r>
+            <a:r>
+              <a:rPr kumimoji="1" lang="en-US" altLang="zh-CN" sz="2000" baseline="0" dirty="0"/>
+              <a:t>1</a:t>
+            </a:r>
+            <a:r>
+              <a:rPr kumimoji="1" lang="en-US" altLang="zh-CN" sz="2000" baseline="0" dirty="0">
+                <a:solidFill>
+                  <a:srgbClr val="FF0000"/>
+                </a:solidFill>
+              </a:rPr>
+              <a:t> </a:t>
+            </a:r>
+            <a:r>
+              <a:rPr kumimoji="1" lang="en-US" altLang="zh-CN" sz="2000" baseline="0" dirty="0"/>
+              <a:t>0</a:t>
+            </a:r>
+            <a:r>
+              <a:rPr kumimoji="1" lang="en-US" altLang="zh-CN" sz="2000" dirty="0"/>
+              <a:t> 1 0 1)</a:t>
+            </a:r>
+            <a:r>
+              <a:rPr kumimoji="1" lang="en-US" altLang="zh-CN" sz="2000" baseline="-25000" dirty="0"/>
+              <a:t>2</a:t>
+            </a:r>
+            <a:endParaRPr lang="zh-CN" altLang="en-US" sz="2000" dirty="0"/>
           </a:p>
         </p:txBody>
       </p:sp>
     </p:spTree>
     <p:extLst>
       <p:ext uri="{BB962C8B-B14F-4D97-AF65-F5344CB8AC3E}">
-        <p14:creationId xmlns:p14="http://schemas.microsoft.com/office/powerpoint/2010/main" val="3044619059"/>
+        <p14:creationId xmlns:p14="http://schemas.microsoft.com/office/powerpoint/2010/main" val="3012479123"/>
       </p:ext>
     </p:extLst>
   </p:cSld>
@@ -14640,7 +14416,169 @@
                                           </p:stCondLst>
                                         </p:cTn>
                                         <p:tgtEl>
-                                          <p:spTgt spid="5"/>
+                                          <p:spTgt spid="7"/>
+                                        </p:tgtEl>
+                                        <p:attrNameLst>
+                                          <p:attrName>style.visibility</p:attrName>
+                                        </p:attrNameLst>
+                                      </p:cBhvr>
+                                      <p:to>
+                                        <p:strVal val="visible"/>
+                                      </p:to>
+                                    </p:set>
+                                  </p:childTnLst>
+                                </p:cTn>
+                              </p:par>
+                              <p:par>
+                                <p:cTn id="7" presetID="1" presetClass="entr" presetSubtype="0" fill="hold" grpId="0" nodeType="withEffect">
+                                  <p:stCondLst>
+                                    <p:cond delay="0"/>
+                                  </p:stCondLst>
+                                  <p:childTnLst>
+                                    <p:set>
+                                      <p:cBhvr>
+                                        <p:cTn id="8" dur="1" fill="hold">
+                                          <p:stCondLst>
+                                            <p:cond delay="0"/>
+                                          </p:stCondLst>
+                                        </p:cTn>
+                                        <p:tgtEl>
+                                          <p:spTgt spid="8"/>
+                                        </p:tgtEl>
+                                        <p:attrNameLst>
+                                          <p:attrName>style.visibility</p:attrName>
+                                        </p:attrNameLst>
+                                      </p:cBhvr>
+                                      <p:to>
+                                        <p:strVal val="visible"/>
+                                      </p:to>
+                                    </p:set>
+                                  </p:childTnLst>
+                                </p:cTn>
+                              </p:par>
+                            </p:childTnLst>
+                          </p:cTn>
+                        </p:par>
+                      </p:childTnLst>
+                    </p:cTn>
+                  </p:par>
+                  <p:par>
+                    <p:cTn id="9" fill="hold">
+                      <p:stCondLst>
+                        <p:cond delay="indefinite"/>
+                      </p:stCondLst>
+                      <p:childTnLst>
+                        <p:par>
+                          <p:cTn id="10" fill="hold">
+                            <p:stCondLst>
+                              <p:cond delay="0"/>
+                            </p:stCondLst>
+                            <p:childTnLst>
+                              <p:par>
+                                <p:cTn id="11" presetID="1" presetClass="entr" presetSubtype="0" fill="hold" grpId="0" nodeType="clickEffect">
+                                  <p:stCondLst>
+                                    <p:cond delay="0"/>
+                                  </p:stCondLst>
+                                  <p:childTnLst>
+                                    <p:set>
+                                      <p:cBhvr>
+                                        <p:cTn id="12" dur="1" fill="hold">
+                                          <p:stCondLst>
+                                            <p:cond delay="0"/>
+                                          </p:stCondLst>
+                                        </p:cTn>
+                                        <p:tgtEl>
+                                          <p:spTgt spid="9"/>
+                                        </p:tgtEl>
+                                        <p:attrNameLst>
+                                          <p:attrName>style.visibility</p:attrName>
+                                        </p:attrNameLst>
+                                      </p:cBhvr>
+                                      <p:to>
+                                        <p:strVal val="visible"/>
+                                      </p:to>
+                                    </p:set>
+                                  </p:childTnLst>
+                                </p:cTn>
+                              </p:par>
+                            </p:childTnLst>
+                          </p:cTn>
+                        </p:par>
+                      </p:childTnLst>
+                    </p:cTn>
+                  </p:par>
+                  <p:par>
+                    <p:cTn id="13" fill="hold">
+                      <p:stCondLst>
+                        <p:cond delay="indefinite"/>
+                      </p:stCondLst>
+                      <p:childTnLst>
+                        <p:par>
+                          <p:cTn id="14" fill="hold">
+                            <p:stCondLst>
+                              <p:cond delay="0"/>
+                            </p:stCondLst>
+                            <p:childTnLst>
+                              <p:par>
+                                <p:cTn id="15" presetID="1" presetClass="entr" presetSubtype="0" fill="hold" grpId="0" nodeType="clickEffect">
+                                  <p:stCondLst>
+                                    <p:cond delay="0"/>
+                                  </p:stCondLst>
+                                  <p:childTnLst>
+                                    <p:set>
+                                      <p:cBhvr>
+                                        <p:cTn id="16" dur="1" fill="hold">
+                                          <p:stCondLst>
+                                            <p:cond delay="0"/>
+                                          </p:stCondLst>
+                                        </p:cTn>
+                                        <p:tgtEl>
+                                          <p:spTgt spid="11"/>
+                                        </p:tgtEl>
+                                        <p:attrNameLst>
+                                          <p:attrName>style.visibility</p:attrName>
+                                        </p:attrNameLst>
+                                      </p:cBhvr>
+                                      <p:to>
+                                        <p:strVal val="visible"/>
+                                      </p:to>
+                                    </p:set>
+                                  </p:childTnLst>
+                                </p:cTn>
+                              </p:par>
+                            </p:childTnLst>
+                          </p:cTn>
+                        </p:par>
+                      </p:childTnLst>
+                    </p:cTn>
+                  </p:par>
+                  <p:par>
+                    <p:cTn id="17" fill="hold">
+                      <p:stCondLst>
+                        <p:cond delay="indefinite"/>
+                      </p:stCondLst>
+                      <p:childTnLst>
+                        <p:par>
+                          <p:cTn id="18" fill="hold">
+                            <p:stCondLst>
+                              <p:cond delay="0"/>
+                            </p:stCondLst>
+                            <p:childTnLst>
+                              <p:par>
+                                <p:cTn id="19" presetID="1" presetClass="entr" presetSubtype="0" fill="hold" grpId="0" nodeType="clickEffect">
+                                  <p:stCondLst>
+                                    <p:cond delay="0"/>
+                                  </p:stCondLst>
+                                  <p:childTnLst>
+                                    <p:set>
+                                      <p:cBhvr>
+                                        <p:cTn id="20" dur="1" fill="hold">
+                                          <p:stCondLst>
+                                            <p:cond delay="0"/>
+                                          </p:stCondLst>
+                                        </p:cTn>
+                                        <p:tgtEl>
+                                          <p:spTgt spid="15"/>
                                         </p:tgtEl>
                                         <p:attrNameLst>
                                           <p:attrName>style.visibility</p:attrName>
@@ -14681,13 +14619,624 @@
       </p:par>
     </p:tnLst>
     <p:bldLst>
-      <p:bldP spid="5" grpId="0" animBg="1"/>
+      <p:bldP spid="7" grpId="0"/>
+      <p:bldP spid="8" grpId="0"/>
+      <p:bldP spid="9" grpId="0"/>
+      <p:bldP spid="11" grpId="0"/>
+      <p:bldP spid="15" grpId="0"/>
     </p:bldLst>
   </p:timing>
 </p:sld>
 </file>
 
-<file path=ppt/slides/slide26.xml><?xml version="1.0" encoding="utf-8"?>
+<file path=ppt/slides/slide23.xml><?xml version="1.0" encoding="utf-8"?>
+<p:sld xmlns:a="http://schemas.openxmlformats.org/drawingml/2006/main" xmlns:r="http://schemas.openxmlformats.org/officeDocument/2006/relationships" xmlns:p="http://schemas.openxmlformats.org/presentationml/2006/main">
+  <p:cSld>
+    <p:spTree>
+      <p:nvGrpSpPr>
+        <p:cNvPr id="1" name=""/>
+        <p:cNvGrpSpPr/>
+        <p:nvPr/>
+      </p:nvGrpSpPr>
+      <p:grpSpPr>
+        <a:xfrm>
+          <a:off x="0" y="0"/>
+          <a:ext cx="0" cy="0"/>
+          <a:chOff x="0" y="0"/>
+          <a:chExt cx="0" cy="0"/>
+        </a:xfrm>
+      </p:grpSpPr>
+      <p:sp>
+        <p:nvSpPr>
+          <p:cNvPr id="2" name="标题 1"/>
+          <p:cNvSpPr>
+            <a:spLocks noGrp="1"/>
+          </p:cNvSpPr>
+          <p:nvPr>
+            <p:ph type="title"/>
+          </p:nvPr>
+        </p:nvSpPr>
+        <p:spPr/>
+        <p:txBody>
+          <a:bodyPr>
+            <a:normAutofit/>
+          </a:bodyPr>
+          <a:lstStyle/>
+          <a:p>
+            <a:r>
+              <a:rPr kumimoji="1" lang="en-US" altLang="zh-CN" dirty="0"/>
+              <a:t>Which shift is used in C ?</a:t>
+            </a:r>
+            <a:endParaRPr kumimoji="1" lang="zh-CN" altLang="en-US" dirty="0"/>
+          </a:p>
+        </p:txBody>
+      </p:sp>
+      <p:sp>
+        <p:nvSpPr>
+          <p:cNvPr id="3" name="内容占位符 2"/>
+          <p:cNvSpPr>
+            <a:spLocks noGrp="1"/>
+          </p:cNvSpPr>
+          <p:nvPr>
+            <p:ph idx="1"/>
+          </p:nvPr>
+        </p:nvSpPr>
+        <p:spPr>
+          <a:xfrm>
+            <a:off x="457200" y="1600201"/>
+            <a:ext cx="8229600" cy="1261188"/>
+          </a:xfrm>
+        </p:spPr>
+        <p:txBody>
+          <a:bodyPr/>
+          <a:lstStyle/>
+          <a:p>
+            <a:pPr marL="0" indent="0">
+              <a:buNone/>
+            </a:pPr>
+            <a:r>
+              <a:rPr kumimoji="1" lang="en-US" altLang="zh-CN" dirty="0">
+                <a:latin typeface="+mj-lt"/>
+              </a:rPr>
+              <a:t>Arithmetic shift for signed numbers</a:t>
+            </a:r>
+          </a:p>
+          <a:p>
+            <a:pPr marL="0" indent="0">
+              <a:buNone/>
+            </a:pPr>
+            <a:r>
+              <a:rPr kumimoji="1" lang="en-US" altLang="zh-CN" dirty="0">
+                <a:latin typeface="+mj-lt"/>
+              </a:rPr>
+              <a:t>Logical shifting on unsigned numbers</a:t>
+            </a:r>
+            <a:endParaRPr kumimoji="1" lang="zh-CN" altLang="en-US" dirty="0">
+              <a:latin typeface="+mj-lt"/>
+            </a:endParaRPr>
+          </a:p>
+        </p:txBody>
+      </p:sp>
+      <p:sp>
+        <p:nvSpPr>
+          <p:cNvPr id="4" name="矩形 3"/>
+          <p:cNvSpPr/>
+          <p:nvPr/>
+        </p:nvSpPr>
+        <p:spPr>
+          <a:xfrm>
+            <a:off x="685384" y="3026791"/>
+            <a:ext cx="2001833" cy="1631216"/>
+          </a:xfrm>
+          <a:prstGeom prst="rect">
+            <a:avLst/>
+          </a:prstGeom>
+          <a:solidFill>
+            <a:schemeClr val="accent2">
+              <a:lumMod val="20000"/>
+              <a:lumOff val="80000"/>
+            </a:schemeClr>
+          </a:solidFill>
+        </p:spPr>
+        <p:txBody>
+          <a:bodyPr wrap="square">
+            <a:spAutoFit/>
+          </a:bodyPr>
+          <a:lstStyle/>
+          <a:p>
+            <a:r>
+              <a:rPr lang="mr-IN" altLang="zh-CN" sz="2000" dirty="0">
+                <a:latin typeface="Consolas"/>
+                <a:cs typeface="Consolas"/>
+              </a:rPr>
+              <a:t>int </a:t>
+            </a:r>
+            <a:r>
+              <a:rPr lang="en-US" altLang="zh-CN" sz="2000" dirty="0">
+                <a:latin typeface="Consolas"/>
+                <a:cs typeface="Consolas"/>
+              </a:rPr>
+              <a:t>a</a:t>
+            </a:r>
+            <a:r>
+              <a:rPr lang="mr-IN" altLang="zh-CN" sz="2000" dirty="0">
+                <a:latin typeface="Consolas"/>
+                <a:cs typeface="Consolas"/>
+              </a:rPr>
+              <a:t> = 1;</a:t>
+            </a:r>
+          </a:p>
+          <a:p>
+            <a:r>
+              <a:rPr lang="en-US" altLang="zh-CN" sz="2000" dirty="0">
+                <a:latin typeface="Consolas"/>
+                <a:cs typeface="Consolas"/>
+              </a:rPr>
+              <a:t>a = a&gt;&gt;31;</a:t>
+            </a:r>
+          </a:p>
+          <a:p>
+            <a:endParaRPr lang="en-US" altLang="zh-CN" sz="2000" dirty="0">
+              <a:latin typeface="Consolas"/>
+              <a:cs typeface="Consolas"/>
+            </a:endParaRPr>
+          </a:p>
+          <a:p>
+            <a:r>
+              <a:rPr lang="en-US" altLang="zh-CN" sz="2000" dirty="0">
+                <a:latin typeface="Consolas"/>
+                <a:cs typeface="Consolas"/>
+              </a:rPr>
+              <a:t>int b = -1;</a:t>
+            </a:r>
+          </a:p>
+          <a:p>
+            <a:r>
+              <a:rPr lang="en-US" altLang="zh-CN" sz="2000" dirty="0">
+                <a:latin typeface="Consolas"/>
+                <a:cs typeface="Consolas"/>
+              </a:rPr>
+              <a:t>b = b &gt;&gt;31;</a:t>
+            </a:r>
+          </a:p>
+        </p:txBody>
+      </p:sp>
+      <p:sp>
+        <p:nvSpPr>
+          <p:cNvPr id="5" name="TextBox 4"/>
+          <p:cNvSpPr txBox="1"/>
+          <p:nvPr/>
+        </p:nvSpPr>
+        <p:spPr>
+          <a:xfrm>
+            <a:off x="685385" y="4842301"/>
+            <a:ext cx="2064036" cy="415498"/>
+          </a:xfrm>
+          <a:prstGeom prst="rect">
+            <a:avLst/>
+          </a:prstGeom>
+          <a:solidFill>
+            <a:schemeClr val="accent1">
+              <a:lumMod val="40000"/>
+              <a:lumOff val="60000"/>
+            </a:schemeClr>
+          </a:solidFill>
+        </p:spPr>
+        <p:txBody>
+          <a:bodyPr wrap="square" rtlCol="0">
+            <a:spAutoFit/>
+          </a:bodyPr>
+          <a:lstStyle/>
+          <a:p>
+            <a:r>
+              <a:rPr lang="en-US" sz="2100" dirty="0">
+                <a:latin typeface="Consolas"/>
+                <a:cs typeface="Consolas"/>
+              </a:rPr>
+              <a:t>a=0   b=-1</a:t>
+            </a:r>
+          </a:p>
+        </p:txBody>
+      </p:sp>
+      <p:sp>
+        <p:nvSpPr>
+          <p:cNvPr id="15" name="矩形 3">
+            <a:extLst>
+              <a:ext uri="{FF2B5EF4-FFF2-40B4-BE49-F238E27FC236}">
+                <a16:creationId xmlns:a16="http://schemas.microsoft.com/office/drawing/2014/main" id="{A3C5EA85-73F8-40D6-9029-D413F8E8C0B4}"/>
+              </a:ext>
+            </a:extLst>
+          </p:cNvPr>
+          <p:cNvSpPr/>
+          <p:nvPr/>
+        </p:nvSpPr>
+        <p:spPr>
+          <a:xfrm>
+            <a:off x="5079532" y="3026791"/>
+            <a:ext cx="2913692" cy="707886"/>
+          </a:xfrm>
+          <a:prstGeom prst="rect">
+            <a:avLst/>
+          </a:prstGeom>
+          <a:solidFill>
+            <a:schemeClr val="accent2">
+              <a:lumMod val="20000"/>
+              <a:lumOff val="80000"/>
+            </a:schemeClr>
+          </a:solidFill>
+        </p:spPr>
+        <p:txBody>
+          <a:bodyPr wrap="square">
+            <a:spAutoFit/>
+          </a:bodyPr>
+          <a:lstStyle/>
+          <a:p>
+            <a:r>
+              <a:rPr lang="en-US" altLang="zh-CN" sz="2000" dirty="0">
+                <a:latin typeface="Consolas"/>
+                <a:cs typeface="Consolas"/>
+              </a:rPr>
+              <a:t>unsigned int b = -1;</a:t>
+            </a:r>
+          </a:p>
+          <a:p>
+            <a:r>
+              <a:rPr lang="en-US" altLang="zh-CN" sz="2000" dirty="0">
+                <a:latin typeface="Consolas"/>
+                <a:cs typeface="Consolas"/>
+              </a:rPr>
+              <a:t>b = b &gt;&gt;30;</a:t>
+            </a:r>
+          </a:p>
+        </p:txBody>
+      </p:sp>
+      <p:sp>
+        <p:nvSpPr>
+          <p:cNvPr id="16" name="TextBox 15">
+            <a:extLst>
+              <a:ext uri="{FF2B5EF4-FFF2-40B4-BE49-F238E27FC236}">
+                <a16:creationId xmlns:a16="http://schemas.microsoft.com/office/drawing/2014/main" id="{495DDE2E-29DF-4853-96F3-C283764459AF}"/>
+              </a:ext>
+            </a:extLst>
+          </p:cNvPr>
+          <p:cNvSpPr txBox="1"/>
+          <p:nvPr/>
+        </p:nvSpPr>
+        <p:spPr>
+          <a:xfrm>
+            <a:off x="5091974" y="3842399"/>
+            <a:ext cx="2064036" cy="415498"/>
+          </a:xfrm>
+          <a:prstGeom prst="rect">
+            <a:avLst/>
+          </a:prstGeom>
+          <a:solidFill>
+            <a:schemeClr val="accent1">
+              <a:lumMod val="40000"/>
+              <a:lumOff val="60000"/>
+            </a:schemeClr>
+          </a:solidFill>
+        </p:spPr>
+        <p:txBody>
+          <a:bodyPr wrap="square" rtlCol="0">
+            <a:spAutoFit/>
+          </a:bodyPr>
+          <a:lstStyle/>
+          <a:p>
+            <a:r>
+              <a:rPr lang="en-US" sz="2100" dirty="0">
+                <a:latin typeface="Consolas"/>
+                <a:cs typeface="Consolas"/>
+              </a:rPr>
+              <a:t>b = 3</a:t>
+            </a:r>
+          </a:p>
+        </p:txBody>
+      </p:sp>
+      <p:sp>
+        <p:nvSpPr>
+          <p:cNvPr id="6" name="TextBox 5">
+            <a:extLst>
+              <a:ext uri="{FF2B5EF4-FFF2-40B4-BE49-F238E27FC236}">
+                <a16:creationId xmlns:a16="http://schemas.microsoft.com/office/drawing/2014/main" id="{503CDFD0-E89B-4DCF-AE51-B33C68BD2D35}"/>
+              </a:ext>
+            </a:extLst>
+          </p:cNvPr>
+          <p:cNvSpPr txBox="1"/>
+          <p:nvPr/>
+        </p:nvSpPr>
+        <p:spPr>
+          <a:xfrm>
+            <a:off x="1067370" y="4849995"/>
+            <a:ext cx="441649" cy="400110"/>
+          </a:xfrm>
+          <a:prstGeom prst="rect">
+            <a:avLst/>
+          </a:prstGeom>
+          <a:solidFill>
+            <a:schemeClr val="tx2">
+              <a:lumMod val="40000"/>
+              <a:lumOff val="60000"/>
+            </a:schemeClr>
+          </a:solidFill>
+        </p:spPr>
+        <p:txBody>
+          <a:bodyPr wrap="square" rtlCol="0">
+            <a:spAutoFit/>
+          </a:bodyPr>
+          <a:lstStyle/>
+          <a:p>
+            <a:r>
+              <a:rPr lang="en-US" sz="2000" dirty="0"/>
+              <a:t>??</a:t>
+            </a:r>
+          </a:p>
+        </p:txBody>
+      </p:sp>
+      <p:sp>
+        <p:nvSpPr>
+          <p:cNvPr id="7" name="TextBox 6">
+            <a:extLst>
+              <a:ext uri="{FF2B5EF4-FFF2-40B4-BE49-F238E27FC236}">
+                <a16:creationId xmlns:a16="http://schemas.microsoft.com/office/drawing/2014/main" id="{89974336-77F3-4981-A8F8-CD4DE1EC35A5}"/>
+              </a:ext>
+            </a:extLst>
+          </p:cNvPr>
+          <p:cNvSpPr txBox="1"/>
+          <p:nvPr/>
+        </p:nvSpPr>
+        <p:spPr>
+          <a:xfrm>
+            <a:off x="1908395" y="4849995"/>
+            <a:ext cx="441649" cy="400110"/>
+          </a:xfrm>
+          <a:prstGeom prst="rect">
+            <a:avLst/>
+          </a:prstGeom>
+          <a:solidFill>
+            <a:schemeClr val="tx2">
+              <a:lumMod val="40000"/>
+              <a:lumOff val="60000"/>
+            </a:schemeClr>
+          </a:solidFill>
+        </p:spPr>
+        <p:txBody>
+          <a:bodyPr wrap="square" rtlCol="0">
+            <a:spAutoFit/>
+          </a:bodyPr>
+          <a:lstStyle/>
+          <a:p>
+            <a:r>
+              <a:rPr lang="en-US" sz="2000" dirty="0"/>
+              <a:t>??</a:t>
+            </a:r>
+          </a:p>
+        </p:txBody>
+      </p:sp>
+      <p:sp>
+        <p:nvSpPr>
+          <p:cNvPr id="14" name="TextBox 13">
+            <a:extLst>
+              <a:ext uri="{FF2B5EF4-FFF2-40B4-BE49-F238E27FC236}">
+                <a16:creationId xmlns:a16="http://schemas.microsoft.com/office/drawing/2014/main" id="{10142A7F-48B1-4622-9456-C2ECAAE3E8ED}"/>
+              </a:ext>
+            </a:extLst>
+          </p:cNvPr>
+          <p:cNvSpPr txBox="1"/>
+          <p:nvPr/>
+        </p:nvSpPr>
+        <p:spPr>
+          <a:xfrm>
+            <a:off x="5682343" y="3857787"/>
+            <a:ext cx="441649" cy="400110"/>
+          </a:xfrm>
+          <a:prstGeom prst="rect">
+            <a:avLst/>
+          </a:prstGeom>
+          <a:solidFill>
+            <a:schemeClr val="tx2">
+              <a:lumMod val="40000"/>
+              <a:lumOff val="60000"/>
+            </a:schemeClr>
+          </a:solidFill>
+        </p:spPr>
+        <p:txBody>
+          <a:bodyPr wrap="square" rtlCol="0">
+            <a:spAutoFit/>
+          </a:bodyPr>
+          <a:lstStyle/>
+          <a:p>
+            <a:r>
+              <a:rPr lang="en-US" sz="2000" dirty="0"/>
+              <a:t>??</a:t>
+            </a:r>
+          </a:p>
+        </p:txBody>
+      </p:sp>
+    </p:spTree>
+    <p:extLst>
+      <p:ext uri="{BB962C8B-B14F-4D97-AF65-F5344CB8AC3E}">
+        <p14:creationId xmlns:p14="http://schemas.microsoft.com/office/powerpoint/2010/main" val="3159612047"/>
+      </p:ext>
+    </p:extLst>
+  </p:cSld>
+  <p:clrMapOvr>
+    <a:masterClrMapping/>
+  </p:clrMapOvr>
+  <p:timing>
+    <p:tnLst>
+      <p:par>
+        <p:cTn id="1" dur="indefinite" restart="never" nodeType="tmRoot">
+          <p:childTnLst>
+            <p:seq concurrent="1" nextAc="seek">
+              <p:cTn id="2" dur="indefinite" nodeType="mainSeq">
+                <p:childTnLst>
+                  <p:par>
+                    <p:cTn id="3" fill="hold">
+                      <p:stCondLst>
+                        <p:cond delay="indefinite"/>
+                      </p:stCondLst>
+                      <p:childTnLst>
+                        <p:par>
+                          <p:cTn id="4" fill="hold">
+                            <p:stCondLst>
+                              <p:cond delay="0"/>
+                            </p:stCondLst>
+                            <p:childTnLst>
+                              <p:par>
+                                <p:cTn id="5" presetID="1" presetClass="exit" presetSubtype="0" fill="hold" grpId="0" nodeType="clickEffect">
+                                  <p:stCondLst>
+                                    <p:cond delay="0"/>
+                                  </p:stCondLst>
+                                  <p:childTnLst>
+                                    <p:set>
+                                      <p:cBhvr>
+                                        <p:cTn id="6" dur="1" fill="hold">
+                                          <p:stCondLst>
+                                            <p:cond delay="0"/>
+                                          </p:stCondLst>
+                                        </p:cTn>
+                                        <p:tgtEl>
+                                          <p:spTgt spid="6"/>
+                                        </p:tgtEl>
+                                        <p:attrNameLst>
+                                          <p:attrName>style.visibility</p:attrName>
+                                        </p:attrNameLst>
+                                      </p:cBhvr>
+                                      <p:to>
+                                        <p:strVal val="hidden"/>
+                                      </p:to>
+                                    </p:set>
+                                  </p:childTnLst>
+                                </p:cTn>
+                              </p:par>
+                            </p:childTnLst>
+                          </p:cTn>
+                        </p:par>
+                      </p:childTnLst>
+                    </p:cTn>
+                  </p:par>
+                  <p:par>
+                    <p:cTn id="7" fill="hold">
+                      <p:stCondLst>
+                        <p:cond delay="indefinite"/>
+                      </p:stCondLst>
+                      <p:childTnLst>
+                        <p:par>
+                          <p:cTn id="8" fill="hold">
+                            <p:stCondLst>
+                              <p:cond delay="0"/>
+                            </p:stCondLst>
+                            <p:childTnLst>
+                              <p:par>
+                                <p:cTn id="9" presetID="1" presetClass="exit" presetSubtype="0" fill="hold" grpId="0" nodeType="clickEffect">
+                                  <p:stCondLst>
+                                    <p:cond delay="0"/>
+                                  </p:stCondLst>
+                                  <p:childTnLst>
+                                    <p:set>
+                                      <p:cBhvr>
+                                        <p:cTn id="10" dur="1" fill="hold">
+                                          <p:stCondLst>
+                                            <p:cond delay="0"/>
+                                          </p:stCondLst>
+                                        </p:cTn>
+                                        <p:tgtEl>
+                                          <p:spTgt spid="7"/>
+                                        </p:tgtEl>
+                                        <p:attrNameLst>
+                                          <p:attrName>style.visibility</p:attrName>
+                                        </p:attrNameLst>
+                                      </p:cBhvr>
+                                      <p:to>
+                                        <p:strVal val="hidden"/>
+                                      </p:to>
+                                    </p:set>
+                                  </p:childTnLst>
+                                </p:cTn>
+                              </p:par>
+                            </p:childTnLst>
+                          </p:cTn>
+                        </p:par>
+                      </p:childTnLst>
+                    </p:cTn>
+                  </p:par>
+                  <p:par>
+                    <p:cTn id="11" fill="hold">
+                      <p:stCondLst>
+                        <p:cond delay="indefinite"/>
+                      </p:stCondLst>
+                      <p:childTnLst>
+                        <p:par>
+                          <p:cTn id="12" fill="hold">
+                            <p:stCondLst>
+                              <p:cond delay="0"/>
+                            </p:stCondLst>
+                            <p:childTnLst>
+                              <p:par>
+                                <p:cTn id="13" presetID="1" presetClass="exit" presetSubtype="0" fill="hold" grpId="0" nodeType="clickEffect">
+                                  <p:stCondLst>
+                                    <p:cond delay="0"/>
+                                  </p:stCondLst>
+                                  <p:childTnLst>
+                                    <p:set>
+                                      <p:cBhvr>
+                                        <p:cTn id="14" dur="1" fill="hold">
+                                          <p:stCondLst>
+                                            <p:cond delay="0"/>
+                                          </p:stCondLst>
+                                        </p:cTn>
+                                        <p:tgtEl>
+                                          <p:spTgt spid="14"/>
+                                        </p:tgtEl>
+                                        <p:attrNameLst>
+                                          <p:attrName>style.visibility</p:attrName>
+                                        </p:attrNameLst>
+                                      </p:cBhvr>
+                                      <p:to>
+                                        <p:strVal val="hidden"/>
+                                      </p:to>
+                                    </p:set>
+                                  </p:childTnLst>
+                                </p:cTn>
+                              </p:par>
+                            </p:childTnLst>
+                          </p:cTn>
+                        </p:par>
+                      </p:childTnLst>
+                    </p:cTn>
+                  </p:par>
+                </p:childTnLst>
+              </p:cTn>
+              <p:prevCondLst>
+                <p:cond evt="onPrev" delay="0">
+                  <p:tgtEl>
+                    <p:sldTgt/>
+                  </p:tgtEl>
+                </p:cond>
+              </p:prevCondLst>
+              <p:nextCondLst>
+                <p:cond evt="onNext" delay="0">
+                  <p:tgtEl>
+                    <p:sldTgt/>
+                  </p:tgtEl>
+                </p:cond>
+              </p:nextCondLst>
+            </p:seq>
+          </p:childTnLst>
+        </p:cTn>
+      </p:par>
+    </p:tnLst>
+    <p:bldLst>
+      <p:bldP spid="6" grpId="0" animBg="1"/>
+      <p:bldP spid="7" grpId="0" animBg="1"/>
+      <p:bldP spid="14" grpId="0" animBg="1"/>
+    </p:bldLst>
+  </p:timing>
+</p:sld>
+</file>
+
+<file path=ppt/slides/slide24.xml><?xml version="1.0" encoding="utf-8"?>
 <p:sld xmlns:a="http://schemas.openxmlformats.org/drawingml/2006/main" xmlns:r="http://schemas.openxmlformats.org/officeDocument/2006/relationships" xmlns:p="http://schemas.openxmlformats.org/presentationml/2006/main">
   <p:cSld>
     <p:spTree>
@@ -14746,8 +15295,8 @@
         </p:nvSpPr>
         <p:spPr>
           <a:xfrm>
-            <a:off x="1485902" y="2586462"/>
-            <a:ext cx="6172199" cy="1384995"/>
+            <a:off x="1205985" y="1794300"/>
+            <a:ext cx="7123142" cy="1384995"/>
           </a:xfrm>
           <a:prstGeom prst="rect">
             <a:avLst/>
@@ -14770,21 +15319,30 @@
                 <a:latin typeface="Consolas"/>
                 <a:cs typeface="Consolas"/>
               </a:rPr>
-              <a:t>unsigned </a:t>
+              <a:t>int </a:t>
             </a:r>
             <a:r>
               <a:rPr lang="en-US" altLang="zh-CN" sz="2100" dirty="0" err="1">
                 <a:latin typeface="Consolas"/>
                 <a:cs typeface="Consolas"/>
               </a:rPr>
-              <a:t>multiply_by_two</a:t>
+              <a:t>multiply_by_powers_of</a:t>
             </a:r>
             <a:r>
               <a:rPr lang="en-US" altLang="zh-CN" sz="2100" dirty="0">
                 <a:latin typeface="Consolas"/>
                 <a:cs typeface="Consolas"/>
               </a:rPr>
-              <a:t>(unsigned int x) {</a:t>
+              <a:t> two(int x, int p) </a:t>
+            </a:r>
+          </a:p>
+          <a:p>
+            <a:r>
+              <a:rPr lang="en-US" altLang="zh-CN" sz="2100" dirty="0">
+                <a:latin typeface="Consolas"/>
+                <a:cs typeface="Consolas"/>
+              </a:rPr>
+              <a:t>{</a:t>
             </a:r>
           </a:p>
           <a:p>
@@ -14818,7 +15376,7 @@
         </p:nvSpPr>
         <p:spPr>
           <a:xfrm>
-            <a:off x="2126977" y="3232792"/>
+            <a:off x="1971467" y="2323036"/>
             <a:ext cx="2743199" cy="415498"/>
           </a:xfrm>
           <a:prstGeom prst="rect">
@@ -14842,190 +15400,215 @@
                 <a:latin typeface="Consolas"/>
                 <a:cs typeface="Consolas"/>
               </a:rPr>
-              <a:t>return x &lt;&lt; 1;</a:t>
+              <a:t>return x &lt;&lt; p;</a:t>
             </a:r>
           </a:p>
         </p:txBody>
       </p:sp>
-      <p:grpSp>
-        <p:nvGrpSpPr>
-          <p:cNvPr id="11" name="Group 10">
+      <p:sp>
+        <p:nvSpPr>
+          <p:cNvPr id="3" name="矩形 3">
             <a:extLst>
               <a:ext uri="{FF2B5EF4-FFF2-40B4-BE49-F238E27FC236}">
-                <a16:creationId xmlns:a16="http://schemas.microsoft.com/office/drawing/2014/main" id="{4473420B-B5C7-A541-8D3F-E22E5DE101F3}"/>
+                <a16:creationId xmlns:a16="http://schemas.microsoft.com/office/drawing/2014/main" id="{FEB0D25E-1248-487C-AE5B-BA90BACC7585}"/>
               </a:ext>
             </a:extLst>
           </p:cNvPr>
-          <p:cNvGrpSpPr/>
+          <p:cNvSpPr/>
           <p:nvPr/>
-        </p:nvGrpSpPr>
-        <p:grpSpPr>
+        </p:nvSpPr>
+        <p:spPr>
           <a:xfrm>
-            <a:off x="1381539" y="2258668"/>
-            <a:ext cx="5108714" cy="797714"/>
-            <a:chOff x="318052" y="1868557"/>
-            <a:chExt cx="6811618" cy="1063618"/>
+            <a:off x="1205983" y="3643932"/>
+            <a:ext cx="7123143" cy="1384995"/>
           </a:xfrm>
-        </p:grpSpPr>
-        <p:cxnSp>
-          <p:nvCxnSpPr>
-            <p:cNvPr id="7" name="Straight Connector 6">
-              <a:extLst>
-                <a:ext uri="{FF2B5EF4-FFF2-40B4-BE49-F238E27FC236}">
-                  <a16:creationId xmlns:a16="http://schemas.microsoft.com/office/drawing/2014/main" id="{2A990598-8317-E841-9803-5B1A34B55B0A}"/>
-                </a:ext>
-              </a:extLst>
-            </p:cNvPr>
-            <p:cNvCxnSpPr/>
-            <p:nvPr/>
-          </p:nvCxnSpPr>
-          <p:spPr>
-            <a:xfrm flipV="1">
-              <a:off x="318052" y="2305615"/>
-              <a:ext cx="1828800" cy="417707"/>
-            </a:xfrm>
-            <a:prstGeom prst="line">
-              <a:avLst/>
-            </a:prstGeom>
-            <a:ln w="38100">
-              <a:solidFill>
-                <a:srgbClr val="FF0066"/>
-              </a:solidFill>
-            </a:ln>
-          </p:spPr>
-          <p:style>
-            <a:lnRef idx="1">
-              <a:schemeClr val="accent1"/>
-            </a:lnRef>
-            <a:fillRef idx="0">
-              <a:schemeClr val="accent1"/>
-            </a:fillRef>
-            <a:effectRef idx="0">
-              <a:schemeClr val="accent1"/>
-            </a:effectRef>
-            <a:fontRef idx="minor">
-              <a:schemeClr val="tx1"/>
-            </a:fontRef>
-          </p:style>
-        </p:cxnSp>
-        <p:cxnSp>
-          <p:nvCxnSpPr>
-            <p:cNvPr id="8" name="Straight Connector 7">
-              <a:extLst>
-                <a:ext uri="{FF2B5EF4-FFF2-40B4-BE49-F238E27FC236}">
-                  <a16:creationId xmlns:a16="http://schemas.microsoft.com/office/drawing/2014/main" id="{AA0C4F1A-DC0B-B440-B9A5-44AA5664D736}"/>
-                </a:ext>
-              </a:extLst>
-            </p:cNvPr>
-            <p:cNvCxnSpPr/>
-            <p:nvPr/>
-          </p:nvCxnSpPr>
-          <p:spPr>
-            <a:xfrm flipV="1">
-              <a:off x="5300870" y="2514468"/>
-              <a:ext cx="1828800" cy="417707"/>
-            </a:xfrm>
-            <a:prstGeom prst="line">
-              <a:avLst/>
-            </a:prstGeom>
-            <a:ln w="38100">
-              <a:solidFill>
-                <a:srgbClr val="FF0066"/>
-              </a:solidFill>
-            </a:ln>
-          </p:spPr>
-          <p:style>
-            <a:lnRef idx="1">
-              <a:schemeClr val="accent1"/>
-            </a:lnRef>
-            <a:fillRef idx="0">
-              <a:schemeClr val="accent1"/>
-            </a:fillRef>
-            <a:effectRef idx="0">
-              <a:schemeClr val="accent1"/>
-            </a:effectRef>
-            <a:fontRef idx="minor">
-              <a:schemeClr val="tx1"/>
-            </a:fontRef>
-          </p:style>
-        </p:cxnSp>
-        <p:sp>
-          <p:nvSpPr>
-            <p:cNvPr id="9" name="TextBox 8">
-              <a:extLst>
-                <a:ext uri="{FF2B5EF4-FFF2-40B4-BE49-F238E27FC236}">
-                  <a16:creationId xmlns:a16="http://schemas.microsoft.com/office/drawing/2014/main" id="{6E5C3C34-1F13-DC41-AA73-BBFA26051B4B}"/>
-                </a:ext>
-              </a:extLst>
-            </p:cNvPr>
-            <p:cNvSpPr txBox="1"/>
-            <p:nvPr/>
-          </p:nvSpPr>
-          <p:spPr>
-            <a:xfrm>
-              <a:off x="1053548" y="1868557"/>
-              <a:ext cx="752771" cy="492442"/>
-            </a:xfrm>
-            <a:prstGeom prst="rect">
-              <a:avLst/>
-            </a:prstGeom>
-            <a:noFill/>
-          </p:spPr>
-          <p:txBody>
-            <a:bodyPr wrap="none" rtlCol="0">
-              <a:spAutoFit/>
-            </a:bodyPr>
-            <a:lstStyle/>
-            <a:p>
-              <a:r>
-                <a:rPr lang="en-US" dirty="0">
-                  <a:latin typeface="Consolas" panose="020B0609020204030204" pitchFamily="49" charset="0"/>
-                  <a:cs typeface="Consolas" panose="020B0609020204030204" pitchFamily="49" charset="0"/>
-                </a:rPr>
-                <a:t>int</a:t>
-              </a:r>
-            </a:p>
-          </p:txBody>
-        </p:sp>
-        <p:sp>
-          <p:nvSpPr>
-            <p:cNvPr id="10" name="TextBox 9">
-              <a:extLst>
-                <a:ext uri="{FF2B5EF4-FFF2-40B4-BE49-F238E27FC236}">
-                  <a16:creationId xmlns:a16="http://schemas.microsoft.com/office/drawing/2014/main" id="{58506D98-2A1B-5448-A7D0-DB8A69A32A76}"/>
-                </a:ext>
-              </a:extLst>
-            </p:cNvPr>
-            <p:cNvSpPr txBox="1"/>
-            <p:nvPr/>
-          </p:nvSpPr>
-          <p:spPr>
-            <a:xfrm>
-              <a:off x="5868059" y="1948376"/>
-              <a:ext cx="752771" cy="492442"/>
-            </a:xfrm>
-            <a:prstGeom prst="rect">
-              <a:avLst/>
-            </a:prstGeom>
-            <a:noFill/>
-          </p:spPr>
-          <p:txBody>
-            <a:bodyPr wrap="none" rtlCol="0">
-              <a:spAutoFit/>
-            </a:bodyPr>
-            <a:lstStyle/>
-            <a:p>
-              <a:r>
-                <a:rPr lang="en-US" dirty="0">
-                  <a:latin typeface="Consolas" panose="020B0609020204030204" pitchFamily="49" charset="0"/>
-                  <a:cs typeface="Consolas" panose="020B0609020204030204" pitchFamily="49" charset="0"/>
-                </a:rPr>
-                <a:t>int</a:t>
-              </a:r>
-            </a:p>
-          </p:txBody>
-        </p:sp>
-      </p:grpSp>
+          <a:prstGeom prst="rect">
+            <a:avLst/>
+          </a:prstGeom>
+          <a:solidFill>
+            <a:schemeClr val="accent1">
+              <a:lumMod val="20000"/>
+              <a:lumOff val="80000"/>
+            </a:schemeClr>
+          </a:solidFill>
+        </p:spPr>
+        <p:txBody>
+          <a:bodyPr wrap="square">
+            <a:spAutoFit/>
+          </a:bodyPr>
+          <a:lstStyle/>
+          <a:p>
+            <a:r>
+              <a:rPr lang="en-US" altLang="zh-CN" sz="2100" dirty="0">
+                <a:latin typeface="Consolas"/>
+                <a:cs typeface="Consolas"/>
+              </a:rPr>
+              <a:t>int </a:t>
+            </a:r>
+            <a:r>
+              <a:rPr lang="en-US" altLang="zh-CN" sz="2100" dirty="0" err="1">
+                <a:latin typeface="Consolas"/>
+                <a:cs typeface="Consolas"/>
+              </a:rPr>
+              <a:t>divide_by_powers_of</a:t>
+            </a:r>
+            <a:r>
+              <a:rPr lang="en-US" altLang="zh-CN" sz="2100" dirty="0">
+                <a:latin typeface="Consolas"/>
+                <a:cs typeface="Consolas"/>
+              </a:rPr>
+              <a:t> two(int x, int p) </a:t>
+            </a:r>
+          </a:p>
+          <a:p>
+            <a:r>
+              <a:rPr lang="en-US" altLang="zh-CN" sz="2100" dirty="0">
+                <a:latin typeface="Consolas"/>
+                <a:cs typeface="Consolas"/>
+              </a:rPr>
+              <a:t>{</a:t>
+            </a:r>
+          </a:p>
+          <a:p>
+            <a:endParaRPr lang="en-US" altLang="zh-CN" sz="2100" dirty="0">
+              <a:latin typeface="Consolas"/>
+              <a:cs typeface="Consolas"/>
+            </a:endParaRPr>
+          </a:p>
+          <a:p>
+            <a:r>
+              <a:rPr lang="en-US" altLang="zh-CN" sz="2100" dirty="0">
+                <a:latin typeface="Consolas"/>
+                <a:cs typeface="Consolas"/>
+              </a:rPr>
+              <a:t>}</a:t>
+            </a:r>
+          </a:p>
+        </p:txBody>
+      </p:sp>
+      <p:sp>
+        <p:nvSpPr>
+          <p:cNvPr id="13" name="矩形 3">
+            <a:extLst>
+              <a:ext uri="{FF2B5EF4-FFF2-40B4-BE49-F238E27FC236}">
+                <a16:creationId xmlns:a16="http://schemas.microsoft.com/office/drawing/2014/main" id="{DA14BDEF-63DA-4FA9-8D18-6925FCA30E05}"/>
+              </a:ext>
+            </a:extLst>
+          </p:cNvPr>
+          <p:cNvSpPr/>
+          <p:nvPr/>
+        </p:nvSpPr>
+        <p:spPr>
+          <a:xfrm>
+            <a:off x="2033671" y="4240498"/>
+            <a:ext cx="2743199" cy="415498"/>
+          </a:xfrm>
+          <a:prstGeom prst="rect">
+            <a:avLst/>
+          </a:prstGeom>
+          <a:solidFill>
+            <a:schemeClr val="accent1">
+              <a:lumMod val="20000"/>
+              <a:lumOff val="80000"/>
+            </a:schemeClr>
+          </a:solidFill>
+        </p:spPr>
+        <p:txBody>
+          <a:bodyPr wrap="square">
+            <a:spAutoFit/>
+          </a:bodyPr>
+          <a:lstStyle/>
+          <a:p>
+            <a:r>
+              <a:rPr lang="en-US" altLang="zh-CN" sz="2100" dirty="0">
+                <a:latin typeface="Consolas"/>
+                <a:cs typeface="Consolas"/>
+              </a:rPr>
+              <a:t>return x &gt;&gt; p;</a:t>
+            </a:r>
+          </a:p>
+        </p:txBody>
+      </p:sp>
+      <p:sp>
+        <p:nvSpPr>
+          <p:cNvPr id="6" name="Speech Bubble: Rectangle with Corners Rounded 5">
+            <a:extLst>
+              <a:ext uri="{FF2B5EF4-FFF2-40B4-BE49-F238E27FC236}">
+                <a16:creationId xmlns:a16="http://schemas.microsoft.com/office/drawing/2014/main" id="{1F8BD2DF-632A-4D18-B78A-047744830BFD}"/>
+              </a:ext>
+            </a:extLst>
+          </p:cNvPr>
+          <p:cNvSpPr/>
+          <p:nvPr/>
+        </p:nvSpPr>
+        <p:spPr>
+          <a:xfrm>
+            <a:off x="4133430" y="5405588"/>
+            <a:ext cx="4830178" cy="1352473"/>
+          </a:xfrm>
+          <a:prstGeom prst="wedgeRoundRectCallout">
+            <a:avLst>
+              <a:gd name="adj1" fmla="val -65934"/>
+              <a:gd name="adj2" fmla="val -102740"/>
+              <a:gd name="adj3" fmla="val 16667"/>
+            </a:avLst>
+          </a:prstGeom>
+          <a:solidFill>
+            <a:schemeClr val="accent6">
+              <a:lumMod val="40000"/>
+              <a:lumOff val="60000"/>
+            </a:schemeClr>
+          </a:solidFill>
+          <a:ln w="28575">
+            <a:solidFill>
+              <a:schemeClr val="accent6">
+                <a:lumMod val="40000"/>
+                <a:lumOff val="60000"/>
+              </a:schemeClr>
+            </a:solidFill>
+          </a:ln>
+        </p:spPr>
+        <p:style>
+          <a:lnRef idx="2">
+            <a:schemeClr val="accent1">
+              <a:shade val="50000"/>
+            </a:schemeClr>
+          </a:lnRef>
+          <a:fillRef idx="1">
+            <a:schemeClr val="accent1"/>
+          </a:fillRef>
+          <a:effectRef idx="0">
+            <a:schemeClr val="accent1"/>
+          </a:effectRef>
+          <a:fontRef idx="minor">
+            <a:schemeClr val="lt1"/>
+          </a:fontRef>
+        </p:style>
+        <p:txBody>
+          <a:bodyPr rtlCol="0" anchor="ctr"/>
+          <a:lstStyle/>
+          <a:p>
+            <a:r>
+              <a:rPr lang="en-US" dirty="0">
+                <a:solidFill>
+                  <a:schemeClr val="tx1"/>
+                </a:solidFill>
+              </a:rPr>
+              <a:t>Caveat: right-shift rounds down, different from integer division “/” which rounds towards zero.</a:t>
+            </a:r>
+          </a:p>
+          <a:p>
+            <a:r>
+              <a:rPr lang="en-US" dirty="0">
+                <a:solidFill>
+                  <a:schemeClr val="tx1"/>
+                </a:solidFill>
+              </a:rPr>
+              <a:t>e.g. -1&gt;&gt;1=-1, but -1/2 = 0</a:t>
+            </a:r>
+          </a:p>
+        </p:txBody>
+      </p:sp>
     </p:spTree>
     <p:extLst>
       <p:ext uri="{BB962C8B-B14F-4D97-AF65-F5344CB8AC3E}">
@@ -15102,7 +15685,7 @@
                             </p:stCondLst>
                             <p:childTnLst>
                               <p:par>
-                                <p:cTn id="9" presetID="1" presetClass="entr" presetSubtype="0" fill="hold" nodeType="clickEffect">
+                                <p:cTn id="9" presetID="1" presetClass="entr" presetSubtype="0" fill="hold" grpId="0" nodeType="clickEffect">
                                   <p:stCondLst>
                                     <p:cond delay="0"/>
                                   </p:stCondLst>
@@ -15115,7 +15698,52 @@
                                           </p:stCondLst>
                                         </p:cTn>
                                         <p:tgtEl>
-                                          <p:spTgt spid="11"/>
+                                          <p:spTgt spid="13"/>
+                                        </p:tgtEl>
+                                        <p:attrNameLst>
+                                          <p:attrName>style.visibility</p:attrName>
+                                        </p:attrNameLst>
+                                      </p:cBhvr>
+                                      <p:to>
+                                        <p:strVal val="visible"/>
+                                      </p:to>
+                                    </p:set>
+                                  </p:childTnLst>
+                                </p:cTn>
+                              </p:par>
+                            </p:childTnLst>
+                          </p:cTn>
+                        </p:par>
+                      </p:childTnLst>
+                    </p:cTn>
+                  </p:par>
+                  <p:par>
+                    <p:cTn id="11" fill="hold">
+                      <p:stCondLst>
+                        <p:cond delay="indefinite"/>
+                      </p:stCondLst>
+                      <p:childTnLst>
+                        <p:par>
+                          <p:cTn id="12" fill="hold">
+                            <p:stCondLst>
+                              <p:cond delay="0"/>
+                            </p:stCondLst>
+                            <p:childTnLst>
+                              <p:par>
+                                <p:cTn id="13" presetID="1" presetClass="entr" presetSubtype="0" fill="hold" grpId="0" nodeType="clickEffect">
+                                  <p:stCondLst>
+                                    <p:cond delay="0"/>
+                                  </p:stCondLst>
+                                  <p:childTnLst>
+                                    <p:set>
+                                      <p:cBhvr>
+                                        <p:cTn id="14" dur="1" fill="hold">
+                                          <p:stCondLst>
+                                            <p:cond delay="0"/>
+                                          </p:stCondLst>
+                                        </p:cTn>
+                                        <p:tgtEl>
+                                          <p:spTgt spid="6"/>
                                         </p:tgtEl>
                                         <p:attrNameLst>
                                           <p:attrName>style.visibility</p:attrName>
@@ -15157,496 +15785,14 @@
     </p:tnLst>
     <p:bldLst>
       <p:bldP spid="5" grpId="0" animBg="1"/>
+      <p:bldP spid="13" grpId="0" animBg="1"/>
+      <p:bldP spid="6" grpId="0" animBg="1"/>
     </p:bldLst>
   </p:timing>
 </p:sld>
 </file>
 
-<file path=ppt/slides/slide27.xml><?xml version="1.0" encoding="utf-8"?>
-<p:sld xmlns:a="http://schemas.openxmlformats.org/drawingml/2006/main" xmlns:r="http://schemas.openxmlformats.org/officeDocument/2006/relationships" xmlns:p="http://schemas.openxmlformats.org/presentationml/2006/main">
-  <p:cSld>
-    <p:spTree>
-      <p:nvGrpSpPr>
-        <p:cNvPr id="1" name=""/>
-        <p:cNvGrpSpPr/>
-        <p:nvPr/>
-      </p:nvGrpSpPr>
-      <p:grpSpPr>
-        <a:xfrm>
-          <a:off x="0" y="0"/>
-          <a:ext cx="0" cy="0"/>
-          <a:chOff x="0" y="0"/>
-          <a:chExt cx="0" cy="0"/>
-        </a:xfrm>
-      </p:grpSpPr>
-      <p:sp>
-        <p:nvSpPr>
-          <p:cNvPr id="2" name="Title 1">
-            <a:extLst>
-              <a:ext uri="{FF2B5EF4-FFF2-40B4-BE49-F238E27FC236}">
-                <a16:creationId xmlns:a16="http://schemas.microsoft.com/office/drawing/2014/main" id="{7A861FF7-F894-A74C-86A6-CD013014DD7C}"/>
-              </a:ext>
-            </a:extLst>
-          </p:cNvPr>
-          <p:cNvSpPr>
-            <a:spLocks noGrp="1"/>
-          </p:cNvSpPr>
-          <p:nvPr>
-            <p:ph type="title"/>
-          </p:nvPr>
-        </p:nvSpPr>
-        <p:spPr/>
-        <p:txBody>
-          <a:bodyPr/>
-          <a:lstStyle/>
-          <a:p>
-            <a:r>
-              <a:rPr lang="en-US" dirty="0"/>
-              <a:t>Example use of shift</a:t>
-            </a:r>
-          </a:p>
-        </p:txBody>
-      </p:sp>
-      <p:sp>
-        <p:nvSpPr>
-          <p:cNvPr id="4" name="矩形 3">
-            <a:extLst>
-              <a:ext uri="{FF2B5EF4-FFF2-40B4-BE49-F238E27FC236}">
-                <a16:creationId xmlns:a16="http://schemas.microsoft.com/office/drawing/2014/main" id="{E81C1F24-3333-E84E-B5E0-3AA8C30C9A90}"/>
-              </a:ext>
-            </a:extLst>
-          </p:cNvPr>
-          <p:cNvSpPr/>
-          <p:nvPr/>
-        </p:nvSpPr>
-        <p:spPr>
-          <a:xfrm>
-            <a:off x="1485902" y="2586462"/>
-            <a:ext cx="6172199" cy="1384995"/>
-          </a:xfrm>
-          <a:prstGeom prst="rect">
-            <a:avLst/>
-          </a:prstGeom>
-          <a:solidFill>
-            <a:schemeClr val="accent1">
-              <a:lumMod val="20000"/>
-              <a:lumOff val="80000"/>
-            </a:schemeClr>
-          </a:solidFill>
-        </p:spPr>
-        <p:txBody>
-          <a:bodyPr wrap="square">
-            <a:spAutoFit/>
-          </a:bodyPr>
-          <a:lstStyle/>
-          <a:p>
-            <a:r>
-              <a:rPr lang="en-US" altLang="zh-CN" sz="2100" dirty="0">
-                <a:latin typeface="Consolas"/>
-                <a:cs typeface="Consolas"/>
-              </a:rPr>
-              <a:t>unsigned </a:t>
-            </a:r>
-            <a:r>
-              <a:rPr lang="en-US" altLang="zh-CN" sz="2100" dirty="0" err="1">
-                <a:latin typeface="Consolas"/>
-                <a:cs typeface="Consolas"/>
-              </a:rPr>
-              <a:t>divide_by_two</a:t>
-            </a:r>
-            <a:r>
-              <a:rPr lang="en-US" altLang="zh-CN" sz="2100" dirty="0">
-                <a:latin typeface="Consolas"/>
-                <a:cs typeface="Consolas"/>
-              </a:rPr>
-              <a:t>(unsigned int x) </a:t>
-            </a:r>
-          </a:p>
-          <a:p>
-            <a:r>
-              <a:rPr lang="en-US" altLang="zh-CN" sz="2100" dirty="0">
-                <a:latin typeface="Consolas"/>
-                <a:cs typeface="Consolas"/>
-              </a:rPr>
-              <a:t>{</a:t>
-            </a:r>
-          </a:p>
-          <a:p>
-            <a:endParaRPr lang="en-US" altLang="zh-CN" sz="2100" dirty="0">
-              <a:latin typeface="Consolas"/>
-              <a:cs typeface="Consolas"/>
-            </a:endParaRPr>
-          </a:p>
-          <a:p>
-            <a:r>
-              <a:rPr lang="en-US" altLang="zh-CN" sz="2100" dirty="0">
-                <a:latin typeface="Consolas"/>
-                <a:cs typeface="Consolas"/>
-              </a:rPr>
-              <a:t>}</a:t>
-            </a:r>
-          </a:p>
-        </p:txBody>
-      </p:sp>
-      <p:sp>
-        <p:nvSpPr>
-          <p:cNvPr id="5" name="矩形 3">
-            <a:extLst>
-              <a:ext uri="{FF2B5EF4-FFF2-40B4-BE49-F238E27FC236}">
-                <a16:creationId xmlns:a16="http://schemas.microsoft.com/office/drawing/2014/main" id="{B586E551-8CD4-794A-AB56-E2F35F57F4D7}"/>
-              </a:ext>
-            </a:extLst>
-          </p:cNvPr>
-          <p:cNvSpPr/>
-          <p:nvPr/>
-        </p:nvSpPr>
-        <p:spPr>
-          <a:xfrm>
-            <a:off x="2126977" y="3232792"/>
-            <a:ext cx="2743199" cy="415498"/>
-          </a:xfrm>
-          <a:prstGeom prst="rect">
-            <a:avLst/>
-          </a:prstGeom>
-          <a:solidFill>
-            <a:schemeClr val="accent1">
-              <a:lumMod val="20000"/>
-              <a:lumOff val="80000"/>
-            </a:schemeClr>
-          </a:solidFill>
-        </p:spPr>
-        <p:txBody>
-          <a:bodyPr wrap="square">
-            <a:spAutoFit/>
-          </a:bodyPr>
-          <a:lstStyle/>
-          <a:p>
-            <a:r>
-              <a:rPr lang="en-US" altLang="zh-CN" sz="2100" dirty="0">
-                <a:latin typeface="Consolas"/>
-                <a:cs typeface="Consolas"/>
-              </a:rPr>
-              <a:t>return x &gt;&gt; 1;</a:t>
-            </a:r>
-          </a:p>
-        </p:txBody>
-      </p:sp>
-      <p:grpSp>
-        <p:nvGrpSpPr>
-          <p:cNvPr id="11" name="Group 10">
-            <a:extLst>
-              <a:ext uri="{FF2B5EF4-FFF2-40B4-BE49-F238E27FC236}">
-                <a16:creationId xmlns:a16="http://schemas.microsoft.com/office/drawing/2014/main" id="{4473420B-B5C7-A541-8D3F-E22E5DE101F3}"/>
-              </a:ext>
-            </a:extLst>
-          </p:cNvPr>
-          <p:cNvGrpSpPr/>
-          <p:nvPr/>
-        </p:nvGrpSpPr>
-        <p:grpSpPr>
-          <a:xfrm>
-            <a:off x="1381539" y="2258668"/>
-            <a:ext cx="5108714" cy="797714"/>
-            <a:chOff x="318052" y="1868557"/>
-            <a:chExt cx="6811618" cy="1063618"/>
-          </a:xfrm>
-        </p:grpSpPr>
-        <p:cxnSp>
-          <p:nvCxnSpPr>
-            <p:cNvPr id="7" name="Straight Connector 6">
-              <a:extLst>
-                <a:ext uri="{FF2B5EF4-FFF2-40B4-BE49-F238E27FC236}">
-                  <a16:creationId xmlns:a16="http://schemas.microsoft.com/office/drawing/2014/main" id="{2A990598-8317-E841-9803-5B1A34B55B0A}"/>
-                </a:ext>
-              </a:extLst>
-            </p:cNvPr>
-            <p:cNvCxnSpPr/>
-            <p:nvPr/>
-          </p:nvCxnSpPr>
-          <p:spPr>
-            <a:xfrm flipV="1">
-              <a:off x="318052" y="2305615"/>
-              <a:ext cx="1828800" cy="417707"/>
-            </a:xfrm>
-            <a:prstGeom prst="line">
-              <a:avLst/>
-            </a:prstGeom>
-            <a:ln w="38100">
-              <a:solidFill>
-                <a:srgbClr val="FF0066"/>
-              </a:solidFill>
-            </a:ln>
-          </p:spPr>
-          <p:style>
-            <a:lnRef idx="1">
-              <a:schemeClr val="accent1"/>
-            </a:lnRef>
-            <a:fillRef idx="0">
-              <a:schemeClr val="accent1"/>
-            </a:fillRef>
-            <a:effectRef idx="0">
-              <a:schemeClr val="accent1"/>
-            </a:effectRef>
-            <a:fontRef idx="minor">
-              <a:schemeClr val="tx1"/>
-            </a:fontRef>
-          </p:style>
-        </p:cxnSp>
-        <p:cxnSp>
-          <p:nvCxnSpPr>
-            <p:cNvPr id="8" name="Straight Connector 7">
-              <a:extLst>
-                <a:ext uri="{FF2B5EF4-FFF2-40B4-BE49-F238E27FC236}">
-                  <a16:creationId xmlns:a16="http://schemas.microsoft.com/office/drawing/2014/main" id="{AA0C4F1A-DC0B-B440-B9A5-44AA5664D736}"/>
-                </a:ext>
-              </a:extLst>
-            </p:cNvPr>
-            <p:cNvCxnSpPr/>
-            <p:nvPr/>
-          </p:nvCxnSpPr>
-          <p:spPr>
-            <a:xfrm flipV="1">
-              <a:off x="5300870" y="2514468"/>
-              <a:ext cx="1828800" cy="417707"/>
-            </a:xfrm>
-            <a:prstGeom prst="line">
-              <a:avLst/>
-            </a:prstGeom>
-            <a:ln w="38100">
-              <a:solidFill>
-                <a:srgbClr val="FF0066"/>
-              </a:solidFill>
-            </a:ln>
-          </p:spPr>
-          <p:style>
-            <a:lnRef idx="1">
-              <a:schemeClr val="accent1"/>
-            </a:lnRef>
-            <a:fillRef idx="0">
-              <a:schemeClr val="accent1"/>
-            </a:fillRef>
-            <a:effectRef idx="0">
-              <a:schemeClr val="accent1"/>
-            </a:effectRef>
-            <a:fontRef idx="minor">
-              <a:schemeClr val="tx1"/>
-            </a:fontRef>
-          </p:style>
-        </p:cxnSp>
-        <p:sp>
-          <p:nvSpPr>
-            <p:cNvPr id="9" name="TextBox 8">
-              <a:extLst>
-                <a:ext uri="{FF2B5EF4-FFF2-40B4-BE49-F238E27FC236}">
-                  <a16:creationId xmlns:a16="http://schemas.microsoft.com/office/drawing/2014/main" id="{6E5C3C34-1F13-DC41-AA73-BBFA26051B4B}"/>
-                </a:ext>
-              </a:extLst>
-            </p:cNvPr>
-            <p:cNvSpPr txBox="1"/>
-            <p:nvPr/>
-          </p:nvSpPr>
-          <p:spPr>
-            <a:xfrm>
-              <a:off x="1053548" y="1868557"/>
-              <a:ext cx="752771" cy="492442"/>
-            </a:xfrm>
-            <a:prstGeom prst="rect">
-              <a:avLst/>
-            </a:prstGeom>
-            <a:noFill/>
-          </p:spPr>
-          <p:txBody>
-            <a:bodyPr wrap="none" rtlCol="0">
-              <a:spAutoFit/>
-            </a:bodyPr>
-            <a:lstStyle/>
-            <a:p>
-              <a:r>
-                <a:rPr lang="en-US" dirty="0">
-                  <a:latin typeface="Consolas" panose="020B0609020204030204" pitchFamily="49" charset="0"/>
-                  <a:cs typeface="Consolas" panose="020B0609020204030204" pitchFamily="49" charset="0"/>
-                </a:rPr>
-                <a:t>int</a:t>
-              </a:r>
-            </a:p>
-          </p:txBody>
-        </p:sp>
-        <p:sp>
-          <p:nvSpPr>
-            <p:cNvPr id="10" name="TextBox 9">
-              <a:extLst>
-                <a:ext uri="{FF2B5EF4-FFF2-40B4-BE49-F238E27FC236}">
-                  <a16:creationId xmlns:a16="http://schemas.microsoft.com/office/drawing/2014/main" id="{58506D98-2A1B-5448-A7D0-DB8A69A32A76}"/>
-                </a:ext>
-              </a:extLst>
-            </p:cNvPr>
-            <p:cNvSpPr txBox="1"/>
-            <p:nvPr/>
-          </p:nvSpPr>
-          <p:spPr>
-            <a:xfrm>
-              <a:off x="5868059" y="1948376"/>
-              <a:ext cx="752771" cy="492442"/>
-            </a:xfrm>
-            <a:prstGeom prst="rect">
-              <a:avLst/>
-            </a:prstGeom>
-            <a:noFill/>
-          </p:spPr>
-          <p:txBody>
-            <a:bodyPr wrap="none" rtlCol="0">
-              <a:spAutoFit/>
-            </a:bodyPr>
-            <a:lstStyle/>
-            <a:p>
-              <a:r>
-                <a:rPr lang="en-US" dirty="0">
-                  <a:latin typeface="Consolas" panose="020B0609020204030204" pitchFamily="49" charset="0"/>
-                  <a:cs typeface="Consolas" panose="020B0609020204030204" pitchFamily="49" charset="0"/>
-                </a:rPr>
-                <a:t>int</a:t>
-              </a:r>
-            </a:p>
-          </p:txBody>
-        </p:sp>
-      </p:grpSp>
-    </p:spTree>
-    <p:extLst>
-      <p:ext uri="{BB962C8B-B14F-4D97-AF65-F5344CB8AC3E}">
-        <p14:creationId xmlns:p14="http://schemas.microsoft.com/office/powerpoint/2010/main" val="2184639568"/>
-      </p:ext>
-    </p:extLst>
-  </p:cSld>
-  <p:clrMapOvr>
-    <a:masterClrMapping/>
-  </p:clrMapOvr>
-  <p:timing>
-    <p:tnLst>
-      <p:par>
-        <p:cTn id="1" dur="indefinite" restart="never" nodeType="tmRoot">
-          <p:childTnLst>
-            <p:seq concurrent="1" nextAc="seek">
-              <p:cTn id="2" dur="indefinite" nodeType="mainSeq">
-                <p:childTnLst>
-                  <p:par>
-                    <p:cTn id="3" fill="hold">
-                      <p:stCondLst>
-                        <p:cond delay="indefinite"/>
-                      </p:stCondLst>
-                      <p:childTnLst>
-                        <p:par>
-                          <p:cTn id="4" fill="hold">
-                            <p:stCondLst>
-                              <p:cond delay="0"/>
-                            </p:stCondLst>
-                            <p:childTnLst>
-                              <p:par>
-                                <p:cTn id="5" presetID="1" presetClass="entr" presetSubtype="0" fill="hold" grpId="0" nodeType="clickEffect">
-                                  <p:stCondLst>
-                                    <p:cond delay="0"/>
-                                  </p:stCondLst>
-                                  <p:childTnLst>
-                                    <p:set>
-                                      <p:cBhvr>
-                                        <p:cTn id="6" dur="1" fill="hold">
-                                          <p:stCondLst>
-                                            <p:cond delay="0"/>
-                                          </p:stCondLst>
-                                        </p:cTn>
-                                        <p:tgtEl>
-                                          <p:spTgt spid="5"/>
-                                        </p:tgtEl>
-                                        <p:attrNameLst>
-                                          <p:attrName>style.visibility</p:attrName>
-                                        </p:attrNameLst>
-                                      </p:cBhvr>
-                                      <p:to>
-                                        <p:strVal val="visible"/>
-                                      </p:to>
-                                    </p:set>
-                                  </p:childTnLst>
-                                </p:cTn>
-                              </p:par>
-                            </p:childTnLst>
-                          </p:cTn>
-                        </p:par>
-                      </p:childTnLst>
-                    </p:cTn>
-                  </p:par>
-                  <p:par>
-                    <p:cTn id="7" fill="hold">
-                      <p:stCondLst>
-                        <p:cond delay="indefinite"/>
-                      </p:stCondLst>
-                      <p:childTnLst>
-                        <p:par>
-                          <p:cTn id="8" fill="hold">
-                            <p:stCondLst>
-                              <p:cond delay="0"/>
-                            </p:stCondLst>
-                            <p:childTnLst>
-                              <p:par>
-                                <p:cTn id="9" presetID="1" presetClass="entr" presetSubtype="0" fill="hold" nodeType="clickEffect">
-                                  <p:stCondLst>
-                                    <p:cond delay="0"/>
-                                  </p:stCondLst>
-                                  <p:childTnLst>
-                                    <p:set>
-                                      <p:cBhvr>
-                                        <p:cTn id="10" dur="1" fill="hold">
-                                          <p:stCondLst>
-                                            <p:cond delay="0"/>
-                                          </p:stCondLst>
-                                        </p:cTn>
-                                        <p:tgtEl>
-                                          <p:spTgt spid="11"/>
-                                        </p:tgtEl>
-                                        <p:attrNameLst>
-                                          <p:attrName>style.visibility</p:attrName>
-                                        </p:attrNameLst>
-                                      </p:cBhvr>
-                                      <p:to>
-                                        <p:strVal val="visible"/>
-                                      </p:to>
-                                    </p:set>
-                                  </p:childTnLst>
-                                </p:cTn>
-                              </p:par>
-                            </p:childTnLst>
-                          </p:cTn>
-                        </p:par>
-                      </p:childTnLst>
-                    </p:cTn>
-                  </p:par>
-                </p:childTnLst>
-              </p:cTn>
-              <p:prevCondLst>
-                <p:cond evt="onPrev" delay="0">
-                  <p:tgtEl>
-                    <p:sldTgt/>
-                  </p:tgtEl>
-                </p:cond>
-              </p:prevCondLst>
-              <p:nextCondLst>
-                <p:cond evt="onNext" delay="0">
-                  <p:tgtEl>
-                    <p:sldTgt/>
-                  </p:tgtEl>
-                </p:cond>
-              </p:nextCondLst>
-            </p:seq>
-          </p:childTnLst>
-        </p:cTn>
-      </p:par>
-    </p:tnLst>
-    <p:bldLst>
-      <p:bldP spid="5" grpId="0" animBg="1"/>
-    </p:bldLst>
-  </p:timing>
-</p:sld>
-</file>
-
-<file path=ppt/slides/slide28.xml><?xml version="1.0" encoding="utf-8"?>
+<file path=ppt/slides/slide25.xml><?xml version="1.0" encoding="utf-8"?>
 <p:sld xmlns:a="http://schemas.openxmlformats.org/drawingml/2006/main" xmlns:r="http://schemas.openxmlformats.org/officeDocument/2006/relationships" xmlns:p="http://schemas.openxmlformats.org/presentationml/2006/main">
   <p:cSld>
     <p:spTree>
@@ -15998,8 +16144,160 @@
 </p:sld>
 </file>
 
-<file path=ppt/slides/slide29.xml><?xml version="1.0" encoding="utf-8"?>
+<file path=ppt/slides/slide26.xml><?xml version="1.0" encoding="utf-8"?>
 <p:sld xmlns:a="http://schemas.openxmlformats.org/drawingml/2006/main" xmlns:r="http://schemas.openxmlformats.org/officeDocument/2006/relationships" xmlns:p="http://schemas.openxmlformats.org/presentationml/2006/main">
+  <p:cSld>
+    <p:bg>
+      <p:bgPr>
+        <a:solidFill>
+          <a:schemeClr val="accent1">
+            <a:lumMod val="75000"/>
+          </a:schemeClr>
+        </a:solidFill>
+        <a:effectLst/>
+      </p:bgPr>
+    </p:bg>
+    <p:spTree>
+      <p:nvGrpSpPr>
+        <p:cNvPr id="1" name=""/>
+        <p:cNvGrpSpPr/>
+        <p:nvPr/>
+      </p:nvGrpSpPr>
+      <p:grpSpPr>
+        <a:xfrm>
+          <a:off x="0" y="0"/>
+          <a:ext cx="0" cy="0"/>
+          <a:chOff x="0" y="0"/>
+          <a:chExt cx="0" cy="0"/>
+        </a:xfrm>
+      </p:grpSpPr>
+      <p:sp>
+        <p:nvSpPr>
+          <p:cNvPr id="2" name="Title 1">
+            <a:extLst>
+              <a:ext uri="{FF2B5EF4-FFF2-40B4-BE49-F238E27FC236}">
+                <a16:creationId xmlns:a16="http://schemas.microsoft.com/office/drawing/2014/main" id="{0848FFF6-11A5-4A27-A96D-25F3DFCCC31A}"/>
+              </a:ext>
+            </a:extLst>
+          </p:cNvPr>
+          <p:cNvSpPr>
+            <a:spLocks noGrp="1"/>
+          </p:cNvSpPr>
+          <p:nvPr>
+            <p:ph type="ctrTitle"/>
+          </p:nvPr>
+        </p:nvSpPr>
+        <p:spPr>
+          <a:xfrm>
+            <a:off x="2579873" y="2118462"/>
+            <a:ext cx="5143500" cy="1343025"/>
+          </a:xfrm>
+        </p:spPr>
+        <p:txBody>
+          <a:bodyPr>
+            <a:normAutofit/>
+          </a:bodyPr>
+          <a:lstStyle/>
+          <a:p>
+            <a:r>
+              <a:rPr lang="en-US" sz="4050" dirty="0">
+                <a:solidFill>
+                  <a:schemeClr val="bg1"/>
+                </a:solidFill>
+              </a:rPr>
+              <a:t>Breakout time!</a:t>
+            </a:r>
+          </a:p>
+        </p:txBody>
+      </p:sp>
+      <p:pic>
+        <p:nvPicPr>
+          <p:cNvPr id="37892" name="Picture 4" descr="Tea Party 432*432 transprent Png Free Download - Heart, Cup, Teapot. -  CleanPNG / KissPNG">
+            <a:extLst>
+              <a:ext uri="{FF2B5EF4-FFF2-40B4-BE49-F238E27FC236}">
+                <a16:creationId xmlns:a16="http://schemas.microsoft.com/office/drawing/2014/main" id="{12DD4D09-CDF4-4B24-878B-46BDA8ED9E73}"/>
+              </a:ext>
+            </a:extLst>
+          </p:cNvPr>
+          <p:cNvPicPr>
+            <a:picLocks noChangeAspect="1" noChangeArrowheads="1"/>
+          </p:cNvPicPr>
+          <p:nvPr/>
+        </p:nvPicPr>
+        <p:blipFill>
+          <a:blip r:embed="rId2">
+            <a:extLst>
+              <a:ext uri="{BEBA8EAE-BF5A-486C-A8C5-ECC9F3942E4B}">
+                <a14:imgProps xmlns:a14="http://schemas.microsoft.com/office/drawing/2010/main">
+                  <a14:imgLayer r:embed="rId3">
+                    <a14:imgEffect>
+                      <a14:backgroundRemoval t="4000" b="93333" l="5778" r="93778">
+                        <a14:foregroundMark x1="40444" y1="8889" x2="40444" y2="8889"/>
+                        <a14:foregroundMark x1="36000" y1="5778" x2="36000" y2="5778"/>
+                        <a14:foregroundMark x1="47556" y1="5333" x2="47556" y2="5333"/>
+                        <a14:foregroundMark x1="23556" y1="4000" x2="23556" y2="4000"/>
+                        <a14:foregroundMark x1="6222" y1="18667" x2="6222" y2="18667"/>
+                        <a14:foregroundMark x1="93778" y1="74667" x2="93778" y2="74667"/>
+                        <a14:foregroundMark x1="80889" y1="56889" x2="80889" y2="56889"/>
+                        <a14:foregroundMark x1="48000" y1="70667" x2="48000" y2="70667"/>
+                        <a14:foregroundMark x1="48000" y1="81778" x2="48000" y2="81778"/>
+                        <a14:foregroundMark x1="82222" y1="57333" x2="82222" y2="57333"/>
+                        <a14:foregroundMark x1="73778" y1="93333" x2="73778" y2="93333"/>
+                        <a14:backgroundMark x1="79111" y1="57778" x2="79111" y2="57778"/>
+                        <a14:backgroundMark x1="80000" y1="56000" x2="80000" y2="56000"/>
+                        <a14:backgroundMark x1="81333" y1="59556" x2="81333" y2="59556"/>
+                        <a14:backgroundMark x1="81333" y1="59556" x2="81333" y2="59556"/>
+                        <a14:backgroundMark x1="81333" y1="59556" x2="78222" y2="56889"/>
+                      </a14:backgroundRemoval>
+                    </a14:imgEffect>
+                  </a14:imgLayer>
+                </a14:imgProps>
+              </a:ext>
+              <a:ext uri="{28A0092B-C50C-407E-A947-70E740481C1C}">
+                <a14:useLocalDpi xmlns:a14="http://schemas.microsoft.com/office/drawing/2010/main" val="0"/>
+              </a:ext>
+            </a:extLst>
+          </a:blip>
+          <a:srcRect/>
+          <a:stretch>
+            <a:fillRect/>
+          </a:stretch>
+        </p:blipFill>
+        <p:spPr bwMode="auto">
+          <a:xfrm>
+            <a:off x="1798039" y="2148530"/>
+            <a:ext cx="1563668" cy="1563668"/>
+          </a:xfrm>
+          <a:prstGeom prst="rect">
+            <a:avLst/>
+          </a:prstGeom>
+          <a:noFill/>
+          <a:extLst>
+            <a:ext uri="{909E8E84-426E-40DD-AFC4-6F175D3DCCD1}">
+              <a14:hiddenFill xmlns:a14="http://schemas.microsoft.com/office/drawing/2010/main">
+                <a:solidFill>
+                  <a:srgbClr val="FFFFFF"/>
+                </a:solidFill>
+              </a14:hiddenFill>
+            </a:ext>
+          </a:extLst>
+        </p:spPr>
+      </p:pic>
+    </p:spTree>
+    <p:extLst>
+      <p:ext uri="{BB962C8B-B14F-4D97-AF65-F5344CB8AC3E}">
+        <p14:creationId xmlns:p14="http://schemas.microsoft.com/office/powerpoint/2010/main" val="4290718672"/>
+      </p:ext>
+    </p:extLst>
+  </p:cSld>
+  <p:clrMapOvr>
+    <a:masterClrMapping/>
+  </p:clrMapOvr>
+</p:sld>
+</file>
+
+<file path=ppt/slides/slide27.xml><?xml version="1.0" encoding="utf-8"?>
+<p:sld xmlns:a="http://schemas.openxmlformats.org/drawingml/2006/main" xmlns:r="http://schemas.openxmlformats.org/officeDocument/2006/relationships" xmlns:p="http://schemas.openxmlformats.org/presentationml/2006/main" show="0">
   <p:cSld>
     <p:spTree>
       <p:nvGrpSpPr>
@@ -16359,6 +16657,507 @@
 </p:sld>
 </file>
 
+<file path=ppt/slides/slide28.xml><?xml version="1.0" encoding="utf-8"?>
+<p:sld xmlns:a="http://schemas.openxmlformats.org/drawingml/2006/main" xmlns:r="http://schemas.openxmlformats.org/officeDocument/2006/relationships" xmlns:p="http://schemas.openxmlformats.org/presentationml/2006/main">
+  <p:cSld>
+    <p:spTree>
+      <p:nvGrpSpPr>
+        <p:cNvPr id="1" name=""/>
+        <p:cNvGrpSpPr/>
+        <p:nvPr/>
+      </p:nvGrpSpPr>
+      <p:grpSpPr>
+        <a:xfrm>
+          <a:off x="0" y="0"/>
+          <a:ext cx="0" cy="0"/>
+          <a:chOff x="0" y="0"/>
+          <a:chExt cx="0" cy="0"/>
+        </a:xfrm>
+      </p:grpSpPr>
+      <p:sp>
+        <p:nvSpPr>
+          <p:cNvPr id="2" name="Title 1"/>
+          <p:cNvSpPr>
+            <a:spLocks noGrp="1"/>
+          </p:cNvSpPr>
+          <p:nvPr>
+            <p:ph type="title"/>
+          </p:nvPr>
+        </p:nvSpPr>
+        <p:spPr/>
+        <p:txBody>
+          <a:bodyPr/>
+          <a:lstStyle/>
+          <a:p>
+            <a:r>
+              <a:rPr lang="en-US" dirty="0"/>
+              <a:t>C’s Control flow</a:t>
+            </a:r>
+          </a:p>
+        </p:txBody>
+      </p:sp>
+      <p:sp>
+        <p:nvSpPr>
+          <p:cNvPr id="3" name="Content Placeholder 2"/>
+          <p:cNvSpPr>
+            <a:spLocks noGrp="1"/>
+          </p:cNvSpPr>
+          <p:nvPr>
+            <p:ph idx="1"/>
+          </p:nvPr>
+        </p:nvSpPr>
+        <p:spPr/>
+        <p:txBody>
+          <a:bodyPr/>
+          <a:lstStyle/>
+          <a:p>
+            <a:r>
+              <a:rPr lang="en-US" dirty="0"/>
+              <a:t>Same as Java</a:t>
+            </a:r>
+          </a:p>
+          <a:p>
+            <a:r>
+              <a:rPr lang="en-US" dirty="0"/>
+              <a:t>conditional:</a:t>
+            </a:r>
+          </a:p>
+          <a:p>
+            <a:pPr lvl="1"/>
+            <a:r>
+              <a:rPr lang="en-US" dirty="0"/>
+              <a:t> if ... else if... else</a:t>
+            </a:r>
+          </a:p>
+          <a:p>
+            <a:pPr lvl="1"/>
+            <a:r>
+              <a:rPr lang="en-US" dirty="0"/>
+              <a:t>switch</a:t>
+            </a:r>
+          </a:p>
+          <a:p>
+            <a:r>
+              <a:rPr lang="en-US" dirty="0"/>
+              <a:t>loops: while, for</a:t>
+            </a:r>
+          </a:p>
+          <a:p>
+            <a:pPr lvl="1"/>
+            <a:r>
+              <a:rPr lang="en-US" dirty="0"/>
+              <a:t>continue</a:t>
+            </a:r>
+          </a:p>
+          <a:p>
+            <a:pPr lvl="1"/>
+            <a:r>
+              <a:rPr lang="en-US" dirty="0"/>
+              <a:t>break</a:t>
+            </a:r>
+          </a:p>
+          <a:p>
+            <a:pPr lvl="1"/>
+            <a:endParaRPr lang="en-US" dirty="0"/>
+          </a:p>
+          <a:p>
+            <a:pPr lvl="1"/>
+            <a:endParaRPr lang="en-US" dirty="0"/>
+          </a:p>
+        </p:txBody>
+      </p:sp>
+    </p:spTree>
+    <p:extLst>
+      <p:ext uri="{BB962C8B-B14F-4D97-AF65-F5344CB8AC3E}">
+        <p14:creationId xmlns:p14="http://schemas.microsoft.com/office/powerpoint/2010/main" val="2801193760"/>
+      </p:ext>
+    </p:extLst>
+  </p:cSld>
+  <p:clrMapOvr>
+    <a:masterClrMapping/>
+  </p:clrMapOvr>
+</p:sld>
+</file>
+
+<file path=ppt/slides/slide29.xml><?xml version="1.0" encoding="utf-8"?>
+<p:sld xmlns:a="http://schemas.openxmlformats.org/drawingml/2006/main" xmlns:r="http://schemas.openxmlformats.org/officeDocument/2006/relationships" xmlns:p="http://schemas.openxmlformats.org/presentationml/2006/main">
+  <p:cSld>
+    <p:spTree>
+      <p:nvGrpSpPr>
+        <p:cNvPr id="1" name=""/>
+        <p:cNvGrpSpPr/>
+        <p:nvPr/>
+      </p:nvGrpSpPr>
+      <p:grpSpPr>
+        <a:xfrm>
+          <a:off x="0" y="0"/>
+          <a:ext cx="0" cy="0"/>
+          <a:chOff x="0" y="0"/>
+          <a:chExt cx="0" cy="0"/>
+        </a:xfrm>
+      </p:grpSpPr>
+      <p:sp>
+        <p:nvSpPr>
+          <p:cNvPr id="2" name="标题 1"/>
+          <p:cNvSpPr>
+            <a:spLocks noGrp="1"/>
+          </p:cNvSpPr>
+          <p:nvPr>
+            <p:ph type="title"/>
+          </p:nvPr>
+        </p:nvSpPr>
+        <p:spPr/>
+        <p:txBody>
+          <a:bodyPr>
+            <a:normAutofit fontScale="90000"/>
+          </a:bodyPr>
+          <a:lstStyle/>
+          <a:p>
+            <a:r>
+              <a:rPr kumimoji="1" lang="en-US" altLang="zh-CN" dirty="0" err="1"/>
+              <a:t>goto</a:t>
+            </a:r>
+            <a:r>
+              <a:rPr kumimoji="1" lang="en-US" altLang="zh-CN" dirty="0"/>
+              <a:t> statements allow jump anywhere</a:t>
+            </a:r>
+            <a:endParaRPr kumimoji="1" lang="zh-CN" altLang="en-US" dirty="0"/>
+          </a:p>
+        </p:txBody>
+      </p:sp>
+      <p:sp>
+        <p:nvSpPr>
+          <p:cNvPr id="3" name="内容占位符 2"/>
+          <p:cNvSpPr>
+            <a:spLocks noGrp="1"/>
+          </p:cNvSpPr>
+          <p:nvPr>
+            <p:ph idx="1"/>
+          </p:nvPr>
+        </p:nvSpPr>
+        <p:spPr>
+          <a:xfrm>
+            <a:off x="457200" y="1600200"/>
+            <a:ext cx="8229600" cy="648495"/>
+          </a:xfrm>
+        </p:spPr>
+        <p:txBody>
+          <a:bodyPr/>
+          <a:lstStyle/>
+          <a:p>
+            <a:pPr marL="0" lvl="1" indent="0">
+              <a:buNone/>
+            </a:pPr>
+            <a:r>
+              <a:rPr kumimoji="1" lang="en-US" altLang="zh-CN" sz="2800" dirty="0" err="1">
+                <a:latin typeface="Verdana"/>
+                <a:cs typeface="Verdana"/>
+              </a:rPr>
+              <a:t>goto</a:t>
+            </a:r>
+            <a:r>
+              <a:rPr kumimoji="1" lang="en-US" altLang="zh-CN" sz="2800" dirty="0">
+                <a:latin typeface="Verdana"/>
+                <a:cs typeface="Verdana"/>
+              </a:rPr>
+              <a:t> </a:t>
+            </a:r>
+            <a:r>
+              <a:rPr kumimoji="1" lang="en-US" altLang="zh-CN" sz="2800" i="1" dirty="0">
+                <a:latin typeface="Verdana"/>
+                <a:cs typeface="Verdana"/>
+              </a:rPr>
+              <a:t>label</a:t>
+            </a:r>
+          </a:p>
+        </p:txBody>
+      </p:sp>
+      <p:sp>
+        <p:nvSpPr>
+          <p:cNvPr id="4" name="矩形 3"/>
+          <p:cNvSpPr/>
+          <p:nvPr/>
+        </p:nvSpPr>
+        <p:spPr>
+          <a:xfrm>
+            <a:off x="529801" y="2831170"/>
+            <a:ext cx="3855587" cy="3231654"/>
+          </a:xfrm>
+          <a:prstGeom prst="rect">
+            <a:avLst/>
+          </a:prstGeom>
+        </p:spPr>
+        <p:txBody>
+          <a:bodyPr wrap="square">
+            <a:spAutoFit/>
+          </a:bodyPr>
+          <a:lstStyle/>
+          <a:p>
+            <a:r>
+              <a:rPr lang="en-US" altLang="zh-CN" b="1" dirty="0">
+                <a:latin typeface="Consolas"/>
+                <a:ea typeface="宋体" pitchFamily="2" charset="-122"/>
+                <a:cs typeface="Consolas"/>
+              </a:rPr>
+              <a:t>for</a:t>
+            </a:r>
+            <a:r>
+              <a:rPr lang="en-US" altLang="zh-CN" dirty="0">
+                <a:latin typeface="Consolas"/>
+                <a:ea typeface="宋体" pitchFamily="2" charset="-122"/>
+                <a:cs typeface="Consolas"/>
+              </a:rPr>
+              <a:t>(</a:t>
+            </a:r>
+            <a:r>
+              <a:rPr lang="en-US" altLang="zh-CN" i="1" dirty="0">
+                <a:latin typeface="Consolas"/>
+                <a:ea typeface="宋体" pitchFamily="2" charset="-122"/>
+                <a:cs typeface="Consolas"/>
+              </a:rPr>
+              <a:t>...</a:t>
+            </a:r>
+            <a:r>
+              <a:rPr lang="en-US" altLang="zh-CN" dirty="0">
+                <a:latin typeface="Consolas"/>
+                <a:ea typeface="宋体" pitchFamily="2" charset="-122"/>
+                <a:cs typeface="Consolas"/>
+              </a:rPr>
+              <a:t>) {</a:t>
+            </a:r>
+          </a:p>
+          <a:p>
+            <a:endParaRPr lang="en-US" altLang="zh-CN" sz="400" dirty="0">
+              <a:latin typeface="Consolas"/>
+              <a:ea typeface="宋体" pitchFamily="2" charset="-122"/>
+              <a:cs typeface="Consolas"/>
+            </a:endParaRPr>
+          </a:p>
+          <a:p>
+            <a:r>
+              <a:rPr lang="en-US" altLang="zh-CN" dirty="0">
+                <a:latin typeface="Consolas"/>
+                <a:ea typeface="宋体" pitchFamily="2" charset="-122"/>
+                <a:cs typeface="Consolas"/>
+              </a:rPr>
+              <a:t>	</a:t>
+            </a:r>
+            <a:r>
+              <a:rPr lang="en-US" altLang="zh-CN" b="1" dirty="0">
+                <a:latin typeface="Consolas"/>
+                <a:ea typeface="宋体" pitchFamily="2" charset="-122"/>
+                <a:cs typeface="Consolas"/>
+              </a:rPr>
+              <a:t>for</a:t>
+            </a:r>
+            <a:r>
+              <a:rPr lang="en-US" altLang="zh-CN" dirty="0">
+                <a:latin typeface="Consolas"/>
+                <a:ea typeface="宋体" pitchFamily="2" charset="-122"/>
+                <a:cs typeface="Consolas"/>
+              </a:rPr>
+              <a:t>(</a:t>
+            </a:r>
+            <a:r>
+              <a:rPr lang="en-US" altLang="zh-CN" i="1" dirty="0">
+                <a:latin typeface="Consolas"/>
+                <a:ea typeface="宋体" pitchFamily="2" charset="-122"/>
+                <a:cs typeface="Consolas"/>
+              </a:rPr>
+              <a:t>...</a:t>
+            </a:r>
+            <a:r>
+              <a:rPr lang="en-US" altLang="zh-CN" dirty="0">
+                <a:latin typeface="Consolas"/>
+                <a:ea typeface="宋体" pitchFamily="2" charset="-122"/>
+                <a:cs typeface="Consolas"/>
+              </a:rPr>
+              <a:t>) {</a:t>
+            </a:r>
+          </a:p>
+          <a:p>
+            <a:endParaRPr lang="en-US" altLang="zh-CN" sz="400" dirty="0">
+              <a:latin typeface="Consolas"/>
+              <a:ea typeface="宋体" pitchFamily="2" charset="-122"/>
+              <a:cs typeface="Consolas"/>
+            </a:endParaRPr>
+          </a:p>
+          <a:p>
+            <a:r>
+              <a:rPr lang="en-US" altLang="zh-CN" dirty="0">
+                <a:latin typeface="Consolas"/>
+                <a:ea typeface="宋体" pitchFamily="2" charset="-122"/>
+                <a:cs typeface="Consolas"/>
+              </a:rPr>
+              <a:t>		</a:t>
+            </a:r>
+            <a:r>
+              <a:rPr lang="en-US" altLang="zh-CN" b="1" dirty="0">
+                <a:latin typeface="Consolas"/>
+                <a:ea typeface="宋体" pitchFamily="2" charset="-122"/>
+                <a:cs typeface="Consolas"/>
+              </a:rPr>
+              <a:t>for</a:t>
+            </a:r>
+            <a:r>
+              <a:rPr lang="en-US" altLang="zh-CN" dirty="0">
+                <a:latin typeface="Consolas"/>
+                <a:ea typeface="宋体" pitchFamily="2" charset="-122"/>
+                <a:cs typeface="Consolas"/>
+              </a:rPr>
+              <a:t>(</a:t>
+            </a:r>
+            <a:r>
+              <a:rPr lang="en-US" altLang="zh-CN" i="1" dirty="0">
+                <a:latin typeface="Consolas"/>
+                <a:ea typeface="宋体" pitchFamily="2" charset="-122"/>
+                <a:cs typeface="Consolas"/>
+              </a:rPr>
+              <a:t>...</a:t>
+            </a:r>
+            <a:r>
+              <a:rPr lang="en-US" altLang="zh-CN" dirty="0">
+                <a:latin typeface="Consolas"/>
+                <a:ea typeface="宋体" pitchFamily="2" charset="-122"/>
+                <a:cs typeface="Consolas"/>
+              </a:rPr>
+              <a:t>) {</a:t>
+            </a:r>
+          </a:p>
+          <a:p>
+            <a:endParaRPr lang="en-US" altLang="zh-CN" sz="400" dirty="0">
+              <a:latin typeface="Consolas"/>
+              <a:ea typeface="宋体" pitchFamily="2" charset="-122"/>
+              <a:cs typeface="Consolas"/>
+            </a:endParaRPr>
+          </a:p>
+          <a:p>
+            <a:r>
+              <a:rPr lang="en-US" altLang="zh-CN" dirty="0">
+                <a:latin typeface="Consolas"/>
+                <a:ea typeface="宋体" pitchFamily="2" charset="-122"/>
+                <a:cs typeface="Consolas"/>
+              </a:rPr>
+              <a:t>			</a:t>
+            </a:r>
+            <a:r>
+              <a:rPr lang="en-US" altLang="zh-CN" dirty="0" err="1">
+                <a:latin typeface="Consolas"/>
+                <a:ea typeface="宋体" pitchFamily="2" charset="-122"/>
+                <a:cs typeface="Consolas"/>
+              </a:rPr>
+              <a:t>goto</a:t>
+            </a:r>
+            <a:r>
+              <a:rPr lang="en-US" altLang="zh-CN" dirty="0">
+                <a:latin typeface="Consolas"/>
+                <a:ea typeface="宋体" pitchFamily="2" charset="-122"/>
+                <a:cs typeface="Consolas"/>
+              </a:rPr>
+              <a:t> error</a:t>
+            </a:r>
+          </a:p>
+          <a:p>
+            <a:endParaRPr lang="en-US" altLang="zh-CN" sz="400" dirty="0">
+              <a:latin typeface="Consolas"/>
+              <a:ea typeface="宋体" pitchFamily="2" charset="-122"/>
+              <a:cs typeface="Consolas"/>
+            </a:endParaRPr>
+          </a:p>
+          <a:p>
+            <a:r>
+              <a:rPr lang="en-US" altLang="zh-CN" dirty="0">
+                <a:latin typeface="Consolas"/>
+                <a:ea typeface="宋体" pitchFamily="2" charset="-122"/>
+                <a:cs typeface="Consolas"/>
+              </a:rPr>
+              <a:t>		}</a:t>
+            </a:r>
+          </a:p>
+          <a:p>
+            <a:endParaRPr lang="en-US" altLang="zh-CN" sz="400" dirty="0">
+              <a:latin typeface="Consolas"/>
+              <a:ea typeface="宋体" pitchFamily="2" charset="-122"/>
+              <a:cs typeface="Consolas"/>
+            </a:endParaRPr>
+          </a:p>
+          <a:p>
+            <a:r>
+              <a:rPr lang="en-US" altLang="zh-CN" b="1" dirty="0">
+                <a:latin typeface="Consolas"/>
+                <a:ea typeface="宋体" pitchFamily="2" charset="-122"/>
+                <a:cs typeface="Consolas"/>
+              </a:rPr>
+              <a:t>  	</a:t>
+            </a:r>
+            <a:r>
+              <a:rPr lang="en-US" altLang="zh-CN" dirty="0">
+                <a:latin typeface="Consolas"/>
+                <a:ea typeface="宋体" pitchFamily="2" charset="-122"/>
+                <a:cs typeface="Consolas"/>
+              </a:rPr>
+              <a:t>}</a:t>
+            </a:r>
+          </a:p>
+          <a:p>
+            <a:endParaRPr lang="en-US" altLang="zh-CN" sz="400" b="1" dirty="0">
+              <a:latin typeface="Consolas"/>
+              <a:ea typeface="宋体" pitchFamily="2" charset="-122"/>
+              <a:cs typeface="Consolas"/>
+            </a:endParaRPr>
+          </a:p>
+          <a:p>
+            <a:r>
+              <a:rPr lang="en-US" altLang="zh-CN" dirty="0">
+                <a:latin typeface="Consolas"/>
+                <a:ea typeface="宋体" pitchFamily="2" charset="-122"/>
+                <a:cs typeface="Consolas"/>
+              </a:rPr>
+              <a:t>}</a:t>
+            </a:r>
+          </a:p>
+          <a:p>
+            <a:endParaRPr lang="en-US" altLang="zh-CN" dirty="0">
+              <a:latin typeface="Consolas"/>
+              <a:ea typeface="宋体" pitchFamily="2" charset="-122"/>
+              <a:cs typeface="Consolas"/>
+            </a:endParaRPr>
+          </a:p>
+          <a:p>
+            <a:r>
+              <a:rPr lang="en-US" altLang="zh-CN" b="1" i="1" dirty="0">
+                <a:latin typeface="Consolas"/>
+                <a:ea typeface="宋体" pitchFamily="2" charset="-122"/>
+                <a:cs typeface="Consolas"/>
+              </a:rPr>
+              <a:t>error:</a:t>
+            </a:r>
+          </a:p>
+          <a:p>
+            <a:r>
+              <a:rPr lang="en-US" altLang="zh-CN" dirty="0">
+                <a:latin typeface="Consolas"/>
+                <a:ea typeface="宋体" pitchFamily="2" charset="-122"/>
+                <a:cs typeface="Consolas"/>
+              </a:rPr>
+              <a:t>	code handling error</a:t>
+            </a:r>
+          </a:p>
+        </p:txBody>
+      </p:sp>
+    </p:spTree>
+    <p:extLst>
+      <p:ext uri="{BB962C8B-B14F-4D97-AF65-F5344CB8AC3E}">
+        <p14:creationId xmlns:p14="http://schemas.microsoft.com/office/powerpoint/2010/main" val="3535806375"/>
+      </p:ext>
+    </p:extLst>
+  </p:cSld>
+  <p:clrMapOvr>
+    <a:masterClrMapping/>
+  </p:clrMapOvr>
+</p:sld>
+</file>
+
 <file path=ppt/slides/slide3.xml><?xml version="1.0" encoding="utf-8"?>
 <p:sld xmlns:a="http://schemas.openxmlformats.org/drawingml/2006/main" xmlns:r="http://schemas.openxmlformats.org/officeDocument/2006/relationships" xmlns:p="http://schemas.openxmlformats.org/presentationml/2006/main">
   <p:cSld>
@@ -16595,507 +17394,6 @@
         </p:nvSpPr>
         <p:spPr/>
         <p:txBody>
-          <a:bodyPr/>
-          <a:lstStyle/>
-          <a:p>
-            <a:r>
-              <a:rPr lang="en-US" dirty="0"/>
-              <a:t>C’s Control flow</a:t>
-            </a:r>
-          </a:p>
-        </p:txBody>
-      </p:sp>
-      <p:sp>
-        <p:nvSpPr>
-          <p:cNvPr id="3" name="Content Placeholder 2"/>
-          <p:cNvSpPr>
-            <a:spLocks noGrp="1"/>
-          </p:cNvSpPr>
-          <p:nvPr>
-            <p:ph idx="1"/>
-          </p:nvPr>
-        </p:nvSpPr>
-        <p:spPr/>
-        <p:txBody>
-          <a:bodyPr/>
-          <a:lstStyle/>
-          <a:p>
-            <a:r>
-              <a:rPr lang="en-US" dirty="0"/>
-              <a:t>Same as Java</a:t>
-            </a:r>
-          </a:p>
-          <a:p>
-            <a:r>
-              <a:rPr lang="en-US" dirty="0"/>
-              <a:t>conditional:</a:t>
-            </a:r>
-          </a:p>
-          <a:p>
-            <a:pPr lvl="1"/>
-            <a:r>
-              <a:rPr lang="en-US" dirty="0"/>
-              <a:t> if ... else if... else</a:t>
-            </a:r>
-          </a:p>
-          <a:p>
-            <a:pPr lvl="1"/>
-            <a:r>
-              <a:rPr lang="en-US" dirty="0"/>
-              <a:t>switch</a:t>
-            </a:r>
-          </a:p>
-          <a:p>
-            <a:r>
-              <a:rPr lang="en-US" dirty="0"/>
-              <a:t>loops: while, for</a:t>
-            </a:r>
-          </a:p>
-          <a:p>
-            <a:pPr lvl="1"/>
-            <a:r>
-              <a:rPr lang="en-US" dirty="0"/>
-              <a:t>continue</a:t>
-            </a:r>
-          </a:p>
-          <a:p>
-            <a:pPr lvl="1"/>
-            <a:r>
-              <a:rPr lang="en-US" dirty="0"/>
-              <a:t>break</a:t>
-            </a:r>
-          </a:p>
-          <a:p>
-            <a:pPr lvl="1"/>
-            <a:endParaRPr lang="en-US" dirty="0"/>
-          </a:p>
-          <a:p>
-            <a:pPr lvl="1"/>
-            <a:endParaRPr lang="en-US" dirty="0"/>
-          </a:p>
-        </p:txBody>
-      </p:sp>
-    </p:spTree>
-    <p:extLst>
-      <p:ext uri="{BB962C8B-B14F-4D97-AF65-F5344CB8AC3E}">
-        <p14:creationId xmlns:p14="http://schemas.microsoft.com/office/powerpoint/2010/main" val="2801193760"/>
-      </p:ext>
-    </p:extLst>
-  </p:cSld>
-  <p:clrMapOvr>
-    <a:masterClrMapping/>
-  </p:clrMapOvr>
-</p:sld>
-</file>
-
-<file path=ppt/slides/slide31.xml><?xml version="1.0" encoding="utf-8"?>
-<p:sld xmlns:a="http://schemas.openxmlformats.org/drawingml/2006/main" xmlns:r="http://schemas.openxmlformats.org/officeDocument/2006/relationships" xmlns:p="http://schemas.openxmlformats.org/presentationml/2006/main">
-  <p:cSld>
-    <p:spTree>
-      <p:nvGrpSpPr>
-        <p:cNvPr id="1" name=""/>
-        <p:cNvGrpSpPr/>
-        <p:nvPr/>
-      </p:nvGrpSpPr>
-      <p:grpSpPr>
-        <a:xfrm>
-          <a:off x="0" y="0"/>
-          <a:ext cx="0" cy="0"/>
-          <a:chOff x="0" y="0"/>
-          <a:chExt cx="0" cy="0"/>
-        </a:xfrm>
-      </p:grpSpPr>
-      <p:sp>
-        <p:nvSpPr>
-          <p:cNvPr id="2" name="标题 1"/>
-          <p:cNvSpPr>
-            <a:spLocks noGrp="1"/>
-          </p:cNvSpPr>
-          <p:nvPr>
-            <p:ph type="title"/>
-          </p:nvPr>
-        </p:nvSpPr>
-        <p:spPr/>
-        <p:txBody>
-          <a:bodyPr>
-            <a:normAutofit fontScale="90000"/>
-          </a:bodyPr>
-          <a:lstStyle/>
-          <a:p>
-            <a:r>
-              <a:rPr kumimoji="1" lang="en-US" altLang="zh-CN" dirty="0" err="1"/>
-              <a:t>goto</a:t>
-            </a:r>
-            <a:r>
-              <a:rPr kumimoji="1" lang="en-US" altLang="zh-CN" dirty="0"/>
-              <a:t> statements allow jump anywhere</a:t>
-            </a:r>
-            <a:endParaRPr kumimoji="1" lang="zh-CN" altLang="en-US" dirty="0"/>
-          </a:p>
-        </p:txBody>
-      </p:sp>
-      <p:sp>
-        <p:nvSpPr>
-          <p:cNvPr id="3" name="内容占位符 2"/>
-          <p:cNvSpPr>
-            <a:spLocks noGrp="1"/>
-          </p:cNvSpPr>
-          <p:nvPr>
-            <p:ph idx="1"/>
-          </p:nvPr>
-        </p:nvSpPr>
-        <p:spPr>
-          <a:xfrm>
-            <a:off x="457200" y="1600200"/>
-            <a:ext cx="8229600" cy="648495"/>
-          </a:xfrm>
-        </p:spPr>
-        <p:txBody>
-          <a:bodyPr/>
-          <a:lstStyle/>
-          <a:p>
-            <a:pPr marL="0" lvl="1" indent="0">
-              <a:buNone/>
-            </a:pPr>
-            <a:r>
-              <a:rPr kumimoji="1" lang="en-US" altLang="zh-CN" sz="2800" dirty="0" err="1">
-                <a:latin typeface="Verdana"/>
-                <a:cs typeface="Verdana"/>
-              </a:rPr>
-              <a:t>goto</a:t>
-            </a:r>
-            <a:r>
-              <a:rPr kumimoji="1" lang="en-US" altLang="zh-CN" sz="2800" dirty="0">
-                <a:latin typeface="Verdana"/>
-                <a:cs typeface="Verdana"/>
-              </a:rPr>
-              <a:t> </a:t>
-            </a:r>
-            <a:r>
-              <a:rPr kumimoji="1" lang="en-US" altLang="zh-CN" sz="2800" i="1" dirty="0">
-                <a:latin typeface="Verdana"/>
-                <a:cs typeface="Verdana"/>
-              </a:rPr>
-              <a:t>label</a:t>
-            </a:r>
-          </a:p>
-        </p:txBody>
-      </p:sp>
-      <p:sp>
-        <p:nvSpPr>
-          <p:cNvPr id="4" name="矩形 3"/>
-          <p:cNvSpPr/>
-          <p:nvPr/>
-        </p:nvSpPr>
-        <p:spPr>
-          <a:xfrm>
-            <a:off x="791058" y="2706762"/>
-            <a:ext cx="7537895" cy="3231654"/>
-          </a:xfrm>
-          <a:prstGeom prst="rect">
-            <a:avLst/>
-          </a:prstGeom>
-        </p:spPr>
-        <p:txBody>
-          <a:bodyPr wrap="square">
-            <a:spAutoFit/>
-          </a:bodyPr>
-          <a:lstStyle/>
-          <a:p>
-            <a:r>
-              <a:rPr lang="en-US" altLang="zh-CN" b="1" dirty="0">
-                <a:latin typeface="Consolas"/>
-                <a:ea typeface="宋体" pitchFamily="2" charset="-122"/>
-                <a:cs typeface="Consolas"/>
-              </a:rPr>
-              <a:t>for</a:t>
-            </a:r>
-            <a:r>
-              <a:rPr lang="en-US" altLang="zh-CN" dirty="0">
-                <a:latin typeface="Consolas"/>
-                <a:ea typeface="宋体" pitchFamily="2" charset="-122"/>
-                <a:cs typeface="Consolas"/>
-              </a:rPr>
-              <a:t>(</a:t>
-            </a:r>
-            <a:r>
-              <a:rPr lang="en-US" altLang="zh-CN" i="1" dirty="0">
-                <a:latin typeface="Consolas"/>
-                <a:ea typeface="宋体" pitchFamily="2" charset="-122"/>
-                <a:cs typeface="Consolas"/>
-              </a:rPr>
-              <a:t>...</a:t>
-            </a:r>
-            <a:r>
-              <a:rPr lang="en-US" altLang="zh-CN" dirty="0">
-                <a:latin typeface="Consolas"/>
-                <a:ea typeface="宋体" pitchFamily="2" charset="-122"/>
-                <a:cs typeface="Consolas"/>
-              </a:rPr>
-              <a:t>) {</a:t>
-            </a:r>
-          </a:p>
-          <a:p>
-            <a:endParaRPr lang="en-US" altLang="zh-CN" sz="400" dirty="0">
-              <a:latin typeface="Consolas"/>
-              <a:ea typeface="宋体" pitchFamily="2" charset="-122"/>
-              <a:cs typeface="Consolas"/>
-            </a:endParaRPr>
-          </a:p>
-          <a:p>
-            <a:r>
-              <a:rPr lang="en-US" altLang="zh-CN" dirty="0">
-                <a:latin typeface="Consolas"/>
-                <a:ea typeface="宋体" pitchFamily="2" charset="-122"/>
-                <a:cs typeface="Consolas"/>
-              </a:rPr>
-              <a:t>	</a:t>
-            </a:r>
-            <a:r>
-              <a:rPr lang="en-US" altLang="zh-CN" b="1" dirty="0">
-                <a:latin typeface="Consolas"/>
-                <a:ea typeface="宋体" pitchFamily="2" charset="-122"/>
-                <a:cs typeface="Consolas"/>
-              </a:rPr>
-              <a:t>for</a:t>
-            </a:r>
-            <a:r>
-              <a:rPr lang="en-US" altLang="zh-CN" dirty="0">
-                <a:latin typeface="Consolas"/>
-                <a:ea typeface="宋体" pitchFamily="2" charset="-122"/>
-                <a:cs typeface="Consolas"/>
-              </a:rPr>
-              <a:t>(</a:t>
-            </a:r>
-            <a:r>
-              <a:rPr lang="en-US" altLang="zh-CN" i="1" dirty="0">
-                <a:latin typeface="Consolas"/>
-                <a:ea typeface="宋体" pitchFamily="2" charset="-122"/>
-                <a:cs typeface="Consolas"/>
-              </a:rPr>
-              <a:t>...</a:t>
-            </a:r>
-            <a:r>
-              <a:rPr lang="en-US" altLang="zh-CN" dirty="0">
-                <a:latin typeface="Consolas"/>
-                <a:ea typeface="宋体" pitchFamily="2" charset="-122"/>
-                <a:cs typeface="Consolas"/>
-              </a:rPr>
-              <a:t>) {</a:t>
-            </a:r>
-          </a:p>
-          <a:p>
-            <a:endParaRPr lang="en-US" altLang="zh-CN" sz="400" dirty="0">
-              <a:latin typeface="Consolas"/>
-              <a:ea typeface="宋体" pitchFamily="2" charset="-122"/>
-              <a:cs typeface="Consolas"/>
-            </a:endParaRPr>
-          </a:p>
-          <a:p>
-            <a:r>
-              <a:rPr lang="en-US" altLang="zh-CN" dirty="0">
-                <a:latin typeface="Consolas"/>
-                <a:ea typeface="宋体" pitchFamily="2" charset="-122"/>
-                <a:cs typeface="Consolas"/>
-              </a:rPr>
-              <a:t>		</a:t>
-            </a:r>
-            <a:r>
-              <a:rPr lang="en-US" altLang="zh-CN" b="1" dirty="0">
-                <a:latin typeface="Consolas"/>
-                <a:ea typeface="宋体" pitchFamily="2" charset="-122"/>
-                <a:cs typeface="Consolas"/>
-              </a:rPr>
-              <a:t>for</a:t>
-            </a:r>
-            <a:r>
-              <a:rPr lang="en-US" altLang="zh-CN" dirty="0">
-                <a:latin typeface="Consolas"/>
-                <a:ea typeface="宋体" pitchFamily="2" charset="-122"/>
-                <a:cs typeface="Consolas"/>
-              </a:rPr>
-              <a:t>(</a:t>
-            </a:r>
-            <a:r>
-              <a:rPr lang="en-US" altLang="zh-CN" i="1" dirty="0">
-                <a:latin typeface="Consolas"/>
-                <a:ea typeface="宋体" pitchFamily="2" charset="-122"/>
-                <a:cs typeface="Consolas"/>
-              </a:rPr>
-              <a:t>...</a:t>
-            </a:r>
-            <a:r>
-              <a:rPr lang="en-US" altLang="zh-CN" dirty="0">
-                <a:latin typeface="Consolas"/>
-                <a:ea typeface="宋体" pitchFamily="2" charset="-122"/>
-                <a:cs typeface="Consolas"/>
-              </a:rPr>
-              <a:t>) {</a:t>
-            </a:r>
-          </a:p>
-          <a:p>
-            <a:endParaRPr lang="en-US" altLang="zh-CN" sz="400" dirty="0">
-              <a:latin typeface="Consolas"/>
-              <a:ea typeface="宋体" pitchFamily="2" charset="-122"/>
-              <a:cs typeface="Consolas"/>
-            </a:endParaRPr>
-          </a:p>
-          <a:p>
-            <a:r>
-              <a:rPr lang="en-US" altLang="zh-CN" dirty="0">
-                <a:latin typeface="Consolas"/>
-                <a:ea typeface="宋体" pitchFamily="2" charset="-122"/>
-                <a:cs typeface="Consolas"/>
-              </a:rPr>
-              <a:t>			</a:t>
-            </a:r>
-            <a:r>
-              <a:rPr lang="en-US" altLang="zh-CN" dirty="0" err="1">
-                <a:latin typeface="Consolas"/>
-                <a:ea typeface="宋体" pitchFamily="2" charset="-122"/>
-                <a:cs typeface="Consolas"/>
-              </a:rPr>
-              <a:t>goto</a:t>
-            </a:r>
-            <a:r>
-              <a:rPr lang="en-US" altLang="zh-CN" dirty="0">
-                <a:latin typeface="Consolas"/>
-                <a:ea typeface="宋体" pitchFamily="2" charset="-122"/>
-                <a:cs typeface="Consolas"/>
-              </a:rPr>
-              <a:t> error</a:t>
-            </a:r>
-          </a:p>
-          <a:p>
-            <a:endParaRPr lang="en-US" altLang="zh-CN" sz="400" dirty="0">
-              <a:latin typeface="Consolas"/>
-              <a:ea typeface="宋体" pitchFamily="2" charset="-122"/>
-              <a:cs typeface="Consolas"/>
-            </a:endParaRPr>
-          </a:p>
-          <a:p>
-            <a:r>
-              <a:rPr lang="en-US" altLang="zh-CN" dirty="0">
-                <a:latin typeface="Consolas"/>
-                <a:ea typeface="宋体" pitchFamily="2" charset="-122"/>
-                <a:cs typeface="Consolas"/>
-              </a:rPr>
-              <a:t>		}</a:t>
-            </a:r>
-          </a:p>
-          <a:p>
-            <a:endParaRPr lang="en-US" altLang="zh-CN" sz="400" dirty="0">
-              <a:latin typeface="Consolas"/>
-              <a:ea typeface="宋体" pitchFamily="2" charset="-122"/>
-              <a:cs typeface="Consolas"/>
-            </a:endParaRPr>
-          </a:p>
-          <a:p>
-            <a:r>
-              <a:rPr lang="en-US" altLang="zh-CN" b="1" dirty="0">
-                <a:latin typeface="Consolas"/>
-                <a:ea typeface="宋体" pitchFamily="2" charset="-122"/>
-                <a:cs typeface="Consolas"/>
-              </a:rPr>
-              <a:t>  	</a:t>
-            </a:r>
-            <a:r>
-              <a:rPr lang="en-US" altLang="zh-CN" dirty="0">
-                <a:latin typeface="Consolas"/>
-                <a:ea typeface="宋体" pitchFamily="2" charset="-122"/>
-                <a:cs typeface="Consolas"/>
-              </a:rPr>
-              <a:t>}</a:t>
-            </a:r>
-          </a:p>
-          <a:p>
-            <a:endParaRPr lang="en-US" altLang="zh-CN" sz="400" b="1" dirty="0">
-              <a:latin typeface="Consolas"/>
-              <a:ea typeface="宋体" pitchFamily="2" charset="-122"/>
-              <a:cs typeface="Consolas"/>
-            </a:endParaRPr>
-          </a:p>
-          <a:p>
-            <a:r>
-              <a:rPr lang="en-US" altLang="zh-CN" dirty="0">
-                <a:latin typeface="Consolas"/>
-                <a:ea typeface="宋体" pitchFamily="2" charset="-122"/>
-                <a:cs typeface="Consolas"/>
-              </a:rPr>
-              <a:t>}</a:t>
-            </a:r>
-          </a:p>
-          <a:p>
-            <a:endParaRPr lang="en-US" altLang="zh-CN" dirty="0">
-              <a:latin typeface="Consolas"/>
-              <a:ea typeface="宋体" pitchFamily="2" charset="-122"/>
-              <a:cs typeface="Consolas"/>
-            </a:endParaRPr>
-          </a:p>
-          <a:p>
-            <a:r>
-              <a:rPr lang="en-US" altLang="zh-CN" b="1" i="1" dirty="0">
-                <a:latin typeface="Consolas"/>
-                <a:ea typeface="宋体" pitchFamily="2" charset="-122"/>
-                <a:cs typeface="Consolas"/>
-              </a:rPr>
-              <a:t>error:</a:t>
-            </a:r>
-          </a:p>
-          <a:p>
-            <a:r>
-              <a:rPr lang="en-US" altLang="zh-CN" dirty="0">
-                <a:latin typeface="Consolas"/>
-                <a:ea typeface="宋体" pitchFamily="2" charset="-122"/>
-                <a:cs typeface="Consolas"/>
-              </a:rPr>
-              <a:t>	code handling error</a:t>
-            </a:r>
-          </a:p>
-        </p:txBody>
-      </p:sp>
-    </p:spTree>
-    <p:extLst>
-      <p:ext uri="{BB962C8B-B14F-4D97-AF65-F5344CB8AC3E}">
-        <p14:creationId xmlns:p14="http://schemas.microsoft.com/office/powerpoint/2010/main" val="3535806375"/>
-      </p:ext>
-    </p:extLst>
-  </p:cSld>
-  <p:clrMapOvr>
-    <a:masterClrMapping/>
-  </p:clrMapOvr>
-</p:sld>
-</file>
-
-<file path=ppt/slides/slide32.xml><?xml version="1.0" encoding="utf-8"?>
-<p:sld xmlns:a="http://schemas.openxmlformats.org/drawingml/2006/main" xmlns:r="http://schemas.openxmlformats.org/officeDocument/2006/relationships" xmlns:p="http://schemas.openxmlformats.org/presentationml/2006/main">
-  <p:cSld>
-    <p:spTree>
-      <p:nvGrpSpPr>
-        <p:cNvPr id="1" name=""/>
-        <p:cNvGrpSpPr/>
-        <p:nvPr/>
-      </p:nvGrpSpPr>
-      <p:grpSpPr>
-        <a:xfrm>
-          <a:off x="0" y="0"/>
-          <a:ext cx="0" cy="0"/>
-          <a:chOff x="0" y="0"/>
-          <a:chExt cx="0" cy="0"/>
-        </a:xfrm>
-      </p:grpSpPr>
-      <p:sp>
-        <p:nvSpPr>
-          <p:cNvPr id="2" name="Title 1"/>
-          <p:cNvSpPr>
-            <a:spLocks noGrp="1"/>
-          </p:cNvSpPr>
-          <p:nvPr>
-            <p:ph type="title"/>
-          </p:nvPr>
-        </p:nvSpPr>
-        <p:spPr/>
-        <p:txBody>
           <a:bodyPr>
             <a:normAutofit/>
           </a:bodyPr>
@@ -17160,7 +17458,7 @@
 </p:sld>
 </file>
 
-<file path=ppt/slides/slide33.xml><?xml version="1.0" encoding="utf-8"?>
+<file path=ppt/slides/slide31.xml><?xml version="1.0" encoding="utf-8"?>
 <p:sld xmlns:a="http://schemas.openxmlformats.org/drawingml/2006/main" xmlns:r="http://schemas.openxmlformats.org/officeDocument/2006/relationships" xmlns:p="http://schemas.openxmlformats.org/presentationml/2006/main">
   <p:cSld>
     <p:spTree>
@@ -17250,6 +17548,305 @@
 </p:sld>
 </file>
 
+<file path=ppt/slides/slide32.xml><?xml version="1.0" encoding="utf-8"?>
+<p:sld xmlns:a="http://schemas.openxmlformats.org/drawingml/2006/main" xmlns:r="http://schemas.openxmlformats.org/officeDocument/2006/relationships" xmlns:p="http://schemas.openxmlformats.org/presentationml/2006/main">
+  <p:cSld>
+    <p:spTree>
+      <p:nvGrpSpPr>
+        <p:cNvPr id="1" name=""/>
+        <p:cNvGrpSpPr/>
+        <p:nvPr/>
+      </p:nvGrpSpPr>
+      <p:grpSpPr>
+        <a:xfrm>
+          <a:off x="0" y="0"/>
+          <a:ext cx="0" cy="0"/>
+          <a:chOff x="0" y="0"/>
+          <a:chExt cx="0" cy="0"/>
+        </a:xfrm>
+      </p:grpSpPr>
+      <p:sp>
+        <p:nvSpPr>
+          <p:cNvPr id="4" name="Title 3">
+            <a:extLst>
+              <a:ext uri="{FF2B5EF4-FFF2-40B4-BE49-F238E27FC236}">
+                <a16:creationId xmlns:a16="http://schemas.microsoft.com/office/drawing/2014/main" id="{A0F8ECD8-5413-4750-8EE7-99A92DCAB5FA}"/>
+              </a:ext>
+            </a:extLst>
+          </p:cNvPr>
+          <p:cNvSpPr>
+            <a:spLocks noGrp="1"/>
+          </p:cNvSpPr>
+          <p:nvPr>
+            <p:ph type="title"/>
+          </p:nvPr>
+        </p:nvSpPr>
+        <p:spPr/>
+        <p:txBody>
+          <a:bodyPr/>
+          <a:lstStyle/>
+          <a:p>
+            <a:r>
+              <a:rPr lang="en-US" dirty="0"/>
+              <a:t>Summary</a:t>
+            </a:r>
+          </a:p>
+        </p:txBody>
+      </p:sp>
+      <p:sp>
+        <p:nvSpPr>
+          <p:cNvPr id="5" name="Content Placeholder 4">
+            <a:extLst>
+              <a:ext uri="{FF2B5EF4-FFF2-40B4-BE49-F238E27FC236}">
+                <a16:creationId xmlns:a16="http://schemas.microsoft.com/office/drawing/2014/main" id="{FBAEB162-C03E-43D2-85C6-98938B5A4110}"/>
+              </a:ext>
+            </a:extLst>
+          </p:cNvPr>
+          <p:cNvSpPr>
+            <a:spLocks noGrp="1"/>
+          </p:cNvSpPr>
+          <p:nvPr>
+            <p:ph idx="1"/>
+          </p:nvPr>
+        </p:nvSpPr>
+        <p:spPr>
+          <a:xfrm>
+            <a:off x="457199" y="1600200"/>
+            <a:ext cx="8487747" cy="4525963"/>
+          </a:xfrm>
+        </p:spPr>
+        <p:txBody>
+          <a:bodyPr/>
+          <a:lstStyle/>
+          <a:p>
+            <a:r>
+              <a:rPr lang="en-US" dirty="0"/>
+              <a:t>C program’s basic organization</a:t>
+            </a:r>
+          </a:p>
+          <a:p>
+            <a:pPr lvl="1"/>
+            <a:r>
+              <a:rPr lang="en-US" dirty="0"/>
+              <a:t>*.c vs. *.h files</a:t>
+            </a:r>
+          </a:p>
+          <a:p>
+            <a:pPr lvl="1"/>
+            <a:r>
+              <a:rPr lang="en-US" dirty="0"/>
+              <a:t>Compilation and make</a:t>
+            </a:r>
+          </a:p>
+          <a:p>
+            <a:r>
+              <a:rPr lang="en-US" dirty="0"/>
+              <a:t>Bitwise operators, &amp;, |, ~, ^, &gt;&gt;, &lt;&lt;</a:t>
+            </a:r>
+          </a:p>
+          <a:p>
+            <a:pPr lvl="1"/>
+            <a:r>
+              <a:rPr lang="en-US" dirty="0"/>
+              <a:t>&gt;&gt; (arithmetic vs. logical)</a:t>
+            </a:r>
+          </a:p>
+          <a:p>
+            <a:r>
+              <a:rPr lang="en-US" dirty="0"/>
+              <a:t>Control flow</a:t>
+            </a:r>
+          </a:p>
+          <a:p>
+            <a:pPr lvl="1"/>
+            <a:r>
+              <a:rPr lang="en-US" dirty="0" err="1"/>
+              <a:t>goto</a:t>
+            </a:r>
+            <a:r>
+              <a:rPr lang="en-US" dirty="0"/>
+              <a:t> is general, but results in spaghetti code</a:t>
+            </a:r>
+          </a:p>
+        </p:txBody>
+      </p:sp>
+    </p:spTree>
+    <p:extLst>
+      <p:ext uri="{BB962C8B-B14F-4D97-AF65-F5344CB8AC3E}">
+        <p14:creationId xmlns:p14="http://schemas.microsoft.com/office/powerpoint/2010/main" val="3657704657"/>
+      </p:ext>
+    </p:extLst>
+  </p:cSld>
+  <p:clrMapOvr>
+    <a:masterClrMapping/>
+  </p:clrMapOvr>
+</p:sld>
+</file>
+
+<file path=ppt/slides/slide33.xml><?xml version="1.0" encoding="utf-8"?>
+<p:sld xmlns:a="http://schemas.openxmlformats.org/drawingml/2006/main" xmlns:r="http://schemas.openxmlformats.org/officeDocument/2006/relationships" xmlns:p="http://schemas.openxmlformats.org/presentationml/2006/main" show="0">
+  <p:cSld>
+    <p:spTree>
+      <p:nvGrpSpPr>
+        <p:cNvPr id="1" name=""/>
+        <p:cNvGrpSpPr/>
+        <p:nvPr/>
+      </p:nvGrpSpPr>
+      <p:grpSpPr>
+        <a:xfrm>
+          <a:off x="0" y="0"/>
+          <a:ext cx="0" cy="0"/>
+          <a:chOff x="0" y="0"/>
+          <a:chExt cx="0" cy="0"/>
+        </a:xfrm>
+      </p:grpSpPr>
+      <p:sp>
+        <p:nvSpPr>
+          <p:cNvPr id="2" name="标题 1"/>
+          <p:cNvSpPr>
+            <a:spLocks noGrp="1"/>
+          </p:cNvSpPr>
+          <p:nvPr>
+            <p:ph type="title"/>
+          </p:nvPr>
+        </p:nvSpPr>
+        <p:spPr/>
+        <p:txBody>
+          <a:bodyPr/>
+          <a:lstStyle/>
+          <a:p>
+            <a:r>
+              <a:rPr kumimoji="1" lang="en-US" altLang="zh-CN" dirty="0"/>
+              <a:t>Exercises</a:t>
+            </a:r>
+            <a:endParaRPr kumimoji="1" lang="zh-CN" altLang="en-US" dirty="0"/>
+          </a:p>
+        </p:txBody>
+      </p:sp>
+      <p:sp>
+        <p:nvSpPr>
+          <p:cNvPr id="3" name="内容占位符 2"/>
+          <p:cNvSpPr>
+            <a:spLocks noGrp="1"/>
+          </p:cNvSpPr>
+          <p:nvPr>
+            <p:ph idx="1"/>
+          </p:nvPr>
+        </p:nvSpPr>
+        <p:spPr/>
+        <p:txBody>
+          <a:bodyPr/>
+          <a:lstStyle/>
+          <a:p>
+            <a:pPr marL="0" indent="0">
+              <a:buNone/>
+            </a:pPr>
+            <a:r>
+              <a:rPr kumimoji="1" lang="en-US" altLang="zh-CN" dirty="0"/>
+              <a:t>Given a number, write a function to decide if it is even? </a:t>
+            </a:r>
+          </a:p>
+          <a:p>
+            <a:pPr marL="0" indent="0">
+              <a:buNone/>
+            </a:pPr>
+            <a:endParaRPr kumimoji="1" lang="en-US" altLang="zh-CN" dirty="0"/>
+          </a:p>
+          <a:p>
+            <a:pPr marL="0" indent="0">
+              <a:buNone/>
+            </a:pPr>
+            <a:endParaRPr kumimoji="1" lang="zh-CN" altLang="en-US" dirty="0"/>
+          </a:p>
+        </p:txBody>
+      </p:sp>
+      <p:sp>
+        <p:nvSpPr>
+          <p:cNvPr id="4" name="矩形 3"/>
+          <p:cNvSpPr/>
+          <p:nvPr/>
+        </p:nvSpPr>
+        <p:spPr>
+          <a:xfrm>
+            <a:off x="802506" y="3180858"/>
+            <a:ext cx="5479868" cy="1384995"/>
+          </a:xfrm>
+          <a:prstGeom prst="rect">
+            <a:avLst/>
+          </a:prstGeom>
+        </p:spPr>
+        <p:txBody>
+          <a:bodyPr wrap="square">
+            <a:spAutoFit/>
+          </a:bodyPr>
+          <a:lstStyle/>
+          <a:p>
+            <a:r>
+              <a:rPr lang="en-US" altLang="zh-CN" sz="2800" dirty="0" err="1">
+                <a:latin typeface="Consolas"/>
+                <a:cs typeface="Consolas"/>
+              </a:rPr>
+              <a:t>bool</a:t>
+            </a:r>
+            <a:r>
+              <a:rPr lang="en-US" altLang="zh-CN" sz="2800" dirty="0">
+                <a:latin typeface="Consolas"/>
+                <a:cs typeface="Consolas"/>
+              </a:rPr>
+              <a:t> </a:t>
+            </a:r>
+            <a:r>
+              <a:rPr lang="en-US" altLang="zh-CN" sz="2800" dirty="0" err="1">
+                <a:latin typeface="Consolas"/>
+                <a:cs typeface="Consolas"/>
+              </a:rPr>
+              <a:t>isEven</a:t>
+            </a:r>
+            <a:r>
+              <a:rPr lang="en-US" altLang="zh-CN" sz="2800" dirty="0">
+                <a:latin typeface="Consolas"/>
+                <a:cs typeface="Consolas"/>
+              </a:rPr>
+              <a:t>(int n) {</a:t>
+            </a:r>
+          </a:p>
+          <a:p>
+            <a:r>
+              <a:rPr lang="en-US" altLang="zh-CN" sz="2800" dirty="0">
+                <a:latin typeface="Consolas"/>
+                <a:cs typeface="Consolas"/>
+              </a:rPr>
+              <a:t>    </a:t>
+            </a:r>
+          </a:p>
+          <a:p>
+            <a:r>
+              <a:rPr lang="en-US" altLang="zh-CN" sz="2800" dirty="0">
+                <a:latin typeface="Consolas"/>
+                <a:cs typeface="Consolas"/>
+              </a:rPr>
+              <a:t>}</a:t>
+            </a:r>
+            <a:endParaRPr lang="zh-CN" altLang="en-US" sz="2800" dirty="0">
+              <a:latin typeface="Consolas"/>
+              <a:cs typeface="Consolas"/>
+            </a:endParaRPr>
+          </a:p>
+        </p:txBody>
+      </p:sp>
+    </p:spTree>
+    <p:extLst>
+      <p:ext uri="{BB962C8B-B14F-4D97-AF65-F5344CB8AC3E}">
+        <p14:creationId xmlns:p14="http://schemas.microsoft.com/office/powerpoint/2010/main" val="3882139285"/>
+      </p:ext>
+    </p:extLst>
+  </p:cSld>
+  <p:clrMapOvr>
+    <a:masterClrMapping/>
+  </p:clrMapOvr>
+</p:sld>
+</file>
+
 <file path=ppt/slides/slide34.xml><?xml version="1.0" encoding="utf-8"?>
 <p:sld xmlns:a="http://schemas.openxmlformats.org/drawingml/2006/main" xmlns:r="http://schemas.openxmlformats.org/officeDocument/2006/relationships" xmlns:p="http://schemas.openxmlformats.org/presentationml/2006/main" show="0">
   <p:cSld>
@@ -17336,7 +17933,7 @@
         <p:spPr>
           <a:xfrm>
             <a:off x="802506" y="3180858"/>
-            <a:ext cx="5479868" cy="1384995"/>
+            <a:ext cx="5479868" cy="1877437"/>
           </a:xfrm>
           <a:prstGeom prst="rect">
             <a:avLst/>
@@ -17378,13 +17975,25 @@
             </a:r>
           </a:p>
           <a:p>
+            <a:endParaRPr lang="en-US" altLang="zh-CN" sz="1600" dirty="0">
+              <a:latin typeface="Consolas"/>
+              <a:cs typeface="Consolas"/>
+            </a:endParaRPr>
+          </a:p>
+          <a:p>
             <a:r>
               <a:rPr lang="en-US" altLang="zh-CN" sz="2800" dirty="0">
                 <a:latin typeface="Consolas"/>
                 <a:cs typeface="Consolas"/>
               </a:rPr>
-              <a:t>    </a:t>
-            </a:r>
+              <a:t>  return (n &amp; 0x1) == 0;</a:t>
+            </a:r>
+          </a:p>
+          <a:p>
+            <a:endParaRPr lang="en-US" altLang="zh-CN" sz="1600" dirty="0">
+              <a:latin typeface="Consolas"/>
+              <a:cs typeface="Consolas"/>
+            </a:endParaRPr>
           </a:p>
           <a:p>
             <a:r>
@@ -17404,7 +18013,7 @@
     </p:spTree>
     <p:extLst>
       <p:ext uri="{BB962C8B-B14F-4D97-AF65-F5344CB8AC3E}">
-        <p14:creationId xmlns:p14="http://schemas.microsoft.com/office/powerpoint/2010/main" val="3882139285"/>
+        <p14:creationId xmlns:p14="http://schemas.microsoft.com/office/powerpoint/2010/main" val="789144896"/>
       </p:ext>
     </p:extLst>
   </p:cSld>
@@ -17553,7 +18162,7 @@
                 <a:latin typeface="Consolas"/>
                 <a:cs typeface="Consolas"/>
               </a:rPr>
-              <a:t>  return (n &amp; 0x1) == 0;</a:t>
+              <a:t>  return (n % 2) == 0;</a:t>
             </a:r>
           </a:p>
           <a:p>
@@ -17580,7 +18189,7 @@
     </p:spTree>
     <p:extLst>
       <p:ext uri="{BB962C8B-B14F-4D97-AF65-F5344CB8AC3E}">
-        <p14:creationId xmlns:p14="http://schemas.microsoft.com/office/powerpoint/2010/main" val="789144896"/>
+        <p14:creationId xmlns:p14="http://schemas.microsoft.com/office/powerpoint/2010/main" val="3623879904"/>
       </p:ext>
     </p:extLst>
   </p:cSld>
@@ -17650,7 +18259,7 @@
             </a:pPr>
             <a:r>
               <a:rPr kumimoji="1" lang="en-US" altLang="zh-CN" dirty="0"/>
-              <a:t>Given a number, write a function to decide if it is even? </a:t>
+              <a:t>Given a number, write a function to decide if it is a power of two? </a:t>
             </a:r>
           </a:p>
           <a:p>
@@ -17669,14 +18278,14 @@
       </p:sp>
       <p:sp>
         <p:nvSpPr>
-          <p:cNvPr id="4" name="矩形 3"/>
+          <p:cNvPr id="5" name="矩形 4"/>
           <p:cNvSpPr/>
           <p:nvPr/>
         </p:nvSpPr>
         <p:spPr>
           <a:xfrm>
-            <a:off x="802506" y="3180858"/>
-            <a:ext cx="5479868" cy="1877437"/>
+            <a:off x="544017" y="3282000"/>
+            <a:ext cx="8344971" cy="1384995"/>
           </a:xfrm>
           <a:prstGeom prst="rect">
             <a:avLst/>
@@ -17707,33 +18316,32 @@
                 <a:latin typeface="Consolas"/>
                 <a:cs typeface="Consolas"/>
               </a:rPr>
-              <a:t>isEven</a:t>
+              <a:t>isPowerOfTwo</a:t>
             </a:r>
             <a:r>
               <a:rPr lang="en-US" altLang="zh-CN" sz="2800" dirty="0">
                 <a:latin typeface="Consolas"/>
                 <a:cs typeface="Consolas"/>
               </a:rPr>
-              <a:t>(int n) {</a:t>
-            </a:r>
-          </a:p>
-          <a:p>
-            <a:endParaRPr lang="en-US" altLang="zh-CN" sz="1600" dirty="0">
-              <a:latin typeface="Consolas"/>
-              <a:cs typeface="Consolas"/>
-            </a:endParaRPr>
-          </a:p>
-          <a:p>
+              <a:t>(unsigned </a:t>
+            </a:r>
+            <a:r>
+              <a:rPr lang="en-US" altLang="zh-CN" sz="2800" dirty="0" err="1">
+                <a:latin typeface="Consolas"/>
+                <a:cs typeface="Consolas"/>
+              </a:rPr>
+              <a:t>int</a:t>
+            </a:r>
             <a:r>
               <a:rPr lang="en-US" altLang="zh-CN" sz="2800" dirty="0">
                 <a:latin typeface="Consolas"/>
                 <a:cs typeface="Consolas"/>
               </a:rPr>
-              <a:t>  return (n % 2) == 0;</a:t>
-            </a:r>
-          </a:p>
-          <a:p>
-            <a:endParaRPr lang="en-US" altLang="zh-CN" sz="1600" dirty="0">
+              <a:t> n) {</a:t>
+            </a:r>
+          </a:p>
+          <a:p>
+            <a:endParaRPr lang="en-US" altLang="zh-CN" sz="2800" dirty="0">
               <a:latin typeface="Consolas"/>
               <a:cs typeface="Consolas"/>
             </a:endParaRPr>
@@ -17756,7 +18364,7 @@
     </p:spTree>
     <p:extLst>
       <p:ext uri="{BB962C8B-B14F-4D97-AF65-F5344CB8AC3E}">
-        <p14:creationId xmlns:p14="http://schemas.microsoft.com/office/powerpoint/2010/main" val="3623879904"/>
+        <p14:creationId xmlns:p14="http://schemas.microsoft.com/office/powerpoint/2010/main" val="849539340"/>
       </p:ext>
     </p:extLst>
   </p:cSld>
@@ -17816,7 +18424,12 @@
             <p:ph idx="1"/>
           </p:nvPr>
         </p:nvSpPr>
-        <p:spPr/>
+        <p:spPr>
+          <a:xfrm>
+            <a:off x="457200" y="1600201"/>
+            <a:ext cx="8229600" cy="1460524"/>
+          </a:xfrm>
+        </p:spPr>
         <p:txBody>
           <a:bodyPr/>
           <a:lstStyle/>
@@ -17828,6 +18441,12 @@
               <a:rPr kumimoji="1" lang="en-US" altLang="zh-CN" dirty="0"/>
               <a:t>Given a number, write a function to decide if it is a power of two? </a:t>
             </a:r>
+          </a:p>
+          <a:p>
+            <a:pPr marL="0" indent="0">
+              <a:buNone/>
+            </a:pPr>
+            <a:endParaRPr kumimoji="1" lang="en-US" altLang="zh-CN" dirty="0"/>
           </a:p>
           <a:p>
             <a:pPr marL="0" indent="0">
@@ -17851,8 +18470,8 @@
         </p:nvSpPr>
         <p:spPr>
           <a:xfrm>
-            <a:off x="544017" y="3282000"/>
-            <a:ext cx="8344971" cy="1384995"/>
+            <a:off x="544017" y="2719826"/>
+            <a:ext cx="8142783" cy="3693318"/>
           </a:xfrm>
           <a:prstGeom prst="rect">
             <a:avLst/>
@@ -17865,42 +18484,42 @@
           <a:lstStyle/>
           <a:p>
             <a:r>
-              <a:rPr lang="en-US" altLang="zh-CN" sz="2800" dirty="0" err="1">
+              <a:rPr lang="en-US" altLang="zh-CN" sz="2600" dirty="0" err="1">
                 <a:latin typeface="Consolas"/>
                 <a:cs typeface="Consolas"/>
               </a:rPr>
               <a:t>bool</a:t>
             </a:r>
             <a:r>
-              <a:rPr lang="en-US" altLang="zh-CN" sz="2800" dirty="0">
+              <a:rPr lang="en-US" altLang="zh-CN" sz="2600" dirty="0">
                 <a:latin typeface="Consolas"/>
                 <a:cs typeface="Consolas"/>
               </a:rPr>
               <a:t> </a:t>
             </a:r>
             <a:r>
-              <a:rPr lang="en-US" altLang="zh-CN" sz="2800" dirty="0" err="1">
+              <a:rPr lang="en-US" altLang="zh-CN" sz="2600" dirty="0" err="1">
                 <a:latin typeface="Consolas"/>
                 <a:cs typeface="Consolas"/>
               </a:rPr>
               <a:t>isPowerOfTwo</a:t>
             </a:r>
             <a:r>
-              <a:rPr lang="en-US" altLang="zh-CN" sz="2800" dirty="0">
+              <a:rPr lang="en-US" altLang="zh-CN" sz="2600" dirty="0">
                 <a:latin typeface="Consolas"/>
                 <a:cs typeface="Consolas"/>
               </a:rPr>
               <a:t>(unsigned </a:t>
             </a:r>
             <a:r>
-              <a:rPr lang="en-US" altLang="zh-CN" sz="2800" dirty="0" err="1">
+              <a:rPr lang="en-US" altLang="zh-CN" sz="2600" dirty="0" err="1">
                 <a:latin typeface="Consolas"/>
                 <a:cs typeface="Consolas"/>
               </a:rPr>
               <a:t>int</a:t>
             </a:r>
             <a:r>
-              <a:rPr lang="en-US" altLang="zh-CN" sz="2800" dirty="0">
+              <a:rPr lang="en-US" altLang="zh-CN" sz="2600" dirty="0">
                 <a:latin typeface="Consolas"/>
                 <a:cs typeface="Consolas"/>
               </a:rPr>
@@ -17908,20 +18527,77 @@
             </a:r>
           </a:p>
           <a:p>
-            <a:endParaRPr lang="en-US" altLang="zh-CN" sz="2800" dirty="0">
-              <a:latin typeface="Consolas"/>
-              <a:cs typeface="Consolas"/>
-            </a:endParaRPr>
-          </a:p>
-          <a:p>
-            <a:r>
-              <a:rPr lang="en-US" altLang="zh-CN" sz="2800" dirty="0">
+            <a:r>
+              <a:rPr lang="en-US" altLang="zh-CN" sz="2600" dirty="0">
+                <a:latin typeface="Consolas"/>
+                <a:cs typeface="Consolas"/>
+              </a:rPr>
+              <a:t>   if (n==0) return false;</a:t>
+            </a:r>
+          </a:p>
+          <a:p>
+            <a:r>
+              <a:rPr lang="en-US" altLang="zh-CN" sz="2600" dirty="0">
+                <a:latin typeface="Consolas"/>
+                <a:cs typeface="Consolas"/>
+              </a:rPr>
+              <a:t>   while (n &gt; 1) {</a:t>
+            </a:r>
+          </a:p>
+          <a:p>
+            <a:r>
+              <a:rPr lang="en-US" altLang="zh-CN" sz="2600" dirty="0">
+                <a:latin typeface="Consolas"/>
+                <a:cs typeface="Consolas"/>
+              </a:rPr>
+              <a:t>      if (n % 2)  // (n%2)!=0</a:t>
+            </a:r>
+          </a:p>
+          <a:p>
+            <a:r>
+              <a:rPr lang="en-US" altLang="zh-CN" sz="2600" dirty="0">
+                <a:latin typeface="Consolas"/>
+                <a:cs typeface="Consolas"/>
+              </a:rPr>
+              <a:t>         return false; </a:t>
+            </a:r>
+          </a:p>
+          <a:p>
+            <a:r>
+              <a:rPr lang="en-US" altLang="zh-CN" sz="2600" dirty="0">
+                <a:latin typeface="Consolas"/>
+                <a:cs typeface="Consolas"/>
+              </a:rPr>
+              <a:t>      n = n &gt;&gt; 1;</a:t>
+            </a:r>
+          </a:p>
+          <a:p>
+            <a:r>
+              <a:rPr lang="en-US" altLang="zh-CN" sz="2600" dirty="0">
+                <a:latin typeface="Consolas"/>
+                <a:cs typeface="Consolas"/>
+              </a:rPr>
+              <a:t>   }</a:t>
+            </a:r>
+          </a:p>
+          <a:p>
+            <a:r>
+              <a:rPr lang="en-US" altLang="zh-CN" sz="2600" dirty="0">
+                <a:latin typeface="Consolas"/>
+                <a:cs typeface="Consolas"/>
+              </a:rPr>
+              <a:t>   return true;</a:t>
+            </a:r>
+          </a:p>
+          <a:p>
+            <a:r>
+              <a:rPr lang="en-US" altLang="zh-CN" sz="2600" dirty="0">
                 <a:latin typeface="Consolas"/>
                 <a:cs typeface="Consolas"/>
               </a:rPr>
               <a:t>}</a:t>
             </a:r>
-            <a:endParaRPr lang="zh-CN" altLang="en-US" sz="2800" dirty="0">
+            <a:endParaRPr lang="zh-CN" altLang="en-US" sz="2600" dirty="0">
               <a:latin typeface="Consolas"/>
               <a:cs typeface="Consolas"/>
             </a:endParaRPr>
@@ -17931,7 +18607,7 @@
     </p:spTree>
     <p:extLst>
       <p:ext uri="{BB962C8B-B14F-4D97-AF65-F5344CB8AC3E}">
-        <p14:creationId xmlns:p14="http://schemas.microsoft.com/office/powerpoint/2010/main" val="849539340"/>
+        <p14:creationId xmlns:p14="http://schemas.microsoft.com/office/powerpoint/2010/main" val="3789686449"/>
       </p:ext>
     </p:extLst>
   </p:cSld>
@@ -17991,12 +18667,7 @@
             <p:ph idx="1"/>
           </p:nvPr>
         </p:nvSpPr>
-        <p:spPr>
-          <a:xfrm>
-            <a:off x="457200" y="1600201"/>
-            <a:ext cx="8229600" cy="1460524"/>
-          </a:xfrm>
-        </p:spPr>
+        <p:spPr/>
         <p:txBody>
           <a:bodyPr/>
           <a:lstStyle/>
@@ -18019,13 +18690,35 @@
             <a:pPr marL="0" indent="0">
               <a:buNone/>
             </a:pPr>
-            <a:endParaRPr kumimoji="1" lang="en-US" altLang="zh-CN" dirty="0"/>
-          </a:p>
-          <a:p>
-            <a:pPr marL="0" indent="0">
-              <a:buNone/>
-            </a:pPr>
             <a:endParaRPr kumimoji="1" lang="zh-CN" altLang="en-US" dirty="0"/>
+          </a:p>
+        </p:txBody>
+      </p:sp>
+      <p:sp>
+        <p:nvSpPr>
+          <p:cNvPr id="4" name="矩形 3"/>
+          <p:cNvSpPr/>
+          <p:nvPr/>
+        </p:nvSpPr>
+        <p:spPr>
+          <a:xfrm>
+            <a:off x="802506" y="3180858"/>
+            <a:ext cx="5479868" cy="523220"/>
+          </a:xfrm>
+          <a:prstGeom prst="rect">
+            <a:avLst/>
+          </a:prstGeom>
+        </p:spPr>
+        <p:txBody>
+          <a:bodyPr wrap="square">
+            <a:spAutoFit/>
+          </a:bodyPr>
+          <a:lstStyle/>
+          <a:p>
+            <a:endParaRPr lang="zh-CN" altLang="en-US" sz="2800" dirty="0">
+              <a:latin typeface="Consolas"/>
+              <a:cs typeface="Consolas"/>
+            </a:endParaRPr>
           </a:p>
         </p:txBody>
       </p:sp>
@@ -18037,8 +18730,8 @@
         </p:nvSpPr>
         <p:spPr>
           <a:xfrm>
-            <a:off x="544017" y="2719826"/>
-            <a:ext cx="8142783" cy="3693318"/>
+            <a:off x="544017" y="3282000"/>
+            <a:ext cx="8599983" cy="2308324"/>
           </a:xfrm>
           <a:prstGeom prst="rect">
             <a:avLst/>
@@ -18051,42 +18744,42 @@
           <a:lstStyle/>
           <a:p>
             <a:r>
-              <a:rPr lang="en-US" altLang="zh-CN" sz="2600" dirty="0" err="1">
+              <a:rPr lang="en-US" altLang="zh-CN" sz="2800" dirty="0" err="1">
                 <a:latin typeface="Consolas"/>
                 <a:cs typeface="Consolas"/>
               </a:rPr>
               <a:t>bool</a:t>
             </a:r>
             <a:r>
-              <a:rPr lang="en-US" altLang="zh-CN" sz="2600" dirty="0">
+              <a:rPr lang="en-US" altLang="zh-CN" sz="2800" dirty="0">
                 <a:latin typeface="Consolas"/>
                 <a:cs typeface="Consolas"/>
               </a:rPr>
               <a:t> </a:t>
             </a:r>
             <a:r>
-              <a:rPr lang="en-US" altLang="zh-CN" sz="2600" dirty="0" err="1">
+              <a:rPr lang="en-US" altLang="zh-CN" sz="2800" dirty="0" err="1">
                 <a:latin typeface="Consolas"/>
                 <a:cs typeface="Consolas"/>
               </a:rPr>
               <a:t>isPowerOfTwo</a:t>
             </a:r>
             <a:r>
-              <a:rPr lang="en-US" altLang="zh-CN" sz="2600" dirty="0">
+              <a:rPr lang="en-US" altLang="zh-CN" sz="2800" dirty="0">
                 <a:latin typeface="Consolas"/>
                 <a:cs typeface="Consolas"/>
               </a:rPr>
               <a:t>(unsigned </a:t>
             </a:r>
             <a:r>
-              <a:rPr lang="en-US" altLang="zh-CN" sz="2600" dirty="0" err="1">
+              <a:rPr lang="en-US" altLang="zh-CN" sz="2800" dirty="0" err="1">
                 <a:latin typeface="Consolas"/>
                 <a:cs typeface="Consolas"/>
               </a:rPr>
               <a:t>int</a:t>
             </a:r>
             <a:r>
-              <a:rPr lang="en-US" altLang="zh-CN" sz="2600" dirty="0">
+              <a:rPr lang="en-US" altLang="zh-CN" sz="2800" dirty="0">
                 <a:latin typeface="Consolas"/>
                 <a:cs typeface="Consolas"/>
               </a:rPr>
@@ -18094,77 +18787,58 @@
             </a:r>
           </a:p>
           <a:p>
-            <a:r>
-              <a:rPr lang="en-US" altLang="zh-CN" sz="2600" dirty="0">
-                <a:latin typeface="Consolas"/>
-                <a:cs typeface="Consolas"/>
-              </a:rPr>
-              <a:t>   if (n==0) return false;</a:t>
-            </a:r>
-          </a:p>
-          <a:p>
-            <a:r>
-              <a:rPr lang="en-US" altLang="zh-CN" sz="2600" dirty="0">
-                <a:latin typeface="Consolas"/>
-                <a:cs typeface="Consolas"/>
-              </a:rPr>
-              <a:t>   while (n &gt; 1) {</a:t>
-            </a:r>
-          </a:p>
-          <a:p>
-            <a:r>
-              <a:rPr lang="en-US" altLang="zh-CN" sz="2600" dirty="0">
-                <a:latin typeface="Consolas"/>
-                <a:cs typeface="Consolas"/>
-              </a:rPr>
-              <a:t>      if (n % 2)  // (n%2)!=0</a:t>
-            </a:r>
-          </a:p>
-          <a:p>
-            <a:r>
-              <a:rPr lang="en-US" altLang="zh-CN" sz="2600" dirty="0">
-                <a:latin typeface="Consolas"/>
-                <a:cs typeface="Consolas"/>
-              </a:rPr>
-              <a:t>         return false; </a:t>
-            </a:r>
-          </a:p>
-          <a:p>
-            <a:r>
-              <a:rPr lang="en-US" altLang="zh-CN" sz="2600" dirty="0">
-                <a:latin typeface="Consolas"/>
-                <a:cs typeface="Consolas"/>
-              </a:rPr>
-              <a:t>      n = n &gt;&gt; 1;</a:t>
-            </a:r>
-          </a:p>
-          <a:p>
-            <a:r>
-              <a:rPr lang="en-US" altLang="zh-CN" sz="2600" dirty="0">
-                <a:latin typeface="Consolas"/>
-                <a:cs typeface="Consolas"/>
-              </a:rPr>
-              <a:t>   }</a:t>
-            </a:r>
-          </a:p>
-          <a:p>
-            <a:r>
-              <a:rPr lang="en-US" altLang="zh-CN" sz="2600" dirty="0">
-                <a:latin typeface="Consolas"/>
-                <a:cs typeface="Consolas"/>
-              </a:rPr>
-              <a:t>   return true;</a:t>
-            </a:r>
-          </a:p>
-          <a:p>
-            <a:r>
-              <a:rPr lang="en-US" altLang="zh-CN" sz="2600" dirty="0">
+            <a:endParaRPr lang="en-US" altLang="zh-CN" sz="1600" dirty="0">
+              <a:latin typeface="Consolas"/>
+              <a:cs typeface="Consolas"/>
+            </a:endParaRPr>
+          </a:p>
+          <a:p>
+            <a:r>
+              <a:rPr lang="en-US" altLang="zh-CN" sz="2800" dirty="0">
+                <a:latin typeface="Consolas"/>
+                <a:cs typeface="Consolas"/>
+              </a:rPr>
+              <a:t>  return </a:t>
+            </a:r>
+            <a:r>
+              <a:rPr lang="mr-IN" altLang="zh-CN" sz="2800" dirty="0">
+                <a:latin typeface="Consolas"/>
+                <a:cs typeface="Consolas"/>
+              </a:rPr>
+              <a:t>(n &amp; (n-1)</a:t>
+            </a:r>
+            <a:r>
+              <a:rPr lang="en-US" altLang="zh-CN" sz="2800" dirty="0">
+                <a:latin typeface="Consolas"/>
+                <a:cs typeface="Consolas"/>
+              </a:rPr>
+              <a:t>) == 0; </a:t>
+            </a:r>
+          </a:p>
+          <a:p>
+            <a:r>
+              <a:rPr lang="en-US" altLang="zh-CN" sz="2800" dirty="0">
+                <a:latin typeface="Consolas"/>
+                <a:cs typeface="Consolas"/>
+              </a:rPr>
+              <a:t>  // n&amp;(n-1) clears rightmost bit-of-1 in n</a:t>
+            </a:r>
+          </a:p>
+          <a:p>
+            <a:endParaRPr lang="en-US" altLang="zh-CN" sz="1600" dirty="0">
+              <a:latin typeface="Consolas"/>
+              <a:cs typeface="Consolas"/>
+            </a:endParaRPr>
+          </a:p>
+          <a:p>
+            <a:r>
+              <a:rPr lang="en-US" altLang="zh-CN" sz="2800" dirty="0">
                 <a:latin typeface="Consolas"/>
                 <a:cs typeface="Consolas"/>
               </a:rPr>
               <a:t>}</a:t>
             </a:r>
-            <a:endParaRPr lang="zh-CN" altLang="en-US" sz="2600" dirty="0">
+            <a:endParaRPr lang="zh-CN" altLang="en-US" sz="2800" dirty="0">
               <a:latin typeface="Consolas"/>
               <a:cs typeface="Consolas"/>
             </a:endParaRPr>
@@ -18174,7 +18848,7 @@
     </p:spTree>
     <p:extLst>
       <p:ext uri="{BB962C8B-B14F-4D97-AF65-F5344CB8AC3E}">
-        <p14:creationId xmlns:p14="http://schemas.microsoft.com/office/powerpoint/2010/main" val="3789686449"/>
+        <p14:creationId xmlns:p14="http://schemas.microsoft.com/office/powerpoint/2010/main" val="4205408796"/>
       </p:ext>
     </p:extLst>
   </p:cSld>
@@ -18298,7 +18972,7 @@
         <p:spPr>
           <a:xfrm>
             <a:off x="544017" y="3282000"/>
-            <a:ext cx="8599983" cy="2308324"/>
+            <a:ext cx="7344094" cy="1877437"/>
           </a:xfrm>
           <a:prstGeom prst="rect">
             <a:avLst/>
@@ -18365,7 +19039,7 @@
                 <a:latin typeface="Consolas"/>
                 <a:cs typeface="Consolas"/>
               </a:rPr>
-              <a:t>  return </a:t>
+              <a:t>  return n != 0 &amp;&amp; </a:t>
             </a:r>
             <a:r>
               <a:rPr lang="mr-IN" altLang="zh-CN" sz="2800" dirty="0">
@@ -18379,16 +19053,7 @@
                 <a:latin typeface="Consolas"/>
                 <a:cs typeface="Consolas"/>
               </a:rPr>
-              <a:t>) == 0; </a:t>
-            </a:r>
-          </a:p>
-          <a:p>
-            <a:r>
-              <a:rPr lang="en-US" altLang="zh-CN" sz="2800" dirty="0">
-                <a:latin typeface="Consolas"/>
-                <a:cs typeface="Consolas"/>
-              </a:rPr>
-              <a:t>  // n&amp;(n-1) clears rightmost bit-of-1 in n</a:t>
+              <a:t>) == 0;</a:t>
             </a:r>
           </a:p>
           <a:p>
@@ -18415,7 +19080,7 @@
     </p:spTree>
     <p:extLst>
       <p:ext uri="{BB962C8B-B14F-4D97-AF65-F5344CB8AC3E}">
-        <p14:creationId xmlns:p14="http://schemas.microsoft.com/office/powerpoint/2010/main" val="4205408796"/>
+        <p14:creationId xmlns:p14="http://schemas.microsoft.com/office/powerpoint/2010/main" val="1735239257"/>
       </p:ext>
     </p:extLst>
   </p:cSld>
@@ -19114,7 +19779,12 @@
             <p:ph idx="1"/>
           </p:nvPr>
         </p:nvSpPr>
-        <p:spPr/>
+        <p:spPr>
+          <a:xfrm>
+            <a:off x="457200" y="1600200"/>
+            <a:ext cx="8686800" cy="4525963"/>
+          </a:xfrm>
+        </p:spPr>
         <p:txBody>
           <a:bodyPr/>
           <a:lstStyle/>
@@ -19124,7 +19794,16 @@
             </a:pPr>
             <a:r>
               <a:rPr kumimoji="1" lang="en-US" altLang="zh-CN" dirty="0"/>
-              <a:t>Given a number, write a function to decide if it is a power of two? </a:t>
+              <a:t>Count the number of ones in the binary representation of the given number ?</a:t>
+            </a:r>
+          </a:p>
+          <a:p>
+            <a:pPr marL="0" indent="0">
+              <a:buNone/>
+            </a:pPr>
+            <a:r>
+              <a:rPr kumimoji="1" lang="en-US" altLang="zh-CN" dirty="0"/>
+              <a:t>(n &gt; 0)</a:t>
             </a:r>
           </a:p>
           <a:p>
@@ -19178,7 +19857,7 @@
         <p:spPr>
           <a:xfrm>
             <a:off x="544017" y="3282000"/>
-            <a:ext cx="7344094" cy="1877437"/>
+            <a:ext cx="7671394" cy="1631216"/>
           </a:xfrm>
           <a:prstGeom prst="rect">
             <a:avLst/>
@@ -19195,7 +19874,7 @@
                 <a:latin typeface="Consolas"/>
                 <a:cs typeface="Consolas"/>
               </a:rPr>
-              <a:t>bool</a:t>
+              <a:t>int</a:t>
             </a:r>
             <a:r>
               <a:rPr lang="en-US" altLang="zh-CN" sz="2800" dirty="0">
@@ -19209,28 +19888,14 @@
                 <a:latin typeface="Consolas"/>
                 <a:cs typeface="Consolas"/>
               </a:rPr>
-              <a:t>isPowerOfTwo</a:t>
+              <a:t>count_one</a:t>
             </a:r>
             <a:r>
               <a:rPr lang="en-US" altLang="zh-CN" sz="2800" dirty="0">
                 <a:latin typeface="Consolas"/>
                 <a:cs typeface="Consolas"/>
               </a:rPr>
-              <a:t>(unsigned </a:t>
-            </a:r>
-            <a:r>
-              <a:rPr lang="en-US" altLang="zh-CN" sz="2800" dirty="0" err="1">
-                <a:latin typeface="Consolas"/>
-                <a:cs typeface="Consolas"/>
-              </a:rPr>
-              <a:t>int</a:t>
-            </a:r>
-            <a:r>
-              <a:rPr lang="en-US" altLang="zh-CN" sz="2800" dirty="0">
-                <a:latin typeface="Consolas"/>
-                <a:cs typeface="Consolas"/>
-              </a:rPr>
-              <a:t> n) {</a:t>
+              <a:t>(int n) {</a:t>
             </a:r>
           </a:p>
           <a:p>
@@ -19245,24 +19910,8 @@
                 <a:latin typeface="Consolas"/>
                 <a:cs typeface="Consolas"/>
               </a:rPr>
-              <a:t>  return n != 0 &amp;&amp; </a:t>
-            </a:r>
-            <a:r>
-              <a:rPr lang="mr-IN" altLang="zh-CN" sz="2800" dirty="0">
-                <a:latin typeface="Consolas"/>
-                <a:cs typeface="Consolas"/>
-              </a:rPr>
-              <a:t>(n &amp; (n-1)</a:t>
-            </a:r>
-            <a:r>
-              <a:rPr lang="en-US" altLang="zh-CN" sz="2800" dirty="0">
-                <a:latin typeface="Consolas"/>
-                <a:cs typeface="Consolas"/>
-              </a:rPr>
-              <a:t>) == 0;</a:t>
-            </a:r>
-          </a:p>
-          <a:p>
+              <a:t>   </a:t>
+            </a:r>
             <a:endParaRPr lang="en-US" altLang="zh-CN" sz="1600" dirty="0">
               <a:latin typeface="Consolas"/>
               <a:cs typeface="Consolas"/>
@@ -19286,7 +19935,7 @@
     </p:spTree>
     <p:extLst>
       <p:ext uri="{BB962C8B-B14F-4D97-AF65-F5344CB8AC3E}">
-        <p14:creationId xmlns:p14="http://schemas.microsoft.com/office/powerpoint/2010/main" val="1735239257"/>
+        <p14:creationId xmlns:p14="http://schemas.microsoft.com/office/powerpoint/2010/main" val="1735145085"/>
       </p:ext>
     </p:extLst>
   </p:cSld>
@@ -19423,8 +20072,8 @@
         </p:nvSpPr>
         <p:spPr>
           <a:xfrm>
-            <a:off x="544017" y="3282000"/>
-            <a:ext cx="7671394" cy="1631216"/>
+            <a:off x="544017" y="3180858"/>
+            <a:ext cx="7671394" cy="3539431"/>
           </a:xfrm>
           <a:prstGeom prst="rect">
             <a:avLst/>
@@ -19466,18 +20115,85 @@
             </a:r>
           </a:p>
           <a:p>
-            <a:endParaRPr lang="en-US" altLang="zh-CN" sz="1600" dirty="0">
-              <a:latin typeface="Consolas"/>
-              <a:cs typeface="Consolas"/>
-            </a:endParaRPr>
-          </a:p>
-          <a:p>
             <a:r>
               <a:rPr lang="en-US" altLang="zh-CN" sz="2800" dirty="0">
                 <a:latin typeface="Consolas"/>
                 <a:cs typeface="Consolas"/>
               </a:rPr>
               <a:t>   </a:t>
+            </a:r>
+            <a:r>
+              <a:rPr lang="en-US" altLang="zh-CN" sz="2800" dirty="0" err="1">
+                <a:latin typeface="Consolas"/>
+                <a:cs typeface="Consolas"/>
+              </a:rPr>
+              <a:t>int</a:t>
+            </a:r>
+            <a:r>
+              <a:rPr lang="en-US" altLang="zh-CN" sz="2800" dirty="0">
+                <a:latin typeface="Consolas"/>
+                <a:cs typeface="Consolas"/>
+              </a:rPr>
+              <a:t> count = 0;</a:t>
+            </a:r>
+          </a:p>
+          <a:p>
+            <a:r>
+              <a:rPr lang="en-US" altLang="zh-CN" sz="2800" dirty="0">
+                <a:latin typeface="Consolas"/>
+                <a:cs typeface="Consolas"/>
+              </a:rPr>
+              <a:t>   while (n != 0 ) {</a:t>
+            </a:r>
+          </a:p>
+          <a:p>
+            <a:r>
+              <a:rPr lang="en-US" altLang="zh-CN" sz="2800" dirty="0">
+                <a:latin typeface="Consolas"/>
+                <a:cs typeface="Consolas"/>
+              </a:rPr>
+              <a:t>      count += (n % 2);</a:t>
+            </a:r>
+          </a:p>
+          <a:p>
+            <a:r>
+              <a:rPr lang="en-US" altLang="zh-CN" sz="2800" dirty="0">
+                <a:latin typeface="Consolas"/>
+                <a:cs typeface="Consolas"/>
+              </a:rPr>
+              <a:t>      n = (unsigned </a:t>
+            </a:r>
+            <a:r>
+              <a:rPr lang="en-US" altLang="zh-CN" sz="2800" dirty="0" err="1">
+                <a:latin typeface="Consolas"/>
+                <a:cs typeface="Consolas"/>
+              </a:rPr>
+              <a:t>int</a:t>
+            </a:r>
+            <a:r>
+              <a:rPr lang="en-US" altLang="zh-CN" sz="2800" dirty="0">
+                <a:latin typeface="Consolas"/>
+                <a:cs typeface="Consolas"/>
+              </a:rPr>
+              <a:t>)n&gt;&gt;1;</a:t>
+            </a:r>
+          </a:p>
+          <a:p>
+            <a:r>
+              <a:rPr lang="en-US" altLang="zh-CN" sz="2800" dirty="0">
+                <a:latin typeface="Consolas"/>
+                <a:cs typeface="Consolas"/>
+              </a:rPr>
+              <a:t>   }</a:t>
+            </a:r>
+          </a:p>
+          <a:p>
+            <a:r>
+              <a:rPr lang="en-US" altLang="zh-CN" sz="2800" dirty="0">
+                <a:latin typeface="Consolas"/>
+                <a:cs typeface="Consolas"/>
+              </a:rPr>
+              <a:t>   return count;</a:t>
             </a:r>
             <a:endParaRPr lang="en-US" altLang="zh-CN" sz="1600" dirty="0">
               <a:latin typeface="Consolas"/>
@@ -19502,7 +20218,7 @@
     </p:spTree>
     <p:extLst>
       <p:ext uri="{BB962C8B-B14F-4D97-AF65-F5344CB8AC3E}">
-        <p14:creationId xmlns:p14="http://schemas.microsoft.com/office/powerpoint/2010/main" val="1735145085"/>
+        <p14:creationId xmlns:p14="http://schemas.microsoft.com/office/powerpoint/2010/main" val="1430052465"/>
       </p:ext>
     </p:extLst>
   </p:cSld>
@@ -19562,12 +20278,7 @@
             <p:ph idx="1"/>
           </p:nvPr>
         </p:nvSpPr>
-        <p:spPr>
-          <a:xfrm>
-            <a:off x="457200" y="1600200"/>
-            <a:ext cx="8686800" cy="4525963"/>
-          </a:xfrm>
-        </p:spPr>
+        <p:spPr/>
         <p:txBody>
           <a:bodyPr/>
           <a:lstStyle/>
@@ -19578,15 +20289,6 @@
             <a:r>
               <a:rPr kumimoji="1" lang="en-US" altLang="zh-CN" dirty="0"/>
               <a:t>Count the number of ones in the binary representation of the given number ?</a:t>
-            </a:r>
-          </a:p>
-          <a:p>
-            <a:pPr marL="0" indent="0">
-              <a:buNone/>
-            </a:pPr>
-            <a:r>
-              <a:rPr kumimoji="1" lang="en-US" altLang="zh-CN" dirty="0"/>
-              <a:t>(n &gt; 0)</a:t>
             </a:r>
           </a:p>
           <a:p>
@@ -19639,275 +20341,6 @@
         </p:nvSpPr>
         <p:spPr>
           <a:xfrm>
-            <a:off x="544017" y="3180858"/>
-            <a:ext cx="7671394" cy="3539431"/>
-          </a:xfrm>
-          <a:prstGeom prst="rect">
-            <a:avLst/>
-          </a:prstGeom>
-        </p:spPr>
-        <p:txBody>
-          <a:bodyPr wrap="square">
-            <a:spAutoFit/>
-          </a:bodyPr>
-          <a:lstStyle/>
-          <a:p>
-            <a:r>
-              <a:rPr lang="en-US" altLang="zh-CN" sz="2800" dirty="0" err="1">
-                <a:latin typeface="Consolas"/>
-                <a:cs typeface="Consolas"/>
-              </a:rPr>
-              <a:t>int</a:t>
-            </a:r>
-            <a:r>
-              <a:rPr lang="en-US" altLang="zh-CN" sz="2800" dirty="0">
-                <a:latin typeface="Consolas"/>
-                <a:cs typeface="Consolas"/>
-              </a:rPr>
-              <a:t> </a:t>
-            </a:r>
-            <a:r>
-              <a:rPr lang="en-US" altLang="zh-CN" sz="2800" dirty="0" err="1">
-                <a:latin typeface="Consolas"/>
-                <a:cs typeface="Consolas"/>
-              </a:rPr>
-              <a:t>count_one</a:t>
-            </a:r>
-            <a:r>
-              <a:rPr lang="en-US" altLang="zh-CN" sz="2800" dirty="0">
-                <a:latin typeface="Consolas"/>
-                <a:cs typeface="Consolas"/>
-              </a:rPr>
-              <a:t>(int n) {</a:t>
-            </a:r>
-          </a:p>
-          <a:p>
-            <a:r>
-              <a:rPr lang="en-US" altLang="zh-CN" sz="2800" dirty="0">
-                <a:latin typeface="Consolas"/>
-                <a:cs typeface="Consolas"/>
-              </a:rPr>
-              <a:t>   </a:t>
-            </a:r>
-            <a:r>
-              <a:rPr lang="en-US" altLang="zh-CN" sz="2800" dirty="0" err="1">
-                <a:latin typeface="Consolas"/>
-                <a:cs typeface="Consolas"/>
-              </a:rPr>
-              <a:t>int</a:t>
-            </a:r>
-            <a:r>
-              <a:rPr lang="en-US" altLang="zh-CN" sz="2800" dirty="0">
-                <a:latin typeface="Consolas"/>
-                <a:cs typeface="Consolas"/>
-              </a:rPr>
-              <a:t> count = 0;</a:t>
-            </a:r>
-          </a:p>
-          <a:p>
-            <a:r>
-              <a:rPr lang="en-US" altLang="zh-CN" sz="2800" dirty="0">
-                <a:latin typeface="Consolas"/>
-                <a:cs typeface="Consolas"/>
-              </a:rPr>
-              <a:t>   while (n != 0 ) {</a:t>
-            </a:r>
-          </a:p>
-          <a:p>
-            <a:r>
-              <a:rPr lang="en-US" altLang="zh-CN" sz="2800" dirty="0">
-                <a:latin typeface="Consolas"/>
-                <a:cs typeface="Consolas"/>
-              </a:rPr>
-              <a:t>      count += (n % 2);</a:t>
-            </a:r>
-          </a:p>
-          <a:p>
-            <a:r>
-              <a:rPr lang="en-US" altLang="zh-CN" sz="2800" dirty="0">
-                <a:latin typeface="Consolas"/>
-                <a:cs typeface="Consolas"/>
-              </a:rPr>
-              <a:t>      n = (unsigned </a:t>
-            </a:r>
-            <a:r>
-              <a:rPr lang="en-US" altLang="zh-CN" sz="2800" dirty="0" err="1">
-                <a:latin typeface="Consolas"/>
-                <a:cs typeface="Consolas"/>
-              </a:rPr>
-              <a:t>int</a:t>
-            </a:r>
-            <a:r>
-              <a:rPr lang="en-US" altLang="zh-CN" sz="2800" dirty="0">
-                <a:latin typeface="Consolas"/>
-                <a:cs typeface="Consolas"/>
-              </a:rPr>
-              <a:t>)n&gt;&gt;1;</a:t>
-            </a:r>
-          </a:p>
-          <a:p>
-            <a:r>
-              <a:rPr lang="en-US" altLang="zh-CN" sz="2800" dirty="0">
-                <a:latin typeface="Consolas"/>
-                <a:cs typeface="Consolas"/>
-              </a:rPr>
-              <a:t>   }</a:t>
-            </a:r>
-          </a:p>
-          <a:p>
-            <a:r>
-              <a:rPr lang="en-US" altLang="zh-CN" sz="2800" dirty="0">
-                <a:latin typeface="Consolas"/>
-                <a:cs typeface="Consolas"/>
-              </a:rPr>
-              <a:t>   return count;</a:t>
-            </a:r>
-            <a:endParaRPr lang="en-US" altLang="zh-CN" sz="1600" dirty="0">
-              <a:latin typeface="Consolas"/>
-              <a:cs typeface="Consolas"/>
-            </a:endParaRPr>
-          </a:p>
-          <a:p>
-            <a:r>
-              <a:rPr lang="en-US" altLang="zh-CN" sz="2800" dirty="0">
-                <a:latin typeface="Consolas"/>
-                <a:cs typeface="Consolas"/>
-              </a:rPr>
-              <a:t>}</a:t>
-            </a:r>
-            <a:endParaRPr lang="zh-CN" altLang="en-US" sz="2800" dirty="0">
-              <a:latin typeface="Consolas"/>
-              <a:cs typeface="Consolas"/>
-            </a:endParaRPr>
-          </a:p>
-        </p:txBody>
-      </p:sp>
-    </p:spTree>
-    <p:extLst>
-      <p:ext uri="{BB962C8B-B14F-4D97-AF65-F5344CB8AC3E}">
-        <p14:creationId xmlns:p14="http://schemas.microsoft.com/office/powerpoint/2010/main" val="1430052465"/>
-      </p:ext>
-    </p:extLst>
-  </p:cSld>
-  <p:clrMapOvr>
-    <a:masterClrMapping/>
-  </p:clrMapOvr>
-</p:sld>
-</file>
-
-<file path=ppt/slides/slide43.xml><?xml version="1.0" encoding="utf-8"?>
-<p:sld xmlns:a="http://schemas.openxmlformats.org/drawingml/2006/main" xmlns:r="http://schemas.openxmlformats.org/officeDocument/2006/relationships" xmlns:p="http://schemas.openxmlformats.org/presentationml/2006/main" show="0">
-  <p:cSld>
-    <p:spTree>
-      <p:nvGrpSpPr>
-        <p:cNvPr id="1" name=""/>
-        <p:cNvGrpSpPr/>
-        <p:nvPr/>
-      </p:nvGrpSpPr>
-      <p:grpSpPr>
-        <a:xfrm>
-          <a:off x="0" y="0"/>
-          <a:ext cx="0" cy="0"/>
-          <a:chOff x="0" y="0"/>
-          <a:chExt cx="0" cy="0"/>
-        </a:xfrm>
-      </p:grpSpPr>
-      <p:sp>
-        <p:nvSpPr>
-          <p:cNvPr id="2" name="标题 1"/>
-          <p:cNvSpPr>
-            <a:spLocks noGrp="1"/>
-          </p:cNvSpPr>
-          <p:nvPr>
-            <p:ph type="title"/>
-          </p:nvPr>
-        </p:nvSpPr>
-        <p:spPr/>
-        <p:txBody>
-          <a:bodyPr/>
-          <a:lstStyle/>
-          <a:p>
-            <a:r>
-              <a:rPr kumimoji="1" lang="en-US" altLang="zh-CN" dirty="0"/>
-              <a:t>Exercises</a:t>
-            </a:r>
-            <a:endParaRPr kumimoji="1" lang="zh-CN" altLang="en-US" dirty="0"/>
-          </a:p>
-        </p:txBody>
-      </p:sp>
-      <p:sp>
-        <p:nvSpPr>
-          <p:cNvPr id="3" name="内容占位符 2"/>
-          <p:cNvSpPr>
-            <a:spLocks noGrp="1"/>
-          </p:cNvSpPr>
-          <p:nvPr>
-            <p:ph idx="1"/>
-          </p:nvPr>
-        </p:nvSpPr>
-        <p:spPr/>
-        <p:txBody>
-          <a:bodyPr/>
-          <a:lstStyle/>
-          <a:p>
-            <a:pPr marL="0" indent="0">
-              <a:buNone/>
-            </a:pPr>
-            <a:r>
-              <a:rPr kumimoji="1" lang="en-US" altLang="zh-CN" dirty="0"/>
-              <a:t>Count the number of ones in the binary representation of the given number ?</a:t>
-            </a:r>
-          </a:p>
-          <a:p>
-            <a:pPr marL="0" indent="0">
-              <a:buNone/>
-            </a:pPr>
-            <a:endParaRPr kumimoji="1" lang="en-US" altLang="zh-CN" dirty="0"/>
-          </a:p>
-          <a:p>
-            <a:pPr marL="0" indent="0">
-              <a:buNone/>
-            </a:pPr>
-            <a:endParaRPr kumimoji="1" lang="zh-CN" altLang="en-US" dirty="0"/>
-          </a:p>
-        </p:txBody>
-      </p:sp>
-      <p:sp>
-        <p:nvSpPr>
-          <p:cNvPr id="4" name="矩形 3"/>
-          <p:cNvSpPr/>
-          <p:nvPr/>
-        </p:nvSpPr>
-        <p:spPr>
-          <a:xfrm>
-            <a:off x="802506" y="3180858"/>
-            <a:ext cx="5479868" cy="523220"/>
-          </a:xfrm>
-          <a:prstGeom prst="rect">
-            <a:avLst/>
-          </a:prstGeom>
-        </p:spPr>
-        <p:txBody>
-          <a:bodyPr wrap="square">
-            <a:spAutoFit/>
-          </a:bodyPr>
-          <a:lstStyle/>
-          <a:p>
-            <a:endParaRPr lang="zh-CN" altLang="en-US" sz="2800" dirty="0">
-              <a:latin typeface="Consolas"/>
-              <a:cs typeface="Consolas"/>
-            </a:endParaRPr>
-          </a:p>
-        </p:txBody>
-      </p:sp>
-      <p:sp>
-        <p:nvSpPr>
-          <p:cNvPr id="5" name="矩形 4"/>
-          <p:cNvSpPr/>
-          <p:nvPr/>
-        </p:nvSpPr>
-        <p:spPr>
-          <a:xfrm>
             <a:off x="544017" y="3282000"/>
             <a:ext cx="7671394" cy="1631216"/>
           </a:xfrm>
@@ -20042,7 +20475,7 @@
 </p:sld>
 </file>
 
-<file path=ppt/slides/slide44.xml><?xml version="1.0" encoding="utf-8"?>
+<file path=ppt/slides/slide43.xml><?xml version="1.0" encoding="utf-8"?>
 <p:sld xmlns:a="http://schemas.openxmlformats.org/drawingml/2006/main" xmlns:r="http://schemas.openxmlformats.org/officeDocument/2006/relationships" xmlns:p="http://schemas.openxmlformats.org/presentationml/2006/main" show="0">
   <p:cSld>
     <p:spTree>

--- a/notes/04-C_Basics.pptx
+++ b/notes/04-C_Basics.pptx
@@ -5,10 +5,10 @@
     <p:sldMasterId id="2147483684" r:id="rId1"/>
   </p:sldMasterIdLst>
   <p:notesMasterIdLst>
-    <p:notesMasterId r:id="rId45"/>
+    <p:notesMasterId r:id="rId46"/>
   </p:notesMasterIdLst>
   <p:handoutMasterIdLst>
-    <p:handoutMasterId r:id="rId46"/>
+    <p:handoutMasterId r:id="rId47"/>
   </p:handoutMasterIdLst>
   <p:sldIdLst>
     <p:sldId id="256" r:id="rId2"/>
@@ -37,23 +37,24 @@
     <p:sldId id="1085" r:id="rId25"/>
     <p:sldId id="1087" r:id="rId26"/>
     <p:sldId id="1090" r:id="rId27"/>
-    <p:sldId id="1088" r:id="rId28"/>
-    <p:sldId id="984" r:id="rId29"/>
-    <p:sldId id="939" r:id="rId30"/>
-    <p:sldId id="982" r:id="rId31"/>
-    <p:sldId id="983" r:id="rId32"/>
-    <p:sldId id="1089" r:id="rId33"/>
-    <p:sldId id="977" r:id="rId34"/>
-    <p:sldId id="978" r:id="rId35"/>
-    <p:sldId id="979" r:id="rId36"/>
-    <p:sldId id="951" r:id="rId37"/>
-    <p:sldId id="973" r:id="rId38"/>
-    <p:sldId id="952" r:id="rId39"/>
-    <p:sldId id="953" r:id="rId40"/>
-    <p:sldId id="956" r:id="rId41"/>
-    <p:sldId id="974" r:id="rId42"/>
-    <p:sldId id="958" r:id="rId43"/>
-    <p:sldId id="959" r:id="rId44"/>
+    <p:sldId id="1091" r:id="rId28"/>
+    <p:sldId id="1088" r:id="rId29"/>
+    <p:sldId id="984" r:id="rId30"/>
+    <p:sldId id="939" r:id="rId31"/>
+    <p:sldId id="982" r:id="rId32"/>
+    <p:sldId id="983" r:id="rId33"/>
+    <p:sldId id="1089" r:id="rId34"/>
+    <p:sldId id="977" r:id="rId35"/>
+    <p:sldId id="978" r:id="rId36"/>
+    <p:sldId id="979" r:id="rId37"/>
+    <p:sldId id="951" r:id="rId38"/>
+    <p:sldId id="973" r:id="rId39"/>
+    <p:sldId id="952" r:id="rId40"/>
+    <p:sldId id="953" r:id="rId41"/>
+    <p:sldId id="956" r:id="rId42"/>
+    <p:sldId id="974" r:id="rId43"/>
+    <p:sldId id="958" r:id="rId44"/>
+    <p:sldId id="959" r:id="rId45"/>
   </p:sldIdLst>
   <p:sldSz cx="9144000" cy="6858000" type="screen4x3"/>
   <p:notesSz cx="6858000" cy="9144000"/>
@@ -844,7 +845,7 @@
           <a:p>
             <a:fld id="{8556610F-FCBD-844B-B814-9F48A27EB77F}" type="slidenum">
               <a:rPr lang="en-US" smtClean="0"/>
-              <a:t>31</a:t>
+              <a:t>28</a:t>
             </a:fld>
             <a:endParaRPr lang="en-US"/>
           </a:p>
@@ -853,7 +854,7 @@
     </p:spTree>
     <p:extLst>
       <p:ext uri="{BB962C8B-B14F-4D97-AF65-F5344CB8AC3E}">
-        <p14:creationId xmlns:p14="http://schemas.microsoft.com/office/powerpoint/2010/main" val="2705639235"/>
+        <p14:creationId xmlns:p14="http://schemas.microsoft.com/office/powerpoint/2010/main" val="834490132"/>
       </p:ext>
     </p:extLst>
   </p:cSld>
@@ -882,7 +883,7 @@
       </p:grpSpPr>
       <p:sp>
         <p:nvSpPr>
-          <p:cNvPr id="2" name="幻灯片图像占位符 1"/>
+          <p:cNvPr id="2" name="Slide Image Placeholder 1"/>
           <p:cNvSpPr>
             <a:spLocks noGrp="1" noRot="1" noChangeAspect="1"/>
           </p:cNvSpPr>
@@ -894,7 +895,7 @@
       </p:sp>
       <p:sp>
         <p:nvSpPr>
-          <p:cNvPr id="3" name="备注占位符 2"/>
+          <p:cNvPr id="3" name="Notes Placeholder 2"/>
           <p:cNvSpPr>
             <a:spLocks noGrp="1"/>
           </p:cNvSpPr>
@@ -907,37 +908,13 @@
           <a:bodyPr/>
           <a:lstStyle/>
           <a:p>
-            <a:pPr marL="0" marR="0" indent="0" algn="l" defTabSz="457200" rtl="0" eaLnBrk="1" fontAlgn="auto" latinLnBrk="0" hangingPunct="1">
-              <a:lnSpc>
-                <a:spcPct val="100000"/>
-              </a:lnSpc>
-              <a:spcBef>
-                <a:spcPts val="0"/>
-              </a:spcBef>
-              <a:spcAft>
-                <a:spcPts val="0"/>
-              </a:spcAft>
-              <a:buClrTx/>
-              <a:buSzTx/>
-              <a:buFontTx/>
-              <a:buNone/>
-              <a:tabLst/>
-              <a:defRPr/>
-            </a:pPr>
-            <a:r>
-              <a:rPr kumimoji="1" lang="en-US" altLang="zh-CN" dirty="0"/>
-              <a:t>-2147483648</a:t>
-            </a:r>
-            <a:endParaRPr kumimoji="1" lang="zh-CN" altLang="en-US" dirty="0"/>
-          </a:p>
-          <a:p>
-            <a:endParaRPr kumimoji="1" lang="zh-CN" altLang="en-US" dirty="0"/>
+            <a:endParaRPr lang="en-US" dirty="0"/>
           </a:p>
         </p:txBody>
       </p:sp>
       <p:sp>
         <p:nvSpPr>
-          <p:cNvPr id="4" name="幻灯片编号占位符 3"/>
+          <p:cNvPr id="4" name="Slide Number Placeholder 3"/>
           <p:cNvSpPr>
             <a:spLocks noGrp="1"/>
           </p:cNvSpPr>
@@ -952,7 +929,7 @@
           <a:p>
             <a:fld id="{8556610F-FCBD-844B-B814-9F48A27EB77F}" type="slidenum">
               <a:rPr lang="en-US" smtClean="0"/>
-              <a:t>39</a:t>
+              <a:t>31</a:t>
             </a:fld>
             <a:endParaRPr lang="en-US"/>
           </a:p>
@@ -961,7 +938,7 @@
     </p:spTree>
     <p:extLst>
       <p:ext uri="{BB962C8B-B14F-4D97-AF65-F5344CB8AC3E}">
-        <p14:creationId xmlns:p14="http://schemas.microsoft.com/office/powerpoint/2010/main" val="3448787687"/>
+        <p14:creationId xmlns:p14="http://schemas.microsoft.com/office/powerpoint/2010/main" val="2705639235"/>
       </p:ext>
     </p:extLst>
   </p:cSld>
@@ -990,7 +967,7 @@
       </p:grpSpPr>
       <p:sp>
         <p:nvSpPr>
-          <p:cNvPr id="2" name="幻灯片图像占位符 1"/>
+          <p:cNvPr id="2" name="Slide Image Placeholder 1"/>
           <p:cNvSpPr>
             <a:spLocks noGrp="1" noRot="1" noChangeAspect="1"/>
           </p:cNvSpPr>
@@ -1002,7 +979,7 @@
       </p:sp>
       <p:sp>
         <p:nvSpPr>
-          <p:cNvPr id="3" name="备注占位符 2"/>
+          <p:cNvPr id="3" name="Notes Placeholder 2"/>
           <p:cNvSpPr>
             <a:spLocks noGrp="1"/>
           </p:cNvSpPr>
@@ -1015,17 +992,13 @@
           <a:bodyPr/>
           <a:lstStyle/>
           <a:p>
-            <a:r>
-              <a:rPr kumimoji="1" lang="en-US" altLang="zh-CN"/>
-              <a:t>-2147483648</a:t>
-            </a:r>
-            <a:endParaRPr kumimoji="1" lang="zh-CN" altLang="en-US" dirty="0"/>
+            <a:endParaRPr lang="en-US" dirty="0"/>
           </a:p>
         </p:txBody>
       </p:sp>
       <p:sp>
         <p:nvSpPr>
-          <p:cNvPr id="4" name="幻灯片编号占位符 3"/>
+          <p:cNvPr id="4" name="Slide Number Placeholder 3"/>
           <p:cNvSpPr>
             <a:spLocks noGrp="1"/>
           </p:cNvSpPr>
@@ -1040,7 +1013,7 @@
           <a:p>
             <a:fld id="{8556610F-FCBD-844B-B814-9F48A27EB77F}" type="slidenum">
               <a:rPr lang="en-US" smtClean="0"/>
-              <a:t>40</a:t>
+              <a:t>32</a:t>
             </a:fld>
             <a:endParaRPr lang="en-US"/>
           </a:p>
@@ -1049,7 +1022,7 @@
     </p:spTree>
     <p:extLst>
       <p:ext uri="{BB962C8B-B14F-4D97-AF65-F5344CB8AC3E}">
-        <p14:creationId xmlns:p14="http://schemas.microsoft.com/office/powerpoint/2010/main" val="2714740142"/>
+        <p14:creationId xmlns:p14="http://schemas.microsoft.com/office/powerpoint/2010/main" val="2705639235"/>
       </p:ext>
     </p:extLst>
   </p:cSld>
@@ -1103,10 +1076,30 @@
           <a:bodyPr/>
           <a:lstStyle/>
           <a:p>
-            <a:r>
-              <a:rPr kumimoji="1" lang="en-US" altLang="zh-CN"/>
+            <a:pPr marL="0" marR="0" indent="0" algn="l" defTabSz="457200" rtl="0" eaLnBrk="1" fontAlgn="auto" latinLnBrk="0" hangingPunct="1">
+              <a:lnSpc>
+                <a:spcPct val="100000"/>
+              </a:lnSpc>
+              <a:spcBef>
+                <a:spcPts val="0"/>
+              </a:spcBef>
+              <a:spcAft>
+                <a:spcPts val="0"/>
+              </a:spcAft>
+              <a:buClrTx/>
+              <a:buSzTx/>
+              <a:buFontTx/>
+              <a:buNone/>
+              <a:tabLst/>
+              <a:defRPr/>
+            </a:pPr>
+            <a:r>
+              <a:rPr kumimoji="1" lang="en-US" altLang="zh-CN" dirty="0"/>
               <a:t>-2147483648</a:t>
             </a:r>
+            <a:endParaRPr kumimoji="1" lang="zh-CN" altLang="en-US" dirty="0"/>
+          </a:p>
+          <a:p>
             <a:endParaRPr kumimoji="1" lang="zh-CN" altLang="en-US" dirty="0"/>
           </a:p>
         </p:txBody>
@@ -1128,7 +1121,7 @@
           <a:p>
             <a:fld id="{8556610F-FCBD-844B-B814-9F48A27EB77F}" type="slidenum">
               <a:rPr lang="en-US" smtClean="0"/>
-              <a:t>41</a:t>
+              <a:t>40</a:t>
             </a:fld>
             <a:endParaRPr lang="en-US"/>
           </a:p>
@@ -1137,7 +1130,7 @@
     </p:spTree>
     <p:extLst>
       <p:ext uri="{BB962C8B-B14F-4D97-AF65-F5344CB8AC3E}">
-        <p14:creationId xmlns:p14="http://schemas.microsoft.com/office/powerpoint/2010/main" val="2714740142"/>
+        <p14:creationId xmlns:p14="http://schemas.microsoft.com/office/powerpoint/2010/main" val="3448787687"/>
       </p:ext>
     </p:extLst>
   </p:cSld>
@@ -1191,6 +1184,10 @@
           <a:bodyPr/>
           <a:lstStyle/>
           <a:p>
+            <a:r>
+              <a:rPr kumimoji="1" lang="en-US" altLang="zh-CN"/>
+              <a:t>-2147483648</a:t>
+            </a:r>
             <a:endParaRPr kumimoji="1" lang="zh-CN" altLang="en-US" dirty="0"/>
           </a:p>
         </p:txBody>
@@ -1212,7 +1209,7 @@
           <a:p>
             <a:fld id="{8556610F-FCBD-844B-B814-9F48A27EB77F}" type="slidenum">
               <a:rPr lang="en-US" smtClean="0"/>
-              <a:t>42</a:t>
+              <a:t>41</a:t>
             </a:fld>
             <a:endParaRPr lang="en-US"/>
           </a:p>
@@ -1275,6 +1272,10 @@
           <a:bodyPr/>
           <a:lstStyle/>
           <a:p>
+            <a:r>
+              <a:rPr kumimoji="1" lang="en-US" altLang="zh-CN"/>
+              <a:t>-2147483648</a:t>
+            </a:r>
             <a:endParaRPr kumimoji="1" lang="zh-CN" altLang="en-US" dirty="0"/>
           </a:p>
         </p:txBody>
@@ -1296,7 +1297,175 @@
           <a:p>
             <a:fld id="{8556610F-FCBD-844B-B814-9F48A27EB77F}" type="slidenum">
               <a:rPr lang="en-US" smtClean="0"/>
+              <a:t>42</a:t>
+            </a:fld>
+            <a:endParaRPr lang="en-US"/>
+          </a:p>
+        </p:txBody>
+      </p:sp>
+    </p:spTree>
+    <p:extLst>
+      <p:ext uri="{BB962C8B-B14F-4D97-AF65-F5344CB8AC3E}">
+        <p14:creationId xmlns:p14="http://schemas.microsoft.com/office/powerpoint/2010/main" val="2714740142"/>
+      </p:ext>
+    </p:extLst>
+  </p:cSld>
+  <p:clrMapOvr>
+    <a:masterClrMapping/>
+  </p:clrMapOvr>
+</p:notes>
+</file>
+
+<file path=ppt/notesSlides/notesSlide16.xml><?xml version="1.0" encoding="utf-8"?>
+<p:notes xmlns:a="http://schemas.openxmlformats.org/drawingml/2006/main" xmlns:r="http://schemas.openxmlformats.org/officeDocument/2006/relationships" xmlns:p="http://schemas.openxmlformats.org/presentationml/2006/main">
+  <p:cSld>
+    <p:spTree>
+      <p:nvGrpSpPr>
+        <p:cNvPr id="1" name=""/>
+        <p:cNvGrpSpPr/>
+        <p:nvPr/>
+      </p:nvGrpSpPr>
+      <p:grpSpPr>
+        <a:xfrm>
+          <a:off x="0" y="0"/>
+          <a:ext cx="0" cy="0"/>
+          <a:chOff x="0" y="0"/>
+          <a:chExt cx="0" cy="0"/>
+        </a:xfrm>
+      </p:grpSpPr>
+      <p:sp>
+        <p:nvSpPr>
+          <p:cNvPr id="2" name="幻灯片图像占位符 1"/>
+          <p:cNvSpPr>
+            <a:spLocks noGrp="1" noRot="1" noChangeAspect="1"/>
+          </p:cNvSpPr>
+          <p:nvPr>
+            <p:ph type="sldImg"/>
+          </p:nvPr>
+        </p:nvSpPr>
+        <p:spPr/>
+      </p:sp>
+      <p:sp>
+        <p:nvSpPr>
+          <p:cNvPr id="3" name="备注占位符 2"/>
+          <p:cNvSpPr>
+            <a:spLocks noGrp="1"/>
+          </p:cNvSpPr>
+          <p:nvPr>
+            <p:ph type="body" idx="1"/>
+          </p:nvPr>
+        </p:nvSpPr>
+        <p:spPr/>
+        <p:txBody>
+          <a:bodyPr/>
+          <a:lstStyle/>
+          <a:p>
+            <a:endParaRPr kumimoji="1" lang="zh-CN" altLang="en-US" dirty="0"/>
+          </a:p>
+        </p:txBody>
+      </p:sp>
+      <p:sp>
+        <p:nvSpPr>
+          <p:cNvPr id="4" name="幻灯片编号占位符 3"/>
+          <p:cNvSpPr>
+            <a:spLocks noGrp="1"/>
+          </p:cNvSpPr>
+          <p:nvPr>
+            <p:ph type="sldNum" sz="quarter" idx="10"/>
+          </p:nvPr>
+        </p:nvSpPr>
+        <p:spPr/>
+        <p:txBody>
+          <a:bodyPr/>
+          <a:lstStyle/>
+          <a:p>
+            <a:fld id="{8556610F-FCBD-844B-B814-9F48A27EB77F}" type="slidenum">
+              <a:rPr lang="en-US" smtClean="0"/>
               <a:t>43</a:t>
+            </a:fld>
+            <a:endParaRPr lang="en-US"/>
+          </a:p>
+        </p:txBody>
+      </p:sp>
+    </p:spTree>
+    <p:extLst>
+      <p:ext uri="{BB962C8B-B14F-4D97-AF65-F5344CB8AC3E}">
+        <p14:creationId xmlns:p14="http://schemas.microsoft.com/office/powerpoint/2010/main" val="2714740142"/>
+      </p:ext>
+    </p:extLst>
+  </p:cSld>
+  <p:clrMapOvr>
+    <a:masterClrMapping/>
+  </p:clrMapOvr>
+</p:notes>
+</file>
+
+<file path=ppt/notesSlides/notesSlide17.xml><?xml version="1.0" encoding="utf-8"?>
+<p:notes xmlns:a="http://schemas.openxmlformats.org/drawingml/2006/main" xmlns:r="http://schemas.openxmlformats.org/officeDocument/2006/relationships" xmlns:p="http://schemas.openxmlformats.org/presentationml/2006/main">
+  <p:cSld>
+    <p:spTree>
+      <p:nvGrpSpPr>
+        <p:cNvPr id="1" name=""/>
+        <p:cNvGrpSpPr/>
+        <p:nvPr/>
+      </p:nvGrpSpPr>
+      <p:grpSpPr>
+        <a:xfrm>
+          <a:off x="0" y="0"/>
+          <a:ext cx="0" cy="0"/>
+          <a:chOff x="0" y="0"/>
+          <a:chExt cx="0" cy="0"/>
+        </a:xfrm>
+      </p:grpSpPr>
+      <p:sp>
+        <p:nvSpPr>
+          <p:cNvPr id="2" name="幻灯片图像占位符 1"/>
+          <p:cNvSpPr>
+            <a:spLocks noGrp="1" noRot="1" noChangeAspect="1"/>
+          </p:cNvSpPr>
+          <p:nvPr>
+            <p:ph type="sldImg"/>
+          </p:nvPr>
+        </p:nvSpPr>
+        <p:spPr/>
+      </p:sp>
+      <p:sp>
+        <p:nvSpPr>
+          <p:cNvPr id="3" name="备注占位符 2"/>
+          <p:cNvSpPr>
+            <a:spLocks noGrp="1"/>
+          </p:cNvSpPr>
+          <p:nvPr>
+            <p:ph type="body" idx="1"/>
+          </p:nvPr>
+        </p:nvSpPr>
+        <p:spPr/>
+        <p:txBody>
+          <a:bodyPr/>
+          <a:lstStyle/>
+          <a:p>
+            <a:endParaRPr kumimoji="1" lang="zh-CN" altLang="en-US" dirty="0"/>
+          </a:p>
+        </p:txBody>
+      </p:sp>
+      <p:sp>
+        <p:nvSpPr>
+          <p:cNvPr id="4" name="幻灯片编号占位符 3"/>
+          <p:cNvSpPr>
+            <a:spLocks noGrp="1"/>
+          </p:cNvSpPr>
+          <p:nvPr>
+            <p:ph type="sldNum" sz="quarter" idx="10"/>
+          </p:nvPr>
+        </p:nvSpPr>
+        <p:spPr/>
+        <p:txBody>
+          <a:bodyPr/>
+          <a:lstStyle/>
+          <a:p>
+            <a:fld id="{8556610F-FCBD-844B-B814-9F48A27EB77F}" type="slidenum">
+              <a:rPr lang="en-US" smtClean="0"/>
+              <a:t>44</a:t>
             </a:fld>
             <a:endParaRPr lang="en-US"/>
           </a:p>
@@ -1894,7 +2063,10 @@
           <a:bodyPr/>
           <a:lstStyle/>
           <a:p>
-            <a:endParaRPr lang="en-US" dirty="0"/>
+            <a:r>
+              <a:rPr lang="en-US" dirty="0"/>
+              <a:t>https://forms.gle/HbKYeKWCCgREpoKm6</a:t>
+            </a:r>
           </a:p>
         </p:txBody>
       </p:sp>
@@ -1905,7 +2077,7 @@
             <a:spLocks noGrp="1"/>
           </p:cNvSpPr>
           <p:nvPr>
-            <p:ph type="sldNum" sz="quarter" idx="10"/>
+            <p:ph type="sldNum" sz="quarter" idx="5"/>
           </p:nvPr>
         </p:nvSpPr>
         <p:spPr/>
@@ -1915,7 +2087,7 @@
           <a:p>
             <a:fld id="{8556610F-FCBD-844B-B814-9F48A27EB77F}" type="slidenum">
               <a:rPr lang="en-US" smtClean="0"/>
-              <a:t>27</a:t>
+              <a:t>26</a:t>
             </a:fld>
             <a:endParaRPr lang="en-US"/>
           </a:p>
@@ -1924,7 +2096,7 @@
     </p:spTree>
     <p:extLst>
       <p:ext uri="{BB962C8B-B14F-4D97-AF65-F5344CB8AC3E}">
-        <p14:creationId xmlns:p14="http://schemas.microsoft.com/office/powerpoint/2010/main" val="834490132"/>
+        <p14:creationId xmlns:p14="http://schemas.microsoft.com/office/powerpoint/2010/main" val="2739136462"/>
       </p:ext>
     </p:extLst>
   </p:cSld>
@@ -1989,7 +2161,7 @@
             <a:spLocks noGrp="1"/>
           </p:cNvSpPr>
           <p:nvPr>
-            <p:ph type="sldNum" sz="quarter" idx="10"/>
+            <p:ph type="sldNum" sz="quarter" idx="5"/>
           </p:nvPr>
         </p:nvSpPr>
         <p:spPr/>
@@ -1999,7 +2171,7 @@
           <a:p>
             <a:fld id="{8556610F-FCBD-844B-B814-9F48A27EB77F}" type="slidenum">
               <a:rPr lang="en-US" smtClean="0"/>
-              <a:t>30</a:t>
+              <a:t>27</a:t>
             </a:fld>
             <a:endParaRPr lang="en-US"/>
           </a:p>
@@ -2008,7 +2180,7 @@
     </p:spTree>
     <p:extLst>
       <p:ext uri="{BB962C8B-B14F-4D97-AF65-F5344CB8AC3E}">
-        <p14:creationId xmlns:p14="http://schemas.microsoft.com/office/powerpoint/2010/main" val="2705639235"/>
+        <p14:creationId xmlns:p14="http://schemas.microsoft.com/office/powerpoint/2010/main" val="4147811180"/>
       </p:ext>
     </p:extLst>
   </p:cSld>
@@ -5280,7 +5452,7 @@
             </a:ln>
             <a:extLst>
               <a:ext uri="{909E8E84-426E-40dd-AFC4-6F175D3DCCD1}">
-                <a14:hiddenFill xmlns="" xmlns:a14="http://schemas.microsoft.com/office/drawing/2010/main">
+                <a14:hiddenFill xmlns:a14="http://schemas.microsoft.com/office/drawing/2010/main" xmlns="">
                   <a:noFill/>
                 </a14:hiddenFill>
               </a:ext>
@@ -5348,7 +5520,7 @@
             </a:ln>
             <a:extLst>
               <a:ext uri="{909E8E84-426E-40dd-AFC4-6F175D3DCCD1}">
-                <a14:hiddenFill xmlns="" xmlns:a14="http://schemas.microsoft.com/office/drawing/2010/main">
+                <a14:hiddenFill xmlns:a14="http://schemas.microsoft.com/office/drawing/2010/main" xmlns="">
                   <a:noFill/>
                 </a14:hiddenFill>
               </a:ext>
@@ -5416,7 +5588,7 @@
             </a:ln>
             <a:extLst>
               <a:ext uri="{909E8E84-426E-40dd-AFC4-6F175D3DCCD1}">
-                <a14:hiddenFill xmlns="" xmlns:a14="http://schemas.microsoft.com/office/drawing/2010/main">
+                <a14:hiddenFill xmlns:a14="http://schemas.microsoft.com/office/drawing/2010/main" xmlns="">
                   <a:noFill/>
                 </a14:hiddenFill>
               </a:ext>
@@ -5784,7 +5956,7 @@
         </p:nvGraphicFramePr>
         <p:xfrm>
           <a:off x="1440593" y="2178380"/>
-          <a:ext cx="6217508" cy="2225040"/>
+          <a:ext cx="6217508" cy="2255520"/>
         </p:xfrm>
         <a:graphic>
           <a:graphicData uri="http://schemas.openxmlformats.org/drawingml/2006/table">
@@ -12675,6 +12847,12 @@
               <a:t>Bitwise operators</a:t>
             </a:r>
           </a:p>
+          <a:p>
+            <a:r>
+              <a:rPr lang="en-US" dirty="0"/>
+              <a:t>Control flow</a:t>
+            </a:r>
+          </a:p>
         </p:txBody>
       </p:sp>
     </p:spTree>
@@ -16225,11 +16403,11 @@
           <p:nvPr/>
         </p:nvPicPr>
         <p:blipFill>
-          <a:blip r:embed="rId2">
+          <a:blip r:embed="rId3">
             <a:extLst>
               <a:ext uri="{BEBA8EAE-BF5A-486C-A8C5-ECC9F3942E4B}">
                 <a14:imgProps xmlns:a14="http://schemas.microsoft.com/office/drawing/2010/main">
-                  <a14:imgLayer r:embed="rId3">
+                  <a14:imgLayer r:embed="rId4">
                     <a14:imgEffect>
                       <a14:backgroundRemoval t="4000" b="93333" l="5778" r="93778">
                         <a14:foregroundMark x1="40444" y1="8889" x2="40444" y2="8889"/>
@@ -16297,6 +16475,727 @@
 </file>
 
 <file path=ppt/slides/slide27.xml><?xml version="1.0" encoding="utf-8"?>
+<p:sld xmlns:a="http://schemas.openxmlformats.org/drawingml/2006/main" xmlns:r="http://schemas.openxmlformats.org/officeDocument/2006/relationships" xmlns:p="http://schemas.openxmlformats.org/presentationml/2006/main" show="0">
+  <p:cSld>
+    <p:spTree>
+      <p:nvGrpSpPr>
+        <p:cNvPr id="1" name=""/>
+        <p:cNvGrpSpPr/>
+        <p:nvPr/>
+      </p:nvGrpSpPr>
+      <p:grpSpPr>
+        <a:xfrm>
+          <a:off x="0" y="0"/>
+          <a:ext cx="0" cy="0"/>
+          <a:chOff x="0" y="0"/>
+          <a:chExt cx="0" cy="0"/>
+        </a:xfrm>
+      </p:grpSpPr>
+      <p:sp>
+        <p:nvSpPr>
+          <p:cNvPr id="2" name="Title 1">
+            <a:extLst>
+              <a:ext uri="{FF2B5EF4-FFF2-40B4-BE49-F238E27FC236}">
+                <a16:creationId xmlns:a16="http://schemas.microsoft.com/office/drawing/2014/main" id="{4C102B27-5F0D-4BB4-BDE3-9C100C29D5DC}"/>
+              </a:ext>
+            </a:extLst>
+          </p:cNvPr>
+          <p:cNvSpPr>
+            <a:spLocks noGrp="1"/>
+          </p:cNvSpPr>
+          <p:nvPr>
+            <p:ph type="title"/>
+          </p:nvPr>
+        </p:nvSpPr>
+        <p:spPr/>
+        <p:txBody>
+          <a:bodyPr/>
+          <a:lstStyle/>
+          <a:p>
+            <a:r>
+              <a:rPr lang="en-US" dirty="0"/>
+              <a:t>Breakout exercises</a:t>
+            </a:r>
+          </a:p>
+        </p:txBody>
+      </p:sp>
+      <p:sp>
+        <p:nvSpPr>
+          <p:cNvPr id="3" name="Content Placeholder 2">
+            <a:extLst>
+              <a:ext uri="{FF2B5EF4-FFF2-40B4-BE49-F238E27FC236}">
+                <a16:creationId xmlns:a16="http://schemas.microsoft.com/office/drawing/2014/main" id="{11B00B8C-5C54-4775-B849-D864341255D8}"/>
+              </a:ext>
+            </a:extLst>
+          </p:cNvPr>
+          <p:cNvSpPr>
+            <a:spLocks noGrp="1"/>
+          </p:cNvSpPr>
+          <p:nvPr>
+            <p:ph idx="1"/>
+          </p:nvPr>
+        </p:nvSpPr>
+        <p:spPr>
+          <a:xfrm>
+            <a:off x="457200" y="1600201"/>
+            <a:ext cx="8229600" cy="1298510"/>
+          </a:xfrm>
+        </p:spPr>
+        <p:txBody>
+          <a:bodyPr/>
+          <a:lstStyle/>
+          <a:p>
+            <a:r>
+              <a:rPr lang="en-US" dirty="0"/>
+              <a:t>Clear fraction fields of 10.0 --&gt; ??</a:t>
+            </a:r>
+          </a:p>
+          <a:p>
+            <a:r>
+              <a:rPr lang="en-US" dirty="0"/>
+              <a:t>Clear fraction field of 0.2 </a:t>
+            </a:r>
+            <a:r>
+              <a:rPr lang="en-US" dirty="0">
+                <a:sym typeface="Wingdings" panose="05000000000000000000" pitchFamily="2" charset="2"/>
+              </a:rPr>
+              <a:t> ??</a:t>
+            </a:r>
+            <a:endParaRPr lang="en-US" dirty="0"/>
+          </a:p>
+        </p:txBody>
+      </p:sp>
+      <p:sp>
+        <p:nvSpPr>
+          <p:cNvPr id="4" name="TextBox 3">
+            <a:extLst>
+              <a:ext uri="{FF2B5EF4-FFF2-40B4-BE49-F238E27FC236}">
+                <a16:creationId xmlns:a16="http://schemas.microsoft.com/office/drawing/2014/main" id="{D81A922F-45B7-4ED8-83A1-BB9E5CC3449A}"/>
+              </a:ext>
+            </a:extLst>
+          </p:cNvPr>
+          <p:cNvSpPr txBox="1"/>
+          <p:nvPr/>
+        </p:nvSpPr>
+        <p:spPr>
+          <a:xfrm>
+            <a:off x="617231" y="3418295"/>
+            <a:ext cx="8289449" cy="2585323"/>
+          </a:xfrm>
+          <a:prstGeom prst="rect">
+            <a:avLst/>
+          </a:prstGeom>
+          <a:solidFill>
+            <a:schemeClr val="accent2">
+              <a:lumMod val="20000"/>
+              <a:lumOff val="80000"/>
+            </a:schemeClr>
+          </a:solidFill>
+        </p:spPr>
+        <p:txBody>
+          <a:bodyPr wrap="none" rtlCol="0">
+            <a:spAutoFit/>
+          </a:bodyPr>
+          <a:lstStyle/>
+          <a:p>
+            <a:r>
+              <a:rPr lang="en-US" b="0" dirty="0">
+                <a:solidFill>
+                  <a:srgbClr val="0000FF"/>
+                </a:solidFill>
+                <a:effectLst/>
+                <a:latin typeface="Consolas" panose="020B0609020204030204" pitchFamily="49" charset="0"/>
+              </a:rPr>
+              <a:t>float</a:t>
+            </a:r>
+            <a:r>
+              <a:rPr lang="en-US" b="0" dirty="0">
+                <a:solidFill>
+                  <a:srgbClr val="000000"/>
+                </a:solidFill>
+                <a:effectLst/>
+                <a:latin typeface="Consolas" panose="020B0609020204030204" pitchFamily="49" charset="0"/>
+              </a:rPr>
+              <a:t> </a:t>
+            </a:r>
+            <a:r>
+              <a:rPr lang="en-US" b="0" dirty="0" err="1">
+                <a:solidFill>
+                  <a:srgbClr val="000000"/>
+                </a:solidFill>
+                <a:effectLst/>
+                <a:latin typeface="Consolas" panose="020B0609020204030204" pitchFamily="49" charset="0"/>
+              </a:rPr>
+              <a:t>clear_exp_field</a:t>
+            </a:r>
+            <a:r>
+              <a:rPr lang="en-US" b="0" dirty="0">
+                <a:solidFill>
+                  <a:srgbClr val="000000"/>
+                </a:solidFill>
+                <a:effectLst/>
+                <a:latin typeface="Consolas" panose="020B0609020204030204" pitchFamily="49" charset="0"/>
+              </a:rPr>
+              <a:t>(</a:t>
+            </a:r>
+            <a:r>
+              <a:rPr lang="en-US" b="0" dirty="0">
+                <a:solidFill>
+                  <a:srgbClr val="0000FF"/>
+                </a:solidFill>
+                <a:effectLst/>
+                <a:latin typeface="Consolas" panose="020B0609020204030204" pitchFamily="49" charset="0"/>
+              </a:rPr>
+              <a:t>float</a:t>
+            </a:r>
+            <a:r>
+              <a:rPr lang="en-US" b="0" dirty="0">
+                <a:solidFill>
+                  <a:srgbClr val="000000"/>
+                </a:solidFill>
+                <a:effectLst/>
+                <a:latin typeface="Consolas" panose="020B0609020204030204" pitchFamily="49" charset="0"/>
+              </a:rPr>
+              <a:t> f)</a:t>
+            </a:r>
+          </a:p>
+          <a:p>
+            <a:r>
+              <a:rPr lang="en-US" b="0" dirty="0">
+                <a:solidFill>
+                  <a:srgbClr val="000000"/>
+                </a:solidFill>
+                <a:effectLst/>
+                <a:latin typeface="Consolas" panose="020B0609020204030204" pitchFamily="49" charset="0"/>
+              </a:rPr>
+              <a:t>{</a:t>
+            </a:r>
+          </a:p>
+          <a:p>
+            <a:r>
+              <a:rPr lang="en-US" b="0" dirty="0">
+                <a:solidFill>
+                  <a:srgbClr val="0000FF"/>
+                </a:solidFill>
+                <a:effectLst/>
+                <a:latin typeface="Consolas" panose="020B0609020204030204" pitchFamily="49" charset="0"/>
+              </a:rPr>
+              <a:t>   int</a:t>
+            </a:r>
+            <a:r>
+              <a:rPr lang="en-US" b="0" dirty="0">
+                <a:solidFill>
+                  <a:srgbClr val="000000"/>
+                </a:solidFill>
+                <a:effectLst/>
+                <a:latin typeface="Consolas" panose="020B0609020204030204" pitchFamily="49" charset="0"/>
+              </a:rPr>
+              <a:t> fi = *(</a:t>
+            </a:r>
+            <a:r>
+              <a:rPr lang="en-US" b="0" dirty="0">
+                <a:solidFill>
+                  <a:srgbClr val="0000FF"/>
+                </a:solidFill>
+                <a:effectLst/>
+                <a:latin typeface="Consolas" panose="020B0609020204030204" pitchFamily="49" charset="0"/>
+              </a:rPr>
+              <a:t>int</a:t>
+            </a:r>
+            <a:r>
+              <a:rPr lang="en-US" b="0" dirty="0">
+                <a:solidFill>
+                  <a:srgbClr val="000000"/>
+                </a:solidFill>
+                <a:effectLst/>
+                <a:latin typeface="Consolas" panose="020B0609020204030204" pitchFamily="49" charset="0"/>
+              </a:rPr>
+              <a:t> *)&amp;f; </a:t>
+            </a:r>
+            <a:r>
+              <a:rPr lang="en-US" b="0" dirty="0">
+                <a:solidFill>
+                  <a:srgbClr val="AAAAAA"/>
+                </a:solidFill>
+                <a:effectLst/>
+                <a:latin typeface="Consolas" panose="020B0609020204030204" pitchFamily="49" charset="0"/>
+              </a:rPr>
+              <a:t>//re-interpret bit-pattern of f as int</a:t>
+            </a:r>
+            <a:endParaRPr lang="en-US" b="0" dirty="0">
+              <a:solidFill>
+                <a:srgbClr val="000000"/>
+              </a:solidFill>
+              <a:effectLst/>
+              <a:latin typeface="Consolas" panose="020B0609020204030204" pitchFamily="49" charset="0"/>
+            </a:endParaRPr>
+          </a:p>
+          <a:p>
+            <a:r>
+              <a:rPr lang="en-US" b="0" dirty="0">
+                <a:solidFill>
+                  <a:srgbClr val="0000FF"/>
+                </a:solidFill>
+                <a:effectLst/>
+                <a:latin typeface="Consolas" panose="020B0609020204030204" pitchFamily="49" charset="0"/>
+              </a:rPr>
+              <a:t>   </a:t>
+            </a:r>
+          </a:p>
+          <a:p>
+            <a:r>
+              <a:rPr lang="en-US" dirty="0">
+                <a:solidFill>
+                  <a:srgbClr val="0000FF"/>
+                </a:solidFill>
+                <a:latin typeface="Consolas" panose="020B0609020204030204" pitchFamily="49" charset="0"/>
+              </a:rPr>
+              <a:t>   </a:t>
+            </a:r>
+            <a:r>
+              <a:rPr lang="en-US" b="0" dirty="0">
+                <a:solidFill>
+                  <a:srgbClr val="0000FF"/>
+                </a:solidFill>
+                <a:effectLst/>
+                <a:latin typeface="Consolas" panose="020B0609020204030204" pitchFamily="49" charset="0"/>
+              </a:rPr>
+              <a:t>int</a:t>
+            </a:r>
+            <a:r>
+              <a:rPr lang="en-US" b="0" dirty="0">
+                <a:solidFill>
+                  <a:srgbClr val="000000"/>
+                </a:solidFill>
+                <a:effectLst/>
+                <a:latin typeface="Consolas" panose="020B0609020204030204" pitchFamily="49" charset="0"/>
+              </a:rPr>
+              <a:t> r = </a:t>
+            </a:r>
+            <a:r>
+              <a:rPr lang="en-US" b="0" dirty="0">
+                <a:solidFill>
+                  <a:srgbClr val="09885A"/>
+                </a:solidFill>
+                <a:effectLst/>
+                <a:latin typeface="Consolas" panose="020B0609020204030204" pitchFamily="49" charset="0"/>
+              </a:rPr>
+              <a:t>0</a:t>
+            </a:r>
+            <a:r>
+              <a:rPr lang="en-US" b="0" dirty="0">
+                <a:solidFill>
+                  <a:srgbClr val="000000"/>
+                </a:solidFill>
+                <a:effectLst/>
+                <a:latin typeface="Consolas" panose="020B0609020204030204" pitchFamily="49" charset="0"/>
+              </a:rPr>
+              <a:t>; </a:t>
+            </a:r>
+            <a:r>
+              <a:rPr lang="en-US" b="0" dirty="0">
+                <a:solidFill>
+                  <a:srgbClr val="AAAAAA"/>
+                </a:solidFill>
+                <a:effectLst/>
+                <a:latin typeface="Consolas" panose="020B0609020204030204" pitchFamily="49" charset="0"/>
+              </a:rPr>
+              <a:t>//TODO: add your code here</a:t>
+            </a:r>
+            <a:endParaRPr lang="en-US" b="0" dirty="0">
+              <a:solidFill>
+                <a:srgbClr val="000000"/>
+              </a:solidFill>
+              <a:effectLst/>
+              <a:latin typeface="Consolas" panose="020B0609020204030204" pitchFamily="49" charset="0"/>
+            </a:endParaRPr>
+          </a:p>
+          <a:p>
+            <a:r>
+              <a:rPr lang="en-US" b="0" dirty="0">
+                <a:solidFill>
+                  <a:srgbClr val="0000FF"/>
+                </a:solidFill>
+                <a:effectLst/>
+                <a:latin typeface="Consolas" panose="020B0609020204030204" pitchFamily="49" charset="0"/>
+              </a:rPr>
+              <a:t>   </a:t>
+            </a:r>
+          </a:p>
+          <a:p>
+            <a:r>
+              <a:rPr lang="en-US" b="0" dirty="0">
+                <a:solidFill>
+                  <a:srgbClr val="0000FF"/>
+                </a:solidFill>
+                <a:effectLst/>
+                <a:latin typeface="Consolas" panose="020B0609020204030204" pitchFamily="49" charset="0"/>
+              </a:rPr>
+              <a:t>   return</a:t>
+            </a:r>
+            <a:r>
+              <a:rPr lang="en-US" b="0" dirty="0">
+                <a:solidFill>
+                  <a:srgbClr val="000000"/>
+                </a:solidFill>
+                <a:effectLst/>
+                <a:latin typeface="Consolas" panose="020B0609020204030204" pitchFamily="49" charset="0"/>
+              </a:rPr>
+              <a:t> *(</a:t>
+            </a:r>
+            <a:r>
+              <a:rPr lang="en-US" b="0" dirty="0">
+                <a:solidFill>
+                  <a:srgbClr val="0000FF"/>
+                </a:solidFill>
+                <a:effectLst/>
+                <a:latin typeface="Consolas" panose="020B0609020204030204" pitchFamily="49" charset="0"/>
+              </a:rPr>
+              <a:t>float</a:t>
+            </a:r>
+            <a:r>
+              <a:rPr lang="en-US" b="0" dirty="0">
+                <a:solidFill>
+                  <a:srgbClr val="000000"/>
+                </a:solidFill>
+                <a:effectLst/>
+                <a:latin typeface="Consolas" panose="020B0609020204030204" pitchFamily="49" charset="0"/>
+              </a:rPr>
+              <a:t> *)&amp;r; </a:t>
+            </a:r>
+            <a:r>
+              <a:rPr lang="en-US" b="0" dirty="0">
+                <a:solidFill>
+                  <a:srgbClr val="AAAAAA"/>
+                </a:solidFill>
+                <a:effectLst/>
+                <a:latin typeface="Consolas" panose="020B0609020204030204" pitchFamily="49" charset="0"/>
+              </a:rPr>
+              <a:t>//re-interpret bit-pattern of r as float</a:t>
+            </a:r>
+            <a:endParaRPr lang="en-US" b="0" dirty="0">
+              <a:solidFill>
+                <a:srgbClr val="000000"/>
+              </a:solidFill>
+              <a:effectLst/>
+              <a:latin typeface="Consolas" panose="020B0609020204030204" pitchFamily="49" charset="0"/>
+            </a:endParaRPr>
+          </a:p>
+          <a:p>
+            <a:r>
+              <a:rPr lang="en-US" b="0" dirty="0">
+                <a:solidFill>
+                  <a:srgbClr val="000000"/>
+                </a:solidFill>
+                <a:effectLst/>
+                <a:latin typeface="Consolas" panose="020B0609020204030204" pitchFamily="49" charset="0"/>
+              </a:rPr>
+              <a:t>}</a:t>
+            </a:r>
+          </a:p>
+          <a:p>
+            <a:endParaRPr lang="en-US" dirty="0"/>
+          </a:p>
+        </p:txBody>
+      </p:sp>
+      <p:sp>
+        <p:nvSpPr>
+          <p:cNvPr id="5" name="TextBox 4">
+            <a:extLst>
+              <a:ext uri="{FF2B5EF4-FFF2-40B4-BE49-F238E27FC236}">
+                <a16:creationId xmlns:a16="http://schemas.microsoft.com/office/drawing/2014/main" id="{CD11698A-5A38-4FEB-B0FE-FF94A3D31EFF}"/>
+              </a:ext>
+            </a:extLst>
+          </p:cNvPr>
+          <p:cNvSpPr txBox="1"/>
+          <p:nvPr/>
+        </p:nvSpPr>
+        <p:spPr>
+          <a:xfrm>
+            <a:off x="2096278" y="4510901"/>
+            <a:ext cx="3825550" cy="400110"/>
+          </a:xfrm>
+          <a:prstGeom prst="rect">
+            <a:avLst/>
+          </a:prstGeom>
+          <a:solidFill>
+            <a:schemeClr val="accent2">
+              <a:lumMod val="40000"/>
+              <a:lumOff val="60000"/>
+            </a:schemeClr>
+          </a:solidFill>
+        </p:spPr>
+        <p:txBody>
+          <a:bodyPr wrap="square" rtlCol="0">
+            <a:spAutoFit/>
+          </a:bodyPr>
+          <a:lstStyle/>
+          <a:p>
+            <a:r>
+              <a:rPr lang="en-US" sz="2000" dirty="0"/>
+              <a:t>r = (fi &gt;&gt; 23) &lt;&lt;23;</a:t>
+            </a:r>
+          </a:p>
+        </p:txBody>
+      </p:sp>
+      <p:sp>
+        <p:nvSpPr>
+          <p:cNvPr id="6" name="TextBox 5">
+            <a:extLst>
+              <a:ext uri="{FF2B5EF4-FFF2-40B4-BE49-F238E27FC236}">
+                <a16:creationId xmlns:a16="http://schemas.microsoft.com/office/drawing/2014/main" id="{B2AFA185-0E76-4EA0-990B-08634995C0B2}"/>
+              </a:ext>
+            </a:extLst>
+          </p:cNvPr>
+          <p:cNvSpPr txBox="1"/>
+          <p:nvPr/>
+        </p:nvSpPr>
+        <p:spPr>
+          <a:xfrm>
+            <a:off x="5280306" y="1600201"/>
+            <a:ext cx="641522" cy="523220"/>
+          </a:xfrm>
+          <a:prstGeom prst="rect">
+            <a:avLst/>
+          </a:prstGeom>
+          <a:solidFill>
+            <a:schemeClr val="bg1"/>
+          </a:solidFill>
+        </p:spPr>
+        <p:txBody>
+          <a:bodyPr wrap="none" rtlCol="0">
+            <a:spAutoFit/>
+          </a:bodyPr>
+          <a:lstStyle/>
+          <a:p>
+            <a:r>
+              <a:rPr lang="en-US" sz="2800" dirty="0"/>
+              <a:t>8.0</a:t>
+            </a:r>
+          </a:p>
+        </p:txBody>
+      </p:sp>
+      <p:sp>
+        <p:nvSpPr>
+          <p:cNvPr id="8" name="TextBox 7">
+            <a:extLst>
+              <a:ext uri="{FF2B5EF4-FFF2-40B4-BE49-F238E27FC236}">
+                <a16:creationId xmlns:a16="http://schemas.microsoft.com/office/drawing/2014/main" id="{614BA6B5-7F3A-4F1F-BAC4-A5A512158827}"/>
+              </a:ext>
+            </a:extLst>
+          </p:cNvPr>
+          <p:cNvSpPr txBox="1"/>
+          <p:nvPr/>
+        </p:nvSpPr>
+        <p:spPr>
+          <a:xfrm>
+            <a:off x="4914821" y="2156357"/>
+            <a:ext cx="1007007" cy="523220"/>
+          </a:xfrm>
+          <a:prstGeom prst="rect">
+            <a:avLst/>
+          </a:prstGeom>
+          <a:solidFill>
+            <a:schemeClr val="bg1"/>
+          </a:solidFill>
+        </p:spPr>
+        <p:txBody>
+          <a:bodyPr wrap="none" rtlCol="0">
+            <a:spAutoFit/>
+          </a:bodyPr>
+          <a:lstStyle/>
+          <a:p>
+            <a:r>
+              <a:rPr lang="en-US" sz="2800" dirty="0"/>
+              <a:t>0.125</a:t>
+            </a:r>
+          </a:p>
+        </p:txBody>
+      </p:sp>
+    </p:spTree>
+    <p:extLst>
+      <p:ext uri="{BB962C8B-B14F-4D97-AF65-F5344CB8AC3E}">
+        <p14:creationId xmlns:p14="http://schemas.microsoft.com/office/powerpoint/2010/main" val="1996191240"/>
+      </p:ext>
+    </p:extLst>
+  </p:cSld>
+  <p:clrMapOvr>
+    <a:masterClrMapping/>
+  </p:clrMapOvr>
+  <p:timing>
+    <p:tnLst>
+      <p:par>
+        <p:cTn id="1" dur="indefinite" restart="never" nodeType="tmRoot">
+          <p:childTnLst>
+            <p:seq concurrent="1" nextAc="seek">
+              <p:cTn id="2" dur="indefinite" nodeType="mainSeq">
+                <p:childTnLst>
+                  <p:par>
+                    <p:cTn id="3" fill="hold">
+                      <p:stCondLst>
+                        <p:cond delay="indefinite"/>
+                      </p:stCondLst>
+                      <p:childTnLst>
+                        <p:par>
+                          <p:cTn id="4" fill="hold">
+                            <p:stCondLst>
+                              <p:cond delay="0"/>
+                            </p:stCondLst>
+                            <p:childTnLst>
+                              <p:par>
+                                <p:cTn id="5" presetID="1" presetClass="entr" presetSubtype="0" fill="hold" grpId="0" nodeType="clickEffect">
+                                  <p:stCondLst>
+                                    <p:cond delay="0"/>
+                                  </p:stCondLst>
+                                  <p:childTnLst>
+                                    <p:set>
+                                      <p:cBhvr>
+                                        <p:cTn id="6" dur="1" fill="hold">
+                                          <p:stCondLst>
+                                            <p:cond delay="0"/>
+                                          </p:stCondLst>
+                                        </p:cTn>
+                                        <p:tgtEl>
+                                          <p:spTgt spid="6"/>
+                                        </p:tgtEl>
+                                        <p:attrNameLst>
+                                          <p:attrName>style.visibility</p:attrName>
+                                        </p:attrNameLst>
+                                      </p:cBhvr>
+                                      <p:to>
+                                        <p:strVal val="visible"/>
+                                      </p:to>
+                                    </p:set>
+                                  </p:childTnLst>
+                                </p:cTn>
+                              </p:par>
+                            </p:childTnLst>
+                          </p:cTn>
+                        </p:par>
+                      </p:childTnLst>
+                    </p:cTn>
+                  </p:par>
+                  <p:par>
+                    <p:cTn id="7" fill="hold">
+                      <p:stCondLst>
+                        <p:cond delay="indefinite"/>
+                      </p:stCondLst>
+                      <p:childTnLst>
+                        <p:par>
+                          <p:cTn id="8" fill="hold">
+                            <p:stCondLst>
+                              <p:cond delay="0"/>
+                            </p:stCondLst>
+                            <p:childTnLst>
+                              <p:par>
+                                <p:cTn id="9" presetID="1" presetClass="entr" presetSubtype="0" fill="hold" grpId="0" nodeType="clickEffect">
+                                  <p:stCondLst>
+                                    <p:cond delay="0"/>
+                                  </p:stCondLst>
+                                  <p:childTnLst>
+                                    <p:set>
+                                      <p:cBhvr>
+                                        <p:cTn id="10" dur="1" fill="hold">
+                                          <p:stCondLst>
+                                            <p:cond delay="0"/>
+                                          </p:stCondLst>
+                                        </p:cTn>
+                                        <p:tgtEl>
+                                          <p:spTgt spid="8"/>
+                                        </p:tgtEl>
+                                        <p:attrNameLst>
+                                          <p:attrName>style.visibility</p:attrName>
+                                        </p:attrNameLst>
+                                      </p:cBhvr>
+                                      <p:to>
+                                        <p:strVal val="visible"/>
+                                      </p:to>
+                                    </p:set>
+                                  </p:childTnLst>
+                                </p:cTn>
+                              </p:par>
+                            </p:childTnLst>
+                          </p:cTn>
+                        </p:par>
+                      </p:childTnLst>
+                    </p:cTn>
+                  </p:par>
+                  <p:par>
+                    <p:cTn id="11" fill="hold">
+                      <p:stCondLst>
+                        <p:cond delay="indefinite"/>
+                      </p:stCondLst>
+                      <p:childTnLst>
+                        <p:par>
+                          <p:cTn id="12" fill="hold">
+                            <p:stCondLst>
+                              <p:cond delay="0"/>
+                            </p:stCondLst>
+                            <p:childTnLst>
+                              <p:par>
+                                <p:cTn id="13" presetID="1" presetClass="entr" presetSubtype="0" fill="hold" grpId="0" nodeType="clickEffect">
+                                  <p:stCondLst>
+                                    <p:cond delay="0"/>
+                                  </p:stCondLst>
+                                  <p:childTnLst>
+                                    <p:set>
+                                      <p:cBhvr>
+                                        <p:cTn id="14" dur="1" fill="hold">
+                                          <p:stCondLst>
+                                            <p:cond delay="0"/>
+                                          </p:stCondLst>
+                                        </p:cTn>
+                                        <p:tgtEl>
+                                          <p:spTgt spid="5"/>
+                                        </p:tgtEl>
+                                        <p:attrNameLst>
+                                          <p:attrName>style.visibility</p:attrName>
+                                        </p:attrNameLst>
+                                      </p:cBhvr>
+                                      <p:to>
+                                        <p:strVal val="visible"/>
+                                      </p:to>
+                                    </p:set>
+                                  </p:childTnLst>
+                                </p:cTn>
+                              </p:par>
+                            </p:childTnLst>
+                          </p:cTn>
+                        </p:par>
+                      </p:childTnLst>
+                    </p:cTn>
+                  </p:par>
+                </p:childTnLst>
+              </p:cTn>
+              <p:prevCondLst>
+                <p:cond evt="onPrev" delay="0">
+                  <p:tgtEl>
+                    <p:sldTgt/>
+                  </p:tgtEl>
+                </p:cond>
+              </p:prevCondLst>
+              <p:nextCondLst>
+                <p:cond evt="onNext" delay="0">
+                  <p:tgtEl>
+                    <p:sldTgt/>
+                  </p:tgtEl>
+                </p:cond>
+              </p:nextCondLst>
+            </p:seq>
+          </p:childTnLst>
+        </p:cTn>
+      </p:par>
+    </p:tnLst>
+    <p:bldLst>
+      <p:bldP spid="5" grpId="0" animBg="1"/>
+      <p:bldP spid="6" grpId="0" animBg="1"/>
+      <p:bldP spid="8" grpId="0" animBg="1"/>
+    </p:bldLst>
+  </p:timing>
+</p:sld>
+</file>
+
+<file path=ppt/slides/slide28.xml><?xml version="1.0" encoding="utf-8"?>
 <p:sld xmlns:a="http://schemas.openxmlformats.org/drawingml/2006/main" xmlns:r="http://schemas.openxmlformats.org/officeDocument/2006/relationships" xmlns:p="http://schemas.openxmlformats.org/presentationml/2006/main" show="0">
   <p:cSld>
     <p:spTree>
@@ -16657,7 +17556,7 @@
 </p:sld>
 </file>
 
-<file path=ppt/slides/slide28.xml><?xml version="1.0" encoding="utf-8"?>
+<file path=ppt/slides/slide29.xml><?xml version="1.0" encoding="utf-8"?>
 <p:sld xmlns:a="http://schemas.openxmlformats.org/drawingml/2006/main" xmlns:r="http://schemas.openxmlformats.org/officeDocument/2006/relationships" xmlns:p="http://schemas.openxmlformats.org/presentationml/2006/main">
   <p:cSld>
     <p:spTree>
@@ -16770,385 +17669,6 @@
     <p:extLst>
       <p:ext uri="{BB962C8B-B14F-4D97-AF65-F5344CB8AC3E}">
         <p14:creationId xmlns:p14="http://schemas.microsoft.com/office/powerpoint/2010/main" val="2801193760"/>
-      </p:ext>
-    </p:extLst>
-  </p:cSld>
-  <p:clrMapOvr>
-    <a:masterClrMapping/>
-  </p:clrMapOvr>
-</p:sld>
-</file>
-
-<file path=ppt/slides/slide29.xml><?xml version="1.0" encoding="utf-8"?>
-<p:sld xmlns:a="http://schemas.openxmlformats.org/drawingml/2006/main" xmlns:r="http://schemas.openxmlformats.org/officeDocument/2006/relationships" xmlns:p="http://schemas.openxmlformats.org/presentationml/2006/main">
-  <p:cSld>
-    <p:spTree>
-      <p:nvGrpSpPr>
-        <p:cNvPr id="1" name=""/>
-        <p:cNvGrpSpPr/>
-        <p:nvPr/>
-      </p:nvGrpSpPr>
-      <p:grpSpPr>
-        <a:xfrm>
-          <a:off x="0" y="0"/>
-          <a:ext cx="0" cy="0"/>
-          <a:chOff x="0" y="0"/>
-          <a:chExt cx="0" cy="0"/>
-        </a:xfrm>
-      </p:grpSpPr>
-      <p:sp>
-        <p:nvSpPr>
-          <p:cNvPr id="2" name="标题 1"/>
-          <p:cNvSpPr>
-            <a:spLocks noGrp="1"/>
-          </p:cNvSpPr>
-          <p:nvPr>
-            <p:ph type="title"/>
-          </p:nvPr>
-        </p:nvSpPr>
-        <p:spPr/>
-        <p:txBody>
-          <a:bodyPr>
-            <a:normAutofit fontScale="90000"/>
-          </a:bodyPr>
-          <a:lstStyle/>
-          <a:p>
-            <a:r>
-              <a:rPr kumimoji="1" lang="en-US" altLang="zh-CN" dirty="0" err="1"/>
-              <a:t>goto</a:t>
-            </a:r>
-            <a:r>
-              <a:rPr kumimoji="1" lang="en-US" altLang="zh-CN" dirty="0"/>
-              <a:t> statements allow jump anywhere</a:t>
-            </a:r>
-            <a:endParaRPr kumimoji="1" lang="zh-CN" altLang="en-US" dirty="0"/>
-          </a:p>
-        </p:txBody>
-      </p:sp>
-      <p:sp>
-        <p:nvSpPr>
-          <p:cNvPr id="3" name="内容占位符 2"/>
-          <p:cNvSpPr>
-            <a:spLocks noGrp="1"/>
-          </p:cNvSpPr>
-          <p:nvPr>
-            <p:ph idx="1"/>
-          </p:nvPr>
-        </p:nvSpPr>
-        <p:spPr>
-          <a:xfrm>
-            <a:off x="457200" y="1600200"/>
-            <a:ext cx="8229600" cy="648495"/>
-          </a:xfrm>
-        </p:spPr>
-        <p:txBody>
-          <a:bodyPr/>
-          <a:lstStyle/>
-          <a:p>
-            <a:pPr marL="0" lvl="1" indent="0">
-              <a:buNone/>
-            </a:pPr>
-            <a:r>
-              <a:rPr kumimoji="1" lang="en-US" altLang="zh-CN" sz="2800" dirty="0" err="1">
-                <a:latin typeface="Verdana"/>
-                <a:cs typeface="Verdana"/>
-              </a:rPr>
-              <a:t>goto</a:t>
-            </a:r>
-            <a:r>
-              <a:rPr kumimoji="1" lang="en-US" altLang="zh-CN" sz="2800" dirty="0">
-                <a:latin typeface="Verdana"/>
-                <a:cs typeface="Verdana"/>
-              </a:rPr>
-              <a:t> </a:t>
-            </a:r>
-            <a:r>
-              <a:rPr kumimoji="1" lang="en-US" altLang="zh-CN" sz="2800" i="1" dirty="0">
-                <a:latin typeface="Verdana"/>
-                <a:cs typeface="Verdana"/>
-              </a:rPr>
-              <a:t>label</a:t>
-            </a:r>
-          </a:p>
-        </p:txBody>
-      </p:sp>
-      <p:sp>
-        <p:nvSpPr>
-          <p:cNvPr id="4" name="矩形 3"/>
-          <p:cNvSpPr/>
-          <p:nvPr/>
-        </p:nvSpPr>
-        <p:spPr>
-          <a:xfrm>
-            <a:off x="529801" y="2831170"/>
-            <a:ext cx="3855587" cy="3231654"/>
-          </a:xfrm>
-          <a:prstGeom prst="rect">
-            <a:avLst/>
-          </a:prstGeom>
-        </p:spPr>
-        <p:txBody>
-          <a:bodyPr wrap="square">
-            <a:spAutoFit/>
-          </a:bodyPr>
-          <a:lstStyle/>
-          <a:p>
-            <a:r>
-              <a:rPr lang="en-US" altLang="zh-CN" b="1" dirty="0">
-                <a:latin typeface="Consolas"/>
-                <a:ea typeface="宋体" pitchFamily="2" charset="-122"/>
-                <a:cs typeface="Consolas"/>
-              </a:rPr>
-              <a:t>for</a:t>
-            </a:r>
-            <a:r>
-              <a:rPr lang="en-US" altLang="zh-CN" dirty="0">
-                <a:latin typeface="Consolas"/>
-                <a:ea typeface="宋体" pitchFamily="2" charset="-122"/>
-                <a:cs typeface="Consolas"/>
-              </a:rPr>
-              <a:t>(</a:t>
-            </a:r>
-            <a:r>
-              <a:rPr lang="en-US" altLang="zh-CN" i="1" dirty="0">
-                <a:latin typeface="Consolas"/>
-                <a:ea typeface="宋体" pitchFamily="2" charset="-122"/>
-                <a:cs typeface="Consolas"/>
-              </a:rPr>
-              <a:t>...</a:t>
-            </a:r>
-            <a:r>
-              <a:rPr lang="en-US" altLang="zh-CN" dirty="0">
-                <a:latin typeface="Consolas"/>
-                <a:ea typeface="宋体" pitchFamily="2" charset="-122"/>
-                <a:cs typeface="Consolas"/>
-              </a:rPr>
-              <a:t>) {</a:t>
-            </a:r>
-          </a:p>
-          <a:p>
-            <a:endParaRPr lang="en-US" altLang="zh-CN" sz="400" dirty="0">
-              <a:latin typeface="Consolas"/>
-              <a:ea typeface="宋体" pitchFamily="2" charset="-122"/>
-              <a:cs typeface="Consolas"/>
-            </a:endParaRPr>
-          </a:p>
-          <a:p>
-            <a:r>
-              <a:rPr lang="en-US" altLang="zh-CN" dirty="0">
-                <a:latin typeface="Consolas"/>
-                <a:ea typeface="宋体" pitchFamily="2" charset="-122"/>
-                <a:cs typeface="Consolas"/>
-              </a:rPr>
-              <a:t>	</a:t>
-            </a:r>
-            <a:r>
-              <a:rPr lang="en-US" altLang="zh-CN" b="1" dirty="0">
-                <a:latin typeface="Consolas"/>
-                <a:ea typeface="宋体" pitchFamily="2" charset="-122"/>
-                <a:cs typeface="Consolas"/>
-              </a:rPr>
-              <a:t>for</a:t>
-            </a:r>
-            <a:r>
-              <a:rPr lang="en-US" altLang="zh-CN" dirty="0">
-                <a:latin typeface="Consolas"/>
-                <a:ea typeface="宋体" pitchFamily="2" charset="-122"/>
-                <a:cs typeface="Consolas"/>
-              </a:rPr>
-              <a:t>(</a:t>
-            </a:r>
-            <a:r>
-              <a:rPr lang="en-US" altLang="zh-CN" i="1" dirty="0">
-                <a:latin typeface="Consolas"/>
-                <a:ea typeface="宋体" pitchFamily="2" charset="-122"/>
-                <a:cs typeface="Consolas"/>
-              </a:rPr>
-              <a:t>...</a:t>
-            </a:r>
-            <a:r>
-              <a:rPr lang="en-US" altLang="zh-CN" dirty="0">
-                <a:latin typeface="Consolas"/>
-                <a:ea typeface="宋体" pitchFamily="2" charset="-122"/>
-                <a:cs typeface="Consolas"/>
-              </a:rPr>
-              <a:t>) {</a:t>
-            </a:r>
-          </a:p>
-          <a:p>
-            <a:endParaRPr lang="en-US" altLang="zh-CN" sz="400" dirty="0">
-              <a:latin typeface="Consolas"/>
-              <a:ea typeface="宋体" pitchFamily="2" charset="-122"/>
-              <a:cs typeface="Consolas"/>
-            </a:endParaRPr>
-          </a:p>
-          <a:p>
-            <a:r>
-              <a:rPr lang="en-US" altLang="zh-CN" dirty="0">
-                <a:latin typeface="Consolas"/>
-                <a:ea typeface="宋体" pitchFamily="2" charset="-122"/>
-                <a:cs typeface="Consolas"/>
-              </a:rPr>
-              <a:t>		</a:t>
-            </a:r>
-            <a:r>
-              <a:rPr lang="en-US" altLang="zh-CN" b="1" dirty="0">
-                <a:latin typeface="Consolas"/>
-                <a:ea typeface="宋体" pitchFamily="2" charset="-122"/>
-                <a:cs typeface="Consolas"/>
-              </a:rPr>
-              <a:t>for</a:t>
-            </a:r>
-            <a:r>
-              <a:rPr lang="en-US" altLang="zh-CN" dirty="0">
-                <a:latin typeface="Consolas"/>
-                <a:ea typeface="宋体" pitchFamily="2" charset="-122"/>
-                <a:cs typeface="Consolas"/>
-              </a:rPr>
-              <a:t>(</a:t>
-            </a:r>
-            <a:r>
-              <a:rPr lang="en-US" altLang="zh-CN" i="1" dirty="0">
-                <a:latin typeface="Consolas"/>
-                <a:ea typeface="宋体" pitchFamily="2" charset="-122"/>
-                <a:cs typeface="Consolas"/>
-              </a:rPr>
-              <a:t>...</a:t>
-            </a:r>
-            <a:r>
-              <a:rPr lang="en-US" altLang="zh-CN" dirty="0">
-                <a:latin typeface="Consolas"/>
-                <a:ea typeface="宋体" pitchFamily="2" charset="-122"/>
-                <a:cs typeface="Consolas"/>
-              </a:rPr>
-              <a:t>) {</a:t>
-            </a:r>
-          </a:p>
-          <a:p>
-            <a:endParaRPr lang="en-US" altLang="zh-CN" sz="400" dirty="0">
-              <a:latin typeface="Consolas"/>
-              <a:ea typeface="宋体" pitchFamily="2" charset="-122"/>
-              <a:cs typeface="Consolas"/>
-            </a:endParaRPr>
-          </a:p>
-          <a:p>
-            <a:r>
-              <a:rPr lang="en-US" altLang="zh-CN" dirty="0">
-                <a:latin typeface="Consolas"/>
-                <a:ea typeface="宋体" pitchFamily="2" charset="-122"/>
-                <a:cs typeface="Consolas"/>
-              </a:rPr>
-              <a:t>			</a:t>
-            </a:r>
-            <a:r>
-              <a:rPr lang="en-US" altLang="zh-CN" dirty="0" err="1">
-                <a:latin typeface="Consolas"/>
-                <a:ea typeface="宋体" pitchFamily="2" charset="-122"/>
-                <a:cs typeface="Consolas"/>
-              </a:rPr>
-              <a:t>goto</a:t>
-            </a:r>
-            <a:r>
-              <a:rPr lang="en-US" altLang="zh-CN" dirty="0">
-                <a:latin typeface="Consolas"/>
-                <a:ea typeface="宋体" pitchFamily="2" charset="-122"/>
-                <a:cs typeface="Consolas"/>
-              </a:rPr>
-              <a:t> error</a:t>
-            </a:r>
-          </a:p>
-          <a:p>
-            <a:endParaRPr lang="en-US" altLang="zh-CN" sz="400" dirty="0">
-              <a:latin typeface="Consolas"/>
-              <a:ea typeface="宋体" pitchFamily="2" charset="-122"/>
-              <a:cs typeface="Consolas"/>
-            </a:endParaRPr>
-          </a:p>
-          <a:p>
-            <a:r>
-              <a:rPr lang="en-US" altLang="zh-CN" dirty="0">
-                <a:latin typeface="Consolas"/>
-                <a:ea typeface="宋体" pitchFamily="2" charset="-122"/>
-                <a:cs typeface="Consolas"/>
-              </a:rPr>
-              <a:t>		}</a:t>
-            </a:r>
-          </a:p>
-          <a:p>
-            <a:endParaRPr lang="en-US" altLang="zh-CN" sz="400" dirty="0">
-              <a:latin typeface="Consolas"/>
-              <a:ea typeface="宋体" pitchFamily="2" charset="-122"/>
-              <a:cs typeface="Consolas"/>
-            </a:endParaRPr>
-          </a:p>
-          <a:p>
-            <a:r>
-              <a:rPr lang="en-US" altLang="zh-CN" b="1" dirty="0">
-                <a:latin typeface="Consolas"/>
-                <a:ea typeface="宋体" pitchFamily="2" charset="-122"/>
-                <a:cs typeface="Consolas"/>
-              </a:rPr>
-              <a:t>  	</a:t>
-            </a:r>
-            <a:r>
-              <a:rPr lang="en-US" altLang="zh-CN" dirty="0">
-                <a:latin typeface="Consolas"/>
-                <a:ea typeface="宋体" pitchFamily="2" charset="-122"/>
-                <a:cs typeface="Consolas"/>
-              </a:rPr>
-              <a:t>}</a:t>
-            </a:r>
-          </a:p>
-          <a:p>
-            <a:endParaRPr lang="en-US" altLang="zh-CN" sz="400" b="1" dirty="0">
-              <a:latin typeface="Consolas"/>
-              <a:ea typeface="宋体" pitchFamily="2" charset="-122"/>
-              <a:cs typeface="Consolas"/>
-            </a:endParaRPr>
-          </a:p>
-          <a:p>
-            <a:r>
-              <a:rPr lang="en-US" altLang="zh-CN" dirty="0">
-                <a:latin typeface="Consolas"/>
-                <a:ea typeface="宋体" pitchFamily="2" charset="-122"/>
-                <a:cs typeface="Consolas"/>
-              </a:rPr>
-              <a:t>}</a:t>
-            </a:r>
-          </a:p>
-          <a:p>
-            <a:endParaRPr lang="en-US" altLang="zh-CN" dirty="0">
-              <a:latin typeface="Consolas"/>
-              <a:ea typeface="宋体" pitchFamily="2" charset="-122"/>
-              <a:cs typeface="Consolas"/>
-            </a:endParaRPr>
-          </a:p>
-          <a:p>
-            <a:r>
-              <a:rPr lang="en-US" altLang="zh-CN" b="1" i="1" dirty="0">
-                <a:latin typeface="Consolas"/>
-                <a:ea typeface="宋体" pitchFamily="2" charset="-122"/>
-                <a:cs typeface="Consolas"/>
-              </a:rPr>
-              <a:t>error:</a:t>
-            </a:r>
-          </a:p>
-          <a:p>
-            <a:r>
-              <a:rPr lang="en-US" altLang="zh-CN" dirty="0">
-                <a:latin typeface="Consolas"/>
-                <a:ea typeface="宋体" pitchFamily="2" charset="-122"/>
-                <a:cs typeface="Consolas"/>
-              </a:rPr>
-              <a:t>	code handling error</a:t>
-            </a:r>
-          </a:p>
-        </p:txBody>
-      </p:sp>
-    </p:spTree>
-    <p:extLst>
-      <p:ext uri="{BB962C8B-B14F-4D97-AF65-F5344CB8AC3E}">
-        <p14:creationId xmlns:p14="http://schemas.microsoft.com/office/powerpoint/2010/main" val="3535806375"/>
       </p:ext>
     </p:extLst>
   </p:cSld>
@@ -17384,6 +17904,1030 @@
       </p:grpSpPr>
       <p:sp>
         <p:nvSpPr>
+          <p:cNvPr id="2" name="标题 1"/>
+          <p:cNvSpPr>
+            <a:spLocks noGrp="1"/>
+          </p:cNvSpPr>
+          <p:nvPr>
+            <p:ph type="title"/>
+          </p:nvPr>
+        </p:nvSpPr>
+        <p:spPr/>
+        <p:txBody>
+          <a:bodyPr>
+            <a:normAutofit fontScale="90000"/>
+          </a:bodyPr>
+          <a:lstStyle/>
+          <a:p>
+            <a:r>
+              <a:rPr kumimoji="1" lang="en-US" altLang="zh-CN" dirty="0" err="1"/>
+              <a:t>goto</a:t>
+            </a:r>
+            <a:r>
+              <a:rPr kumimoji="1" lang="en-US" altLang="zh-CN" dirty="0"/>
+              <a:t> statements allow jump anywhere</a:t>
+            </a:r>
+            <a:endParaRPr kumimoji="1" lang="zh-CN" altLang="en-US" dirty="0"/>
+          </a:p>
+        </p:txBody>
+      </p:sp>
+      <p:sp>
+        <p:nvSpPr>
+          <p:cNvPr id="3" name="内容占位符 2"/>
+          <p:cNvSpPr>
+            <a:spLocks noGrp="1"/>
+          </p:cNvSpPr>
+          <p:nvPr>
+            <p:ph idx="1"/>
+          </p:nvPr>
+        </p:nvSpPr>
+        <p:spPr>
+          <a:xfrm>
+            <a:off x="500743" y="1423768"/>
+            <a:ext cx="8229600" cy="648495"/>
+          </a:xfrm>
+        </p:spPr>
+        <p:txBody>
+          <a:bodyPr/>
+          <a:lstStyle/>
+          <a:p>
+            <a:pPr marL="0" lvl="1" indent="0">
+              <a:buNone/>
+            </a:pPr>
+            <a:r>
+              <a:rPr kumimoji="1" lang="en-US" altLang="zh-CN" sz="2800" dirty="0" err="1">
+                <a:latin typeface="Verdana"/>
+                <a:cs typeface="Verdana"/>
+              </a:rPr>
+              <a:t>goto</a:t>
+            </a:r>
+            <a:r>
+              <a:rPr kumimoji="1" lang="en-US" altLang="zh-CN" sz="2800" dirty="0">
+                <a:latin typeface="Verdana"/>
+                <a:cs typeface="Verdana"/>
+              </a:rPr>
+              <a:t> </a:t>
+            </a:r>
+            <a:r>
+              <a:rPr kumimoji="1" lang="en-US" altLang="zh-CN" sz="2800" i="1" dirty="0">
+                <a:latin typeface="Verdana"/>
+                <a:cs typeface="Verdana"/>
+              </a:rPr>
+              <a:t>label</a:t>
+            </a:r>
+          </a:p>
+        </p:txBody>
+      </p:sp>
+      <p:sp>
+        <p:nvSpPr>
+          <p:cNvPr id="4" name="矩形 3"/>
+          <p:cNvSpPr/>
+          <p:nvPr/>
+        </p:nvSpPr>
+        <p:spPr>
+          <a:xfrm>
+            <a:off x="5288413" y="2507916"/>
+            <a:ext cx="3855587" cy="3231654"/>
+          </a:xfrm>
+          <a:prstGeom prst="rect">
+            <a:avLst/>
+          </a:prstGeom>
+          <a:solidFill>
+            <a:schemeClr val="bg1">
+              <a:lumMod val="95000"/>
+            </a:schemeClr>
+          </a:solidFill>
+        </p:spPr>
+        <p:txBody>
+          <a:bodyPr wrap="square">
+            <a:spAutoFit/>
+          </a:bodyPr>
+          <a:lstStyle/>
+          <a:p>
+            <a:r>
+              <a:rPr lang="en-US" altLang="zh-CN" b="1" dirty="0">
+                <a:latin typeface="Consolas"/>
+                <a:ea typeface="宋体" pitchFamily="2" charset="-122"/>
+                <a:cs typeface="Consolas"/>
+              </a:rPr>
+              <a:t>for</a:t>
+            </a:r>
+            <a:r>
+              <a:rPr lang="en-US" altLang="zh-CN" dirty="0">
+                <a:latin typeface="Consolas"/>
+                <a:ea typeface="宋体" pitchFamily="2" charset="-122"/>
+                <a:cs typeface="Consolas"/>
+              </a:rPr>
+              <a:t>(</a:t>
+            </a:r>
+            <a:r>
+              <a:rPr lang="en-US" altLang="zh-CN" i="1" dirty="0">
+                <a:latin typeface="Consolas"/>
+                <a:ea typeface="宋体" pitchFamily="2" charset="-122"/>
+                <a:cs typeface="Consolas"/>
+              </a:rPr>
+              <a:t>...</a:t>
+            </a:r>
+            <a:r>
+              <a:rPr lang="en-US" altLang="zh-CN" dirty="0">
+                <a:latin typeface="Consolas"/>
+                <a:ea typeface="宋体" pitchFamily="2" charset="-122"/>
+                <a:cs typeface="Consolas"/>
+              </a:rPr>
+              <a:t>) {</a:t>
+            </a:r>
+          </a:p>
+          <a:p>
+            <a:endParaRPr lang="en-US" altLang="zh-CN" sz="400" dirty="0">
+              <a:latin typeface="Consolas"/>
+              <a:ea typeface="宋体" pitchFamily="2" charset="-122"/>
+              <a:cs typeface="Consolas"/>
+            </a:endParaRPr>
+          </a:p>
+          <a:p>
+            <a:r>
+              <a:rPr lang="en-US" altLang="zh-CN" dirty="0">
+                <a:latin typeface="Consolas"/>
+                <a:ea typeface="宋体" pitchFamily="2" charset="-122"/>
+                <a:cs typeface="Consolas"/>
+              </a:rPr>
+              <a:t>	</a:t>
+            </a:r>
+            <a:r>
+              <a:rPr lang="en-US" altLang="zh-CN" b="1" dirty="0">
+                <a:latin typeface="Consolas"/>
+                <a:ea typeface="宋体" pitchFamily="2" charset="-122"/>
+                <a:cs typeface="Consolas"/>
+              </a:rPr>
+              <a:t>for</a:t>
+            </a:r>
+            <a:r>
+              <a:rPr lang="en-US" altLang="zh-CN" dirty="0">
+                <a:latin typeface="Consolas"/>
+                <a:ea typeface="宋体" pitchFamily="2" charset="-122"/>
+                <a:cs typeface="Consolas"/>
+              </a:rPr>
+              <a:t>(</a:t>
+            </a:r>
+            <a:r>
+              <a:rPr lang="en-US" altLang="zh-CN" i="1" dirty="0">
+                <a:latin typeface="Consolas"/>
+                <a:ea typeface="宋体" pitchFamily="2" charset="-122"/>
+                <a:cs typeface="Consolas"/>
+              </a:rPr>
+              <a:t>...</a:t>
+            </a:r>
+            <a:r>
+              <a:rPr lang="en-US" altLang="zh-CN" dirty="0">
+                <a:latin typeface="Consolas"/>
+                <a:ea typeface="宋体" pitchFamily="2" charset="-122"/>
+                <a:cs typeface="Consolas"/>
+              </a:rPr>
+              <a:t>) {</a:t>
+            </a:r>
+          </a:p>
+          <a:p>
+            <a:endParaRPr lang="en-US" altLang="zh-CN" sz="400" dirty="0">
+              <a:latin typeface="Consolas"/>
+              <a:ea typeface="宋体" pitchFamily="2" charset="-122"/>
+              <a:cs typeface="Consolas"/>
+            </a:endParaRPr>
+          </a:p>
+          <a:p>
+            <a:r>
+              <a:rPr lang="en-US" altLang="zh-CN" dirty="0">
+                <a:latin typeface="Consolas"/>
+                <a:ea typeface="宋体" pitchFamily="2" charset="-122"/>
+                <a:cs typeface="Consolas"/>
+              </a:rPr>
+              <a:t>		</a:t>
+            </a:r>
+            <a:r>
+              <a:rPr lang="en-US" altLang="zh-CN" b="1" dirty="0">
+                <a:latin typeface="Consolas"/>
+                <a:ea typeface="宋体" pitchFamily="2" charset="-122"/>
+                <a:cs typeface="Consolas"/>
+              </a:rPr>
+              <a:t>for</a:t>
+            </a:r>
+            <a:r>
+              <a:rPr lang="en-US" altLang="zh-CN" dirty="0">
+                <a:latin typeface="Consolas"/>
+                <a:ea typeface="宋体" pitchFamily="2" charset="-122"/>
+                <a:cs typeface="Consolas"/>
+              </a:rPr>
+              <a:t>(</a:t>
+            </a:r>
+            <a:r>
+              <a:rPr lang="en-US" altLang="zh-CN" i="1" dirty="0">
+                <a:latin typeface="Consolas"/>
+                <a:ea typeface="宋体" pitchFamily="2" charset="-122"/>
+                <a:cs typeface="Consolas"/>
+              </a:rPr>
+              <a:t>...</a:t>
+            </a:r>
+            <a:r>
+              <a:rPr lang="en-US" altLang="zh-CN" dirty="0">
+                <a:latin typeface="Consolas"/>
+                <a:ea typeface="宋体" pitchFamily="2" charset="-122"/>
+                <a:cs typeface="Consolas"/>
+              </a:rPr>
+              <a:t>) {</a:t>
+            </a:r>
+          </a:p>
+          <a:p>
+            <a:endParaRPr lang="en-US" altLang="zh-CN" sz="400" dirty="0">
+              <a:latin typeface="Consolas"/>
+              <a:ea typeface="宋体" pitchFamily="2" charset="-122"/>
+              <a:cs typeface="Consolas"/>
+            </a:endParaRPr>
+          </a:p>
+          <a:p>
+            <a:r>
+              <a:rPr lang="en-US" altLang="zh-CN" dirty="0">
+                <a:latin typeface="Consolas"/>
+                <a:ea typeface="宋体" pitchFamily="2" charset="-122"/>
+                <a:cs typeface="Consolas"/>
+              </a:rPr>
+              <a:t>			</a:t>
+            </a:r>
+            <a:r>
+              <a:rPr lang="en-US" altLang="zh-CN" dirty="0" err="1">
+                <a:latin typeface="Consolas"/>
+                <a:ea typeface="宋体" pitchFamily="2" charset="-122"/>
+                <a:cs typeface="Consolas"/>
+              </a:rPr>
+              <a:t>goto</a:t>
+            </a:r>
+            <a:r>
+              <a:rPr lang="en-US" altLang="zh-CN" dirty="0">
+                <a:latin typeface="Consolas"/>
+                <a:ea typeface="宋体" pitchFamily="2" charset="-122"/>
+                <a:cs typeface="Consolas"/>
+              </a:rPr>
+              <a:t> error</a:t>
+            </a:r>
+          </a:p>
+          <a:p>
+            <a:endParaRPr lang="en-US" altLang="zh-CN" sz="400" dirty="0">
+              <a:latin typeface="Consolas"/>
+              <a:ea typeface="宋体" pitchFamily="2" charset="-122"/>
+              <a:cs typeface="Consolas"/>
+            </a:endParaRPr>
+          </a:p>
+          <a:p>
+            <a:r>
+              <a:rPr lang="en-US" altLang="zh-CN" dirty="0">
+                <a:latin typeface="Consolas"/>
+                <a:ea typeface="宋体" pitchFamily="2" charset="-122"/>
+                <a:cs typeface="Consolas"/>
+              </a:rPr>
+              <a:t>		}</a:t>
+            </a:r>
+          </a:p>
+          <a:p>
+            <a:endParaRPr lang="en-US" altLang="zh-CN" sz="400" dirty="0">
+              <a:latin typeface="Consolas"/>
+              <a:ea typeface="宋体" pitchFamily="2" charset="-122"/>
+              <a:cs typeface="Consolas"/>
+            </a:endParaRPr>
+          </a:p>
+          <a:p>
+            <a:r>
+              <a:rPr lang="en-US" altLang="zh-CN" b="1" dirty="0">
+                <a:latin typeface="Consolas"/>
+                <a:ea typeface="宋体" pitchFamily="2" charset="-122"/>
+                <a:cs typeface="Consolas"/>
+              </a:rPr>
+              <a:t>  	</a:t>
+            </a:r>
+            <a:r>
+              <a:rPr lang="en-US" altLang="zh-CN" dirty="0">
+                <a:latin typeface="Consolas"/>
+                <a:ea typeface="宋体" pitchFamily="2" charset="-122"/>
+                <a:cs typeface="Consolas"/>
+              </a:rPr>
+              <a:t>}</a:t>
+            </a:r>
+          </a:p>
+          <a:p>
+            <a:endParaRPr lang="en-US" altLang="zh-CN" sz="400" b="1" dirty="0">
+              <a:latin typeface="Consolas"/>
+              <a:ea typeface="宋体" pitchFamily="2" charset="-122"/>
+              <a:cs typeface="Consolas"/>
+            </a:endParaRPr>
+          </a:p>
+          <a:p>
+            <a:r>
+              <a:rPr lang="en-US" altLang="zh-CN" dirty="0">
+                <a:latin typeface="Consolas"/>
+                <a:ea typeface="宋体" pitchFamily="2" charset="-122"/>
+                <a:cs typeface="Consolas"/>
+              </a:rPr>
+              <a:t>}</a:t>
+            </a:r>
+          </a:p>
+          <a:p>
+            <a:endParaRPr lang="en-US" altLang="zh-CN" dirty="0">
+              <a:latin typeface="Consolas"/>
+              <a:ea typeface="宋体" pitchFamily="2" charset="-122"/>
+              <a:cs typeface="Consolas"/>
+            </a:endParaRPr>
+          </a:p>
+          <a:p>
+            <a:r>
+              <a:rPr lang="en-US" altLang="zh-CN" b="1" i="1" dirty="0">
+                <a:latin typeface="Consolas"/>
+                <a:ea typeface="宋体" pitchFamily="2" charset="-122"/>
+                <a:cs typeface="Consolas"/>
+              </a:rPr>
+              <a:t>error:</a:t>
+            </a:r>
+          </a:p>
+          <a:p>
+            <a:r>
+              <a:rPr lang="en-US" altLang="zh-CN" dirty="0">
+                <a:latin typeface="Consolas"/>
+                <a:ea typeface="宋体" pitchFamily="2" charset="-122"/>
+                <a:cs typeface="Consolas"/>
+              </a:rPr>
+              <a:t>	code handling error</a:t>
+            </a:r>
+          </a:p>
+        </p:txBody>
+      </p:sp>
+      <p:sp>
+        <p:nvSpPr>
+          <p:cNvPr id="6" name="矩形 3">
+            <a:extLst>
+              <a:ext uri="{FF2B5EF4-FFF2-40B4-BE49-F238E27FC236}">
+                <a16:creationId xmlns:a16="http://schemas.microsoft.com/office/drawing/2014/main" id="{301C640F-5BD7-4693-9F5E-C1B90B4BE16B}"/>
+              </a:ext>
+            </a:extLst>
+          </p:cNvPr>
+          <p:cNvSpPr/>
+          <p:nvPr/>
+        </p:nvSpPr>
+        <p:spPr>
+          <a:xfrm>
+            <a:off x="607553" y="2248695"/>
+            <a:ext cx="3855587" cy="1538883"/>
+          </a:xfrm>
+          <a:prstGeom prst="rect">
+            <a:avLst/>
+          </a:prstGeom>
+        </p:spPr>
+        <p:txBody>
+          <a:bodyPr wrap="square">
+            <a:spAutoFit/>
+          </a:bodyPr>
+          <a:lstStyle/>
+          <a:p>
+            <a:r>
+              <a:rPr lang="en-US" altLang="zh-CN" b="1" dirty="0">
+                <a:latin typeface="Consolas"/>
+                <a:ea typeface="宋体" pitchFamily="2" charset="-122"/>
+                <a:cs typeface="Consolas"/>
+              </a:rPr>
+              <a:t>while </a:t>
+            </a:r>
+            <a:r>
+              <a:rPr lang="en-US" altLang="zh-CN" dirty="0">
+                <a:latin typeface="Consolas"/>
+                <a:ea typeface="宋体" pitchFamily="2" charset="-122"/>
+                <a:cs typeface="Consolas"/>
+              </a:rPr>
+              <a:t>(</a:t>
+            </a:r>
+            <a:r>
+              <a:rPr lang="en-US" altLang="zh-CN" i="1" dirty="0" err="1">
+                <a:latin typeface="Consolas"/>
+                <a:ea typeface="宋体" pitchFamily="2" charset="-122"/>
+                <a:cs typeface="Consolas"/>
+              </a:rPr>
+              <a:t>cond</a:t>
+            </a:r>
+            <a:r>
+              <a:rPr lang="en-US" altLang="zh-CN" dirty="0">
+                <a:latin typeface="Consolas"/>
+                <a:ea typeface="宋体" pitchFamily="2" charset="-122"/>
+                <a:cs typeface="Consolas"/>
+              </a:rPr>
+              <a:t>) {</a:t>
+            </a:r>
+          </a:p>
+          <a:p>
+            <a:endParaRPr lang="en-US" altLang="zh-CN" sz="400" dirty="0">
+              <a:latin typeface="Consolas"/>
+              <a:ea typeface="宋体" pitchFamily="2" charset="-122"/>
+              <a:cs typeface="Consolas"/>
+            </a:endParaRPr>
+          </a:p>
+          <a:p>
+            <a:r>
+              <a:rPr lang="en-US" altLang="zh-CN" dirty="0">
+                <a:latin typeface="Consolas"/>
+                <a:ea typeface="宋体" pitchFamily="2" charset="-122"/>
+                <a:cs typeface="Consolas"/>
+              </a:rPr>
+              <a:t>	...</a:t>
+            </a:r>
+            <a:endParaRPr lang="en-US" altLang="zh-CN" sz="400" b="1" dirty="0">
+              <a:latin typeface="Consolas"/>
+              <a:ea typeface="宋体" pitchFamily="2" charset="-122"/>
+              <a:cs typeface="Consolas"/>
+            </a:endParaRPr>
+          </a:p>
+          <a:p>
+            <a:r>
+              <a:rPr lang="en-US" altLang="zh-CN" dirty="0">
+                <a:latin typeface="Consolas"/>
+                <a:ea typeface="宋体" pitchFamily="2" charset="-122"/>
+                <a:cs typeface="Consolas"/>
+              </a:rPr>
+              <a:t>}</a:t>
+            </a:r>
+          </a:p>
+          <a:p>
+            <a:r>
+              <a:rPr lang="en-US" altLang="zh-CN" dirty="0">
+                <a:latin typeface="Consolas"/>
+                <a:ea typeface="宋体" pitchFamily="2" charset="-122"/>
+                <a:cs typeface="Consolas"/>
+              </a:rPr>
+              <a:t>B:</a:t>
+            </a:r>
+          </a:p>
+          <a:p>
+            <a:r>
+              <a:rPr lang="en-US" altLang="zh-CN" dirty="0">
+                <a:latin typeface="Consolas"/>
+                <a:ea typeface="宋体" pitchFamily="2" charset="-122"/>
+                <a:cs typeface="Consolas"/>
+              </a:rPr>
+              <a:t>...</a:t>
+            </a:r>
+          </a:p>
+        </p:txBody>
+      </p:sp>
+      <p:sp>
+        <p:nvSpPr>
+          <p:cNvPr id="8" name="矩形 3">
+            <a:extLst>
+              <a:ext uri="{FF2B5EF4-FFF2-40B4-BE49-F238E27FC236}">
+                <a16:creationId xmlns:a16="http://schemas.microsoft.com/office/drawing/2014/main" id="{A9DDE984-1D3D-4C01-8370-20DEF038A03A}"/>
+              </a:ext>
+            </a:extLst>
+          </p:cNvPr>
+          <p:cNvSpPr/>
+          <p:nvPr/>
+        </p:nvSpPr>
+        <p:spPr>
+          <a:xfrm>
+            <a:off x="607554" y="4715594"/>
+            <a:ext cx="3855587" cy="1815882"/>
+          </a:xfrm>
+          <a:prstGeom prst="rect">
+            <a:avLst/>
+          </a:prstGeom>
+        </p:spPr>
+        <p:txBody>
+          <a:bodyPr wrap="square">
+            <a:spAutoFit/>
+          </a:bodyPr>
+          <a:lstStyle/>
+          <a:p>
+            <a:r>
+              <a:rPr lang="en-US" altLang="zh-CN" b="1" dirty="0">
+                <a:latin typeface="Consolas"/>
+                <a:ea typeface="宋体" pitchFamily="2" charset="-122"/>
+                <a:cs typeface="Consolas"/>
+              </a:rPr>
+              <a:t>A:</a:t>
+            </a:r>
+          </a:p>
+          <a:p>
+            <a:r>
+              <a:rPr lang="en-US" altLang="zh-CN" b="1" dirty="0">
+                <a:latin typeface="Consolas"/>
+                <a:ea typeface="宋体" pitchFamily="2" charset="-122"/>
+                <a:cs typeface="Consolas"/>
+              </a:rPr>
+              <a:t> if </a:t>
+            </a:r>
+            <a:r>
+              <a:rPr lang="en-US" altLang="zh-CN" dirty="0">
+                <a:latin typeface="Consolas"/>
+                <a:ea typeface="宋体" pitchFamily="2" charset="-122"/>
+                <a:cs typeface="Consolas"/>
+              </a:rPr>
+              <a:t>(</a:t>
+            </a:r>
+            <a:r>
+              <a:rPr lang="en-US" altLang="zh-CN" i="1" dirty="0" err="1">
+                <a:latin typeface="Consolas"/>
+                <a:ea typeface="宋体" pitchFamily="2" charset="-122"/>
+                <a:cs typeface="Consolas"/>
+              </a:rPr>
+              <a:t>cond</a:t>
+            </a:r>
+            <a:r>
+              <a:rPr lang="en-US" altLang="zh-CN" i="1" dirty="0">
+                <a:latin typeface="Consolas"/>
+                <a:ea typeface="宋体" pitchFamily="2" charset="-122"/>
+                <a:cs typeface="Consolas"/>
+              </a:rPr>
+              <a:t> = false</a:t>
+            </a:r>
+            <a:r>
+              <a:rPr lang="en-US" altLang="zh-CN" dirty="0">
+                <a:latin typeface="Consolas"/>
+                <a:ea typeface="宋体" pitchFamily="2" charset="-122"/>
+                <a:cs typeface="Consolas"/>
+              </a:rPr>
+              <a:t>) </a:t>
+            </a:r>
+            <a:r>
+              <a:rPr lang="en-US" altLang="zh-CN" dirty="0" err="1">
+                <a:latin typeface="Consolas"/>
+                <a:ea typeface="宋体" pitchFamily="2" charset="-122"/>
+                <a:cs typeface="Consolas"/>
+              </a:rPr>
+              <a:t>goto</a:t>
+            </a:r>
+            <a:r>
+              <a:rPr lang="en-US" altLang="zh-CN" dirty="0">
+                <a:latin typeface="Consolas"/>
+                <a:ea typeface="宋体" pitchFamily="2" charset="-122"/>
+                <a:cs typeface="Consolas"/>
+              </a:rPr>
+              <a:t> B;</a:t>
+            </a:r>
+          </a:p>
+          <a:p>
+            <a:endParaRPr lang="en-US" altLang="zh-CN" sz="400" dirty="0">
+              <a:latin typeface="Consolas"/>
+              <a:ea typeface="宋体" pitchFamily="2" charset="-122"/>
+              <a:cs typeface="Consolas"/>
+            </a:endParaRPr>
+          </a:p>
+          <a:p>
+            <a:r>
+              <a:rPr lang="en-US" altLang="zh-CN" dirty="0">
+                <a:latin typeface="Consolas"/>
+                <a:ea typeface="宋体" pitchFamily="2" charset="-122"/>
+                <a:cs typeface="Consolas"/>
+              </a:rPr>
+              <a:t> ...</a:t>
+            </a:r>
+          </a:p>
+          <a:p>
+            <a:r>
+              <a:rPr lang="en-US" altLang="zh-CN" dirty="0">
+                <a:latin typeface="Consolas"/>
+                <a:ea typeface="宋体" pitchFamily="2" charset="-122"/>
+                <a:cs typeface="Consolas"/>
+              </a:rPr>
+              <a:t> </a:t>
+            </a:r>
+            <a:r>
+              <a:rPr lang="en-US" altLang="zh-CN" dirty="0" err="1">
+                <a:latin typeface="Consolas"/>
+                <a:ea typeface="宋体" pitchFamily="2" charset="-122"/>
+                <a:cs typeface="Consolas"/>
+              </a:rPr>
+              <a:t>goto</a:t>
+            </a:r>
+            <a:r>
+              <a:rPr lang="en-US" altLang="zh-CN" dirty="0">
+                <a:latin typeface="Consolas"/>
+                <a:ea typeface="宋体" pitchFamily="2" charset="-122"/>
+                <a:cs typeface="Consolas"/>
+              </a:rPr>
+              <a:t> A</a:t>
+            </a:r>
+          </a:p>
+          <a:p>
+            <a:r>
+              <a:rPr lang="en-US" altLang="zh-CN" dirty="0">
+                <a:latin typeface="Consolas"/>
+                <a:ea typeface="宋体" pitchFamily="2" charset="-122"/>
+                <a:cs typeface="Consolas"/>
+              </a:rPr>
+              <a:t>B:</a:t>
+            </a:r>
+          </a:p>
+          <a:p>
+            <a:r>
+              <a:rPr lang="en-US" altLang="zh-CN" dirty="0">
+                <a:latin typeface="Consolas"/>
+                <a:ea typeface="宋体" pitchFamily="2" charset="-122"/>
+                <a:cs typeface="Consolas"/>
+              </a:rPr>
+              <a:t> ...</a:t>
+            </a:r>
+          </a:p>
+        </p:txBody>
+      </p:sp>
+      <p:sp>
+        <p:nvSpPr>
+          <p:cNvPr id="9" name="Arrow: Down 8">
+            <a:extLst>
+              <a:ext uri="{FF2B5EF4-FFF2-40B4-BE49-F238E27FC236}">
+                <a16:creationId xmlns:a16="http://schemas.microsoft.com/office/drawing/2014/main" id="{39DC62B7-23B8-453A-A072-FC09EDA8CD2D}"/>
+              </a:ext>
+            </a:extLst>
+          </p:cNvPr>
+          <p:cNvSpPr/>
+          <p:nvPr/>
+        </p:nvSpPr>
+        <p:spPr>
+          <a:xfrm>
+            <a:off x="761485" y="3964010"/>
+            <a:ext cx="553616" cy="646331"/>
+          </a:xfrm>
+          <a:prstGeom prst="downArrow">
+            <a:avLst/>
+          </a:prstGeom>
+          <a:solidFill>
+            <a:srgbClr val="00B0F0"/>
+          </a:solidFill>
+          <a:ln w="28575">
+            <a:solidFill>
+              <a:schemeClr val="bg2">
+                <a:lumMod val="25000"/>
+              </a:schemeClr>
+            </a:solidFill>
+          </a:ln>
+        </p:spPr>
+        <p:style>
+          <a:lnRef idx="2">
+            <a:schemeClr val="accent1">
+              <a:shade val="50000"/>
+            </a:schemeClr>
+          </a:lnRef>
+          <a:fillRef idx="1">
+            <a:schemeClr val="accent1"/>
+          </a:fillRef>
+          <a:effectRef idx="0">
+            <a:schemeClr val="accent1"/>
+          </a:effectRef>
+          <a:fontRef idx="minor">
+            <a:schemeClr val="lt1"/>
+          </a:fontRef>
+        </p:style>
+        <p:txBody>
+          <a:bodyPr rtlCol="0" anchor="ctr"/>
+          <a:lstStyle/>
+          <a:p>
+            <a:pPr algn="ctr"/>
+            <a:endParaRPr lang="en-US"/>
+          </a:p>
+        </p:txBody>
+      </p:sp>
+      <p:sp>
+        <p:nvSpPr>
+          <p:cNvPr id="10" name="TextBox 9">
+            <a:extLst>
+              <a:ext uri="{FF2B5EF4-FFF2-40B4-BE49-F238E27FC236}">
+                <a16:creationId xmlns:a16="http://schemas.microsoft.com/office/drawing/2014/main" id="{57E7018A-5D57-43E6-B3F4-C536EE169AE7}"/>
+              </a:ext>
+            </a:extLst>
+          </p:cNvPr>
+          <p:cNvSpPr txBox="1"/>
+          <p:nvPr/>
+        </p:nvSpPr>
+        <p:spPr>
+          <a:xfrm>
+            <a:off x="1467239" y="3851436"/>
+            <a:ext cx="3336683" cy="646331"/>
+          </a:xfrm>
+          <a:prstGeom prst="rect">
+            <a:avLst/>
+          </a:prstGeom>
+          <a:noFill/>
+        </p:spPr>
+        <p:txBody>
+          <a:bodyPr wrap="none" rtlCol="0">
+            <a:spAutoFit/>
+          </a:bodyPr>
+          <a:lstStyle/>
+          <a:p>
+            <a:r>
+              <a:rPr lang="en-US" dirty="0"/>
+              <a:t>Any control flow primitive can be </a:t>
+            </a:r>
+          </a:p>
+          <a:p>
+            <a:r>
+              <a:rPr lang="en-US" dirty="0"/>
+              <a:t>expressed as a bunch of </a:t>
+            </a:r>
+            <a:r>
+              <a:rPr lang="en-US" dirty="0" err="1"/>
+              <a:t>goto’s</a:t>
+            </a:r>
+            <a:r>
+              <a:rPr lang="en-US" dirty="0"/>
+              <a:t>.</a:t>
+            </a:r>
+          </a:p>
+        </p:txBody>
+      </p:sp>
+      <p:cxnSp>
+        <p:nvCxnSpPr>
+          <p:cNvPr id="12" name="Straight Connector 11">
+            <a:extLst>
+              <a:ext uri="{FF2B5EF4-FFF2-40B4-BE49-F238E27FC236}">
+                <a16:creationId xmlns:a16="http://schemas.microsoft.com/office/drawing/2014/main" id="{014EFCE3-D324-46DC-8D7A-E03F2570E4D4}"/>
+              </a:ext>
+            </a:extLst>
+          </p:cNvPr>
+          <p:cNvCxnSpPr/>
+          <p:nvPr/>
+        </p:nvCxnSpPr>
+        <p:spPr>
+          <a:xfrm>
+            <a:off x="4691219" y="1691951"/>
+            <a:ext cx="0" cy="4988767"/>
+          </a:xfrm>
+          <a:prstGeom prst="line">
+            <a:avLst/>
+          </a:prstGeom>
+          <a:ln>
+            <a:prstDash val="dash"/>
+          </a:ln>
+        </p:spPr>
+        <p:style>
+          <a:lnRef idx="1">
+            <a:schemeClr val="accent1"/>
+          </a:lnRef>
+          <a:fillRef idx="0">
+            <a:schemeClr val="accent1"/>
+          </a:fillRef>
+          <a:effectRef idx="0">
+            <a:schemeClr val="accent1"/>
+          </a:effectRef>
+          <a:fontRef idx="minor">
+            <a:schemeClr val="tx1"/>
+          </a:fontRef>
+        </p:style>
+      </p:cxnSp>
+      <p:grpSp>
+        <p:nvGrpSpPr>
+          <p:cNvPr id="17" name="Group 16">
+            <a:extLst>
+              <a:ext uri="{FF2B5EF4-FFF2-40B4-BE49-F238E27FC236}">
+                <a16:creationId xmlns:a16="http://schemas.microsoft.com/office/drawing/2014/main" id="{9D05B2CE-D9FE-41F7-A68E-56F15315AB9D}"/>
+              </a:ext>
+            </a:extLst>
+          </p:cNvPr>
+          <p:cNvGrpSpPr/>
+          <p:nvPr/>
+        </p:nvGrpSpPr>
+        <p:grpSpPr>
+          <a:xfrm>
+            <a:off x="4892336" y="5822302"/>
+            <a:ext cx="4248535" cy="844852"/>
+            <a:chOff x="4892336" y="5822302"/>
+            <a:chExt cx="4248535" cy="844852"/>
+          </a:xfrm>
+        </p:grpSpPr>
+        <p:sp>
+          <p:nvSpPr>
+            <p:cNvPr id="14" name="TextBox 13">
+              <a:extLst>
+                <a:ext uri="{FF2B5EF4-FFF2-40B4-BE49-F238E27FC236}">
+                  <a16:creationId xmlns:a16="http://schemas.microsoft.com/office/drawing/2014/main" id="{677290C8-E25B-4C4E-A2D7-5C3F55F611E4}"/>
+                </a:ext>
+              </a:extLst>
+            </p:cNvPr>
+            <p:cNvSpPr txBox="1"/>
+            <p:nvPr/>
+          </p:nvSpPr>
+          <p:spPr>
+            <a:xfrm>
+              <a:off x="4892336" y="6297822"/>
+              <a:ext cx="4248535" cy="369332"/>
+            </a:xfrm>
+            <a:prstGeom prst="rect">
+              <a:avLst/>
+            </a:prstGeom>
+            <a:noFill/>
+          </p:spPr>
+          <p:txBody>
+            <a:bodyPr wrap="none" rtlCol="0">
+              <a:spAutoFit/>
+            </a:bodyPr>
+            <a:lstStyle/>
+            <a:p>
+              <a:r>
+                <a:rPr lang="en-US" dirty="0"/>
+                <a:t>The only acceptable scenario for using </a:t>
+              </a:r>
+              <a:r>
+                <a:rPr lang="en-US" dirty="0" err="1"/>
+                <a:t>goto</a:t>
+              </a:r>
+              <a:endParaRPr lang="en-US" dirty="0"/>
+            </a:p>
+          </p:txBody>
+        </p:sp>
+        <p:cxnSp>
+          <p:nvCxnSpPr>
+            <p:cNvPr id="16" name="Straight Arrow Connector 15">
+              <a:extLst>
+                <a:ext uri="{FF2B5EF4-FFF2-40B4-BE49-F238E27FC236}">
+                  <a16:creationId xmlns:a16="http://schemas.microsoft.com/office/drawing/2014/main" id="{EEEF485F-5EAE-490C-9841-D916034816C4}"/>
+                </a:ext>
+              </a:extLst>
+            </p:cNvPr>
+            <p:cNvCxnSpPr/>
+            <p:nvPr/>
+          </p:nvCxnSpPr>
+          <p:spPr>
+            <a:xfrm flipV="1">
+              <a:off x="5480180" y="5822302"/>
+              <a:ext cx="279918" cy="372101"/>
+            </a:xfrm>
+            <a:prstGeom prst="straightConnector1">
+              <a:avLst/>
+            </a:prstGeom>
+            <a:ln>
+              <a:tailEnd type="triangle"/>
+            </a:ln>
+          </p:spPr>
+          <p:style>
+            <a:lnRef idx="1">
+              <a:schemeClr val="accent1"/>
+            </a:lnRef>
+            <a:fillRef idx="0">
+              <a:schemeClr val="accent1"/>
+            </a:fillRef>
+            <a:effectRef idx="0">
+              <a:schemeClr val="accent1"/>
+            </a:effectRef>
+            <a:fontRef idx="minor">
+              <a:schemeClr val="tx1"/>
+            </a:fontRef>
+          </p:style>
+        </p:cxnSp>
+      </p:grpSp>
+    </p:spTree>
+    <p:extLst>
+      <p:ext uri="{BB962C8B-B14F-4D97-AF65-F5344CB8AC3E}">
+        <p14:creationId xmlns:p14="http://schemas.microsoft.com/office/powerpoint/2010/main" val="3535806375"/>
+      </p:ext>
+    </p:extLst>
+  </p:cSld>
+  <p:clrMapOvr>
+    <a:masterClrMapping/>
+  </p:clrMapOvr>
+  <p:timing>
+    <p:tnLst>
+      <p:par>
+        <p:cTn id="1" dur="indefinite" restart="never" nodeType="tmRoot">
+          <p:childTnLst>
+            <p:seq concurrent="1" nextAc="seek">
+              <p:cTn id="2" dur="indefinite" nodeType="mainSeq">
+                <p:childTnLst>
+                  <p:par>
+                    <p:cTn id="3" fill="hold">
+                      <p:stCondLst>
+                        <p:cond delay="indefinite"/>
+                      </p:stCondLst>
+                      <p:childTnLst>
+                        <p:par>
+                          <p:cTn id="4" fill="hold">
+                            <p:stCondLst>
+                              <p:cond delay="0"/>
+                            </p:stCondLst>
+                            <p:childTnLst>
+                              <p:par>
+                                <p:cTn id="5" presetID="1" presetClass="entr" presetSubtype="0" fill="hold" grpId="0" nodeType="clickEffect">
+                                  <p:stCondLst>
+                                    <p:cond delay="0"/>
+                                  </p:stCondLst>
+                                  <p:childTnLst>
+                                    <p:set>
+                                      <p:cBhvr>
+                                        <p:cTn id="6" dur="1" fill="hold">
+                                          <p:stCondLst>
+                                            <p:cond delay="0"/>
+                                          </p:stCondLst>
+                                        </p:cTn>
+                                        <p:tgtEl>
+                                          <p:spTgt spid="4"/>
+                                        </p:tgtEl>
+                                        <p:attrNameLst>
+                                          <p:attrName>style.visibility</p:attrName>
+                                        </p:attrNameLst>
+                                      </p:cBhvr>
+                                      <p:to>
+                                        <p:strVal val="visible"/>
+                                      </p:to>
+                                    </p:set>
+                                  </p:childTnLst>
+                                </p:cTn>
+                              </p:par>
+                            </p:childTnLst>
+                          </p:cTn>
+                        </p:par>
+                      </p:childTnLst>
+                    </p:cTn>
+                  </p:par>
+                  <p:par>
+                    <p:cTn id="7" fill="hold">
+                      <p:stCondLst>
+                        <p:cond delay="indefinite"/>
+                      </p:stCondLst>
+                      <p:childTnLst>
+                        <p:par>
+                          <p:cTn id="8" fill="hold">
+                            <p:stCondLst>
+                              <p:cond delay="0"/>
+                            </p:stCondLst>
+                            <p:childTnLst>
+                              <p:par>
+                                <p:cTn id="9" presetID="1" presetClass="entr" presetSubtype="0" fill="hold" nodeType="clickEffect">
+                                  <p:stCondLst>
+                                    <p:cond delay="0"/>
+                                  </p:stCondLst>
+                                  <p:childTnLst>
+                                    <p:set>
+                                      <p:cBhvr>
+                                        <p:cTn id="10" dur="1" fill="hold">
+                                          <p:stCondLst>
+                                            <p:cond delay="0"/>
+                                          </p:stCondLst>
+                                        </p:cTn>
+                                        <p:tgtEl>
+                                          <p:spTgt spid="17"/>
+                                        </p:tgtEl>
+                                        <p:attrNameLst>
+                                          <p:attrName>style.visibility</p:attrName>
+                                        </p:attrNameLst>
+                                      </p:cBhvr>
+                                      <p:to>
+                                        <p:strVal val="visible"/>
+                                      </p:to>
+                                    </p:set>
+                                  </p:childTnLst>
+                                </p:cTn>
+                              </p:par>
+                            </p:childTnLst>
+                          </p:cTn>
+                        </p:par>
+                      </p:childTnLst>
+                    </p:cTn>
+                  </p:par>
+                </p:childTnLst>
+              </p:cTn>
+              <p:prevCondLst>
+                <p:cond evt="onPrev" delay="0">
+                  <p:tgtEl>
+                    <p:sldTgt/>
+                  </p:tgtEl>
+                </p:cond>
+              </p:prevCondLst>
+              <p:nextCondLst>
+                <p:cond evt="onNext" delay="0">
+                  <p:tgtEl>
+                    <p:sldTgt/>
+                  </p:tgtEl>
+                </p:cond>
+              </p:nextCondLst>
+            </p:seq>
+          </p:childTnLst>
+        </p:cTn>
+      </p:par>
+    </p:tnLst>
+    <p:bldLst>
+      <p:bldP spid="4" grpId="0" animBg="1"/>
+    </p:bldLst>
+  </p:timing>
+</p:sld>
+</file>
+
+<file path=ppt/slides/slide31.xml><?xml version="1.0" encoding="utf-8"?>
+<p:sld xmlns:a="http://schemas.openxmlformats.org/drawingml/2006/main" xmlns:r="http://schemas.openxmlformats.org/officeDocument/2006/relationships" xmlns:p="http://schemas.openxmlformats.org/presentationml/2006/main">
+  <p:cSld>
+    <p:spTree>
+      <p:nvGrpSpPr>
+        <p:cNvPr id="1" name=""/>
+        <p:cNvGrpSpPr/>
+        <p:nvPr/>
+      </p:nvGrpSpPr>
+      <p:grpSpPr>
+        <a:xfrm>
+          <a:off x="0" y="0"/>
+          <a:ext cx="0" cy="0"/>
+          <a:chOff x="0" y="0"/>
+          <a:chExt cx="0" cy="0"/>
+        </a:xfrm>
+      </p:grpSpPr>
+      <p:sp>
+        <p:nvSpPr>
           <p:cNvPr id="2" name="Title 1"/>
           <p:cNvSpPr>
             <a:spLocks noGrp="1"/>
@@ -17458,7 +19002,7 @@
 </p:sld>
 </file>
 
-<file path=ppt/slides/slide31.xml><?xml version="1.0" encoding="utf-8"?>
+<file path=ppt/slides/slide32.xml><?xml version="1.0" encoding="utf-8"?>
 <p:sld xmlns:a="http://schemas.openxmlformats.org/drawingml/2006/main" xmlns:r="http://schemas.openxmlformats.org/officeDocument/2006/relationships" xmlns:p="http://schemas.openxmlformats.org/presentationml/2006/main">
   <p:cSld>
     <p:spTree>
@@ -17548,7 +19092,7 @@
 </p:sld>
 </file>
 
-<file path=ppt/slides/slide32.xml><?xml version="1.0" encoding="utf-8"?>
+<file path=ppt/slides/slide33.xml><?xml version="1.0" encoding="utf-8"?>
 <p:sld xmlns:a="http://schemas.openxmlformats.org/drawingml/2006/main" xmlns:r="http://schemas.openxmlformats.org/officeDocument/2006/relationships" xmlns:p="http://schemas.openxmlformats.org/presentationml/2006/main">
   <p:cSld>
     <p:spTree>
@@ -17674,170 +19218,6 @@
     <p:extLst>
       <p:ext uri="{BB962C8B-B14F-4D97-AF65-F5344CB8AC3E}">
         <p14:creationId xmlns:p14="http://schemas.microsoft.com/office/powerpoint/2010/main" val="3657704657"/>
-      </p:ext>
-    </p:extLst>
-  </p:cSld>
-  <p:clrMapOvr>
-    <a:masterClrMapping/>
-  </p:clrMapOvr>
-</p:sld>
-</file>
-
-<file path=ppt/slides/slide33.xml><?xml version="1.0" encoding="utf-8"?>
-<p:sld xmlns:a="http://schemas.openxmlformats.org/drawingml/2006/main" xmlns:r="http://schemas.openxmlformats.org/officeDocument/2006/relationships" xmlns:p="http://schemas.openxmlformats.org/presentationml/2006/main" show="0">
-  <p:cSld>
-    <p:spTree>
-      <p:nvGrpSpPr>
-        <p:cNvPr id="1" name=""/>
-        <p:cNvGrpSpPr/>
-        <p:nvPr/>
-      </p:nvGrpSpPr>
-      <p:grpSpPr>
-        <a:xfrm>
-          <a:off x="0" y="0"/>
-          <a:ext cx="0" cy="0"/>
-          <a:chOff x="0" y="0"/>
-          <a:chExt cx="0" cy="0"/>
-        </a:xfrm>
-      </p:grpSpPr>
-      <p:sp>
-        <p:nvSpPr>
-          <p:cNvPr id="2" name="标题 1"/>
-          <p:cNvSpPr>
-            <a:spLocks noGrp="1"/>
-          </p:cNvSpPr>
-          <p:nvPr>
-            <p:ph type="title"/>
-          </p:nvPr>
-        </p:nvSpPr>
-        <p:spPr/>
-        <p:txBody>
-          <a:bodyPr/>
-          <a:lstStyle/>
-          <a:p>
-            <a:r>
-              <a:rPr kumimoji="1" lang="en-US" altLang="zh-CN" dirty="0"/>
-              <a:t>Exercises</a:t>
-            </a:r>
-            <a:endParaRPr kumimoji="1" lang="zh-CN" altLang="en-US" dirty="0"/>
-          </a:p>
-        </p:txBody>
-      </p:sp>
-      <p:sp>
-        <p:nvSpPr>
-          <p:cNvPr id="3" name="内容占位符 2"/>
-          <p:cNvSpPr>
-            <a:spLocks noGrp="1"/>
-          </p:cNvSpPr>
-          <p:nvPr>
-            <p:ph idx="1"/>
-          </p:nvPr>
-        </p:nvSpPr>
-        <p:spPr/>
-        <p:txBody>
-          <a:bodyPr/>
-          <a:lstStyle/>
-          <a:p>
-            <a:pPr marL="0" indent="0">
-              <a:buNone/>
-            </a:pPr>
-            <a:r>
-              <a:rPr kumimoji="1" lang="en-US" altLang="zh-CN" dirty="0"/>
-              <a:t>Given a number, write a function to decide if it is even? </a:t>
-            </a:r>
-          </a:p>
-          <a:p>
-            <a:pPr marL="0" indent="0">
-              <a:buNone/>
-            </a:pPr>
-            <a:endParaRPr kumimoji="1" lang="en-US" altLang="zh-CN" dirty="0"/>
-          </a:p>
-          <a:p>
-            <a:pPr marL="0" indent="0">
-              <a:buNone/>
-            </a:pPr>
-            <a:endParaRPr kumimoji="1" lang="zh-CN" altLang="en-US" dirty="0"/>
-          </a:p>
-        </p:txBody>
-      </p:sp>
-      <p:sp>
-        <p:nvSpPr>
-          <p:cNvPr id="4" name="矩形 3"/>
-          <p:cNvSpPr/>
-          <p:nvPr/>
-        </p:nvSpPr>
-        <p:spPr>
-          <a:xfrm>
-            <a:off x="802506" y="3180858"/>
-            <a:ext cx="5479868" cy="1384995"/>
-          </a:xfrm>
-          <a:prstGeom prst="rect">
-            <a:avLst/>
-          </a:prstGeom>
-        </p:spPr>
-        <p:txBody>
-          <a:bodyPr wrap="square">
-            <a:spAutoFit/>
-          </a:bodyPr>
-          <a:lstStyle/>
-          <a:p>
-            <a:r>
-              <a:rPr lang="en-US" altLang="zh-CN" sz="2800" dirty="0" err="1">
-                <a:latin typeface="Consolas"/>
-                <a:cs typeface="Consolas"/>
-              </a:rPr>
-              <a:t>bool</a:t>
-            </a:r>
-            <a:r>
-              <a:rPr lang="en-US" altLang="zh-CN" sz="2800" dirty="0">
-                <a:latin typeface="Consolas"/>
-                <a:cs typeface="Consolas"/>
-              </a:rPr>
-              <a:t> </a:t>
-            </a:r>
-            <a:r>
-              <a:rPr lang="en-US" altLang="zh-CN" sz="2800" dirty="0" err="1">
-                <a:latin typeface="Consolas"/>
-                <a:cs typeface="Consolas"/>
-              </a:rPr>
-              <a:t>isEven</a:t>
-            </a:r>
-            <a:r>
-              <a:rPr lang="en-US" altLang="zh-CN" sz="2800" dirty="0">
-                <a:latin typeface="Consolas"/>
-                <a:cs typeface="Consolas"/>
-              </a:rPr>
-              <a:t>(int n) {</a:t>
-            </a:r>
-          </a:p>
-          <a:p>
-            <a:r>
-              <a:rPr lang="en-US" altLang="zh-CN" sz="2800" dirty="0">
-                <a:latin typeface="Consolas"/>
-                <a:cs typeface="Consolas"/>
-              </a:rPr>
-              <a:t>    </a:t>
-            </a:r>
-          </a:p>
-          <a:p>
-            <a:r>
-              <a:rPr lang="en-US" altLang="zh-CN" sz="2800" dirty="0">
-                <a:latin typeface="Consolas"/>
-                <a:cs typeface="Consolas"/>
-              </a:rPr>
-              <a:t>}</a:t>
-            </a:r>
-            <a:endParaRPr lang="zh-CN" altLang="en-US" sz="2800" dirty="0">
-              <a:latin typeface="Consolas"/>
-              <a:cs typeface="Consolas"/>
-            </a:endParaRPr>
-          </a:p>
-        </p:txBody>
-      </p:sp>
-    </p:spTree>
-    <p:extLst>
-      <p:ext uri="{BB962C8B-B14F-4D97-AF65-F5344CB8AC3E}">
-        <p14:creationId xmlns:p14="http://schemas.microsoft.com/office/powerpoint/2010/main" val="3882139285"/>
       </p:ext>
     </p:extLst>
   </p:cSld>
@@ -17933,7 +19313,7 @@
         <p:spPr>
           <a:xfrm>
             <a:off x="802506" y="3180858"/>
-            <a:ext cx="5479868" cy="1877437"/>
+            <a:ext cx="5479868" cy="1384995"/>
           </a:xfrm>
           <a:prstGeom prst="rect">
             <a:avLst/>
@@ -17975,25 +19355,13 @@
             </a:r>
           </a:p>
           <a:p>
-            <a:endParaRPr lang="en-US" altLang="zh-CN" sz="1600" dirty="0">
-              <a:latin typeface="Consolas"/>
-              <a:cs typeface="Consolas"/>
-            </a:endParaRPr>
-          </a:p>
-          <a:p>
             <a:r>
               <a:rPr lang="en-US" altLang="zh-CN" sz="2800" dirty="0">
                 <a:latin typeface="Consolas"/>
                 <a:cs typeface="Consolas"/>
               </a:rPr>
-              <a:t>  return (n &amp; 0x1) == 0;</a:t>
-            </a:r>
-          </a:p>
-          <a:p>
-            <a:endParaRPr lang="en-US" altLang="zh-CN" sz="1600" dirty="0">
-              <a:latin typeface="Consolas"/>
-              <a:cs typeface="Consolas"/>
-            </a:endParaRPr>
+              <a:t>    </a:t>
+            </a:r>
           </a:p>
           <a:p>
             <a:r>
@@ -18013,7 +19381,7 @@
     </p:spTree>
     <p:extLst>
       <p:ext uri="{BB962C8B-B14F-4D97-AF65-F5344CB8AC3E}">
-        <p14:creationId xmlns:p14="http://schemas.microsoft.com/office/powerpoint/2010/main" val="789144896"/>
+        <p14:creationId xmlns:p14="http://schemas.microsoft.com/office/powerpoint/2010/main" val="3882139285"/>
       </p:ext>
     </p:extLst>
   </p:cSld>
@@ -18162,7 +19530,7 @@
                 <a:latin typeface="Consolas"/>
                 <a:cs typeface="Consolas"/>
               </a:rPr>
-              <a:t>  return (n % 2) == 0;</a:t>
+              <a:t>  return (n &amp; 0x1) == 0;</a:t>
             </a:r>
           </a:p>
           <a:p>
@@ -18189,7 +19557,7 @@
     </p:spTree>
     <p:extLst>
       <p:ext uri="{BB962C8B-B14F-4D97-AF65-F5344CB8AC3E}">
-        <p14:creationId xmlns:p14="http://schemas.microsoft.com/office/powerpoint/2010/main" val="3623879904"/>
+        <p14:creationId xmlns:p14="http://schemas.microsoft.com/office/powerpoint/2010/main" val="789144896"/>
       </p:ext>
     </p:extLst>
   </p:cSld>
@@ -18259,7 +19627,7 @@
             </a:pPr>
             <a:r>
               <a:rPr kumimoji="1" lang="en-US" altLang="zh-CN" dirty="0"/>
-              <a:t>Given a number, write a function to decide if it is a power of two? </a:t>
+              <a:t>Given a number, write a function to decide if it is even? </a:t>
             </a:r>
           </a:p>
           <a:p>
@@ -18278,14 +19646,14 @@
       </p:sp>
       <p:sp>
         <p:nvSpPr>
-          <p:cNvPr id="5" name="矩形 4"/>
+          <p:cNvPr id="4" name="矩形 3"/>
           <p:cNvSpPr/>
           <p:nvPr/>
         </p:nvSpPr>
         <p:spPr>
           <a:xfrm>
-            <a:off x="544017" y="3282000"/>
-            <a:ext cx="8344971" cy="1384995"/>
+            <a:off x="802506" y="3180858"/>
+            <a:ext cx="5479868" cy="1877437"/>
           </a:xfrm>
           <a:prstGeom prst="rect">
             <a:avLst/>
@@ -18316,32 +19684,33 @@
                 <a:latin typeface="Consolas"/>
                 <a:cs typeface="Consolas"/>
               </a:rPr>
-              <a:t>isPowerOfTwo</a:t>
+              <a:t>isEven</a:t>
             </a:r>
             <a:r>
               <a:rPr lang="en-US" altLang="zh-CN" sz="2800" dirty="0">
                 <a:latin typeface="Consolas"/>
                 <a:cs typeface="Consolas"/>
               </a:rPr>
-              <a:t>(unsigned </a:t>
-            </a:r>
-            <a:r>
-              <a:rPr lang="en-US" altLang="zh-CN" sz="2800" dirty="0" err="1">
-                <a:latin typeface="Consolas"/>
-                <a:cs typeface="Consolas"/>
-              </a:rPr>
-              <a:t>int</a:t>
-            </a:r>
+              <a:t>(int n) {</a:t>
+            </a:r>
+          </a:p>
+          <a:p>
+            <a:endParaRPr lang="en-US" altLang="zh-CN" sz="1600" dirty="0">
+              <a:latin typeface="Consolas"/>
+              <a:cs typeface="Consolas"/>
+            </a:endParaRPr>
+          </a:p>
+          <a:p>
             <a:r>
               <a:rPr lang="en-US" altLang="zh-CN" sz="2800" dirty="0">
                 <a:latin typeface="Consolas"/>
                 <a:cs typeface="Consolas"/>
               </a:rPr>
-              <a:t> n) {</a:t>
-            </a:r>
-          </a:p>
-          <a:p>
-            <a:endParaRPr lang="en-US" altLang="zh-CN" sz="2800" dirty="0">
+              <a:t>  return (n % 2) == 0;</a:t>
+            </a:r>
+          </a:p>
+          <a:p>
+            <a:endParaRPr lang="en-US" altLang="zh-CN" sz="1600" dirty="0">
               <a:latin typeface="Consolas"/>
               <a:cs typeface="Consolas"/>
             </a:endParaRPr>
@@ -18364,7 +19733,7 @@
     </p:spTree>
     <p:extLst>
       <p:ext uri="{BB962C8B-B14F-4D97-AF65-F5344CB8AC3E}">
-        <p14:creationId xmlns:p14="http://schemas.microsoft.com/office/powerpoint/2010/main" val="849539340"/>
+        <p14:creationId xmlns:p14="http://schemas.microsoft.com/office/powerpoint/2010/main" val="3623879904"/>
       </p:ext>
     </p:extLst>
   </p:cSld>
@@ -18424,12 +19793,7 @@
             <p:ph idx="1"/>
           </p:nvPr>
         </p:nvSpPr>
-        <p:spPr>
-          <a:xfrm>
-            <a:off x="457200" y="1600201"/>
-            <a:ext cx="8229600" cy="1460524"/>
-          </a:xfrm>
-        </p:spPr>
+        <p:spPr/>
         <p:txBody>
           <a:bodyPr/>
           <a:lstStyle/>
@@ -18441,12 +19805,6 @@
               <a:rPr kumimoji="1" lang="en-US" altLang="zh-CN" dirty="0"/>
               <a:t>Given a number, write a function to decide if it is a power of two? </a:t>
             </a:r>
-          </a:p>
-          <a:p>
-            <a:pPr marL="0" indent="0">
-              <a:buNone/>
-            </a:pPr>
-            <a:endParaRPr kumimoji="1" lang="en-US" altLang="zh-CN" dirty="0"/>
           </a:p>
           <a:p>
             <a:pPr marL="0" indent="0">
@@ -18470,8 +19828,8 @@
         </p:nvSpPr>
         <p:spPr>
           <a:xfrm>
-            <a:off x="544017" y="2719826"/>
-            <a:ext cx="8142783" cy="3693318"/>
+            <a:off x="544017" y="3282000"/>
+            <a:ext cx="8344971" cy="1384995"/>
           </a:xfrm>
           <a:prstGeom prst="rect">
             <a:avLst/>
@@ -18484,42 +19842,42 @@
           <a:lstStyle/>
           <a:p>
             <a:r>
-              <a:rPr lang="en-US" altLang="zh-CN" sz="2600" dirty="0" err="1">
+              <a:rPr lang="en-US" altLang="zh-CN" sz="2800" dirty="0" err="1">
                 <a:latin typeface="Consolas"/>
                 <a:cs typeface="Consolas"/>
               </a:rPr>
               <a:t>bool</a:t>
             </a:r>
             <a:r>
-              <a:rPr lang="en-US" altLang="zh-CN" sz="2600" dirty="0">
+              <a:rPr lang="en-US" altLang="zh-CN" sz="2800" dirty="0">
                 <a:latin typeface="Consolas"/>
                 <a:cs typeface="Consolas"/>
               </a:rPr>
               <a:t> </a:t>
             </a:r>
             <a:r>
-              <a:rPr lang="en-US" altLang="zh-CN" sz="2600" dirty="0" err="1">
+              <a:rPr lang="en-US" altLang="zh-CN" sz="2800" dirty="0" err="1">
                 <a:latin typeface="Consolas"/>
                 <a:cs typeface="Consolas"/>
               </a:rPr>
               <a:t>isPowerOfTwo</a:t>
             </a:r>
             <a:r>
-              <a:rPr lang="en-US" altLang="zh-CN" sz="2600" dirty="0">
+              <a:rPr lang="en-US" altLang="zh-CN" sz="2800" dirty="0">
                 <a:latin typeface="Consolas"/>
                 <a:cs typeface="Consolas"/>
               </a:rPr>
               <a:t>(unsigned </a:t>
             </a:r>
             <a:r>
-              <a:rPr lang="en-US" altLang="zh-CN" sz="2600" dirty="0" err="1">
+              <a:rPr lang="en-US" altLang="zh-CN" sz="2800" dirty="0" err="1">
                 <a:latin typeface="Consolas"/>
                 <a:cs typeface="Consolas"/>
               </a:rPr>
               <a:t>int</a:t>
             </a:r>
             <a:r>
-              <a:rPr lang="en-US" altLang="zh-CN" sz="2600" dirty="0">
+              <a:rPr lang="en-US" altLang="zh-CN" sz="2800" dirty="0">
                 <a:latin typeface="Consolas"/>
                 <a:cs typeface="Consolas"/>
               </a:rPr>
@@ -18527,77 +19885,20 @@
             </a:r>
           </a:p>
           <a:p>
-            <a:r>
-              <a:rPr lang="en-US" altLang="zh-CN" sz="2600" dirty="0">
-                <a:latin typeface="Consolas"/>
-                <a:cs typeface="Consolas"/>
-              </a:rPr>
-              <a:t>   if (n==0) return false;</a:t>
-            </a:r>
-          </a:p>
-          <a:p>
-            <a:r>
-              <a:rPr lang="en-US" altLang="zh-CN" sz="2600" dirty="0">
-                <a:latin typeface="Consolas"/>
-                <a:cs typeface="Consolas"/>
-              </a:rPr>
-              <a:t>   while (n &gt; 1) {</a:t>
-            </a:r>
-          </a:p>
-          <a:p>
-            <a:r>
-              <a:rPr lang="en-US" altLang="zh-CN" sz="2600" dirty="0">
-                <a:latin typeface="Consolas"/>
-                <a:cs typeface="Consolas"/>
-              </a:rPr>
-              <a:t>      if (n % 2)  // (n%2)!=0</a:t>
-            </a:r>
-          </a:p>
-          <a:p>
-            <a:r>
-              <a:rPr lang="en-US" altLang="zh-CN" sz="2600" dirty="0">
-                <a:latin typeface="Consolas"/>
-                <a:cs typeface="Consolas"/>
-              </a:rPr>
-              <a:t>         return false; </a:t>
-            </a:r>
-          </a:p>
-          <a:p>
-            <a:r>
-              <a:rPr lang="en-US" altLang="zh-CN" sz="2600" dirty="0">
-                <a:latin typeface="Consolas"/>
-                <a:cs typeface="Consolas"/>
-              </a:rPr>
-              <a:t>      n = n &gt;&gt; 1;</a:t>
-            </a:r>
-          </a:p>
-          <a:p>
-            <a:r>
-              <a:rPr lang="en-US" altLang="zh-CN" sz="2600" dirty="0">
-                <a:latin typeface="Consolas"/>
-                <a:cs typeface="Consolas"/>
-              </a:rPr>
-              <a:t>   }</a:t>
-            </a:r>
-          </a:p>
-          <a:p>
-            <a:r>
-              <a:rPr lang="en-US" altLang="zh-CN" sz="2600" dirty="0">
-                <a:latin typeface="Consolas"/>
-                <a:cs typeface="Consolas"/>
-              </a:rPr>
-              <a:t>   return true;</a:t>
-            </a:r>
-          </a:p>
-          <a:p>
-            <a:r>
-              <a:rPr lang="en-US" altLang="zh-CN" sz="2600" dirty="0">
+            <a:endParaRPr lang="en-US" altLang="zh-CN" sz="2800" dirty="0">
+              <a:latin typeface="Consolas"/>
+              <a:cs typeface="Consolas"/>
+            </a:endParaRPr>
+          </a:p>
+          <a:p>
+            <a:r>
+              <a:rPr lang="en-US" altLang="zh-CN" sz="2800" dirty="0">
                 <a:latin typeface="Consolas"/>
                 <a:cs typeface="Consolas"/>
               </a:rPr>
               <a:t>}</a:t>
             </a:r>
-            <a:endParaRPr lang="zh-CN" altLang="en-US" sz="2600" dirty="0">
+            <a:endParaRPr lang="zh-CN" altLang="en-US" sz="2800" dirty="0">
               <a:latin typeface="Consolas"/>
               <a:cs typeface="Consolas"/>
             </a:endParaRPr>
@@ -18607,7 +19908,7 @@
     </p:spTree>
     <p:extLst>
       <p:ext uri="{BB962C8B-B14F-4D97-AF65-F5344CB8AC3E}">
-        <p14:creationId xmlns:p14="http://schemas.microsoft.com/office/powerpoint/2010/main" val="3789686449"/>
+        <p14:creationId xmlns:p14="http://schemas.microsoft.com/office/powerpoint/2010/main" val="849539340"/>
       </p:ext>
     </p:extLst>
   </p:cSld>
@@ -18667,7 +19968,12 @@
             <p:ph idx="1"/>
           </p:nvPr>
         </p:nvSpPr>
-        <p:spPr/>
+        <p:spPr>
+          <a:xfrm>
+            <a:off x="457200" y="1600201"/>
+            <a:ext cx="8229600" cy="1460524"/>
+          </a:xfrm>
+        </p:spPr>
         <p:txBody>
           <a:bodyPr/>
           <a:lstStyle/>
@@ -18690,20 +19996,26 @@
             <a:pPr marL="0" indent="0">
               <a:buNone/>
             </a:pPr>
+            <a:endParaRPr kumimoji="1" lang="en-US" altLang="zh-CN" dirty="0"/>
+          </a:p>
+          <a:p>
+            <a:pPr marL="0" indent="0">
+              <a:buNone/>
+            </a:pPr>
             <a:endParaRPr kumimoji="1" lang="zh-CN" altLang="en-US" dirty="0"/>
           </a:p>
         </p:txBody>
       </p:sp>
       <p:sp>
         <p:nvSpPr>
-          <p:cNvPr id="4" name="矩形 3"/>
+          <p:cNvPr id="5" name="矩形 4"/>
           <p:cNvSpPr/>
           <p:nvPr/>
         </p:nvSpPr>
         <p:spPr>
           <a:xfrm>
-            <a:off x="802506" y="3180858"/>
-            <a:ext cx="5479868" cy="523220"/>
+            <a:off x="544017" y="2719826"/>
+            <a:ext cx="8142783" cy="3693318"/>
           </a:xfrm>
           <a:prstGeom prst="rect">
             <a:avLst/>
@@ -18715,71 +20027,43 @@
           </a:bodyPr>
           <a:lstStyle/>
           <a:p>
-            <a:endParaRPr lang="zh-CN" altLang="en-US" sz="2800" dirty="0">
-              <a:latin typeface="Consolas"/>
-              <a:cs typeface="Consolas"/>
-            </a:endParaRPr>
-          </a:p>
-        </p:txBody>
-      </p:sp>
-      <p:sp>
-        <p:nvSpPr>
-          <p:cNvPr id="5" name="矩形 4"/>
-          <p:cNvSpPr/>
-          <p:nvPr/>
-        </p:nvSpPr>
-        <p:spPr>
-          <a:xfrm>
-            <a:off x="544017" y="3282000"/>
-            <a:ext cx="8599983" cy="2308324"/>
-          </a:xfrm>
-          <a:prstGeom prst="rect">
-            <a:avLst/>
-          </a:prstGeom>
-        </p:spPr>
-        <p:txBody>
-          <a:bodyPr wrap="square">
-            <a:spAutoFit/>
-          </a:bodyPr>
-          <a:lstStyle/>
-          <a:p>
-            <a:r>
-              <a:rPr lang="en-US" altLang="zh-CN" sz="2800" dirty="0" err="1">
+            <a:r>
+              <a:rPr lang="en-US" altLang="zh-CN" sz="2600" dirty="0" err="1">
                 <a:latin typeface="Consolas"/>
                 <a:cs typeface="Consolas"/>
               </a:rPr>
               <a:t>bool</a:t>
             </a:r>
             <a:r>
-              <a:rPr lang="en-US" altLang="zh-CN" sz="2800" dirty="0">
+              <a:rPr lang="en-US" altLang="zh-CN" sz="2600" dirty="0">
                 <a:latin typeface="Consolas"/>
                 <a:cs typeface="Consolas"/>
               </a:rPr>
               <a:t> </a:t>
             </a:r>
             <a:r>
-              <a:rPr lang="en-US" altLang="zh-CN" sz="2800" dirty="0" err="1">
+              <a:rPr lang="en-US" altLang="zh-CN" sz="2600" dirty="0" err="1">
                 <a:latin typeface="Consolas"/>
                 <a:cs typeface="Consolas"/>
               </a:rPr>
               <a:t>isPowerOfTwo</a:t>
             </a:r>
             <a:r>
-              <a:rPr lang="en-US" altLang="zh-CN" sz="2800" dirty="0">
+              <a:rPr lang="en-US" altLang="zh-CN" sz="2600" dirty="0">
                 <a:latin typeface="Consolas"/>
                 <a:cs typeface="Consolas"/>
               </a:rPr>
               <a:t>(unsigned </a:t>
             </a:r>
             <a:r>
-              <a:rPr lang="en-US" altLang="zh-CN" sz="2800" dirty="0" err="1">
+              <a:rPr lang="en-US" altLang="zh-CN" sz="2600" dirty="0" err="1">
                 <a:latin typeface="Consolas"/>
                 <a:cs typeface="Consolas"/>
               </a:rPr>
               <a:t>int</a:t>
             </a:r>
             <a:r>
-              <a:rPr lang="en-US" altLang="zh-CN" sz="2800" dirty="0">
+              <a:rPr lang="en-US" altLang="zh-CN" sz="2600" dirty="0">
                 <a:latin typeface="Consolas"/>
                 <a:cs typeface="Consolas"/>
               </a:rPr>
@@ -18787,58 +20071,77 @@
             </a:r>
           </a:p>
           <a:p>
-            <a:endParaRPr lang="en-US" altLang="zh-CN" sz="1600" dirty="0">
-              <a:latin typeface="Consolas"/>
-              <a:cs typeface="Consolas"/>
-            </a:endParaRPr>
-          </a:p>
-          <a:p>
-            <a:r>
-              <a:rPr lang="en-US" altLang="zh-CN" sz="2800" dirty="0">
-                <a:latin typeface="Consolas"/>
-                <a:cs typeface="Consolas"/>
-              </a:rPr>
-              <a:t>  return </a:t>
-            </a:r>
-            <a:r>
-              <a:rPr lang="mr-IN" altLang="zh-CN" sz="2800" dirty="0">
-                <a:latin typeface="Consolas"/>
-                <a:cs typeface="Consolas"/>
-              </a:rPr>
-              <a:t>(n &amp; (n-1)</a:t>
-            </a:r>
-            <a:r>
-              <a:rPr lang="en-US" altLang="zh-CN" sz="2800" dirty="0">
-                <a:latin typeface="Consolas"/>
-                <a:cs typeface="Consolas"/>
-              </a:rPr>
-              <a:t>) == 0; </a:t>
-            </a:r>
-          </a:p>
-          <a:p>
-            <a:r>
-              <a:rPr lang="en-US" altLang="zh-CN" sz="2800" dirty="0">
-                <a:latin typeface="Consolas"/>
-                <a:cs typeface="Consolas"/>
-              </a:rPr>
-              <a:t>  // n&amp;(n-1) clears rightmost bit-of-1 in n</a:t>
-            </a:r>
-          </a:p>
-          <a:p>
-            <a:endParaRPr lang="en-US" altLang="zh-CN" sz="1600" dirty="0">
-              <a:latin typeface="Consolas"/>
-              <a:cs typeface="Consolas"/>
-            </a:endParaRPr>
-          </a:p>
-          <a:p>
-            <a:r>
-              <a:rPr lang="en-US" altLang="zh-CN" sz="2800" dirty="0">
+            <a:r>
+              <a:rPr lang="en-US" altLang="zh-CN" sz="2600" dirty="0">
+                <a:latin typeface="Consolas"/>
+                <a:cs typeface="Consolas"/>
+              </a:rPr>
+              <a:t>   if (n==0) return false;</a:t>
+            </a:r>
+          </a:p>
+          <a:p>
+            <a:r>
+              <a:rPr lang="en-US" altLang="zh-CN" sz="2600" dirty="0">
+                <a:latin typeface="Consolas"/>
+                <a:cs typeface="Consolas"/>
+              </a:rPr>
+              <a:t>   while (n &gt; 1) {</a:t>
+            </a:r>
+          </a:p>
+          <a:p>
+            <a:r>
+              <a:rPr lang="en-US" altLang="zh-CN" sz="2600" dirty="0">
+                <a:latin typeface="Consolas"/>
+                <a:cs typeface="Consolas"/>
+              </a:rPr>
+              <a:t>      if (n % 2)  // (n%2)!=0</a:t>
+            </a:r>
+          </a:p>
+          <a:p>
+            <a:r>
+              <a:rPr lang="en-US" altLang="zh-CN" sz="2600" dirty="0">
+                <a:latin typeface="Consolas"/>
+                <a:cs typeface="Consolas"/>
+              </a:rPr>
+              <a:t>         return false; </a:t>
+            </a:r>
+          </a:p>
+          <a:p>
+            <a:r>
+              <a:rPr lang="en-US" altLang="zh-CN" sz="2600" dirty="0">
+                <a:latin typeface="Consolas"/>
+                <a:cs typeface="Consolas"/>
+              </a:rPr>
+              <a:t>      n = n &gt;&gt; 1;</a:t>
+            </a:r>
+          </a:p>
+          <a:p>
+            <a:r>
+              <a:rPr lang="en-US" altLang="zh-CN" sz="2600" dirty="0">
+                <a:latin typeface="Consolas"/>
+                <a:cs typeface="Consolas"/>
+              </a:rPr>
+              <a:t>   }</a:t>
+            </a:r>
+          </a:p>
+          <a:p>
+            <a:r>
+              <a:rPr lang="en-US" altLang="zh-CN" sz="2600" dirty="0">
+                <a:latin typeface="Consolas"/>
+                <a:cs typeface="Consolas"/>
+              </a:rPr>
+              <a:t>   return true;</a:t>
+            </a:r>
+          </a:p>
+          <a:p>
+            <a:r>
+              <a:rPr lang="en-US" altLang="zh-CN" sz="2600" dirty="0">
                 <a:latin typeface="Consolas"/>
                 <a:cs typeface="Consolas"/>
               </a:rPr>
               <a:t>}</a:t>
             </a:r>
-            <a:endParaRPr lang="zh-CN" altLang="en-US" sz="2800" dirty="0">
+            <a:endParaRPr lang="zh-CN" altLang="en-US" sz="2600" dirty="0">
               <a:latin typeface="Consolas"/>
               <a:cs typeface="Consolas"/>
             </a:endParaRPr>
@@ -18848,7 +20151,7 @@
     </p:spTree>
     <p:extLst>
       <p:ext uri="{BB962C8B-B14F-4D97-AF65-F5344CB8AC3E}">
-        <p14:creationId xmlns:p14="http://schemas.microsoft.com/office/powerpoint/2010/main" val="4205408796"/>
+        <p14:creationId xmlns:p14="http://schemas.microsoft.com/office/powerpoint/2010/main" val="3789686449"/>
       </p:ext>
     </p:extLst>
   </p:cSld>
@@ -18972,7 +20275,7 @@
         <p:spPr>
           <a:xfrm>
             <a:off x="544017" y="3282000"/>
-            <a:ext cx="7344094" cy="1877437"/>
+            <a:ext cx="8599983" cy="2308324"/>
           </a:xfrm>
           <a:prstGeom prst="rect">
             <a:avLst/>
@@ -19039,7 +20342,7 @@
                 <a:latin typeface="Consolas"/>
                 <a:cs typeface="Consolas"/>
               </a:rPr>
-              <a:t>  return n != 0 &amp;&amp; </a:t>
+              <a:t>  return </a:t>
             </a:r>
             <a:r>
               <a:rPr lang="mr-IN" altLang="zh-CN" sz="2800" dirty="0">
@@ -19053,7 +20356,16 @@
                 <a:latin typeface="Consolas"/>
                 <a:cs typeface="Consolas"/>
               </a:rPr>
-              <a:t>) == 0;</a:t>
+              <a:t>) == 0; </a:t>
+            </a:r>
+          </a:p>
+          <a:p>
+            <a:r>
+              <a:rPr lang="en-US" altLang="zh-CN" sz="2800" dirty="0">
+                <a:latin typeface="Consolas"/>
+                <a:cs typeface="Consolas"/>
+              </a:rPr>
+              <a:t>  // n&amp;(n-1) clears rightmost bit-of-1 in n</a:t>
             </a:r>
           </a:p>
           <a:p>
@@ -19080,7 +20392,7 @@
     </p:spTree>
     <p:extLst>
       <p:ext uri="{BB962C8B-B14F-4D97-AF65-F5344CB8AC3E}">
-        <p14:creationId xmlns:p14="http://schemas.microsoft.com/office/powerpoint/2010/main" val="1735239257"/>
+        <p14:creationId xmlns:p14="http://schemas.microsoft.com/office/powerpoint/2010/main" val="4205408796"/>
       </p:ext>
     </p:extLst>
   </p:cSld>
@@ -19779,12 +21091,7 @@
             <p:ph idx="1"/>
           </p:nvPr>
         </p:nvSpPr>
-        <p:spPr>
-          <a:xfrm>
-            <a:off x="457200" y="1600200"/>
-            <a:ext cx="8686800" cy="4525963"/>
-          </a:xfrm>
-        </p:spPr>
+        <p:spPr/>
         <p:txBody>
           <a:bodyPr/>
           <a:lstStyle/>
@@ -19794,16 +21101,7 @@
             </a:pPr>
             <a:r>
               <a:rPr kumimoji="1" lang="en-US" altLang="zh-CN" dirty="0"/>
-              <a:t>Count the number of ones in the binary representation of the given number ?</a:t>
-            </a:r>
-          </a:p>
-          <a:p>
-            <a:pPr marL="0" indent="0">
-              <a:buNone/>
-            </a:pPr>
-            <a:r>
-              <a:rPr kumimoji="1" lang="en-US" altLang="zh-CN" dirty="0"/>
-              <a:t>(n &gt; 0)</a:t>
+              <a:t>Given a number, write a function to decide if it is a power of two? </a:t>
             </a:r>
           </a:p>
           <a:p>
@@ -19857,7 +21155,7 @@
         <p:spPr>
           <a:xfrm>
             <a:off x="544017" y="3282000"/>
-            <a:ext cx="7671394" cy="1631216"/>
+            <a:ext cx="7344094" cy="1877437"/>
           </a:xfrm>
           <a:prstGeom prst="rect">
             <a:avLst/>
@@ -19874,6 +21172,34 @@
                 <a:latin typeface="Consolas"/>
                 <a:cs typeface="Consolas"/>
               </a:rPr>
+              <a:t>bool</a:t>
+            </a:r>
+            <a:r>
+              <a:rPr lang="en-US" altLang="zh-CN" sz="2800" dirty="0">
+                <a:latin typeface="Consolas"/>
+                <a:cs typeface="Consolas"/>
+              </a:rPr>
+              <a:t> </a:t>
+            </a:r>
+            <a:r>
+              <a:rPr lang="en-US" altLang="zh-CN" sz="2800" dirty="0" err="1">
+                <a:latin typeface="Consolas"/>
+                <a:cs typeface="Consolas"/>
+              </a:rPr>
+              <a:t>isPowerOfTwo</a:t>
+            </a:r>
+            <a:r>
+              <a:rPr lang="en-US" altLang="zh-CN" sz="2800" dirty="0">
+                <a:latin typeface="Consolas"/>
+                <a:cs typeface="Consolas"/>
+              </a:rPr>
+              <a:t>(unsigned </a:t>
+            </a:r>
+            <a:r>
+              <a:rPr lang="en-US" altLang="zh-CN" sz="2800" dirty="0" err="1">
+                <a:latin typeface="Consolas"/>
+                <a:cs typeface="Consolas"/>
+              </a:rPr>
               <a:t>int</a:t>
             </a:r>
             <a:r>
@@ -19881,21 +21207,7 @@
                 <a:latin typeface="Consolas"/>
                 <a:cs typeface="Consolas"/>
               </a:rPr>
-              <a:t> </a:t>
-            </a:r>
-            <a:r>
-              <a:rPr lang="en-US" altLang="zh-CN" sz="2800" dirty="0" err="1">
-                <a:latin typeface="Consolas"/>
-                <a:cs typeface="Consolas"/>
-              </a:rPr>
-              <a:t>count_one</a:t>
-            </a:r>
-            <a:r>
-              <a:rPr lang="en-US" altLang="zh-CN" sz="2800" dirty="0">
-                <a:latin typeface="Consolas"/>
-                <a:cs typeface="Consolas"/>
-              </a:rPr>
-              <a:t>(int n) {</a:t>
+              <a:t> n) {</a:t>
             </a:r>
           </a:p>
           <a:p>
@@ -19910,8 +21222,24 @@
                 <a:latin typeface="Consolas"/>
                 <a:cs typeface="Consolas"/>
               </a:rPr>
-              <a:t>   </a:t>
-            </a:r>
+              <a:t>  return n != 0 &amp;&amp; </a:t>
+            </a:r>
+            <a:r>
+              <a:rPr lang="mr-IN" altLang="zh-CN" sz="2800" dirty="0">
+                <a:latin typeface="Consolas"/>
+                <a:cs typeface="Consolas"/>
+              </a:rPr>
+              <a:t>(n &amp; (n-1)</a:t>
+            </a:r>
+            <a:r>
+              <a:rPr lang="en-US" altLang="zh-CN" sz="2800" dirty="0">
+                <a:latin typeface="Consolas"/>
+                <a:cs typeface="Consolas"/>
+              </a:rPr>
+              <a:t>) == 0;</a:t>
+            </a:r>
+          </a:p>
+          <a:p>
             <a:endParaRPr lang="en-US" altLang="zh-CN" sz="1600" dirty="0">
               <a:latin typeface="Consolas"/>
               <a:cs typeface="Consolas"/>
@@ -19935,7 +21263,7 @@
     </p:spTree>
     <p:extLst>
       <p:ext uri="{BB962C8B-B14F-4D97-AF65-F5344CB8AC3E}">
-        <p14:creationId xmlns:p14="http://schemas.microsoft.com/office/powerpoint/2010/main" val="1735145085"/>
+        <p14:creationId xmlns:p14="http://schemas.microsoft.com/office/powerpoint/2010/main" val="1735239257"/>
       </p:ext>
     </p:extLst>
   </p:cSld>
@@ -20072,8 +21400,8 @@
         </p:nvSpPr>
         <p:spPr>
           <a:xfrm>
-            <a:off x="544017" y="3180858"/>
-            <a:ext cx="7671394" cy="3539431"/>
+            <a:off x="544017" y="3282000"/>
+            <a:ext cx="7671394" cy="1631216"/>
           </a:xfrm>
           <a:prstGeom prst="rect">
             <a:avLst/>
@@ -20115,85 +21443,18 @@
             </a:r>
           </a:p>
           <a:p>
+            <a:endParaRPr lang="en-US" altLang="zh-CN" sz="1600" dirty="0">
+              <a:latin typeface="Consolas"/>
+              <a:cs typeface="Consolas"/>
+            </a:endParaRPr>
+          </a:p>
+          <a:p>
             <a:r>
               <a:rPr lang="en-US" altLang="zh-CN" sz="2800" dirty="0">
                 <a:latin typeface="Consolas"/>
                 <a:cs typeface="Consolas"/>
               </a:rPr>
               <a:t>   </a:t>
-            </a:r>
-            <a:r>
-              <a:rPr lang="en-US" altLang="zh-CN" sz="2800" dirty="0" err="1">
-                <a:latin typeface="Consolas"/>
-                <a:cs typeface="Consolas"/>
-              </a:rPr>
-              <a:t>int</a:t>
-            </a:r>
-            <a:r>
-              <a:rPr lang="en-US" altLang="zh-CN" sz="2800" dirty="0">
-                <a:latin typeface="Consolas"/>
-                <a:cs typeface="Consolas"/>
-              </a:rPr>
-              <a:t> count = 0;</a:t>
-            </a:r>
-          </a:p>
-          <a:p>
-            <a:r>
-              <a:rPr lang="en-US" altLang="zh-CN" sz="2800" dirty="0">
-                <a:latin typeface="Consolas"/>
-                <a:cs typeface="Consolas"/>
-              </a:rPr>
-              <a:t>   while (n != 0 ) {</a:t>
-            </a:r>
-          </a:p>
-          <a:p>
-            <a:r>
-              <a:rPr lang="en-US" altLang="zh-CN" sz="2800" dirty="0">
-                <a:latin typeface="Consolas"/>
-                <a:cs typeface="Consolas"/>
-              </a:rPr>
-              <a:t>      count += (n % 2);</a:t>
-            </a:r>
-          </a:p>
-          <a:p>
-            <a:r>
-              <a:rPr lang="en-US" altLang="zh-CN" sz="2800" dirty="0">
-                <a:latin typeface="Consolas"/>
-                <a:cs typeface="Consolas"/>
-              </a:rPr>
-              <a:t>      n = (unsigned </a:t>
-            </a:r>
-            <a:r>
-              <a:rPr lang="en-US" altLang="zh-CN" sz="2800" dirty="0" err="1">
-                <a:latin typeface="Consolas"/>
-                <a:cs typeface="Consolas"/>
-              </a:rPr>
-              <a:t>int</a:t>
-            </a:r>
-            <a:r>
-              <a:rPr lang="en-US" altLang="zh-CN" sz="2800" dirty="0">
-                <a:latin typeface="Consolas"/>
-                <a:cs typeface="Consolas"/>
-              </a:rPr>
-              <a:t>)n&gt;&gt;1;</a:t>
-            </a:r>
-          </a:p>
-          <a:p>
-            <a:r>
-              <a:rPr lang="en-US" altLang="zh-CN" sz="2800" dirty="0">
-                <a:latin typeface="Consolas"/>
-                <a:cs typeface="Consolas"/>
-              </a:rPr>
-              <a:t>   }</a:t>
-            </a:r>
-          </a:p>
-          <a:p>
-            <a:r>
-              <a:rPr lang="en-US" altLang="zh-CN" sz="2800" dirty="0">
-                <a:latin typeface="Consolas"/>
-                <a:cs typeface="Consolas"/>
-              </a:rPr>
-              <a:t>   return count;</a:t>
             </a:r>
             <a:endParaRPr lang="en-US" altLang="zh-CN" sz="1600" dirty="0">
               <a:latin typeface="Consolas"/>
@@ -20218,7 +21479,7 @@
     </p:spTree>
     <p:extLst>
       <p:ext uri="{BB962C8B-B14F-4D97-AF65-F5344CB8AC3E}">
-        <p14:creationId xmlns:p14="http://schemas.microsoft.com/office/powerpoint/2010/main" val="1430052465"/>
+        <p14:creationId xmlns:p14="http://schemas.microsoft.com/office/powerpoint/2010/main" val="1735145085"/>
       </p:ext>
     </p:extLst>
   </p:cSld>
@@ -20278,7 +21539,12 @@
             <p:ph idx="1"/>
           </p:nvPr>
         </p:nvSpPr>
-        <p:spPr/>
+        <p:spPr>
+          <a:xfrm>
+            <a:off x="457200" y="1600200"/>
+            <a:ext cx="8686800" cy="4525963"/>
+          </a:xfrm>
+        </p:spPr>
         <p:txBody>
           <a:bodyPr/>
           <a:lstStyle/>
@@ -20289,6 +21555,15 @@
             <a:r>
               <a:rPr kumimoji="1" lang="en-US" altLang="zh-CN" dirty="0"/>
               <a:t>Count the number of ones in the binary representation of the given number ?</a:t>
+            </a:r>
+          </a:p>
+          <a:p>
+            <a:pPr marL="0" indent="0">
+              <a:buNone/>
+            </a:pPr>
+            <a:r>
+              <a:rPr kumimoji="1" lang="en-US" altLang="zh-CN" dirty="0"/>
+              <a:t>(n &gt; 0)</a:t>
             </a:r>
           </a:p>
           <a:p>
@@ -20341,6 +21616,275 @@
         </p:nvSpPr>
         <p:spPr>
           <a:xfrm>
+            <a:off x="544017" y="3180858"/>
+            <a:ext cx="7671394" cy="3539431"/>
+          </a:xfrm>
+          <a:prstGeom prst="rect">
+            <a:avLst/>
+          </a:prstGeom>
+        </p:spPr>
+        <p:txBody>
+          <a:bodyPr wrap="square">
+            <a:spAutoFit/>
+          </a:bodyPr>
+          <a:lstStyle/>
+          <a:p>
+            <a:r>
+              <a:rPr lang="en-US" altLang="zh-CN" sz="2800" dirty="0" err="1">
+                <a:latin typeface="Consolas"/>
+                <a:cs typeface="Consolas"/>
+              </a:rPr>
+              <a:t>int</a:t>
+            </a:r>
+            <a:r>
+              <a:rPr lang="en-US" altLang="zh-CN" sz="2800" dirty="0">
+                <a:latin typeface="Consolas"/>
+                <a:cs typeface="Consolas"/>
+              </a:rPr>
+              <a:t> </a:t>
+            </a:r>
+            <a:r>
+              <a:rPr lang="en-US" altLang="zh-CN" sz="2800" dirty="0" err="1">
+                <a:latin typeface="Consolas"/>
+                <a:cs typeface="Consolas"/>
+              </a:rPr>
+              <a:t>count_one</a:t>
+            </a:r>
+            <a:r>
+              <a:rPr lang="en-US" altLang="zh-CN" sz="2800" dirty="0">
+                <a:latin typeface="Consolas"/>
+                <a:cs typeface="Consolas"/>
+              </a:rPr>
+              <a:t>(int n) {</a:t>
+            </a:r>
+          </a:p>
+          <a:p>
+            <a:r>
+              <a:rPr lang="en-US" altLang="zh-CN" sz="2800" dirty="0">
+                <a:latin typeface="Consolas"/>
+                <a:cs typeface="Consolas"/>
+              </a:rPr>
+              <a:t>   </a:t>
+            </a:r>
+            <a:r>
+              <a:rPr lang="en-US" altLang="zh-CN" sz="2800" dirty="0" err="1">
+                <a:latin typeface="Consolas"/>
+                <a:cs typeface="Consolas"/>
+              </a:rPr>
+              <a:t>int</a:t>
+            </a:r>
+            <a:r>
+              <a:rPr lang="en-US" altLang="zh-CN" sz="2800" dirty="0">
+                <a:latin typeface="Consolas"/>
+                <a:cs typeface="Consolas"/>
+              </a:rPr>
+              <a:t> count = 0;</a:t>
+            </a:r>
+          </a:p>
+          <a:p>
+            <a:r>
+              <a:rPr lang="en-US" altLang="zh-CN" sz="2800" dirty="0">
+                <a:latin typeface="Consolas"/>
+                <a:cs typeface="Consolas"/>
+              </a:rPr>
+              <a:t>   while (n != 0 ) {</a:t>
+            </a:r>
+          </a:p>
+          <a:p>
+            <a:r>
+              <a:rPr lang="en-US" altLang="zh-CN" sz="2800" dirty="0">
+                <a:latin typeface="Consolas"/>
+                <a:cs typeface="Consolas"/>
+              </a:rPr>
+              <a:t>      count += (n % 2);</a:t>
+            </a:r>
+          </a:p>
+          <a:p>
+            <a:r>
+              <a:rPr lang="en-US" altLang="zh-CN" sz="2800" dirty="0">
+                <a:latin typeface="Consolas"/>
+                <a:cs typeface="Consolas"/>
+              </a:rPr>
+              <a:t>      n = (unsigned </a:t>
+            </a:r>
+            <a:r>
+              <a:rPr lang="en-US" altLang="zh-CN" sz="2800" dirty="0" err="1">
+                <a:latin typeface="Consolas"/>
+                <a:cs typeface="Consolas"/>
+              </a:rPr>
+              <a:t>int</a:t>
+            </a:r>
+            <a:r>
+              <a:rPr lang="en-US" altLang="zh-CN" sz="2800" dirty="0">
+                <a:latin typeface="Consolas"/>
+                <a:cs typeface="Consolas"/>
+              </a:rPr>
+              <a:t>)n&gt;&gt;1;</a:t>
+            </a:r>
+          </a:p>
+          <a:p>
+            <a:r>
+              <a:rPr lang="en-US" altLang="zh-CN" sz="2800" dirty="0">
+                <a:latin typeface="Consolas"/>
+                <a:cs typeface="Consolas"/>
+              </a:rPr>
+              <a:t>   }</a:t>
+            </a:r>
+          </a:p>
+          <a:p>
+            <a:r>
+              <a:rPr lang="en-US" altLang="zh-CN" sz="2800" dirty="0">
+                <a:latin typeface="Consolas"/>
+                <a:cs typeface="Consolas"/>
+              </a:rPr>
+              <a:t>   return count;</a:t>
+            </a:r>
+            <a:endParaRPr lang="en-US" altLang="zh-CN" sz="1600" dirty="0">
+              <a:latin typeface="Consolas"/>
+              <a:cs typeface="Consolas"/>
+            </a:endParaRPr>
+          </a:p>
+          <a:p>
+            <a:r>
+              <a:rPr lang="en-US" altLang="zh-CN" sz="2800" dirty="0">
+                <a:latin typeface="Consolas"/>
+                <a:cs typeface="Consolas"/>
+              </a:rPr>
+              <a:t>}</a:t>
+            </a:r>
+            <a:endParaRPr lang="zh-CN" altLang="en-US" sz="2800" dirty="0">
+              <a:latin typeface="Consolas"/>
+              <a:cs typeface="Consolas"/>
+            </a:endParaRPr>
+          </a:p>
+        </p:txBody>
+      </p:sp>
+    </p:spTree>
+    <p:extLst>
+      <p:ext uri="{BB962C8B-B14F-4D97-AF65-F5344CB8AC3E}">
+        <p14:creationId xmlns:p14="http://schemas.microsoft.com/office/powerpoint/2010/main" val="1430052465"/>
+      </p:ext>
+    </p:extLst>
+  </p:cSld>
+  <p:clrMapOvr>
+    <a:masterClrMapping/>
+  </p:clrMapOvr>
+</p:sld>
+</file>
+
+<file path=ppt/slides/slide43.xml><?xml version="1.0" encoding="utf-8"?>
+<p:sld xmlns:a="http://schemas.openxmlformats.org/drawingml/2006/main" xmlns:r="http://schemas.openxmlformats.org/officeDocument/2006/relationships" xmlns:p="http://schemas.openxmlformats.org/presentationml/2006/main" show="0">
+  <p:cSld>
+    <p:spTree>
+      <p:nvGrpSpPr>
+        <p:cNvPr id="1" name=""/>
+        <p:cNvGrpSpPr/>
+        <p:nvPr/>
+      </p:nvGrpSpPr>
+      <p:grpSpPr>
+        <a:xfrm>
+          <a:off x="0" y="0"/>
+          <a:ext cx="0" cy="0"/>
+          <a:chOff x="0" y="0"/>
+          <a:chExt cx="0" cy="0"/>
+        </a:xfrm>
+      </p:grpSpPr>
+      <p:sp>
+        <p:nvSpPr>
+          <p:cNvPr id="2" name="标题 1"/>
+          <p:cNvSpPr>
+            <a:spLocks noGrp="1"/>
+          </p:cNvSpPr>
+          <p:nvPr>
+            <p:ph type="title"/>
+          </p:nvPr>
+        </p:nvSpPr>
+        <p:spPr/>
+        <p:txBody>
+          <a:bodyPr/>
+          <a:lstStyle/>
+          <a:p>
+            <a:r>
+              <a:rPr kumimoji="1" lang="en-US" altLang="zh-CN" dirty="0"/>
+              <a:t>Exercises</a:t>
+            </a:r>
+            <a:endParaRPr kumimoji="1" lang="zh-CN" altLang="en-US" dirty="0"/>
+          </a:p>
+        </p:txBody>
+      </p:sp>
+      <p:sp>
+        <p:nvSpPr>
+          <p:cNvPr id="3" name="内容占位符 2"/>
+          <p:cNvSpPr>
+            <a:spLocks noGrp="1"/>
+          </p:cNvSpPr>
+          <p:nvPr>
+            <p:ph idx="1"/>
+          </p:nvPr>
+        </p:nvSpPr>
+        <p:spPr/>
+        <p:txBody>
+          <a:bodyPr/>
+          <a:lstStyle/>
+          <a:p>
+            <a:pPr marL="0" indent="0">
+              <a:buNone/>
+            </a:pPr>
+            <a:r>
+              <a:rPr kumimoji="1" lang="en-US" altLang="zh-CN" dirty="0"/>
+              <a:t>Count the number of ones in the binary representation of the given number ?</a:t>
+            </a:r>
+          </a:p>
+          <a:p>
+            <a:pPr marL="0" indent="0">
+              <a:buNone/>
+            </a:pPr>
+            <a:endParaRPr kumimoji="1" lang="en-US" altLang="zh-CN" dirty="0"/>
+          </a:p>
+          <a:p>
+            <a:pPr marL="0" indent="0">
+              <a:buNone/>
+            </a:pPr>
+            <a:endParaRPr kumimoji="1" lang="zh-CN" altLang="en-US" dirty="0"/>
+          </a:p>
+        </p:txBody>
+      </p:sp>
+      <p:sp>
+        <p:nvSpPr>
+          <p:cNvPr id="4" name="矩形 3"/>
+          <p:cNvSpPr/>
+          <p:nvPr/>
+        </p:nvSpPr>
+        <p:spPr>
+          <a:xfrm>
+            <a:off x="802506" y="3180858"/>
+            <a:ext cx="5479868" cy="523220"/>
+          </a:xfrm>
+          <a:prstGeom prst="rect">
+            <a:avLst/>
+          </a:prstGeom>
+        </p:spPr>
+        <p:txBody>
+          <a:bodyPr wrap="square">
+            <a:spAutoFit/>
+          </a:bodyPr>
+          <a:lstStyle/>
+          <a:p>
+            <a:endParaRPr lang="zh-CN" altLang="en-US" sz="2800" dirty="0">
+              <a:latin typeface="Consolas"/>
+              <a:cs typeface="Consolas"/>
+            </a:endParaRPr>
+          </a:p>
+        </p:txBody>
+      </p:sp>
+      <p:sp>
+        <p:nvSpPr>
+          <p:cNvPr id="5" name="矩形 4"/>
+          <p:cNvSpPr/>
+          <p:nvPr/>
+        </p:nvSpPr>
+        <p:spPr>
+          <a:xfrm>
             <a:off x="544017" y="3282000"/>
             <a:ext cx="7671394" cy="1631216"/>
           </a:xfrm>
@@ -20475,7 +22019,7 @@
 </p:sld>
 </file>
 
-<file path=ppt/slides/slide43.xml><?xml version="1.0" encoding="utf-8"?>
+<file path=ppt/slides/slide44.xml><?xml version="1.0" encoding="utf-8"?>
 <p:sld xmlns:a="http://schemas.openxmlformats.org/drawingml/2006/main" xmlns:r="http://schemas.openxmlformats.org/officeDocument/2006/relationships" xmlns:p="http://schemas.openxmlformats.org/presentationml/2006/main" show="0">
   <p:cSld>
     <p:spTree>
@@ -21402,14 +22946,14 @@
             </a:ln>
             <a:extLst>
               <a:ext uri="{909E8E84-426E-40dd-AFC4-6F175D3DCCD1}">
-                <a14:hiddenFill xmlns="" xmlns:a14="http://schemas.microsoft.com/office/drawing/2010/main">
+                <a14:hiddenFill xmlns:a14="http://schemas.microsoft.com/office/drawing/2010/main" xmlns="">
                   <a:solidFill>
                     <a:srgbClr val="FFFFFF"/>
                   </a:solidFill>
                 </a14:hiddenFill>
               </a:ext>
               <a:ext uri="{91240B29-F687-4f45-9708-019B960494DF}">
-                <a14:hiddenLine xmlns="" xmlns:a14="http://schemas.microsoft.com/office/drawing/2010/main" w="9525">
+                <a14:hiddenLine xmlns:a14="http://schemas.microsoft.com/office/drawing/2010/main" xmlns="" w="9525">
                   <a:solidFill>
                     <a:srgbClr val="000000"/>
                   </a:solidFill>
@@ -21557,7 +23101,7 @@
             </a:ln>
             <a:extLst>
               <a:ext uri="{909E8E84-426E-40dd-AFC4-6F175D3DCCD1}">
-                <a14:hiddenFill xmlns="" xmlns:a14="http://schemas.microsoft.com/office/drawing/2010/main">
+                <a14:hiddenFill xmlns:a14="http://schemas.microsoft.com/office/drawing/2010/main" xmlns="">
                   <a:noFill/>
                 </a14:hiddenFill>
               </a:ext>
@@ -21615,14 +23159,14 @@
             </a:ln>
             <a:extLst>
               <a:ext uri="{909E8E84-426E-40dd-AFC4-6F175D3DCCD1}">
-                <a14:hiddenFill xmlns="" xmlns:a14="http://schemas.microsoft.com/office/drawing/2010/main">
+                <a14:hiddenFill xmlns:a14="http://schemas.microsoft.com/office/drawing/2010/main" xmlns="">
                   <a:solidFill>
                     <a:srgbClr val="FFFFFF"/>
                   </a:solidFill>
                 </a14:hiddenFill>
               </a:ext>
               <a:ext uri="{91240B29-F687-4f45-9708-019B960494DF}">
-                <a14:hiddenLine xmlns="" xmlns:a14="http://schemas.microsoft.com/office/drawing/2010/main" w="9525">
+                <a14:hiddenLine xmlns:a14="http://schemas.microsoft.com/office/drawing/2010/main" xmlns="" w="9525">
                   <a:solidFill>
                     <a:srgbClr val="000000"/>
                   </a:solidFill>
@@ -21778,7 +23322,7 @@
             </a:ln>
             <a:extLst>
               <a:ext uri="{909E8E84-426E-40dd-AFC4-6F175D3DCCD1}">
-                <a14:hiddenFill xmlns="" xmlns:a14="http://schemas.microsoft.com/office/drawing/2010/main">
+                <a14:hiddenFill xmlns:a14="http://schemas.microsoft.com/office/drawing/2010/main" xmlns="">
                   <a:noFill/>
                 </a14:hiddenFill>
               </a:ext>
@@ -22008,10 +23552,10 @@
         </p:nvGrpSpPr>
         <p:grpSpPr>
           <a:xfrm>
-            <a:off x="389424" y="5233601"/>
-            <a:ext cx="1769012" cy="595123"/>
+            <a:off x="389424" y="5233598"/>
+            <a:ext cx="2145478" cy="507831"/>
             <a:chOff x="519231" y="5835134"/>
-            <a:chExt cx="2358683" cy="793498"/>
+            <a:chExt cx="2860638" cy="677109"/>
           </a:xfrm>
         </p:grpSpPr>
         <p:sp>
@@ -22028,8 +23572,8 @@
           </p:nvSpPr>
           <p:spPr>
             <a:xfrm>
-              <a:off x="1872511" y="5889967"/>
-              <a:ext cx="1005403" cy="738665"/>
+              <a:off x="1872510" y="5889967"/>
+              <a:ext cx="1507359" cy="430887"/>
             </a:xfrm>
             <a:prstGeom prst="rect">
               <a:avLst/>
@@ -22229,14 +23773,14 @@
               </a:ln>
               <a:extLst>
                 <a:ext uri="{909E8E84-426E-40dd-AFC4-6F175D3DCCD1}">
-                  <a14:hiddenFill xmlns="" xmlns:a14="http://schemas.microsoft.com/office/drawing/2010/main">
+                  <a14:hiddenFill xmlns:a14="http://schemas.microsoft.com/office/drawing/2010/main" xmlns="">
                     <a:solidFill>
                       <a:srgbClr val="FFFFFF"/>
                     </a:solidFill>
                   </a14:hiddenFill>
                 </a:ext>
                 <a:ext uri="{91240B29-F687-4f45-9708-019B960494DF}">
-                  <a14:hiddenLine xmlns="" xmlns:a14="http://schemas.microsoft.com/office/drawing/2010/main" w="9525">
+                  <a14:hiddenLine xmlns:a14="http://schemas.microsoft.com/office/drawing/2010/main" xmlns="" w="9525">
                     <a:solidFill>
                       <a:srgbClr val="000000"/>
                     </a:solidFill>
@@ -22407,7 +23951,7 @@
               </a:ln>
               <a:extLst>
                 <a:ext uri="{909E8E84-426E-40dd-AFC4-6F175D3DCCD1}">
-                  <a14:hiddenFill xmlns="" xmlns:a14="http://schemas.microsoft.com/office/drawing/2010/main">
+                  <a14:hiddenFill xmlns:a14="http://schemas.microsoft.com/office/drawing/2010/main" xmlns="">
                     <a:noFill/>
                   </a14:hiddenFill>
                 </a:ext>
@@ -22755,8 +24299,8 @@
         </p:nvSpPr>
         <p:spPr>
           <a:xfrm>
-            <a:off x="232334" y="1111326"/>
-            <a:ext cx="7886700" cy="994172"/>
+            <a:off x="232334" y="410916"/>
+            <a:ext cx="7866637" cy="994172"/>
           </a:xfrm>
         </p:spPr>
         <p:txBody>
@@ -24833,8 +26377,8 @@
         </p:nvSpPr>
         <p:spPr>
           <a:xfrm>
-            <a:off x="222548" y="983699"/>
-            <a:ext cx="7886700" cy="994172"/>
+            <a:off x="222986" y="366844"/>
+            <a:ext cx="8664844" cy="994172"/>
           </a:xfrm>
         </p:spPr>
         <p:txBody>
@@ -26757,7 +28301,7 @@
         </p:nvSpPr>
         <p:spPr>
           <a:xfrm>
-            <a:off x="346060" y="875642"/>
+            <a:off x="346060" y="314866"/>
             <a:ext cx="7886700" cy="994172"/>
           </a:xfrm>
         </p:spPr>
@@ -26767,7 +28311,7 @@
           <a:p>
             <a:r>
               <a:rPr kumimoji="1" lang="en-US" altLang="zh-CN" dirty="0"/>
-              <a:t>Common Compilation Steps</a:t>
+              <a:t>Common compilation sequence</a:t>
             </a:r>
             <a:endParaRPr kumimoji="1" lang="zh-CN" altLang="en-US" dirty="0"/>
           </a:p>
@@ -26781,8 +28325,8 @@
         </p:nvSpPr>
         <p:spPr>
           <a:xfrm>
-            <a:off x="1220402" y="1744766"/>
-            <a:ext cx="810559" cy="584041"/>
+            <a:off x="1171276" y="1744766"/>
+            <a:ext cx="859686" cy="584041"/>
           </a:xfrm>
           <a:prstGeom prst="verticalScroll">
             <a:avLst/>
@@ -27021,8 +28565,8 @@
         </p:nvSpPr>
         <p:spPr>
           <a:xfrm>
-            <a:off x="1190047" y="2579394"/>
-            <a:ext cx="810559" cy="584041"/>
+            <a:off x="1140921" y="2579394"/>
+            <a:ext cx="859686" cy="584041"/>
           </a:xfrm>
           <a:prstGeom prst="verticalScroll">
             <a:avLst/>
@@ -27210,8 +28754,8 @@
         </p:nvSpPr>
         <p:spPr>
           <a:xfrm>
-            <a:off x="1171275" y="3440133"/>
-            <a:ext cx="810559" cy="584041"/>
+            <a:off x="1122149" y="3440133"/>
+            <a:ext cx="859685" cy="584041"/>
           </a:xfrm>
           <a:prstGeom prst="verticalScroll">
             <a:avLst/>
@@ -28571,10 +30115,10 @@
         </p:nvGrpSpPr>
         <p:grpSpPr>
           <a:xfrm>
-            <a:off x="3970268" y="1911418"/>
-            <a:ext cx="3057287" cy="994818"/>
+            <a:off x="3970267" y="1911418"/>
+            <a:ext cx="3165579" cy="994818"/>
             <a:chOff x="5293690" y="1405557"/>
-            <a:chExt cx="4076383" cy="1326424"/>
+            <a:chExt cx="4220773" cy="1326424"/>
           </a:xfrm>
         </p:grpSpPr>
         <p:sp>
@@ -28586,7 +30130,7 @@
           <p:spPr>
             <a:xfrm>
               <a:off x="7808308" y="1429860"/>
-              <a:ext cx="1561765" cy="1058533"/>
+              <a:ext cx="1706155" cy="1058533"/>
             </a:xfrm>
             <a:prstGeom prst="verticalScroll">
               <a:avLst/>
@@ -29020,10 +30564,10 @@
         </p:nvGrpSpPr>
         <p:grpSpPr>
           <a:xfrm>
-            <a:off x="3932933" y="2920188"/>
-            <a:ext cx="3153207" cy="1135922"/>
+            <a:off x="3932934" y="2920188"/>
+            <a:ext cx="3264080" cy="1135922"/>
             <a:chOff x="5243911" y="2750584"/>
-            <a:chExt cx="4204276" cy="1514562"/>
+            <a:chExt cx="4352106" cy="1514562"/>
           </a:xfrm>
         </p:grpSpPr>
         <p:sp>
@@ -29187,7 +30731,7 @@
           <p:spPr>
             <a:xfrm>
               <a:off x="7886422" y="3164032"/>
-              <a:ext cx="1561765" cy="1058533"/>
+              <a:ext cx="1709595" cy="1058533"/>
             </a:xfrm>
             <a:prstGeom prst="verticalScroll">
               <a:avLst/>
@@ -29501,8 +31045,8 @@
         </p:nvSpPr>
         <p:spPr>
           <a:xfrm>
-            <a:off x="2486782" y="4618635"/>
-            <a:ext cx="2677813" cy="1246863"/>
+            <a:off x="2310107" y="4642852"/>
+            <a:ext cx="2677813" cy="1711403"/>
           </a:xfrm>
           <a:prstGeom prst="rect">
             <a:avLst/>
@@ -29516,7 +31060,7 @@
         </p:spPr>
         <p:txBody>
           <a:bodyPr vert="horz" lIns="68580" tIns="34290" rIns="68580" bIns="34290" rtlCol="0">
-            <a:normAutofit fontScale="77500" lnSpcReduction="20000"/>
+            <a:normAutofit lnSpcReduction="10000"/>
           </a:bodyPr>
           <a:lstStyle>
             <a:lvl1pPr marL="342900" indent="-342900" algn="l" defTabSz="914400" rtl="0" eaLnBrk="1" latinLnBrk="0" hangingPunct="1">
@@ -29972,7 +31516,7 @@
         </p:nvSpPr>
         <p:spPr>
           <a:xfrm>
-            <a:off x="4393945" y="5735984"/>
+            <a:off x="4289410" y="6354256"/>
             <a:ext cx="793102" cy="300082"/>
           </a:xfrm>
           <a:prstGeom prst="rect">

--- a/notes/04-C_Basics.pptx
+++ b/notes/04-C_Basics.pptx
@@ -171,14 +171,6 @@
     </p:ext>
   </p:extLst>
 </p:presentation>
-</file>
-
-<file path=ppt/revisionInfo.xml><?xml version="1.0" encoding="utf-8"?>
-<p1510:revInfo xmlns:a="http://schemas.openxmlformats.org/drawingml/2006/main" xmlns:r="http://schemas.openxmlformats.org/officeDocument/2006/relationships" xmlns:p1510="http://schemas.microsoft.com/office/powerpoint/2015/10/main">
-  <p1510:revLst>
-    <p1510:client id="{79255C5C-2DBC-4547-8C2F-582FCEA5490E}" v="1" dt="2022-09-15T12:49:07.286"/>
-  </p1510:revLst>
-</p1510:revInfo>
 </file>
 
 <file path=ppt/handoutMasters/handoutMaster1.xml><?xml version="1.0" encoding="utf-8"?>
